--- a/agendas/2016-04-redcap-governance-meeting.pptx
+++ b/agendas/2016-04-redcap-governance-meeting.pptx
@@ -6,22 +6,32 @@
   </p:sldMasterIdLst>
   <p:sldIdLst>
     <p:sldId id="256" r:id="rId2"/>
-    <p:sldId id="257" r:id="rId3"/>
-    <p:sldId id="258" r:id="rId4"/>
-    <p:sldId id="259" r:id="rId5"/>
-    <p:sldId id="261" r:id="rId6"/>
-    <p:sldId id="265" r:id="rId7"/>
-    <p:sldId id="262" r:id="rId8"/>
-    <p:sldId id="263" r:id="rId9"/>
-    <p:sldId id="264" r:id="rId10"/>
-    <p:sldId id="267" r:id="rId11"/>
-    <p:sldId id="268" r:id="rId12"/>
+    <p:sldId id="290" r:id="rId3"/>
+    <p:sldId id="291" r:id="rId4"/>
+    <p:sldId id="292" r:id="rId5"/>
+    <p:sldId id="294" r:id="rId6"/>
+    <p:sldId id="259" r:id="rId7"/>
+    <p:sldId id="257" r:id="rId8"/>
+    <p:sldId id="258" r:id="rId9"/>
+    <p:sldId id="261" r:id="rId10"/>
+    <p:sldId id="263" r:id="rId11"/>
+    <p:sldId id="267" r:id="rId12"/>
     <p:sldId id="270" r:id="rId13"/>
-    <p:sldId id="271" r:id="rId14"/>
-    <p:sldId id="272" r:id="rId15"/>
-    <p:sldId id="273" r:id="rId16"/>
-    <p:sldId id="266" r:id="rId17"/>
-    <p:sldId id="274" r:id="rId18"/>
+    <p:sldId id="273" r:id="rId14"/>
+    <p:sldId id="266" r:id="rId15"/>
+    <p:sldId id="285" r:id="rId16"/>
+    <p:sldId id="284" r:id="rId17"/>
+    <p:sldId id="286" r:id="rId18"/>
+    <p:sldId id="287" r:id="rId19"/>
+    <p:sldId id="288" r:id="rId20"/>
+    <p:sldId id="274" r:id="rId21"/>
+    <p:sldId id="275" r:id="rId22"/>
+    <p:sldId id="276" r:id="rId23"/>
+    <p:sldId id="277" r:id="rId24"/>
+    <p:sldId id="278" r:id="rId25"/>
+    <p:sldId id="282" r:id="rId26"/>
+    <p:sldId id="283" r:id="rId27"/>
+    <p:sldId id="289" r:id="rId28"/>
   </p:sldIdLst>
   <p:sldSz cx="9144000" cy="6858000" type="screen4x3"/>
   <p:notesSz cx="6858000" cy="9144000"/>
@@ -139,6 +149,1157 @@
 </p:presentation>
 </file>
 
+<file path=ppt/charts/chart1.xml><?xml version="1.0" encoding="utf-8"?>
+<c:chartSpace xmlns:c="http://schemas.openxmlformats.org/drawingml/2006/chart" xmlns:a="http://schemas.openxmlformats.org/drawingml/2006/main" xmlns:r="http://schemas.openxmlformats.org/officeDocument/2006/relationships">
+  <c:date1904 val="0"/>
+  <c:lang val="en-US"/>
+  <c:roundedCorners val="0"/>
+  <mc:AlternateContent xmlns:mc="http://schemas.openxmlformats.org/markup-compatibility/2006">
+    <mc:Choice xmlns:c14="http://schemas.microsoft.com/office/drawing/2007/8/2/chart" Requires="c14">
+      <c14:style val="102"/>
+    </mc:Choice>
+    <mc:Fallback>
+      <c:style val="2"/>
+    </mc:Fallback>
+  </mc:AlternateContent>
+  <c:chart>
+    <c:title>
+      <c:tx>
+        <c:rich>
+          <a:bodyPr/>
+          <a:lstStyle/>
+          <a:p>
+            <a:pPr>
+              <a:defRPr/>
+            </a:pPr>
+            <a:r>
+              <a:rPr lang="en-US" dirty="0"/>
+              <a:t>Number of Full Time Employees Supporting </a:t>
+            </a:r>
+            <a:r>
+              <a:rPr lang="en-US" dirty="0" smtClean="0"/>
+              <a:t>REDCap</a:t>
+            </a:r>
+            <a:endParaRPr lang="en-US" dirty="0"/>
+          </a:p>
+        </c:rich>
+      </c:tx>
+      <c:layout/>
+      <c:overlay val="0"/>
+    </c:title>
+    <c:autoTitleDeleted val="0"/>
+    <c:plotArea>
+      <c:layout/>
+      <c:barChart>
+        <c:barDir val="col"/>
+        <c:grouping val="clustered"/>
+        <c:varyColors val="0"/>
+        <c:ser>
+          <c:idx val="0"/>
+          <c:order val="0"/>
+          <c:tx>
+            <c:strRef>
+              <c:f>Sheet4!$E$2</c:f>
+              <c:strCache>
+                <c:ptCount val="1"/>
+                <c:pt idx="0">
+                  <c:v>frequency</c:v>
+                </c:pt>
+              </c:strCache>
+            </c:strRef>
+          </c:tx>
+          <c:invertIfNegative val="0"/>
+          <c:dLbls>
+            <c:spPr>
+              <a:noFill/>
+              <a:ln>
+                <a:noFill/>
+              </a:ln>
+              <a:effectLst/>
+            </c:spPr>
+            <c:showLegendKey val="0"/>
+            <c:showVal val="1"/>
+            <c:showCatName val="0"/>
+            <c:showSerName val="0"/>
+            <c:showPercent val="0"/>
+            <c:showBubbleSize val="0"/>
+            <c:showLeaderLines val="0"/>
+            <c:extLst>
+              <c:ext xmlns:c15="http://schemas.microsoft.com/office/drawing/2012/chart" uri="{CE6537A1-D6FC-4f65-9D91-7224C49458BB}">
+                <c15:layout/>
+                <c15:showLeaderLines val="0"/>
+              </c:ext>
+            </c:extLst>
+          </c:dLbls>
+          <c:cat>
+            <c:strRef>
+              <c:f>Sheet4!$F$1:$I$1</c:f>
+              <c:strCache>
+                <c:ptCount val="4"/>
+                <c:pt idx="0">
+                  <c:v>&lt; 1</c:v>
+                </c:pt>
+                <c:pt idx="1">
+                  <c:v>1.0-1.9</c:v>
+                </c:pt>
+                <c:pt idx="2">
+                  <c:v>2</c:v>
+                </c:pt>
+                <c:pt idx="3">
+                  <c:v>2.5 - 10</c:v>
+                </c:pt>
+              </c:strCache>
+            </c:strRef>
+          </c:cat>
+          <c:val>
+            <c:numRef>
+              <c:f>Sheet4!$F$2:$I$2</c:f>
+              <c:numCache>
+                <c:formatCode>General</c:formatCode>
+                <c:ptCount val="4"/>
+                <c:pt idx="0">
+                  <c:v>13</c:v>
+                </c:pt>
+                <c:pt idx="1">
+                  <c:v>12</c:v>
+                </c:pt>
+                <c:pt idx="2">
+                  <c:v>10</c:v>
+                </c:pt>
+                <c:pt idx="3">
+                  <c:v>9</c:v>
+                </c:pt>
+              </c:numCache>
+            </c:numRef>
+          </c:val>
+        </c:ser>
+        <c:dLbls>
+          <c:showLegendKey val="0"/>
+          <c:showVal val="0"/>
+          <c:showCatName val="0"/>
+          <c:showSerName val="0"/>
+          <c:showPercent val="0"/>
+          <c:showBubbleSize val="0"/>
+        </c:dLbls>
+        <c:gapWidth val="150"/>
+        <c:axId val="306856512"/>
+        <c:axId val="306856904"/>
+      </c:barChart>
+      <c:catAx>
+        <c:axId val="306856512"/>
+        <c:scaling>
+          <c:orientation val="minMax"/>
+        </c:scaling>
+        <c:delete val="0"/>
+        <c:axPos val="b"/>
+        <c:numFmt formatCode="General" sourceLinked="0"/>
+        <c:majorTickMark val="out"/>
+        <c:minorTickMark val="none"/>
+        <c:tickLblPos val="nextTo"/>
+        <c:crossAx val="306856904"/>
+        <c:crosses val="autoZero"/>
+        <c:auto val="1"/>
+        <c:lblAlgn val="ctr"/>
+        <c:lblOffset val="100"/>
+        <c:noMultiLvlLbl val="0"/>
+      </c:catAx>
+      <c:valAx>
+        <c:axId val="306856904"/>
+        <c:scaling>
+          <c:orientation val="minMax"/>
+        </c:scaling>
+        <c:delete val="0"/>
+        <c:axPos val="l"/>
+        <c:majorGridlines/>
+        <c:numFmt formatCode="General" sourceLinked="1"/>
+        <c:majorTickMark val="out"/>
+        <c:minorTickMark val="none"/>
+        <c:tickLblPos val="nextTo"/>
+        <c:crossAx val="306856512"/>
+        <c:crosses val="autoZero"/>
+        <c:crossBetween val="between"/>
+      </c:valAx>
+    </c:plotArea>
+    <c:plotVisOnly val="1"/>
+    <c:dispBlanksAs val="gap"/>
+    <c:showDLblsOverMax val="0"/>
+  </c:chart>
+  <c:externalData r:id="rId1">
+    <c:autoUpdate val="0"/>
+  </c:externalData>
+</c:chartSpace>
+</file>
+
+<file path=ppt/charts/chart2.xml><?xml version="1.0" encoding="utf-8"?>
+<c:chartSpace xmlns:c="http://schemas.openxmlformats.org/drawingml/2006/chart" xmlns:a="http://schemas.openxmlformats.org/drawingml/2006/main" xmlns:r="http://schemas.openxmlformats.org/officeDocument/2006/relationships">
+  <c:date1904 val="0"/>
+  <c:lang val="en-US"/>
+  <c:roundedCorners val="0"/>
+  <mc:AlternateContent xmlns:mc="http://schemas.openxmlformats.org/markup-compatibility/2006">
+    <mc:Choice xmlns:c14="http://schemas.microsoft.com/office/drawing/2007/8/2/chart" Requires="c14">
+      <c14:style val="102"/>
+    </mc:Choice>
+    <mc:Fallback>
+      <c:style val="2"/>
+    </mc:Fallback>
+  </mc:AlternateContent>
+  <c:chart>
+    <c:title>
+      <c:tx>
+        <c:rich>
+          <a:bodyPr/>
+          <a:lstStyle/>
+          <a:p>
+            <a:pPr>
+              <a:defRPr/>
+            </a:pPr>
+            <a:r>
+              <a:rPr lang="en-US" dirty="0"/>
+              <a:t>Average Number of Users </a:t>
+            </a:r>
+          </a:p>
+          <a:p>
+            <a:pPr>
+              <a:defRPr/>
+            </a:pPr>
+            <a:r>
+              <a:rPr lang="en-US" dirty="0"/>
+              <a:t>by FTE </a:t>
+            </a:r>
+            <a:r>
+              <a:rPr lang="en-US" dirty="0" smtClean="0"/>
+              <a:t>Category</a:t>
+            </a:r>
+            <a:endParaRPr lang="en-US" dirty="0"/>
+          </a:p>
+        </c:rich>
+      </c:tx>
+      <c:layout/>
+      <c:overlay val="0"/>
+    </c:title>
+    <c:autoTitleDeleted val="0"/>
+    <c:plotArea>
+      <c:layout/>
+      <c:barChart>
+        <c:barDir val="col"/>
+        <c:grouping val="clustered"/>
+        <c:varyColors val="0"/>
+        <c:ser>
+          <c:idx val="1"/>
+          <c:order val="0"/>
+          <c:tx>
+            <c:strRef>
+              <c:f>Sheet4!$E$3</c:f>
+              <c:strCache>
+                <c:ptCount val="1"/>
+                <c:pt idx="0">
+                  <c:v>average number of users</c:v>
+                </c:pt>
+              </c:strCache>
+            </c:strRef>
+          </c:tx>
+          <c:invertIfNegative val="0"/>
+          <c:dLbls>
+            <c:spPr>
+              <a:noFill/>
+              <a:ln>
+                <a:noFill/>
+              </a:ln>
+              <a:effectLst/>
+            </c:spPr>
+            <c:showLegendKey val="0"/>
+            <c:showVal val="1"/>
+            <c:showCatName val="0"/>
+            <c:showSerName val="0"/>
+            <c:showPercent val="0"/>
+            <c:showBubbleSize val="0"/>
+            <c:showLeaderLines val="0"/>
+            <c:extLst>
+              <c:ext xmlns:c15="http://schemas.microsoft.com/office/drawing/2012/chart" uri="{CE6537A1-D6FC-4f65-9D91-7224C49458BB}">
+                <c15:layout/>
+                <c15:showLeaderLines val="0"/>
+              </c:ext>
+            </c:extLst>
+          </c:dLbls>
+          <c:cat>
+            <c:strRef>
+              <c:f>Sheet4!$F$1:$I$1</c:f>
+              <c:strCache>
+                <c:ptCount val="4"/>
+                <c:pt idx="0">
+                  <c:v>&lt; 1</c:v>
+                </c:pt>
+                <c:pt idx="1">
+                  <c:v>1.0-1.9</c:v>
+                </c:pt>
+                <c:pt idx="2">
+                  <c:v>2</c:v>
+                </c:pt>
+                <c:pt idx="3">
+                  <c:v>2.5 - 10</c:v>
+                </c:pt>
+              </c:strCache>
+            </c:strRef>
+          </c:cat>
+          <c:val>
+            <c:numRef>
+              <c:f>Sheet4!$F$3:$I$3</c:f>
+              <c:numCache>
+                <c:formatCode>General</c:formatCode>
+                <c:ptCount val="4"/>
+                <c:pt idx="0">
+                  <c:v>170.30769230000001</c:v>
+                </c:pt>
+                <c:pt idx="1">
+                  <c:v>835.41666669999995</c:v>
+                </c:pt>
+                <c:pt idx="2">
+                  <c:v>248.44444440000001</c:v>
+                </c:pt>
+                <c:pt idx="3">
+                  <c:v>842.66666669999995</c:v>
+                </c:pt>
+              </c:numCache>
+            </c:numRef>
+          </c:val>
+        </c:ser>
+        <c:dLbls>
+          <c:showLegendKey val="0"/>
+          <c:showVal val="0"/>
+          <c:showCatName val="0"/>
+          <c:showSerName val="0"/>
+          <c:showPercent val="0"/>
+          <c:showBubbleSize val="0"/>
+        </c:dLbls>
+        <c:gapWidth val="150"/>
+        <c:axId val="306857688"/>
+        <c:axId val="306858080"/>
+      </c:barChart>
+      <c:catAx>
+        <c:axId val="306857688"/>
+        <c:scaling>
+          <c:orientation val="minMax"/>
+        </c:scaling>
+        <c:delete val="0"/>
+        <c:axPos val="b"/>
+        <c:numFmt formatCode="General" sourceLinked="0"/>
+        <c:majorTickMark val="out"/>
+        <c:minorTickMark val="none"/>
+        <c:tickLblPos val="nextTo"/>
+        <c:crossAx val="306858080"/>
+        <c:crosses val="autoZero"/>
+        <c:auto val="1"/>
+        <c:lblAlgn val="ctr"/>
+        <c:lblOffset val="100"/>
+        <c:noMultiLvlLbl val="0"/>
+      </c:catAx>
+      <c:valAx>
+        <c:axId val="306858080"/>
+        <c:scaling>
+          <c:orientation val="minMax"/>
+        </c:scaling>
+        <c:delete val="0"/>
+        <c:axPos val="l"/>
+        <c:majorGridlines/>
+        <c:numFmt formatCode="General" sourceLinked="1"/>
+        <c:majorTickMark val="out"/>
+        <c:minorTickMark val="none"/>
+        <c:tickLblPos val="nextTo"/>
+        <c:crossAx val="306857688"/>
+        <c:crosses val="autoZero"/>
+        <c:crossBetween val="between"/>
+      </c:valAx>
+    </c:plotArea>
+    <c:plotVisOnly val="1"/>
+    <c:dispBlanksAs val="gap"/>
+    <c:showDLblsOverMax val="0"/>
+  </c:chart>
+  <c:externalData r:id="rId1">
+    <c:autoUpdate val="0"/>
+  </c:externalData>
+</c:chartSpace>
+</file>
+
+<file path=ppt/charts/chart3.xml><?xml version="1.0" encoding="utf-8"?>
+<c:chartSpace xmlns:c="http://schemas.openxmlformats.org/drawingml/2006/chart" xmlns:a="http://schemas.openxmlformats.org/drawingml/2006/main" xmlns:r="http://schemas.openxmlformats.org/officeDocument/2006/relationships">
+  <c:date1904 val="0"/>
+  <c:lang val="en-US"/>
+  <c:roundedCorners val="0"/>
+  <mc:AlternateContent xmlns:mc="http://schemas.openxmlformats.org/markup-compatibility/2006">
+    <mc:Choice xmlns:c14="http://schemas.microsoft.com/office/drawing/2007/8/2/chart" Requires="c14">
+      <c14:style val="102"/>
+    </mc:Choice>
+    <mc:Fallback>
+      <c:style val="2"/>
+    </mc:Fallback>
+  </mc:AlternateContent>
+  <c:chart>
+    <c:title>
+      <c:tx>
+        <c:rich>
+          <a:bodyPr/>
+          <a:lstStyle/>
+          <a:p>
+            <a:pPr>
+              <a:defRPr/>
+            </a:pPr>
+            <a:r>
+              <a:rPr lang="en-US" dirty="0"/>
+              <a:t>Median Number</a:t>
+            </a:r>
+            <a:r>
+              <a:rPr lang="en-US" baseline="0" dirty="0"/>
+              <a:t> of U</a:t>
+            </a:r>
+            <a:r>
+              <a:rPr lang="en-US" dirty="0"/>
+              <a:t>sers</a:t>
+            </a:r>
+          </a:p>
+          <a:p>
+            <a:pPr>
+              <a:defRPr/>
+            </a:pPr>
+            <a:r>
+              <a:rPr lang="en-US" dirty="0"/>
+              <a:t>by FTE </a:t>
+            </a:r>
+            <a:r>
+              <a:rPr lang="en-US" dirty="0" smtClean="0"/>
+              <a:t>Category</a:t>
+            </a:r>
+            <a:endParaRPr lang="en-US" dirty="0"/>
+          </a:p>
+        </c:rich>
+      </c:tx>
+      <c:layout/>
+      <c:overlay val="0"/>
+    </c:title>
+    <c:autoTitleDeleted val="0"/>
+    <c:plotArea>
+      <c:layout/>
+      <c:barChart>
+        <c:barDir val="col"/>
+        <c:grouping val="clustered"/>
+        <c:varyColors val="0"/>
+        <c:ser>
+          <c:idx val="2"/>
+          <c:order val="0"/>
+          <c:tx>
+            <c:strRef>
+              <c:f>Sheet4!$E$4</c:f>
+              <c:strCache>
+                <c:ptCount val="1"/>
+                <c:pt idx="0">
+                  <c:v>median users</c:v>
+                </c:pt>
+              </c:strCache>
+            </c:strRef>
+          </c:tx>
+          <c:invertIfNegative val="0"/>
+          <c:dLbls>
+            <c:spPr>
+              <a:noFill/>
+              <a:ln>
+                <a:noFill/>
+              </a:ln>
+              <a:effectLst/>
+            </c:spPr>
+            <c:showLegendKey val="0"/>
+            <c:showVal val="1"/>
+            <c:showCatName val="0"/>
+            <c:showSerName val="0"/>
+            <c:showPercent val="0"/>
+            <c:showBubbleSize val="0"/>
+            <c:showLeaderLines val="0"/>
+            <c:extLst>
+              <c:ext xmlns:c15="http://schemas.microsoft.com/office/drawing/2012/chart" uri="{CE6537A1-D6FC-4f65-9D91-7224C49458BB}">
+                <c15:layout/>
+                <c15:showLeaderLines val="0"/>
+              </c:ext>
+            </c:extLst>
+          </c:dLbls>
+          <c:cat>
+            <c:strRef>
+              <c:f>Sheet4!$F$1:$J$1</c:f>
+              <c:strCache>
+                <c:ptCount val="5"/>
+                <c:pt idx="0">
+                  <c:v>&lt; 1</c:v>
+                </c:pt>
+                <c:pt idx="1">
+                  <c:v>1</c:v>
+                </c:pt>
+                <c:pt idx="2">
+                  <c:v>1.1 - 1.9</c:v>
+                </c:pt>
+                <c:pt idx="3">
+                  <c:v>2</c:v>
+                </c:pt>
+                <c:pt idx="4">
+                  <c:v>2.5 - 10</c:v>
+                </c:pt>
+              </c:strCache>
+            </c:strRef>
+          </c:cat>
+          <c:val>
+            <c:numRef>
+              <c:f>Sheet4!$F$4:$J$4</c:f>
+              <c:numCache>
+                <c:formatCode>General</c:formatCode>
+                <c:ptCount val="5"/>
+                <c:pt idx="0">
+                  <c:v>44</c:v>
+                </c:pt>
+                <c:pt idx="1">
+                  <c:v>709.5</c:v>
+                </c:pt>
+                <c:pt idx="2">
+                  <c:v>119.5</c:v>
+                </c:pt>
+                <c:pt idx="3">
+                  <c:v>48</c:v>
+                </c:pt>
+                <c:pt idx="4">
+                  <c:v>740</c:v>
+                </c:pt>
+              </c:numCache>
+            </c:numRef>
+          </c:val>
+        </c:ser>
+        <c:dLbls>
+          <c:showLegendKey val="0"/>
+          <c:showVal val="0"/>
+          <c:showCatName val="0"/>
+          <c:showSerName val="0"/>
+          <c:showPercent val="0"/>
+          <c:showBubbleSize val="0"/>
+        </c:dLbls>
+        <c:gapWidth val="150"/>
+        <c:axId val="306858864"/>
+        <c:axId val="306859256"/>
+      </c:barChart>
+      <c:catAx>
+        <c:axId val="306858864"/>
+        <c:scaling>
+          <c:orientation val="minMax"/>
+        </c:scaling>
+        <c:delete val="0"/>
+        <c:axPos val="b"/>
+        <c:numFmt formatCode="General" sourceLinked="0"/>
+        <c:majorTickMark val="out"/>
+        <c:minorTickMark val="none"/>
+        <c:tickLblPos val="nextTo"/>
+        <c:crossAx val="306859256"/>
+        <c:crosses val="autoZero"/>
+        <c:auto val="1"/>
+        <c:lblAlgn val="ctr"/>
+        <c:lblOffset val="100"/>
+        <c:noMultiLvlLbl val="0"/>
+      </c:catAx>
+      <c:valAx>
+        <c:axId val="306859256"/>
+        <c:scaling>
+          <c:orientation val="minMax"/>
+        </c:scaling>
+        <c:delete val="0"/>
+        <c:axPos val="l"/>
+        <c:majorGridlines/>
+        <c:numFmt formatCode="General" sourceLinked="1"/>
+        <c:majorTickMark val="out"/>
+        <c:minorTickMark val="none"/>
+        <c:tickLblPos val="nextTo"/>
+        <c:crossAx val="306858864"/>
+        <c:crosses val="autoZero"/>
+        <c:crossBetween val="between"/>
+      </c:valAx>
+    </c:plotArea>
+    <c:plotVisOnly val="1"/>
+    <c:dispBlanksAs val="gap"/>
+    <c:showDLblsOverMax val="0"/>
+  </c:chart>
+  <c:externalData r:id="rId1">
+    <c:autoUpdate val="0"/>
+  </c:externalData>
+</c:chartSpace>
+</file>
+
+<file path=ppt/charts/chart4.xml><?xml version="1.0" encoding="utf-8"?>
+<c:chartSpace xmlns:c="http://schemas.openxmlformats.org/drawingml/2006/chart" xmlns:a="http://schemas.openxmlformats.org/drawingml/2006/main" xmlns:r="http://schemas.openxmlformats.org/officeDocument/2006/relationships">
+  <c:date1904 val="0"/>
+  <c:lang val="en-US"/>
+  <c:roundedCorners val="0"/>
+  <mc:AlternateContent xmlns:mc="http://schemas.openxmlformats.org/markup-compatibility/2006">
+    <mc:Choice xmlns:c14="http://schemas.microsoft.com/office/drawing/2007/8/2/chart" Requires="c14">
+      <c14:style val="102"/>
+    </mc:Choice>
+    <mc:Fallback>
+      <c:style val="2"/>
+    </mc:Fallback>
+  </mc:AlternateContent>
+  <c:chart>
+    <c:title>
+      <c:tx>
+        <c:rich>
+          <a:bodyPr/>
+          <a:lstStyle/>
+          <a:p>
+            <a:pPr>
+              <a:defRPr/>
+            </a:pPr>
+            <a:r>
+              <a:rPr lang="en-US" dirty="0"/>
+              <a:t>Average Number of Projects</a:t>
+            </a:r>
+          </a:p>
+          <a:p>
+            <a:pPr>
+              <a:defRPr/>
+            </a:pPr>
+            <a:r>
+              <a:rPr lang="en-US" dirty="0"/>
+              <a:t>by FTE </a:t>
+            </a:r>
+            <a:r>
+              <a:rPr lang="en-US" dirty="0" smtClean="0"/>
+              <a:t>Category</a:t>
+            </a:r>
+            <a:endParaRPr lang="en-US" dirty="0"/>
+          </a:p>
+        </c:rich>
+      </c:tx>
+      <c:overlay val="0"/>
+    </c:title>
+    <c:autoTitleDeleted val="0"/>
+    <c:plotArea>
+      <c:layout/>
+      <c:barChart>
+        <c:barDir val="col"/>
+        <c:grouping val="clustered"/>
+        <c:varyColors val="0"/>
+        <c:ser>
+          <c:idx val="3"/>
+          <c:order val="0"/>
+          <c:tx>
+            <c:strRef>
+              <c:f>Sheet4!$E$5</c:f>
+              <c:strCache>
+                <c:ptCount val="1"/>
+                <c:pt idx="0">
+                  <c:v>average projects</c:v>
+                </c:pt>
+              </c:strCache>
+            </c:strRef>
+          </c:tx>
+          <c:invertIfNegative val="0"/>
+          <c:dLbls>
+            <c:spPr>
+              <a:noFill/>
+              <a:ln>
+                <a:noFill/>
+              </a:ln>
+              <a:effectLst/>
+            </c:spPr>
+            <c:showLegendKey val="0"/>
+            <c:showVal val="1"/>
+            <c:showCatName val="0"/>
+            <c:showSerName val="0"/>
+            <c:showPercent val="0"/>
+            <c:showBubbleSize val="0"/>
+            <c:showLeaderLines val="0"/>
+            <c:extLst>
+              <c:ext xmlns:c15="http://schemas.microsoft.com/office/drawing/2012/chart" uri="{CE6537A1-D6FC-4f65-9D91-7224C49458BB}">
+                <c15:showLeaderLines val="0"/>
+              </c:ext>
+            </c:extLst>
+          </c:dLbls>
+          <c:cat>
+            <c:strRef>
+              <c:f>Sheet4!$F$1:$J$1</c:f>
+              <c:strCache>
+                <c:ptCount val="5"/>
+                <c:pt idx="0">
+                  <c:v>&lt; 1</c:v>
+                </c:pt>
+                <c:pt idx="1">
+                  <c:v>1</c:v>
+                </c:pt>
+                <c:pt idx="2">
+                  <c:v>1.1 - 1.9</c:v>
+                </c:pt>
+                <c:pt idx="3">
+                  <c:v>2</c:v>
+                </c:pt>
+                <c:pt idx="4">
+                  <c:v>2.5 - 10</c:v>
+                </c:pt>
+              </c:strCache>
+            </c:strRef>
+          </c:cat>
+          <c:val>
+            <c:numRef>
+              <c:f>Sheet4!$F$5:$J$5</c:f>
+              <c:numCache>
+                <c:formatCode>General</c:formatCode>
+                <c:ptCount val="5"/>
+                <c:pt idx="0">
+                  <c:v>81.77</c:v>
+                </c:pt>
+                <c:pt idx="1">
+                  <c:v>408.5</c:v>
+                </c:pt>
+                <c:pt idx="2">
+                  <c:v>38</c:v>
+                </c:pt>
+                <c:pt idx="3">
+                  <c:v>184.22</c:v>
+                </c:pt>
+                <c:pt idx="4">
+                  <c:v>496.22</c:v>
+                </c:pt>
+              </c:numCache>
+            </c:numRef>
+          </c:val>
+        </c:ser>
+        <c:dLbls>
+          <c:showLegendKey val="0"/>
+          <c:showVal val="0"/>
+          <c:showCatName val="0"/>
+          <c:showSerName val="0"/>
+          <c:showPercent val="0"/>
+          <c:showBubbleSize val="0"/>
+        </c:dLbls>
+        <c:gapWidth val="150"/>
+        <c:axId val="307221128"/>
+        <c:axId val="307221520"/>
+      </c:barChart>
+      <c:catAx>
+        <c:axId val="307221128"/>
+        <c:scaling>
+          <c:orientation val="minMax"/>
+        </c:scaling>
+        <c:delete val="0"/>
+        <c:axPos val="b"/>
+        <c:numFmt formatCode="General" sourceLinked="0"/>
+        <c:majorTickMark val="out"/>
+        <c:minorTickMark val="none"/>
+        <c:tickLblPos val="nextTo"/>
+        <c:crossAx val="307221520"/>
+        <c:crosses val="autoZero"/>
+        <c:auto val="1"/>
+        <c:lblAlgn val="ctr"/>
+        <c:lblOffset val="100"/>
+        <c:noMultiLvlLbl val="0"/>
+      </c:catAx>
+      <c:valAx>
+        <c:axId val="307221520"/>
+        <c:scaling>
+          <c:orientation val="minMax"/>
+        </c:scaling>
+        <c:delete val="0"/>
+        <c:axPos val="l"/>
+        <c:majorGridlines/>
+        <c:numFmt formatCode="General" sourceLinked="1"/>
+        <c:majorTickMark val="out"/>
+        <c:minorTickMark val="none"/>
+        <c:tickLblPos val="nextTo"/>
+        <c:crossAx val="307221128"/>
+        <c:crosses val="autoZero"/>
+        <c:crossBetween val="between"/>
+      </c:valAx>
+    </c:plotArea>
+    <c:plotVisOnly val="1"/>
+    <c:dispBlanksAs val="gap"/>
+    <c:showDLblsOverMax val="0"/>
+  </c:chart>
+  <c:externalData r:id="rId1">
+    <c:autoUpdate val="0"/>
+  </c:externalData>
+</c:chartSpace>
+</file>
+
+<file path=ppt/charts/chart5.xml><?xml version="1.0" encoding="utf-8"?>
+<c:chartSpace xmlns:c="http://schemas.openxmlformats.org/drawingml/2006/chart" xmlns:a="http://schemas.openxmlformats.org/drawingml/2006/main" xmlns:r="http://schemas.openxmlformats.org/officeDocument/2006/relationships">
+  <c:date1904 val="0"/>
+  <c:lang val="en-US"/>
+  <c:roundedCorners val="0"/>
+  <mc:AlternateContent xmlns:mc="http://schemas.openxmlformats.org/markup-compatibility/2006">
+    <mc:Choice xmlns:c14="http://schemas.microsoft.com/office/drawing/2007/8/2/chart" Requires="c14">
+      <c14:style val="102"/>
+    </mc:Choice>
+    <mc:Fallback>
+      <c:style val="2"/>
+    </mc:Fallback>
+  </mc:AlternateContent>
+  <c:chart>
+    <c:title>
+      <c:tx>
+        <c:rich>
+          <a:bodyPr/>
+          <a:lstStyle/>
+          <a:p>
+            <a:pPr>
+              <a:defRPr/>
+            </a:pPr>
+            <a:r>
+              <a:rPr lang="en-US" dirty="0"/>
+              <a:t>Median Number of Projects</a:t>
+            </a:r>
+          </a:p>
+          <a:p>
+            <a:pPr>
+              <a:defRPr/>
+            </a:pPr>
+            <a:r>
+              <a:rPr lang="en-US" dirty="0"/>
+              <a:t>by FTE </a:t>
+            </a:r>
+            <a:r>
+              <a:rPr lang="en-US" dirty="0" smtClean="0"/>
+              <a:t>Category</a:t>
+            </a:r>
+            <a:endParaRPr lang="en-US" dirty="0"/>
+          </a:p>
+        </c:rich>
+      </c:tx>
+      <c:overlay val="0"/>
+    </c:title>
+    <c:autoTitleDeleted val="0"/>
+    <c:plotArea>
+      <c:layout/>
+      <c:barChart>
+        <c:barDir val="col"/>
+        <c:grouping val="clustered"/>
+        <c:varyColors val="0"/>
+        <c:ser>
+          <c:idx val="4"/>
+          <c:order val="0"/>
+          <c:tx>
+            <c:strRef>
+              <c:f>Sheet4!$E$6</c:f>
+              <c:strCache>
+                <c:ptCount val="1"/>
+                <c:pt idx="0">
+                  <c:v>median projects</c:v>
+                </c:pt>
+              </c:strCache>
+            </c:strRef>
+          </c:tx>
+          <c:invertIfNegative val="0"/>
+          <c:dLbls>
+            <c:spPr>
+              <a:noFill/>
+              <a:ln>
+                <a:noFill/>
+              </a:ln>
+              <a:effectLst/>
+            </c:spPr>
+            <c:showLegendKey val="0"/>
+            <c:showVal val="1"/>
+            <c:showCatName val="0"/>
+            <c:showSerName val="0"/>
+            <c:showPercent val="0"/>
+            <c:showBubbleSize val="0"/>
+            <c:showLeaderLines val="0"/>
+            <c:extLst>
+              <c:ext xmlns:c15="http://schemas.microsoft.com/office/drawing/2012/chart" uri="{CE6537A1-D6FC-4f65-9D91-7224C49458BB}">
+                <c15:showLeaderLines val="0"/>
+              </c:ext>
+            </c:extLst>
+          </c:dLbls>
+          <c:cat>
+            <c:strRef>
+              <c:f>Sheet4!$F$1:$J$1</c:f>
+              <c:strCache>
+                <c:ptCount val="5"/>
+                <c:pt idx="0">
+                  <c:v>&lt; 1</c:v>
+                </c:pt>
+                <c:pt idx="1">
+                  <c:v>1</c:v>
+                </c:pt>
+                <c:pt idx="2">
+                  <c:v>1.1 - 1.9</c:v>
+                </c:pt>
+                <c:pt idx="3">
+                  <c:v>2</c:v>
+                </c:pt>
+                <c:pt idx="4">
+                  <c:v>2.5 - 10</c:v>
+                </c:pt>
+              </c:strCache>
+            </c:strRef>
+          </c:cat>
+          <c:val>
+            <c:numRef>
+              <c:f>Sheet4!$F$6:$J$6</c:f>
+              <c:numCache>
+                <c:formatCode>General</c:formatCode>
+                <c:ptCount val="5"/>
+                <c:pt idx="0">
+                  <c:v>10</c:v>
+                </c:pt>
+                <c:pt idx="1">
+                  <c:v>222</c:v>
+                </c:pt>
+                <c:pt idx="2">
+                  <c:v>38</c:v>
+                </c:pt>
+                <c:pt idx="3">
+                  <c:v>29</c:v>
+                </c:pt>
+                <c:pt idx="4">
+                  <c:v>478</c:v>
+                </c:pt>
+              </c:numCache>
+            </c:numRef>
+          </c:val>
+        </c:ser>
+        <c:dLbls>
+          <c:showLegendKey val="0"/>
+          <c:showVal val="0"/>
+          <c:showCatName val="0"/>
+          <c:showSerName val="0"/>
+          <c:showPercent val="0"/>
+          <c:showBubbleSize val="0"/>
+        </c:dLbls>
+        <c:gapWidth val="150"/>
+        <c:axId val="307222304"/>
+        <c:axId val="307222696"/>
+      </c:barChart>
+      <c:catAx>
+        <c:axId val="307222304"/>
+        <c:scaling>
+          <c:orientation val="minMax"/>
+        </c:scaling>
+        <c:delete val="0"/>
+        <c:axPos val="b"/>
+        <c:numFmt formatCode="General" sourceLinked="0"/>
+        <c:majorTickMark val="out"/>
+        <c:minorTickMark val="none"/>
+        <c:tickLblPos val="nextTo"/>
+        <c:crossAx val="307222696"/>
+        <c:crosses val="autoZero"/>
+        <c:auto val="1"/>
+        <c:lblAlgn val="ctr"/>
+        <c:lblOffset val="100"/>
+        <c:noMultiLvlLbl val="0"/>
+      </c:catAx>
+      <c:valAx>
+        <c:axId val="307222696"/>
+        <c:scaling>
+          <c:orientation val="minMax"/>
+        </c:scaling>
+        <c:delete val="0"/>
+        <c:axPos val="l"/>
+        <c:majorGridlines/>
+        <c:numFmt formatCode="General" sourceLinked="1"/>
+        <c:majorTickMark val="out"/>
+        <c:minorTickMark val="none"/>
+        <c:tickLblPos val="nextTo"/>
+        <c:crossAx val="307222304"/>
+        <c:crosses val="autoZero"/>
+        <c:crossBetween val="between"/>
+      </c:valAx>
+    </c:plotArea>
+    <c:plotVisOnly val="1"/>
+    <c:dispBlanksAs val="gap"/>
+    <c:showDLblsOverMax val="0"/>
+  </c:chart>
+  <c:externalData r:id="rId1">
+    <c:autoUpdate val="0"/>
+  </c:externalData>
+</c:chartSpace>
+</file>
+
+<file path=ppt/charts/chart6.xml><?xml version="1.0" encoding="utf-8"?>
+<c:chartSpace xmlns:c="http://schemas.openxmlformats.org/drawingml/2006/chart" xmlns:a="http://schemas.openxmlformats.org/drawingml/2006/main" xmlns:r="http://schemas.openxmlformats.org/officeDocument/2006/relationships">
+  <c:date1904 val="0"/>
+  <c:lang val="en-US"/>
+  <c:roundedCorners val="0"/>
+  <mc:AlternateContent xmlns:mc="http://schemas.openxmlformats.org/markup-compatibility/2006">
+    <mc:Choice xmlns:c14="http://schemas.microsoft.com/office/drawing/2007/8/2/chart" Requires="c14">
+      <c14:style val="102"/>
+    </mc:Choice>
+    <mc:Fallback>
+      <c:style val="2"/>
+    </mc:Fallback>
+  </mc:AlternateContent>
+  <c:clrMapOvr bg1="lt1" tx1="dk1" bg2="lt2" tx2="dk2" accent1="accent1" accent2="accent2" accent3="accent3" accent4="accent4" accent5="accent5" accent6="accent6" hlink="hlink" folHlink="folHlink"/>
+  <c:chart>
+    <c:autoTitleDeleted val="1"/>
+    <c:plotArea>
+      <c:layout/>
+      <c:barChart>
+        <c:barDir val="col"/>
+        <c:grouping val="clustered"/>
+        <c:varyColors val="0"/>
+        <c:ser>
+          <c:idx val="1"/>
+          <c:order val="0"/>
+          <c:invertIfNegative val="0"/>
+          <c:dLbls>
+            <c:spPr>
+              <a:noFill/>
+              <a:ln>
+                <a:noFill/>
+              </a:ln>
+              <a:effectLst/>
+            </c:spPr>
+            <c:txPr>
+              <a:bodyPr/>
+              <a:lstStyle/>
+              <a:p>
+                <a:pPr>
+                  <a:defRPr sz="1400"/>
+                </a:pPr>
+                <a:endParaRPr lang="en-US"/>
+              </a:p>
+            </c:txPr>
+            <c:showLegendKey val="0"/>
+            <c:showVal val="1"/>
+            <c:showCatName val="0"/>
+            <c:showSerName val="0"/>
+            <c:showPercent val="0"/>
+            <c:showBubbleSize val="0"/>
+            <c:showLeaderLines val="0"/>
+            <c:extLst>
+              <c:ext xmlns:c15="http://schemas.microsoft.com/office/drawing/2012/chart" uri="{CE6537A1-D6FC-4f65-9D91-7224C49458BB}">
+                <c15:showLeaderLines val="0"/>
+              </c:ext>
+            </c:extLst>
+          </c:dLbls>
+          <c:cat>
+            <c:strRef>
+              <c:f>'For Charts'!$K$18:$K$22</c:f>
+              <c:strCache>
+                <c:ptCount val="5"/>
+                <c:pt idx="0">
+                  <c:v>&lt;= 0.5</c:v>
+                </c:pt>
+                <c:pt idx="1">
+                  <c:v>1.0</c:v>
+                </c:pt>
+                <c:pt idx="2">
+                  <c:v>1.1 - 1.9</c:v>
+                </c:pt>
+                <c:pt idx="3">
+                  <c:v>2.0</c:v>
+                </c:pt>
+                <c:pt idx="4">
+                  <c:v>2.5 - 10</c:v>
+                </c:pt>
+              </c:strCache>
+            </c:strRef>
+          </c:cat>
+          <c:val>
+            <c:numRef>
+              <c:f>'For Charts'!$L$18:$L$22</c:f>
+              <c:numCache>
+                <c:formatCode>General</c:formatCode>
+                <c:ptCount val="5"/>
+                <c:pt idx="0">
+                  <c:v>11</c:v>
+                </c:pt>
+                <c:pt idx="1">
+                  <c:v>10</c:v>
+                </c:pt>
+                <c:pt idx="2">
+                  <c:v>2</c:v>
+                </c:pt>
+                <c:pt idx="3">
+                  <c:v>11</c:v>
+                </c:pt>
+                <c:pt idx="4">
+                  <c:v>9</c:v>
+                </c:pt>
+              </c:numCache>
+            </c:numRef>
+          </c:val>
+        </c:ser>
+        <c:dLbls>
+          <c:showLegendKey val="0"/>
+          <c:showVal val="0"/>
+          <c:showCatName val="0"/>
+          <c:showSerName val="0"/>
+          <c:showPercent val="0"/>
+          <c:showBubbleSize val="0"/>
+        </c:dLbls>
+        <c:gapWidth val="150"/>
+        <c:axId val="364103144"/>
+        <c:axId val="364103536"/>
+      </c:barChart>
+      <c:catAx>
+        <c:axId val="364103144"/>
+        <c:scaling>
+          <c:orientation val="minMax"/>
+        </c:scaling>
+        <c:delete val="0"/>
+        <c:axPos val="b"/>
+        <c:numFmt formatCode="General" sourceLinked="0"/>
+        <c:majorTickMark val="out"/>
+        <c:minorTickMark val="none"/>
+        <c:tickLblPos val="nextTo"/>
+        <c:txPr>
+          <a:bodyPr/>
+          <a:lstStyle/>
+          <a:p>
+            <a:pPr>
+              <a:defRPr sz="1800"/>
+            </a:pPr>
+            <a:endParaRPr lang="en-US"/>
+          </a:p>
+        </c:txPr>
+        <c:crossAx val="364103536"/>
+        <c:crosses val="autoZero"/>
+        <c:auto val="1"/>
+        <c:lblAlgn val="ctr"/>
+        <c:lblOffset val="100"/>
+        <c:noMultiLvlLbl val="0"/>
+      </c:catAx>
+      <c:valAx>
+        <c:axId val="364103536"/>
+        <c:scaling>
+          <c:orientation val="minMax"/>
+        </c:scaling>
+        <c:delete val="0"/>
+        <c:axPos val="l"/>
+        <c:majorGridlines>
+          <c:spPr>
+            <a:ln>
+              <a:noFill/>
+            </a:ln>
+          </c:spPr>
+        </c:majorGridlines>
+        <c:numFmt formatCode="General" sourceLinked="1"/>
+        <c:majorTickMark val="out"/>
+        <c:minorTickMark val="none"/>
+        <c:tickLblPos val="nextTo"/>
+        <c:txPr>
+          <a:bodyPr/>
+          <a:lstStyle/>
+          <a:p>
+            <a:pPr>
+              <a:defRPr sz="1800"/>
+            </a:pPr>
+            <a:endParaRPr lang="en-US"/>
+          </a:p>
+        </c:txPr>
+        <c:crossAx val="364103144"/>
+        <c:crosses val="autoZero"/>
+        <c:crossBetween val="between"/>
+      </c:valAx>
+    </c:plotArea>
+    <c:plotVisOnly val="1"/>
+    <c:dispBlanksAs val="gap"/>
+    <c:showDLblsOverMax val="0"/>
+  </c:chart>
+  <c:externalData r:id="rId2">
+    <c:autoUpdate val="0"/>
+  </c:externalData>
+</c:chartSpace>
+</file>
+
 <file path=ppt/slideLayouts/slideLayout1.xml><?xml version="1.0" encoding="utf-8"?>
 <p:sldLayout xmlns:a="http://schemas.openxmlformats.org/drawingml/2006/main" xmlns:r="http://schemas.openxmlformats.org/officeDocument/2006/relationships" xmlns:p="http://schemas.openxmlformats.org/presentationml/2006/main" type="title" preserve="1">
   <p:cSld name="Title Slide">
@@ -320,7 +1481,7 @@
           <a:p>
             <a:fld id="{1644C6A4-D0E3-4A58-B3B6-75287851F544}" type="datetimeFigureOut">
               <a:rPr lang="en-US" smtClean="0"/>
-              <a:t>4/18/2016</a:t>
+              <a:t>4/25/2016</a:t>
             </a:fld>
             <a:endParaRPr lang="en-US"/>
           </a:p>
@@ -490,7 +1651,7 @@
           <a:p>
             <a:fld id="{1644C6A4-D0E3-4A58-B3B6-75287851F544}" type="datetimeFigureOut">
               <a:rPr lang="en-US" smtClean="0"/>
-              <a:t>4/18/2016</a:t>
+              <a:t>4/25/2016</a:t>
             </a:fld>
             <a:endParaRPr lang="en-US"/>
           </a:p>
@@ -670,7 +1831,7 @@
           <a:p>
             <a:fld id="{1644C6A4-D0E3-4A58-B3B6-75287851F544}" type="datetimeFigureOut">
               <a:rPr lang="en-US" smtClean="0"/>
-              <a:t>4/18/2016</a:t>
+              <a:t>4/25/2016</a:t>
             </a:fld>
             <a:endParaRPr lang="en-US"/>
           </a:p>
@@ -840,7 +2001,7 @@
           <a:p>
             <a:fld id="{1644C6A4-D0E3-4A58-B3B6-75287851F544}" type="datetimeFigureOut">
               <a:rPr lang="en-US" smtClean="0"/>
-              <a:t>4/18/2016</a:t>
+              <a:t>4/25/2016</a:t>
             </a:fld>
             <a:endParaRPr lang="en-US"/>
           </a:p>
@@ -1086,7 +2247,7 @@
           <a:p>
             <a:fld id="{1644C6A4-D0E3-4A58-B3B6-75287851F544}" type="datetimeFigureOut">
               <a:rPr lang="en-US" smtClean="0"/>
-              <a:t>4/18/2016</a:t>
+              <a:t>4/25/2016</a:t>
             </a:fld>
             <a:endParaRPr lang="en-US"/>
           </a:p>
@@ -1374,7 +2535,7 @@
           <a:p>
             <a:fld id="{1644C6A4-D0E3-4A58-B3B6-75287851F544}" type="datetimeFigureOut">
               <a:rPr lang="en-US" smtClean="0"/>
-              <a:t>4/18/2016</a:t>
+              <a:t>4/25/2016</a:t>
             </a:fld>
             <a:endParaRPr lang="en-US"/>
           </a:p>
@@ -1796,7 +2957,7 @@
           <a:p>
             <a:fld id="{1644C6A4-D0E3-4A58-B3B6-75287851F544}" type="datetimeFigureOut">
               <a:rPr lang="en-US" smtClean="0"/>
-              <a:t>4/18/2016</a:t>
+              <a:t>4/25/2016</a:t>
             </a:fld>
             <a:endParaRPr lang="en-US"/>
           </a:p>
@@ -1914,7 +3075,7 @@
           <a:p>
             <a:fld id="{1644C6A4-D0E3-4A58-B3B6-75287851F544}" type="datetimeFigureOut">
               <a:rPr lang="en-US" smtClean="0"/>
-              <a:t>4/18/2016</a:t>
+              <a:t>4/25/2016</a:t>
             </a:fld>
             <a:endParaRPr lang="en-US"/>
           </a:p>
@@ -2009,7 +3170,7 @@
           <a:p>
             <a:fld id="{1644C6A4-D0E3-4A58-B3B6-75287851F544}" type="datetimeFigureOut">
               <a:rPr lang="en-US" smtClean="0"/>
-              <a:t>4/18/2016</a:t>
+              <a:t>4/25/2016</a:t>
             </a:fld>
             <a:endParaRPr lang="en-US"/>
           </a:p>
@@ -2286,7 +3447,7 @@
           <a:p>
             <a:fld id="{1644C6A4-D0E3-4A58-B3B6-75287851F544}" type="datetimeFigureOut">
               <a:rPr lang="en-US" smtClean="0"/>
-              <a:t>4/18/2016</a:t>
+              <a:t>4/25/2016</a:t>
             </a:fld>
             <a:endParaRPr lang="en-US"/>
           </a:p>
@@ -2539,7 +3700,7 @@
           <a:p>
             <a:fld id="{1644C6A4-D0E3-4A58-B3B6-75287851F544}" type="datetimeFigureOut">
               <a:rPr lang="en-US" smtClean="0"/>
-              <a:t>4/18/2016</a:t>
+              <a:t>4/25/2016</a:t>
             </a:fld>
             <a:endParaRPr lang="en-US"/>
           </a:p>
@@ -2752,7 +3913,7 @@
           <a:p>
             <a:fld id="{1644C6A4-D0E3-4A58-B3B6-75287851F544}" type="datetimeFigureOut">
               <a:rPr lang="en-US" smtClean="0"/>
-              <a:t>4/18/2016</a:t>
+              <a:t>4/25/2016</a:t>
             </a:fld>
             <a:endParaRPr lang="en-US"/>
           </a:p>
@@ -3143,8 +4304,8 @@
           <a:lstStyle/>
           <a:p>
             <a:r>
-              <a:rPr lang="en-US" dirty="0" smtClean="0"/>
-              <a:t>REDCap Needs Assessment</a:t>
+              <a:rPr lang="en-US" dirty="0"/>
+              <a:t>REDCap Governance Meeting</a:t>
             </a:r>
             <a:endParaRPr lang="en-US" dirty="0"/>
           </a:p>
@@ -3165,7 +4326,15 @@
           <a:bodyPr/>
           <a:lstStyle/>
           <a:p>
-            <a:endParaRPr lang="en-US"/>
+            <a:r>
+              <a:rPr lang="en-US" dirty="0"/>
+              <a:t>April </a:t>
+            </a:r>
+            <a:r>
+              <a:rPr lang="en-US" dirty="0" smtClean="0"/>
+              <a:t>26, 2016</a:t>
+            </a:r>
+            <a:endParaRPr lang="en-US" dirty="0"/>
           </a:p>
         </p:txBody>
       </p:sp>
@@ -3199,77 +4368,114 @@
           <a:chExt cx="0" cy="0"/>
         </a:xfrm>
       </p:grpSpPr>
-      <p:sp>
-        <p:nvSpPr>
-          <p:cNvPr id="2" name="Title 1"/>
-          <p:cNvSpPr>
-            <a:spLocks noGrp="1"/>
-          </p:cNvSpPr>
-          <p:nvPr>
-            <p:ph type="title"/>
-          </p:nvPr>
-        </p:nvSpPr>
-        <p:spPr/>
-        <p:txBody>
-          <a:bodyPr>
-            <a:normAutofit/>
-          </a:bodyPr>
-          <a:lstStyle/>
-          <a:p>
-            <a:r>
-              <a:rPr lang="en-US" dirty="0" smtClean="0"/>
-              <a:t>Enterprise REDCap Use Statistics</a:t>
-            </a:r>
-            <a:endParaRPr lang="en-US" dirty="0"/>
-          </a:p>
-        </p:txBody>
-      </p:sp>
-      <p:sp>
-        <p:nvSpPr>
-          <p:cNvPr id="3" name="Content Placeholder 2"/>
-          <p:cNvSpPr>
-            <a:spLocks noGrp="1"/>
-          </p:cNvSpPr>
+      <p:pic>
+        <p:nvPicPr>
+          <p:cNvPr id="4098" name="Picture 2"/>
+          <p:cNvPicPr>
+            <a:picLocks noGrp="1" noChangeAspect="1" noChangeArrowheads="1"/>
+          </p:cNvPicPr>
           <p:nvPr>
             <p:ph idx="1"/>
           </p:nvPr>
+        </p:nvPicPr>
+        <p:blipFill>
+          <a:blip r:embed="rId2">
+            <a:extLst>
+              <a:ext uri="{28A0092B-C50C-407E-A947-70E740481C1C}">
+                <a14:useLocalDpi xmlns:a14="http://schemas.microsoft.com/office/drawing/2010/main" val="0"/>
+              </a:ext>
+            </a:extLst>
+          </a:blip>
+          <a:srcRect/>
+          <a:stretch>
+            <a:fillRect/>
+          </a:stretch>
+        </p:blipFill>
+        <p:spPr bwMode="auto">
+          <a:xfrm>
+            <a:off x="3258285" y="3505200"/>
+            <a:ext cx="5885715" cy="3304762"/>
+          </a:xfrm>
+          <a:prstGeom prst="rect">
+            <a:avLst/>
+          </a:prstGeom>
+          <a:noFill/>
+          <a:ln>
+            <a:noFill/>
+          </a:ln>
+          <a:effectLst/>
+          <a:extLst>
+            <a:ext uri="{909E8E84-426E-40DD-AFC4-6F175D3DCCD1}">
+              <a14:hiddenFill xmlns:a14="http://schemas.microsoft.com/office/drawing/2010/main">
+                <a:solidFill>
+                  <a:schemeClr val="accent1"/>
+                </a:solidFill>
+              </a14:hiddenFill>
+            </a:ext>
+            <a:ext uri="{91240B29-F687-4F45-9708-019B960494DF}">
+              <a14:hiddenLine xmlns:a14="http://schemas.microsoft.com/office/drawing/2010/main" w="9525">
+                <a:solidFill>
+                  <a:schemeClr val="tx1"/>
+                </a:solidFill>
+                <a:miter lim="800000"/>
+                <a:headEnd/>
+                <a:tailEnd/>
+              </a14:hiddenLine>
+            </a:ext>
+            <a:ext uri="{AF507438-7753-43E0-B8FC-AC1667EBCBE1}">
+              <a14:hiddenEffects xmlns:a14="http://schemas.microsoft.com/office/drawing/2010/main">
+                <a:effectLst>
+                  <a:outerShdw dist="35921" dir="2700000" algn="ctr" rotWithShape="0">
+                    <a:schemeClr val="bg2"/>
+                  </a:outerShdw>
+                </a:effectLst>
+              </a14:hiddenEffects>
+            </a:ext>
+          </a:extLst>
+        </p:spPr>
+      </p:pic>
+      <p:sp>
+        <p:nvSpPr>
+          <p:cNvPr id="5" name="Title 1"/>
+          <p:cNvSpPr txBox="1">
+            <a:spLocks/>
+          </p:cNvSpPr>
+          <p:nvPr/>
         </p:nvSpPr>
         <p:spPr>
           <a:xfrm>
-            <a:off x="457200" y="1600200"/>
-            <a:ext cx="8229600" cy="5181600"/>
+            <a:off x="0" y="116177"/>
+            <a:ext cx="2743200" cy="1905000"/>
           </a:xfrm>
+          <a:prstGeom prst="rect">
+            <a:avLst/>
+          </a:prstGeom>
         </p:spPr>
         <p:txBody>
-          <a:bodyPr>
-            <a:normAutofit/>
+          <a:bodyPr vert="horz" lIns="91440" tIns="45720" rIns="91440" bIns="45720" rtlCol="0" anchor="ctr">
+            <a:normAutofit fontScale="90000" lnSpcReduction="10000"/>
           </a:bodyPr>
-          <a:lstStyle/>
-          <a:p>
-            <a:pPr lvl="1"/>
-            <a:r>
-              <a:rPr lang="en-US" dirty="0" smtClean="0"/>
-              <a:t>47 Production Projects</a:t>
-            </a:r>
-          </a:p>
-          <a:p>
-            <a:pPr lvl="2"/>
-            <a:r>
-              <a:rPr lang="en-US" dirty="0" smtClean="0"/>
-              <a:t>29 Research</a:t>
-            </a:r>
-          </a:p>
-          <a:p>
-            <a:pPr lvl="2"/>
-            <a:r>
-              <a:rPr lang="en-US" dirty="0" smtClean="0"/>
-              <a:t>32 Operational Support</a:t>
-            </a:r>
-          </a:p>
-          <a:p>
-            <a:pPr marL="1371600" lvl="3" indent="0">
+          <a:lstStyle>
+            <a:lvl1pPr algn="ctr" defTabSz="914400" rtl="0" eaLnBrk="1" latinLnBrk="0" hangingPunct="1">
+              <a:spcBef>
+                <a:spcPct val="0"/>
+              </a:spcBef>
               <a:buNone/>
-            </a:pPr>
+              <a:defRPr sz="4400" kern="1200">
+                <a:solidFill>
+                  <a:schemeClr val="tx1"/>
+                </a:solidFill>
+                <a:latin typeface="+mj-lt"/>
+                <a:ea typeface="+mj-ea"/>
+                <a:cs typeface="+mj-cs"/>
+              </a:defRPr>
+            </a:lvl1pPr>
+          </a:lstStyle>
+          <a:p>
+            <a:r>
+              <a:rPr lang="en-US" smtClean="0"/>
+              <a:t>BBMC REDCap Use Statistics</a:t>
+            </a:r>
             <a:endParaRPr lang="en-US" dirty="0"/>
           </a:p>
         </p:txBody>
@@ -3277,7 +4483,7 @@
     </p:spTree>
     <p:extLst>
       <p:ext uri="{BB962C8B-B14F-4D97-AF65-F5344CB8AC3E}">
-        <p14:creationId xmlns:p14="http://schemas.microsoft.com/office/powerpoint/2010/main" val="525923481"/>
+        <p14:creationId xmlns:p14="http://schemas.microsoft.com/office/powerpoint/2010/main" val="1080835116"/>
       </p:ext>
     </p:extLst>
   </p:cSld>
@@ -3353,36 +4559,28 @@
           <a:p>
             <a:r>
               <a:rPr lang="en-US" dirty="0" smtClean="0"/>
-              <a:t>Users</a:t>
+              <a:t>47 Production Projects</a:t>
             </a:r>
           </a:p>
           <a:p>
             <a:pPr lvl="1"/>
             <a:r>
               <a:rPr lang="en-US" dirty="0" smtClean="0"/>
-              <a:t>108 Active Users</a:t>
+              <a:t>29 Research</a:t>
             </a:r>
           </a:p>
           <a:p>
             <a:pPr lvl="1"/>
             <a:r>
               <a:rPr lang="en-US" dirty="0" smtClean="0"/>
-              <a:t>58,527 Total Logged Events</a:t>
-            </a:r>
-          </a:p>
-          <a:p>
-            <a:pPr lvl="2"/>
-            <a:r>
-              <a:rPr lang="en-US" dirty="0" smtClean="0"/>
-              <a:t>3,645 in the past 7 days</a:t>
-            </a:r>
-          </a:p>
-          <a:p>
-            <a:pPr lvl="2"/>
-            <a:r>
-              <a:rPr lang="en-US" dirty="0" smtClean="0"/>
-              <a:t>13,159 in the past 30 days</a:t>
-            </a:r>
+              <a:t>32 Operational Support</a:t>
+            </a:r>
+          </a:p>
+          <a:p>
+            <a:pPr marL="1371600" lvl="3" indent="0">
+              <a:buNone/>
+            </a:pPr>
+            <a:endParaRPr lang="en-US" dirty="0" smtClean="0"/>
           </a:p>
           <a:p>
             <a:pPr marL="1371600" lvl="3" indent="0">
@@ -3390,12 +4588,58 @@
             </a:pPr>
             <a:endParaRPr lang="en-US" dirty="0"/>
           </a:p>
+          <a:p>
+            <a:r>
+              <a:rPr lang="en-US" dirty="0"/>
+              <a:t>Users</a:t>
+            </a:r>
+          </a:p>
+          <a:p>
+            <a:pPr lvl="1"/>
+            <a:r>
+              <a:rPr lang="en-US" dirty="0"/>
+              <a:t>108 Active Users</a:t>
+            </a:r>
+          </a:p>
+          <a:p>
+            <a:pPr lvl="1"/>
+            <a:r>
+              <a:rPr lang="en-US" dirty="0"/>
+              <a:t>58,527 Total Logged Events</a:t>
+            </a:r>
+          </a:p>
+          <a:p>
+            <a:pPr lvl="2"/>
+            <a:r>
+              <a:rPr lang="en-US" dirty="0"/>
+              <a:t>3,645 in the past 7 days</a:t>
+            </a:r>
+          </a:p>
+          <a:p>
+            <a:pPr lvl="2"/>
+            <a:r>
+              <a:rPr lang="en-US" dirty="0"/>
+              <a:t>13,159 in the past 30 days</a:t>
+            </a:r>
+          </a:p>
+          <a:p>
+            <a:pPr marL="1371600" lvl="3" indent="0">
+              <a:buNone/>
+            </a:pPr>
+            <a:endParaRPr lang="en-US" dirty="0"/>
+          </a:p>
+          <a:p>
+            <a:pPr marL="1371600" lvl="3" indent="0">
+              <a:buNone/>
+            </a:pPr>
+            <a:endParaRPr lang="en-US" dirty="0"/>
+          </a:p>
         </p:txBody>
       </p:sp>
     </p:spTree>
     <p:extLst>
       <p:ext uri="{BB962C8B-B14F-4D97-AF65-F5344CB8AC3E}">
-        <p14:creationId xmlns:p14="http://schemas.microsoft.com/office/powerpoint/2010/main" val="3294173562"/>
+        <p14:creationId xmlns:p14="http://schemas.microsoft.com/office/powerpoint/2010/main" val="525923481"/>
       </p:ext>
     </p:extLst>
   </p:cSld>
@@ -3422,50 +4666,6 @@
           <a:chExt cx="0" cy="0"/>
         </a:xfrm>
       </p:grpSpPr>
-      <p:sp>
-        <p:nvSpPr>
-          <p:cNvPr id="2" name="Title 1"/>
-          <p:cNvSpPr>
-            <a:spLocks noGrp="1"/>
-          </p:cNvSpPr>
-          <p:nvPr>
-            <p:ph type="title"/>
-          </p:nvPr>
-        </p:nvSpPr>
-        <p:spPr/>
-        <p:txBody>
-          <a:bodyPr>
-            <a:normAutofit/>
-          </a:bodyPr>
-          <a:lstStyle/>
-          <a:p>
-            <a:r>
-              <a:rPr lang="en-US" dirty="0" smtClean="0"/>
-              <a:t>Enterprise REDCap Use Statistics</a:t>
-            </a:r>
-            <a:endParaRPr lang="en-US" dirty="0"/>
-          </a:p>
-        </p:txBody>
-      </p:sp>
-      <p:sp>
-        <p:nvSpPr>
-          <p:cNvPr id="3" name="Content Placeholder 2"/>
-          <p:cNvSpPr>
-            <a:spLocks noGrp="1"/>
-          </p:cNvSpPr>
-          <p:nvPr>
-            <p:ph idx="1"/>
-          </p:nvPr>
-        </p:nvSpPr>
-        <p:spPr/>
-        <p:txBody>
-          <a:bodyPr/>
-          <a:lstStyle/>
-          <a:p>
-            <a:endParaRPr lang="en-US"/>
-          </a:p>
-        </p:txBody>
-      </p:sp>
       <p:pic>
         <p:nvPicPr>
           <p:cNvPr id="2050" name="Picture 2"/>
@@ -3489,8 +4689,124 @@
         </p:blipFill>
         <p:spPr bwMode="auto">
           <a:xfrm>
-            <a:off x="1609344" y="1810512"/>
+            <a:off x="3048000" y="141577"/>
             <a:ext cx="5969201" cy="3264408"/>
+          </a:xfrm>
+          <a:prstGeom prst="rect">
+            <a:avLst/>
+          </a:prstGeom>
+          <a:noFill/>
+          <a:ln>
+            <a:noFill/>
+          </a:ln>
+          <a:effectLst/>
+          <a:extLst>
+            <a:ext uri="{909E8E84-426E-40DD-AFC4-6F175D3DCCD1}">
+              <a14:hiddenFill xmlns:a14="http://schemas.microsoft.com/office/drawing/2010/main">
+                <a:solidFill>
+                  <a:schemeClr val="accent1"/>
+                </a:solidFill>
+              </a14:hiddenFill>
+            </a:ext>
+            <a:ext uri="{91240B29-F687-4F45-9708-019B960494DF}">
+              <a14:hiddenLine xmlns:a14="http://schemas.microsoft.com/office/drawing/2010/main" w="9525">
+                <a:solidFill>
+                  <a:schemeClr val="tx1"/>
+                </a:solidFill>
+                <a:miter lim="800000"/>
+                <a:headEnd/>
+                <a:tailEnd/>
+              </a14:hiddenLine>
+            </a:ext>
+            <a:ext uri="{AF507438-7753-43E0-B8FC-AC1667EBCBE1}">
+              <a14:hiddenEffects xmlns:a14="http://schemas.microsoft.com/office/drawing/2010/main">
+                <a:effectLst>
+                  <a:outerShdw dist="35921" dir="2700000" algn="ctr" rotWithShape="0">
+                    <a:schemeClr val="bg2"/>
+                  </a:outerShdw>
+                </a:effectLst>
+              </a14:hiddenEffects>
+            </a:ext>
+          </a:extLst>
+        </p:spPr>
+      </p:pic>
+      <p:sp>
+        <p:nvSpPr>
+          <p:cNvPr id="6" name="Title 1"/>
+          <p:cNvSpPr txBox="1">
+            <a:spLocks/>
+          </p:cNvSpPr>
+          <p:nvPr/>
+        </p:nvSpPr>
+        <p:spPr>
+          <a:xfrm>
+            <a:off x="0" y="116177"/>
+            <a:ext cx="2743200" cy="1905000"/>
+          </a:xfrm>
+          <a:prstGeom prst="rect">
+            <a:avLst/>
+          </a:prstGeom>
+        </p:spPr>
+        <p:txBody>
+          <a:bodyPr vert="horz" lIns="91440" tIns="45720" rIns="91440" bIns="45720" rtlCol="0" anchor="ctr">
+            <a:normAutofit fontScale="90000" lnSpcReduction="10000"/>
+          </a:bodyPr>
+          <a:lstStyle>
+            <a:lvl1pPr algn="ctr" defTabSz="914400" rtl="0" eaLnBrk="1" latinLnBrk="0" hangingPunct="1">
+              <a:spcBef>
+                <a:spcPct val="0"/>
+              </a:spcBef>
+              <a:buNone/>
+              <a:defRPr sz="4400" kern="1200">
+                <a:solidFill>
+                  <a:schemeClr val="tx1"/>
+                </a:solidFill>
+                <a:latin typeface="+mj-lt"/>
+                <a:ea typeface="+mj-ea"/>
+                <a:cs typeface="+mj-cs"/>
+              </a:defRPr>
+            </a:lvl1pPr>
+          </a:lstStyle>
+          <a:p>
+            <a:r>
+              <a:rPr lang="en-US" dirty="0" smtClean="0"/>
+              <a:t>Enterprise</a:t>
+            </a:r>
+          </a:p>
+          <a:p>
+            <a:r>
+              <a:rPr lang="en-US" dirty="0" smtClean="0"/>
+              <a:t>REDCap Use Statistics</a:t>
+            </a:r>
+            <a:endParaRPr lang="en-US" dirty="0"/>
+          </a:p>
+        </p:txBody>
+      </p:sp>
+      <p:pic>
+        <p:nvPicPr>
+          <p:cNvPr id="7" name="Picture 2"/>
+          <p:cNvPicPr>
+            <a:picLocks noChangeAspect="1" noChangeArrowheads="1"/>
+          </p:cNvPicPr>
+          <p:nvPr/>
+        </p:nvPicPr>
+        <p:blipFill>
+          <a:blip r:embed="rId3">
+            <a:extLst>
+              <a:ext uri="{28A0092B-C50C-407E-A947-70E740481C1C}">
+                <a14:useLocalDpi xmlns:a14="http://schemas.microsoft.com/office/drawing/2010/main" val="0"/>
+              </a:ext>
+            </a:extLst>
+          </a:blip>
+          <a:srcRect/>
+          <a:stretch>
+            <a:fillRect/>
+          </a:stretch>
+        </p:blipFill>
+        <p:spPr bwMode="auto">
+          <a:xfrm>
+            <a:off x="104763" y="3505200"/>
+            <a:ext cx="5927837" cy="3264408"/>
           </a:xfrm>
           <a:prstGeom prst="rect">
             <a:avLst/>
@@ -3560,53 +4876,9 @@
           <a:chExt cx="0" cy="0"/>
         </a:xfrm>
       </p:grpSpPr>
-      <p:sp>
-        <p:nvSpPr>
-          <p:cNvPr id="2" name="Title 1"/>
-          <p:cNvSpPr>
-            <a:spLocks noGrp="1"/>
-          </p:cNvSpPr>
-          <p:nvPr>
-            <p:ph type="title"/>
-          </p:nvPr>
-        </p:nvSpPr>
-        <p:spPr/>
-        <p:txBody>
-          <a:bodyPr>
-            <a:normAutofit/>
-          </a:bodyPr>
-          <a:lstStyle/>
-          <a:p>
-            <a:r>
-              <a:rPr lang="en-US" dirty="0" smtClean="0"/>
-              <a:t>Enterprise REDCap Use Statistics</a:t>
-            </a:r>
-            <a:endParaRPr lang="en-US" dirty="0"/>
-          </a:p>
-        </p:txBody>
-      </p:sp>
-      <p:sp>
-        <p:nvSpPr>
-          <p:cNvPr id="3" name="Content Placeholder 2"/>
-          <p:cNvSpPr>
-            <a:spLocks noGrp="1"/>
-          </p:cNvSpPr>
-          <p:nvPr>
-            <p:ph idx="1"/>
-          </p:nvPr>
-        </p:nvSpPr>
-        <p:spPr/>
-        <p:txBody>
-          <a:bodyPr/>
-          <a:lstStyle/>
-          <a:p>
-            <a:endParaRPr lang="en-US"/>
-          </a:p>
-        </p:txBody>
-      </p:sp>
       <p:pic>
         <p:nvPicPr>
-          <p:cNvPr id="3074" name="Picture 2"/>
+          <p:cNvPr id="5122" name="Picture 2"/>
           <p:cNvPicPr>
             <a:picLocks noChangeAspect="1" noChangeArrowheads="1"/>
           </p:cNvPicPr>
@@ -3627,8 +4899,4315 @@
         </p:blipFill>
         <p:spPr bwMode="auto">
           <a:xfrm>
-            <a:off x="1609344" y="1810512"/>
-            <a:ext cx="5927837" cy="3264408"/>
+            <a:off x="2362200" y="2590800"/>
+            <a:ext cx="5873203" cy="3264408"/>
+          </a:xfrm>
+          <a:prstGeom prst="rect">
+            <a:avLst/>
+          </a:prstGeom>
+          <a:noFill/>
+          <a:ln>
+            <a:noFill/>
+          </a:ln>
+          <a:effectLst/>
+          <a:extLst>
+            <a:ext uri="{909E8E84-426E-40DD-AFC4-6F175D3DCCD1}">
+              <a14:hiddenFill xmlns:a14="http://schemas.microsoft.com/office/drawing/2010/main">
+                <a:solidFill>
+                  <a:schemeClr val="accent1"/>
+                </a:solidFill>
+              </a14:hiddenFill>
+            </a:ext>
+            <a:ext uri="{91240B29-F687-4F45-9708-019B960494DF}">
+              <a14:hiddenLine xmlns:a14="http://schemas.microsoft.com/office/drawing/2010/main" w="9525">
+                <a:solidFill>
+                  <a:schemeClr val="tx1"/>
+                </a:solidFill>
+                <a:miter lim="800000"/>
+                <a:headEnd/>
+                <a:tailEnd/>
+              </a14:hiddenLine>
+            </a:ext>
+            <a:ext uri="{AF507438-7753-43E0-B8FC-AC1667EBCBE1}">
+              <a14:hiddenEffects xmlns:a14="http://schemas.microsoft.com/office/drawing/2010/main">
+                <a:effectLst>
+                  <a:outerShdw dist="35921" dir="2700000" algn="ctr" rotWithShape="0">
+                    <a:schemeClr val="bg2"/>
+                  </a:outerShdw>
+                </a:effectLst>
+              </a14:hiddenEffects>
+            </a:ext>
+          </a:extLst>
+        </p:spPr>
+      </p:pic>
+      <p:sp>
+        <p:nvSpPr>
+          <p:cNvPr id="5" name="Title 1"/>
+          <p:cNvSpPr txBox="1">
+            <a:spLocks/>
+          </p:cNvSpPr>
+          <p:nvPr/>
+        </p:nvSpPr>
+        <p:spPr>
+          <a:xfrm>
+            <a:off x="0" y="116177"/>
+            <a:ext cx="2743200" cy="1905000"/>
+          </a:xfrm>
+          <a:prstGeom prst="rect">
+            <a:avLst/>
+          </a:prstGeom>
+        </p:spPr>
+        <p:txBody>
+          <a:bodyPr vert="horz" lIns="91440" tIns="45720" rIns="91440" bIns="45720" rtlCol="0" anchor="ctr">
+            <a:normAutofit fontScale="90000" lnSpcReduction="10000"/>
+          </a:bodyPr>
+          <a:lstStyle>
+            <a:lvl1pPr algn="ctr" defTabSz="914400" rtl="0" eaLnBrk="1" latinLnBrk="0" hangingPunct="1">
+              <a:spcBef>
+                <a:spcPct val="0"/>
+              </a:spcBef>
+              <a:buNone/>
+              <a:defRPr sz="4400" kern="1200">
+                <a:solidFill>
+                  <a:schemeClr val="tx1"/>
+                </a:solidFill>
+                <a:latin typeface="+mj-lt"/>
+                <a:ea typeface="+mj-ea"/>
+                <a:cs typeface="+mj-cs"/>
+              </a:defRPr>
+            </a:lvl1pPr>
+          </a:lstStyle>
+          <a:p>
+            <a:r>
+              <a:rPr lang="en-US" dirty="0" smtClean="0"/>
+              <a:t>Enterprise</a:t>
+            </a:r>
+          </a:p>
+          <a:p>
+            <a:r>
+              <a:rPr lang="en-US" dirty="0" smtClean="0"/>
+              <a:t>REDCap Use Statistics</a:t>
+            </a:r>
+            <a:endParaRPr lang="en-US" dirty="0"/>
+          </a:p>
+        </p:txBody>
+      </p:sp>
+    </p:spTree>
+    <p:extLst>
+      <p:ext uri="{BB962C8B-B14F-4D97-AF65-F5344CB8AC3E}">
+        <p14:creationId xmlns:p14="http://schemas.microsoft.com/office/powerpoint/2010/main" val="4134593754"/>
+      </p:ext>
+    </p:extLst>
+  </p:cSld>
+  <p:clrMapOvr>
+    <a:masterClrMapping/>
+  </p:clrMapOvr>
+</p:sld>
+</file>
+
+<file path=ppt/slides/slide14.xml><?xml version="1.0" encoding="utf-8"?>
+<p:sld xmlns:a="http://schemas.openxmlformats.org/drawingml/2006/main" xmlns:r="http://schemas.openxmlformats.org/officeDocument/2006/relationships" xmlns:p="http://schemas.openxmlformats.org/presentationml/2006/main">
+  <p:cSld>
+    <p:spTree>
+      <p:nvGrpSpPr>
+        <p:cNvPr id="1" name=""/>
+        <p:cNvGrpSpPr/>
+        <p:nvPr/>
+      </p:nvGrpSpPr>
+      <p:grpSpPr>
+        <a:xfrm>
+          <a:off x="0" y="0"/>
+          <a:ext cx="0" cy="0"/>
+          <a:chOff x="0" y="0"/>
+          <a:chExt cx="0" cy="0"/>
+        </a:xfrm>
+      </p:grpSpPr>
+      <p:sp>
+        <p:nvSpPr>
+          <p:cNvPr id="2" name="Title 1"/>
+          <p:cNvSpPr>
+            <a:spLocks noGrp="1"/>
+          </p:cNvSpPr>
+          <p:nvPr>
+            <p:ph type="title"/>
+          </p:nvPr>
+        </p:nvSpPr>
+        <p:spPr/>
+        <p:txBody>
+          <a:bodyPr>
+            <a:normAutofit/>
+          </a:bodyPr>
+          <a:lstStyle/>
+          <a:p>
+            <a:r>
+              <a:rPr lang="en-US" dirty="0" smtClean="0"/>
+              <a:t>BBMC REDCap Use Statistics</a:t>
+            </a:r>
+            <a:endParaRPr lang="en-US" dirty="0"/>
+          </a:p>
+        </p:txBody>
+      </p:sp>
+      <p:sp>
+        <p:nvSpPr>
+          <p:cNvPr id="3" name="Content Placeholder 2"/>
+          <p:cNvSpPr>
+            <a:spLocks noGrp="1"/>
+          </p:cNvSpPr>
+          <p:nvPr>
+            <p:ph idx="1"/>
+          </p:nvPr>
+        </p:nvSpPr>
+        <p:spPr>
+          <a:xfrm>
+            <a:off x="457200" y="1600200"/>
+            <a:ext cx="8229600" cy="5181600"/>
+          </a:xfrm>
+        </p:spPr>
+        <p:txBody>
+          <a:bodyPr>
+            <a:normAutofit lnSpcReduction="10000"/>
+          </a:bodyPr>
+          <a:lstStyle/>
+          <a:p>
+            <a:r>
+              <a:rPr lang="en-US" dirty="0" smtClean="0"/>
+              <a:t>New Support Needs</a:t>
+            </a:r>
+          </a:p>
+          <a:p>
+            <a:pPr lvl="1"/>
+            <a:r>
+              <a:rPr lang="en-US" dirty="0" smtClean="0"/>
+              <a:t>Hooks and Plugins: PHP scripts utilized by REDCap, that are placed on the REDCap web server so they can be utilized by REDCap</a:t>
+            </a:r>
+          </a:p>
+          <a:p>
+            <a:pPr lvl="2"/>
+            <a:r>
+              <a:rPr lang="en-US" dirty="0" smtClean="0"/>
+              <a:t>Hook: a PHP function with a designated name, in which the hook gets executed in a predetermined location inside REDCap</a:t>
+            </a:r>
+          </a:p>
+          <a:p>
+            <a:pPr lvl="2"/>
+            <a:r>
+              <a:rPr lang="en-US" dirty="0" smtClean="0"/>
+              <a:t>Plugin: a custom PHP script or collection of PHP scripts that exist independently of, but work in conjunction with, the REDCap base code</a:t>
+            </a:r>
+          </a:p>
+          <a:p>
+            <a:pPr lvl="2"/>
+            <a:r>
+              <a:rPr lang="en-US" dirty="0" smtClean="0"/>
+              <a:t>Responsibility for Hooks and Plugs is solely on the host institution (OUHSC) and Vanderbilt provides no official support for these capabilities.</a:t>
+            </a:r>
+            <a:endParaRPr lang="en-US" dirty="0"/>
+          </a:p>
+        </p:txBody>
+      </p:sp>
+    </p:spTree>
+    <p:extLst>
+      <p:ext uri="{BB962C8B-B14F-4D97-AF65-F5344CB8AC3E}">
+        <p14:creationId xmlns:p14="http://schemas.microsoft.com/office/powerpoint/2010/main" val="2844060334"/>
+      </p:ext>
+    </p:extLst>
+  </p:cSld>
+  <p:clrMapOvr>
+    <a:masterClrMapping/>
+  </p:clrMapOvr>
+</p:sld>
+</file>
+
+<file path=ppt/slides/slide15.xml><?xml version="1.0" encoding="utf-8"?>
+<p:sld xmlns:a="http://schemas.openxmlformats.org/drawingml/2006/main" xmlns:r="http://schemas.openxmlformats.org/officeDocument/2006/relationships" xmlns:p="http://schemas.openxmlformats.org/presentationml/2006/main">
+  <p:cSld>
+    <p:spTree>
+      <p:nvGrpSpPr>
+        <p:cNvPr id="1" name=""/>
+        <p:cNvGrpSpPr/>
+        <p:nvPr/>
+      </p:nvGrpSpPr>
+      <p:grpSpPr>
+        <a:xfrm>
+          <a:off x="0" y="0"/>
+          <a:ext cx="0" cy="0"/>
+          <a:chOff x="0" y="0"/>
+          <a:chExt cx="0" cy="0"/>
+        </a:xfrm>
+      </p:grpSpPr>
+      <p:sp>
+        <p:nvSpPr>
+          <p:cNvPr id="2" name="Title 1"/>
+          <p:cNvSpPr>
+            <a:spLocks noGrp="1"/>
+          </p:cNvSpPr>
+          <p:nvPr>
+            <p:ph type="title"/>
+          </p:nvPr>
+        </p:nvSpPr>
+        <p:spPr/>
+        <p:txBody>
+          <a:bodyPr/>
+          <a:lstStyle/>
+          <a:p>
+            <a:r>
+              <a:rPr lang="en-US" dirty="0"/>
+              <a:t>REDCap 2013 Consortium Survey</a:t>
+            </a:r>
+          </a:p>
+        </p:txBody>
+      </p:sp>
+      <p:graphicFrame>
+        <p:nvGraphicFramePr>
+          <p:cNvPr id="4" name="Content Placeholder 3"/>
+          <p:cNvGraphicFramePr>
+            <a:graphicFrameLocks noGrp="1"/>
+          </p:cNvGraphicFramePr>
+          <p:nvPr>
+            <p:ph idx="1"/>
+            <p:extLst>
+              <p:ext uri="{D42A27DB-BD31-4B8C-83A1-F6EECF244321}">
+                <p14:modId xmlns:p14="http://schemas.microsoft.com/office/powerpoint/2010/main" val="2237247202"/>
+              </p:ext>
+            </p:extLst>
+          </p:nvPr>
+        </p:nvGraphicFramePr>
+        <p:xfrm>
+          <a:off x="457200" y="1600200"/>
+          <a:ext cx="8229600" cy="4525963"/>
+        </p:xfrm>
+        <a:graphic>
+          <a:graphicData uri="http://schemas.openxmlformats.org/drawingml/2006/chart">
+            <c:chart xmlns:c="http://schemas.openxmlformats.org/drawingml/2006/chart" xmlns:r="http://schemas.openxmlformats.org/officeDocument/2006/relationships" r:id="rId2"/>
+          </a:graphicData>
+        </a:graphic>
+      </p:graphicFrame>
+    </p:spTree>
+    <p:extLst>
+      <p:ext uri="{BB962C8B-B14F-4D97-AF65-F5344CB8AC3E}">
+        <p14:creationId xmlns:p14="http://schemas.microsoft.com/office/powerpoint/2010/main" val="2833730363"/>
+      </p:ext>
+    </p:extLst>
+  </p:cSld>
+  <p:clrMapOvr>
+    <a:masterClrMapping/>
+  </p:clrMapOvr>
+</p:sld>
+</file>
+
+<file path=ppt/slides/slide16.xml><?xml version="1.0" encoding="utf-8"?>
+<p:sld xmlns:a="http://schemas.openxmlformats.org/drawingml/2006/main" xmlns:r="http://schemas.openxmlformats.org/officeDocument/2006/relationships" xmlns:p="http://schemas.openxmlformats.org/presentationml/2006/main">
+  <p:cSld>
+    <p:spTree>
+      <p:nvGrpSpPr>
+        <p:cNvPr id="1" name=""/>
+        <p:cNvGrpSpPr/>
+        <p:nvPr/>
+      </p:nvGrpSpPr>
+      <p:grpSpPr>
+        <a:xfrm>
+          <a:off x="0" y="0"/>
+          <a:ext cx="0" cy="0"/>
+          <a:chOff x="0" y="0"/>
+          <a:chExt cx="0" cy="0"/>
+        </a:xfrm>
+      </p:grpSpPr>
+      <p:sp>
+        <p:nvSpPr>
+          <p:cNvPr id="2" name="Title 1"/>
+          <p:cNvSpPr>
+            <a:spLocks noGrp="1"/>
+          </p:cNvSpPr>
+          <p:nvPr>
+            <p:ph type="title"/>
+          </p:nvPr>
+        </p:nvSpPr>
+        <p:spPr/>
+        <p:txBody>
+          <a:bodyPr/>
+          <a:lstStyle/>
+          <a:p>
+            <a:r>
+              <a:rPr lang="en-US" dirty="0"/>
+              <a:t>REDCap 2013 Consortium Survey</a:t>
+            </a:r>
+          </a:p>
+        </p:txBody>
+      </p:sp>
+      <p:graphicFrame>
+        <p:nvGraphicFramePr>
+          <p:cNvPr id="7" name="Content Placeholder 6"/>
+          <p:cNvGraphicFramePr>
+            <a:graphicFrameLocks noGrp="1"/>
+          </p:cNvGraphicFramePr>
+          <p:nvPr>
+            <p:ph idx="1"/>
+            <p:extLst>
+              <p:ext uri="{D42A27DB-BD31-4B8C-83A1-F6EECF244321}">
+                <p14:modId xmlns:p14="http://schemas.microsoft.com/office/powerpoint/2010/main" val="977650390"/>
+              </p:ext>
+            </p:extLst>
+          </p:nvPr>
+        </p:nvGraphicFramePr>
+        <p:xfrm>
+          <a:off x="457200" y="1600200"/>
+          <a:ext cx="8229600" cy="4525963"/>
+        </p:xfrm>
+        <a:graphic>
+          <a:graphicData uri="http://schemas.openxmlformats.org/drawingml/2006/chart">
+            <c:chart xmlns:c="http://schemas.openxmlformats.org/drawingml/2006/chart" xmlns:r="http://schemas.openxmlformats.org/officeDocument/2006/relationships" r:id="rId2"/>
+          </a:graphicData>
+        </a:graphic>
+      </p:graphicFrame>
+    </p:spTree>
+    <p:extLst>
+      <p:ext uri="{BB962C8B-B14F-4D97-AF65-F5344CB8AC3E}">
+        <p14:creationId xmlns:p14="http://schemas.microsoft.com/office/powerpoint/2010/main" val="638799016"/>
+      </p:ext>
+    </p:extLst>
+  </p:cSld>
+  <p:clrMapOvr>
+    <a:masterClrMapping/>
+  </p:clrMapOvr>
+</p:sld>
+</file>
+
+<file path=ppt/slides/slide17.xml><?xml version="1.0" encoding="utf-8"?>
+<p:sld xmlns:a="http://schemas.openxmlformats.org/drawingml/2006/main" xmlns:r="http://schemas.openxmlformats.org/officeDocument/2006/relationships" xmlns:p="http://schemas.openxmlformats.org/presentationml/2006/main">
+  <p:cSld>
+    <p:spTree>
+      <p:nvGrpSpPr>
+        <p:cNvPr id="1" name=""/>
+        <p:cNvGrpSpPr/>
+        <p:nvPr/>
+      </p:nvGrpSpPr>
+      <p:grpSpPr>
+        <a:xfrm>
+          <a:off x="0" y="0"/>
+          <a:ext cx="0" cy="0"/>
+          <a:chOff x="0" y="0"/>
+          <a:chExt cx="0" cy="0"/>
+        </a:xfrm>
+      </p:grpSpPr>
+      <p:sp>
+        <p:nvSpPr>
+          <p:cNvPr id="2" name="Title 1"/>
+          <p:cNvSpPr>
+            <a:spLocks noGrp="1"/>
+          </p:cNvSpPr>
+          <p:nvPr>
+            <p:ph type="title"/>
+          </p:nvPr>
+        </p:nvSpPr>
+        <p:spPr/>
+        <p:txBody>
+          <a:bodyPr/>
+          <a:lstStyle/>
+          <a:p>
+            <a:r>
+              <a:rPr lang="en-US" dirty="0"/>
+              <a:t>REDCap 2013 Consortium Survey</a:t>
+            </a:r>
+          </a:p>
+        </p:txBody>
+      </p:sp>
+      <p:graphicFrame>
+        <p:nvGraphicFramePr>
+          <p:cNvPr id="5" name="Content Placeholder 4"/>
+          <p:cNvGraphicFramePr>
+            <a:graphicFrameLocks noGrp="1"/>
+          </p:cNvGraphicFramePr>
+          <p:nvPr>
+            <p:ph idx="1"/>
+            <p:extLst>
+              <p:ext uri="{D42A27DB-BD31-4B8C-83A1-F6EECF244321}">
+                <p14:modId xmlns:p14="http://schemas.microsoft.com/office/powerpoint/2010/main" val="307573476"/>
+              </p:ext>
+            </p:extLst>
+          </p:nvPr>
+        </p:nvGraphicFramePr>
+        <p:xfrm>
+          <a:off x="457200" y="1600200"/>
+          <a:ext cx="8229600" cy="4525963"/>
+        </p:xfrm>
+        <a:graphic>
+          <a:graphicData uri="http://schemas.openxmlformats.org/drawingml/2006/chart">
+            <c:chart xmlns:c="http://schemas.openxmlformats.org/drawingml/2006/chart" xmlns:r="http://schemas.openxmlformats.org/officeDocument/2006/relationships" r:id="rId2"/>
+          </a:graphicData>
+        </a:graphic>
+      </p:graphicFrame>
+    </p:spTree>
+    <p:extLst>
+      <p:ext uri="{BB962C8B-B14F-4D97-AF65-F5344CB8AC3E}">
+        <p14:creationId xmlns:p14="http://schemas.microsoft.com/office/powerpoint/2010/main" val="2833730363"/>
+      </p:ext>
+    </p:extLst>
+  </p:cSld>
+  <p:clrMapOvr>
+    <a:masterClrMapping/>
+  </p:clrMapOvr>
+</p:sld>
+</file>
+
+<file path=ppt/slides/slide18.xml><?xml version="1.0" encoding="utf-8"?>
+<p:sld xmlns:a="http://schemas.openxmlformats.org/drawingml/2006/main" xmlns:r="http://schemas.openxmlformats.org/officeDocument/2006/relationships" xmlns:p="http://schemas.openxmlformats.org/presentationml/2006/main">
+  <p:cSld>
+    <p:spTree>
+      <p:nvGrpSpPr>
+        <p:cNvPr id="1" name=""/>
+        <p:cNvGrpSpPr/>
+        <p:nvPr/>
+      </p:nvGrpSpPr>
+      <p:grpSpPr>
+        <a:xfrm>
+          <a:off x="0" y="0"/>
+          <a:ext cx="0" cy="0"/>
+          <a:chOff x="0" y="0"/>
+          <a:chExt cx="0" cy="0"/>
+        </a:xfrm>
+      </p:grpSpPr>
+      <p:sp>
+        <p:nvSpPr>
+          <p:cNvPr id="2" name="Title 1"/>
+          <p:cNvSpPr>
+            <a:spLocks noGrp="1"/>
+          </p:cNvSpPr>
+          <p:nvPr>
+            <p:ph type="title"/>
+          </p:nvPr>
+        </p:nvSpPr>
+        <p:spPr/>
+        <p:txBody>
+          <a:bodyPr/>
+          <a:lstStyle/>
+          <a:p>
+            <a:r>
+              <a:rPr lang="en-US" dirty="0"/>
+              <a:t>REDCap 2013 Consortium Survey</a:t>
+            </a:r>
+          </a:p>
+        </p:txBody>
+      </p:sp>
+      <p:graphicFrame>
+        <p:nvGraphicFramePr>
+          <p:cNvPr id="5" name="Content Placeholder 4"/>
+          <p:cNvGraphicFramePr>
+            <a:graphicFrameLocks noGrp="1"/>
+          </p:cNvGraphicFramePr>
+          <p:nvPr>
+            <p:ph idx="1"/>
+            <p:extLst>
+              <p:ext uri="{D42A27DB-BD31-4B8C-83A1-F6EECF244321}">
+                <p14:modId xmlns:p14="http://schemas.microsoft.com/office/powerpoint/2010/main" val="1094469193"/>
+              </p:ext>
+            </p:extLst>
+          </p:nvPr>
+        </p:nvGraphicFramePr>
+        <p:xfrm>
+          <a:off x="457200" y="1600200"/>
+          <a:ext cx="8229600" cy="4525963"/>
+        </p:xfrm>
+        <a:graphic>
+          <a:graphicData uri="http://schemas.openxmlformats.org/drawingml/2006/chart">
+            <c:chart xmlns:c="http://schemas.openxmlformats.org/drawingml/2006/chart" xmlns:r="http://schemas.openxmlformats.org/officeDocument/2006/relationships" r:id="rId2"/>
+          </a:graphicData>
+        </a:graphic>
+      </p:graphicFrame>
+    </p:spTree>
+    <p:extLst>
+      <p:ext uri="{BB962C8B-B14F-4D97-AF65-F5344CB8AC3E}">
+        <p14:creationId xmlns:p14="http://schemas.microsoft.com/office/powerpoint/2010/main" val="2833730363"/>
+      </p:ext>
+    </p:extLst>
+  </p:cSld>
+  <p:clrMapOvr>
+    <a:masterClrMapping/>
+  </p:clrMapOvr>
+</p:sld>
+</file>
+
+<file path=ppt/slides/slide19.xml><?xml version="1.0" encoding="utf-8"?>
+<p:sld xmlns:a="http://schemas.openxmlformats.org/drawingml/2006/main" xmlns:r="http://schemas.openxmlformats.org/officeDocument/2006/relationships" xmlns:p="http://schemas.openxmlformats.org/presentationml/2006/main">
+  <p:cSld>
+    <p:spTree>
+      <p:nvGrpSpPr>
+        <p:cNvPr id="1" name=""/>
+        <p:cNvGrpSpPr/>
+        <p:nvPr/>
+      </p:nvGrpSpPr>
+      <p:grpSpPr>
+        <a:xfrm>
+          <a:off x="0" y="0"/>
+          <a:ext cx="0" cy="0"/>
+          <a:chOff x="0" y="0"/>
+          <a:chExt cx="0" cy="0"/>
+        </a:xfrm>
+      </p:grpSpPr>
+      <p:sp>
+        <p:nvSpPr>
+          <p:cNvPr id="2" name="Title 1"/>
+          <p:cNvSpPr>
+            <a:spLocks noGrp="1"/>
+          </p:cNvSpPr>
+          <p:nvPr>
+            <p:ph type="title"/>
+          </p:nvPr>
+        </p:nvSpPr>
+        <p:spPr/>
+        <p:txBody>
+          <a:bodyPr/>
+          <a:lstStyle/>
+          <a:p>
+            <a:r>
+              <a:rPr lang="en-US" dirty="0" smtClean="0"/>
+              <a:t>REDCap 2013 Consortium Survey</a:t>
+            </a:r>
+            <a:endParaRPr lang="en-US" dirty="0"/>
+          </a:p>
+        </p:txBody>
+      </p:sp>
+      <p:graphicFrame>
+        <p:nvGraphicFramePr>
+          <p:cNvPr id="5" name="Content Placeholder 4"/>
+          <p:cNvGraphicFramePr>
+            <a:graphicFrameLocks noGrp="1"/>
+          </p:cNvGraphicFramePr>
+          <p:nvPr>
+            <p:ph idx="1"/>
+            <p:extLst>
+              <p:ext uri="{D42A27DB-BD31-4B8C-83A1-F6EECF244321}">
+                <p14:modId xmlns:p14="http://schemas.microsoft.com/office/powerpoint/2010/main" val="3115360186"/>
+              </p:ext>
+            </p:extLst>
+          </p:nvPr>
+        </p:nvGraphicFramePr>
+        <p:xfrm>
+          <a:off x="457200" y="1600200"/>
+          <a:ext cx="8229600" cy="4525963"/>
+        </p:xfrm>
+        <a:graphic>
+          <a:graphicData uri="http://schemas.openxmlformats.org/drawingml/2006/chart">
+            <c:chart xmlns:c="http://schemas.openxmlformats.org/drawingml/2006/chart" xmlns:r="http://schemas.openxmlformats.org/officeDocument/2006/relationships" r:id="rId2"/>
+          </a:graphicData>
+        </a:graphic>
+      </p:graphicFrame>
+    </p:spTree>
+    <p:extLst>
+      <p:ext uri="{BB962C8B-B14F-4D97-AF65-F5344CB8AC3E}">
+        <p14:creationId xmlns:p14="http://schemas.microsoft.com/office/powerpoint/2010/main" val="2833730363"/>
+      </p:ext>
+    </p:extLst>
+  </p:cSld>
+  <p:clrMapOvr>
+    <a:masterClrMapping/>
+  </p:clrMapOvr>
+</p:sld>
+</file>
+
+<file path=ppt/slides/slide2.xml><?xml version="1.0" encoding="utf-8"?>
+<p:sld xmlns:a="http://schemas.openxmlformats.org/drawingml/2006/main" xmlns:r="http://schemas.openxmlformats.org/officeDocument/2006/relationships" xmlns:p="http://schemas.openxmlformats.org/presentationml/2006/main">
+  <p:cSld>
+    <p:spTree>
+      <p:nvGrpSpPr>
+        <p:cNvPr id="1" name=""/>
+        <p:cNvGrpSpPr/>
+        <p:nvPr/>
+      </p:nvGrpSpPr>
+      <p:grpSpPr>
+        <a:xfrm>
+          <a:off x="0" y="0"/>
+          <a:ext cx="0" cy="0"/>
+          <a:chOff x="0" y="0"/>
+          <a:chExt cx="0" cy="0"/>
+        </a:xfrm>
+      </p:grpSpPr>
+      <p:sp>
+        <p:nvSpPr>
+          <p:cNvPr id="2" name="Title 1"/>
+          <p:cNvSpPr>
+            <a:spLocks noGrp="1"/>
+          </p:cNvSpPr>
+          <p:nvPr>
+            <p:ph type="title"/>
+          </p:nvPr>
+        </p:nvSpPr>
+        <p:spPr/>
+        <p:txBody>
+          <a:bodyPr>
+            <a:normAutofit fontScale="90000"/>
+          </a:bodyPr>
+          <a:lstStyle/>
+          <a:p>
+            <a:r>
+              <a:rPr lang="en-US" dirty="0" smtClean="0"/>
+              <a:t>Review of Past Governance Meetings</a:t>
+            </a:r>
+            <a:endParaRPr lang="en-US" dirty="0"/>
+          </a:p>
+        </p:txBody>
+      </p:sp>
+      <p:sp>
+        <p:nvSpPr>
+          <p:cNvPr id="3" name="Content Placeholder 2"/>
+          <p:cNvSpPr>
+            <a:spLocks noGrp="1"/>
+          </p:cNvSpPr>
+          <p:nvPr>
+            <p:ph idx="1"/>
+          </p:nvPr>
+        </p:nvSpPr>
+        <p:spPr/>
+        <p:txBody>
+          <a:bodyPr>
+            <a:normAutofit fontScale="85000" lnSpcReduction="20000"/>
+          </a:bodyPr>
+          <a:lstStyle/>
+          <a:p>
+            <a:r>
+              <a:rPr lang="en-US" dirty="0" smtClean="0">
+                <a:solidFill>
+                  <a:srgbClr val="00B050"/>
+                </a:solidFill>
+              </a:rPr>
+              <a:t>July 30, 2013</a:t>
+            </a:r>
+          </a:p>
+          <a:p>
+            <a:pPr lvl="1"/>
+            <a:r>
+              <a:rPr lang="en-US" dirty="0" smtClean="0">
+                <a:solidFill>
+                  <a:srgbClr val="00B050"/>
+                </a:solidFill>
+              </a:rPr>
+              <a:t>Introduction to </a:t>
+            </a:r>
+            <a:r>
+              <a:rPr lang="en-US" dirty="0" err="1" smtClean="0">
+                <a:solidFill>
+                  <a:srgbClr val="00B050"/>
+                </a:solidFill>
+              </a:rPr>
+              <a:t>REDCap</a:t>
+            </a:r>
+            <a:endParaRPr lang="en-US" dirty="0" smtClean="0">
+              <a:solidFill>
+                <a:srgbClr val="00B050"/>
+              </a:solidFill>
+            </a:endParaRPr>
+          </a:p>
+          <a:p>
+            <a:pPr lvl="1"/>
+            <a:r>
+              <a:rPr lang="en-US" dirty="0" smtClean="0">
+                <a:solidFill>
+                  <a:srgbClr val="00B050"/>
+                </a:solidFill>
+              </a:rPr>
+              <a:t>Finalize Membership Body </a:t>
+            </a:r>
+          </a:p>
+          <a:p>
+            <a:pPr lvl="1"/>
+            <a:r>
+              <a:rPr lang="en-US" dirty="0" smtClean="0">
+                <a:solidFill>
+                  <a:srgbClr val="00B050"/>
+                </a:solidFill>
+              </a:rPr>
+              <a:t>Laid out need for Appropriate Use Policy</a:t>
+            </a:r>
+          </a:p>
+          <a:p>
+            <a:r>
+              <a:rPr lang="en-US" dirty="0" smtClean="0">
+                <a:solidFill>
+                  <a:srgbClr val="00B050"/>
+                </a:solidFill>
+              </a:rPr>
+              <a:t>November 12, 2013</a:t>
+            </a:r>
+          </a:p>
+          <a:p>
+            <a:pPr lvl="1"/>
+            <a:r>
+              <a:rPr lang="en-US" dirty="0" smtClean="0">
+                <a:solidFill>
+                  <a:srgbClr val="00B050"/>
+                </a:solidFill>
+              </a:rPr>
+              <a:t>Finalized Appropriate Use Policy documents</a:t>
+            </a:r>
+          </a:p>
+          <a:p>
+            <a:pPr lvl="1"/>
+            <a:r>
+              <a:rPr lang="en-US" dirty="0" smtClean="0">
+                <a:solidFill>
+                  <a:srgbClr val="00B050"/>
+                </a:solidFill>
+              </a:rPr>
+              <a:t>Finalized </a:t>
+            </a:r>
+            <a:r>
+              <a:rPr lang="en-US" dirty="0">
+                <a:solidFill>
+                  <a:srgbClr val="00B050"/>
+                </a:solidFill>
+              </a:rPr>
+              <a:t>a</a:t>
+            </a:r>
+            <a:r>
+              <a:rPr lang="en-US" dirty="0" smtClean="0">
+                <a:solidFill>
+                  <a:srgbClr val="00B050"/>
+                </a:solidFill>
+              </a:rPr>
+              <a:t>uditing plan</a:t>
+            </a:r>
+          </a:p>
+          <a:p>
+            <a:pPr lvl="1"/>
+            <a:r>
+              <a:rPr lang="en-US" dirty="0" smtClean="0">
+                <a:solidFill>
+                  <a:srgbClr val="00B050"/>
+                </a:solidFill>
+              </a:rPr>
+              <a:t>Introduce ideas for training series</a:t>
+            </a:r>
+          </a:p>
+          <a:p>
+            <a:pPr lvl="1"/>
+            <a:r>
+              <a:rPr lang="en-US" dirty="0" smtClean="0">
+                <a:solidFill>
+                  <a:srgbClr val="00B050"/>
+                </a:solidFill>
+              </a:rPr>
+              <a:t>Review plans for administration and maintenance of 3 RC instances</a:t>
+            </a:r>
+          </a:p>
+          <a:p>
+            <a:pPr lvl="1"/>
+            <a:r>
+              <a:rPr lang="en-US" dirty="0" smtClean="0">
+                <a:solidFill>
+                  <a:srgbClr val="00B050"/>
+                </a:solidFill>
+              </a:rPr>
+              <a:t>Update on REDCap website and project </a:t>
+            </a:r>
+            <a:r>
+              <a:rPr lang="en-US" dirty="0" smtClean="0">
+                <a:solidFill>
+                  <a:srgbClr val="00B050"/>
+                </a:solidFill>
+              </a:rPr>
+              <a:t>tracker</a:t>
+            </a:r>
+          </a:p>
+          <a:p>
+            <a:r>
+              <a:rPr lang="en-US" dirty="0" smtClean="0">
+                <a:solidFill>
+                  <a:srgbClr val="00B050"/>
+                </a:solidFill>
+              </a:rPr>
+              <a:t>2015</a:t>
+            </a:r>
+            <a:endParaRPr lang="en-US" dirty="0" smtClean="0">
+              <a:solidFill>
+                <a:srgbClr val="00B050"/>
+              </a:solidFill>
+            </a:endParaRPr>
+          </a:p>
+          <a:p>
+            <a:pPr lvl="1"/>
+            <a:endParaRPr lang="en-US" dirty="0" smtClean="0"/>
+          </a:p>
+          <a:p>
+            <a:pPr lvl="1"/>
+            <a:endParaRPr lang="en-US" dirty="0"/>
+          </a:p>
+        </p:txBody>
+      </p:sp>
+    </p:spTree>
+    <p:extLst>
+      <p:ext uri="{BB962C8B-B14F-4D97-AF65-F5344CB8AC3E}">
+        <p14:creationId xmlns:p14="http://schemas.microsoft.com/office/powerpoint/2010/main" val="1389294600"/>
+      </p:ext>
+    </p:extLst>
+  </p:cSld>
+  <p:clrMapOvr>
+    <a:masterClrMapping/>
+  </p:clrMapOvr>
+</p:sld>
+</file>
+
+<file path=ppt/slides/slide20.xml><?xml version="1.0" encoding="utf-8"?>
+<p:sld xmlns:a="http://schemas.openxmlformats.org/drawingml/2006/main" xmlns:r="http://schemas.openxmlformats.org/officeDocument/2006/relationships" xmlns:p="http://schemas.openxmlformats.org/presentationml/2006/main">
+  <p:cSld>
+    <p:spTree>
+      <p:nvGrpSpPr>
+        <p:cNvPr id="1" name=""/>
+        <p:cNvGrpSpPr/>
+        <p:nvPr/>
+      </p:nvGrpSpPr>
+      <p:grpSpPr>
+        <a:xfrm>
+          <a:off x="0" y="0"/>
+          <a:ext cx="0" cy="0"/>
+          <a:chOff x="0" y="0"/>
+          <a:chExt cx="0" cy="0"/>
+        </a:xfrm>
+      </p:grpSpPr>
+      <p:sp>
+        <p:nvSpPr>
+          <p:cNvPr id="7" name="Title 6"/>
+          <p:cNvSpPr>
+            <a:spLocks noGrp="1"/>
+          </p:cNvSpPr>
+          <p:nvPr>
+            <p:ph type="title"/>
+          </p:nvPr>
+        </p:nvSpPr>
+        <p:spPr/>
+        <p:txBody>
+          <a:bodyPr>
+            <a:normAutofit fontScale="90000"/>
+          </a:bodyPr>
+          <a:lstStyle/>
+          <a:p>
+            <a:r>
+              <a:rPr lang="en-US" dirty="0" smtClean="0"/>
+              <a:t>REDCap Con 2013 Number </a:t>
+            </a:r>
+            <a:r>
+              <a:rPr lang="en-US" dirty="0"/>
+              <a:t>of Full Time Employees Supporting REDCap </a:t>
+            </a:r>
+          </a:p>
+        </p:txBody>
+      </p:sp>
+      <p:graphicFrame>
+        <p:nvGraphicFramePr>
+          <p:cNvPr id="9" name="Content Placeholder 8"/>
+          <p:cNvGraphicFramePr>
+            <a:graphicFrameLocks noGrp="1"/>
+          </p:cNvGraphicFramePr>
+          <p:nvPr>
+            <p:ph idx="1"/>
+            <p:extLst>
+              <p:ext uri="{D42A27DB-BD31-4B8C-83A1-F6EECF244321}">
+                <p14:modId xmlns:p14="http://schemas.microsoft.com/office/powerpoint/2010/main" val="1243173109"/>
+              </p:ext>
+            </p:extLst>
+          </p:nvPr>
+        </p:nvGraphicFramePr>
+        <p:xfrm>
+          <a:off x="457200" y="1600200"/>
+          <a:ext cx="8229600" cy="4525963"/>
+        </p:xfrm>
+        <a:graphic>
+          <a:graphicData uri="http://schemas.openxmlformats.org/drawingml/2006/chart">
+            <c:chart xmlns:c="http://schemas.openxmlformats.org/drawingml/2006/chart" xmlns:r="http://schemas.openxmlformats.org/officeDocument/2006/relationships" r:id="rId2"/>
+          </a:graphicData>
+        </a:graphic>
+      </p:graphicFrame>
+      <p:sp>
+        <p:nvSpPr>
+          <p:cNvPr id="10" name="TextBox 9"/>
+          <p:cNvSpPr txBox="1"/>
+          <p:nvPr/>
+        </p:nvSpPr>
+        <p:spPr>
+          <a:xfrm>
+            <a:off x="8466" y="3124200"/>
+            <a:ext cx="461665" cy="1083630"/>
+          </a:xfrm>
+          <a:prstGeom prst="rect">
+            <a:avLst/>
+          </a:prstGeom>
+          <a:noFill/>
+        </p:spPr>
+        <p:txBody>
+          <a:bodyPr vert="vert270" wrap="none" rtlCol="0">
+            <a:spAutoFit/>
+          </a:bodyPr>
+          <a:lstStyle/>
+          <a:p>
+            <a:r>
+              <a:rPr lang="en-US" b="1" dirty="0" smtClean="0"/>
+              <a:t>Frequency</a:t>
+            </a:r>
+            <a:endParaRPr lang="en-US" b="1" dirty="0"/>
+          </a:p>
+        </p:txBody>
+      </p:sp>
+    </p:spTree>
+    <p:extLst>
+      <p:ext uri="{BB962C8B-B14F-4D97-AF65-F5344CB8AC3E}">
+        <p14:creationId xmlns:p14="http://schemas.microsoft.com/office/powerpoint/2010/main" val="1148120953"/>
+      </p:ext>
+    </p:extLst>
+  </p:cSld>
+  <p:clrMapOvr>
+    <a:masterClrMapping/>
+  </p:clrMapOvr>
+</p:sld>
+</file>
+
+<file path=ppt/slides/slide21.xml><?xml version="1.0" encoding="utf-8"?>
+<p:sld xmlns:a="http://schemas.openxmlformats.org/drawingml/2006/main" xmlns:r="http://schemas.openxmlformats.org/officeDocument/2006/relationships" xmlns:p="http://schemas.openxmlformats.org/presentationml/2006/main">
+  <p:cSld>
+    <p:spTree>
+      <p:nvGrpSpPr>
+        <p:cNvPr id="1" name=""/>
+        <p:cNvGrpSpPr/>
+        <p:nvPr/>
+      </p:nvGrpSpPr>
+      <p:grpSpPr>
+        <a:xfrm>
+          <a:off x="0" y="0"/>
+          <a:ext cx="0" cy="0"/>
+          <a:chOff x="0" y="0"/>
+          <a:chExt cx="0" cy="0"/>
+        </a:xfrm>
+      </p:grpSpPr>
+      <p:sp>
+        <p:nvSpPr>
+          <p:cNvPr id="2" name="Title 1"/>
+          <p:cNvSpPr>
+            <a:spLocks noGrp="1"/>
+          </p:cNvSpPr>
+          <p:nvPr>
+            <p:ph type="title"/>
+          </p:nvPr>
+        </p:nvSpPr>
+        <p:spPr/>
+        <p:txBody>
+          <a:bodyPr/>
+          <a:lstStyle/>
+          <a:p>
+            <a:r>
+              <a:rPr lang="en-US" smtClean="0"/>
+              <a:t>REDCap 2014 Consortium Survey</a:t>
+            </a:r>
+            <a:endParaRPr lang="en-US"/>
+          </a:p>
+        </p:txBody>
+      </p:sp>
+      <p:pic>
+        <p:nvPicPr>
+          <p:cNvPr id="1028" name="Picture 4"/>
+          <p:cNvPicPr>
+            <a:picLocks noGrp="1" noChangeAspect="1" noChangeArrowheads="1"/>
+          </p:cNvPicPr>
+          <p:nvPr>
+            <p:ph idx="1"/>
+          </p:nvPr>
+        </p:nvPicPr>
+        <p:blipFill>
+          <a:blip r:embed="rId2">
+            <a:extLst>
+              <a:ext uri="{28A0092B-C50C-407E-A947-70E740481C1C}">
+                <a14:useLocalDpi xmlns:a14="http://schemas.microsoft.com/office/drawing/2010/main" val="0"/>
+              </a:ext>
+            </a:extLst>
+          </a:blip>
+          <a:stretch>
+            <a:fillRect/>
+          </a:stretch>
+        </p:blipFill>
+        <p:spPr bwMode="auto">
+          <a:xfrm>
+            <a:off x="967530" y="1219200"/>
+            <a:ext cx="7490669" cy="5494620"/>
+          </a:xfrm>
+          <a:prstGeom prst="rect">
+            <a:avLst/>
+          </a:prstGeom>
+          <a:noFill/>
+          <a:ln>
+            <a:noFill/>
+          </a:ln>
+          <a:extLst>
+            <a:ext uri="{909E8E84-426E-40DD-AFC4-6F175D3DCCD1}">
+              <a14:hiddenFill xmlns:a14="http://schemas.microsoft.com/office/drawing/2010/main">
+                <a:solidFill>
+                  <a:schemeClr val="accent1"/>
+                </a:solidFill>
+              </a14:hiddenFill>
+            </a:ext>
+            <a:ext uri="{91240B29-F687-4F45-9708-019B960494DF}">
+              <a14:hiddenLine xmlns:a14="http://schemas.microsoft.com/office/drawing/2010/main" w="9525">
+                <a:solidFill>
+                  <a:schemeClr val="tx1"/>
+                </a:solidFill>
+                <a:miter lim="800000"/>
+                <a:headEnd/>
+                <a:tailEnd/>
+              </a14:hiddenLine>
+            </a:ext>
+          </a:extLst>
+        </p:spPr>
+      </p:pic>
+    </p:spTree>
+    <p:extLst>
+      <p:ext uri="{BB962C8B-B14F-4D97-AF65-F5344CB8AC3E}">
+        <p14:creationId xmlns:p14="http://schemas.microsoft.com/office/powerpoint/2010/main" val="3884370899"/>
+      </p:ext>
+    </p:extLst>
+  </p:cSld>
+  <p:clrMapOvr>
+    <a:masterClrMapping/>
+  </p:clrMapOvr>
+  <mc:AlternateContent xmlns:mc="http://schemas.openxmlformats.org/markup-compatibility/2006" xmlns:p14="http://schemas.microsoft.com/office/powerpoint/2010/main">
+    <mc:Choice Requires="p14">
+      <p:transition spd="slow" p14:dur="2000"/>
+    </mc:Choice>
+    <mc:Fallback xmlns="">
+      <p:transition spd="slow"/>
+    </mc:Fallback>
+  </mc:AlternateContent>
+  <p:timing>
+    <p:tnLst>
+      <p:par>
+        <p:cTn id="1" dur="indefinite" restart="never" nodeType="tmRoot"/>
+      </p:par>
+    </p:tnLst>
+  </p:timing>
+</p:sld>
+</file>
+
+<file path=ppt/slides/slide22.xml><?xml version="1.0" encoding="utf-8"?>
+<p:sld xmlns:a="http://schemas.openxmlformats.org/drawingml/2006/main" xmlns:r="http://schemas.openxmlformats.org/officeDocument/2006/relationships" xmlns:p="http://schemas.openxmlformats.org/presentationml/2006/main">
+  <p:cSld>
+    <p:spTree>
+      <p:nvGrpSpPr>
+        <p:cNvPr id="1" name=""/>
+        <p:cNvGrpSpPr/>
+        <p:nvPr/>
+      </p:nvGrpSpPr>
+      <p:grpSpPr>
+        <a:xfrm>
+          <a:off x="0" y="0"/>
+          <a:ext cx="0" cy="0"/>
+          <a:chOff x="0" y="0"/>
+          <a:chExt cx="0" cy="0"/>
+        </a:xfrm>
+      </p:grpSpPr>
+      <p:sp>
+        <p:nvSpPr>
+          <p:cNvPr id="2" name="Title 1"/>
+          <p:cNvSpPr>
+            <a:spLocks noGrp="1"/>
+          </p:cNvSpPr>
+          <p:nvPr>
+            <p:ph type="title"/>
+          </p:nvPr>
+        </p:nvSpPr>
+        <p:spPr/>
+        <p:txBody>
+          <a:bodyPr/>
+          <a:lstStyle/>
+          <a:p>
+            <a:r>
+              <a:rPr lang="en-US" smtClean="0"/>
+              <a:t>REDCap 2014 Consortium Survey</a:t>
+            </a:r>
+            <a:endParaRPr lang="en-US"/>
+          </a:p>
+        </p:txBody>
+      </p:sp>
+      <p:graphicFrame>
+        <p:nvGraphicFramePr>
+          <p:cNvPr id="6" name="Content Placeholder 5"/>
+          <p:cNvGraphicFramePr>
+            <a:graphicFrameLocks noGrp="1"/>
+          </p:cNvGraphicFramePr>
+          <p:nvPr>
+            <p:ph idx="1"/>
+            <p:extLst>
+              <p:ext uri="{D42A27DB-BD31-4B8C-83A1-F6EECF244321}">
+                <p14:modId xmlns:p14="http://schemas.microsoft.com/office/powerpoint/2010/main" val="3408464961"/>
+              </p:ext>
+            </p:extLst>
+          </p:nvPr>
+        </p:nvGraphicFramePr>
+        <p:xfrm>
+          <a:off x="457200" y="1600200"/>
+          <a:ext cx="8229610" cy="2931160"/>
+        </p:xfrm>
+        <a:graphic>
+          <a:graphicData uri="http://schemas.openxmlformats.org/drawingml/2006/table">
+            <a:tbl>
+              <a:tblPr firstRow="1" bandRow="1">
+                <a:tableStyleId>{5C22544A-7EE6-4342-B048-85BDC9FD1C3A}</a:tableStyleId>
+              </a:tblPr>
+              <a:tblGrid>
+                <a:gridCol w="2133600"/>
+                <a:gridCol w="762001"/>
+                <a:gridCol w="1219201"/>
+                <a:gridCol w="1066800"/>
+                <a:gridCol w="1143000"/>
+                <a:gridCol w="990601"/>
+                <a:gridCol w="914407"/>
+              </a:tblGrid>
+              <a:tr h="370840">
+                <a:tc>
+                  <a:txBody>
+                    <a:bodyPr/>
+                    <a:lstStyle/>
+                    <a:p>
+                      <a:endParaRPr lang="en-US"/>
+                    </a:p>
+                  </a:txBody>
+                  <a:tcPr/>
+                </a:tc>
+                <a:tc gridSpan="6">
+                  <a:txBody>
+                    <a:bodyPr/>
+                    <a:lstStyle/>
+                    <a:p>
+                      <a:pPr algn="ctr"/>
+                      <a:r>
+                        <a:rPr lang="en-US" smtClean="0"/>
+                        <a:t>Funding</a:t>
+                      </a:r>
+                      <a:r>
+                        <a:rPr lang="en-US" baseline="0" smtClean="0"/>
+                        <a:t> source(s) </a:t>
+                      </a:r>
+                      <a:endParaRPr lang="en-US"/>
+                    </a:p>
+                  </a:txBody>
+                  <a:tcPr/>
+                </a:tc>
+                <a:tc hMerge="1">
+                  <a:txBody>
+                    <a:bodyPr/>
+                    <a:lstStyle/>
+                    <a:p>
+                      <a:pPr algn="ctr"/>
+                      <a:endParaRPr lang="en-US"/>
+                    </a:p>
+                  </a:txBody>
+                  <a:tcPr/>
+                </a:tc>
+                <a:tc hMerge="1">
+                  <a:txBody>
+                    <a:bodyPr/>
+                    <a:lstStyle/>
+                    <a:p>
+                      <a:pPr algn="ctr"/>
+                      <a:endParaRPr lang="en-US"/>
+                    </a:p>
+                  </a:txBody>
+                  <a:tcPr/>
+                </a:tc>
+                <a:tc hMerge="1">
+                  <a:txBody>
+                    <a:bodyPr/>
+                    <a:lstStyle/>
+                    <a:p>
+                      <a:pPr algn="ctr"/>
+                      <a:endParaRPr lang="en-US"/>
+                    </a:p>
+                  </a:txBody>
+                  <a:tcPr/>
+                </a:tc>
+                <a:tc hMerge="1">
+                  <a:txBody>
+                    <a:bodyPr/>
+                    <a:lstStyle/>
+                    <a:p>
+                      <a:pPr algn="ctr"/>
+                      <a:endParaRPr lang="en-US"/>
+                    </a:p>
+                  </a:txBody>
+                  <a:tcPr/>
+                </a:tc>
+                <a:tc hMerge="1">
+                  <a:txBody>
+                    <a:bodyPr/>
+                    <a:lstStyle/>
+                    <a:p>
+                      <a:pPr algn="ctr"/>
+                      <a:endParaRPr lang="en-US"/>
+                    </a:p>
+                  </a:txBody>
+                  <a:tcPr/>
+                </a:tc>
+              </a:tr>
+              <a:tr h="370840">
+                <a:tc>
+                  <a:txBody>
+                    <a:bodyPr/>
+                    <a:lstStyle/>
+                    <a:p>
+                      <a:endParaRPr lang="en-US" smtClean="0"/>
+                    </a:p>
+                    <a:p>
+                      <a:r>
+                        <a:rPr lang="en-US" smtClean="0"/>
+                        <a:t>Model</a:t>
+                      </a:r>
+                      <a:endParaRPr lang="en-US"/>
+                    </a:p>
+                  </a:txBody>
+                  <a:tcPr/>
+                </a:tc>
+                <a:tc>
+                  <a:txBody>
+                    <a:bodyPr/>
+                    <a:lstStyle/>
+                    <a:p>
+                      <a:pPr algn="ctr"/>
+                      <a:endParaRPr lang="en-US" smtClean="0"/>
+                    </a:p>
+                    <a:p>
+                      <a:pPr algn="ctr"/>
+                      <a:r>
+                        <a:rPr lang="en-US" smtClean="0"/>
+                        <a:t>CTSA</a:t>
+                      </a:r>
+                      <a:endParaRPr lang="en-US"/>
+                    </a:p>
+                  </a:txBody>
+                  <a:tcPr/>
+                </a:tc>
+                <a:tc>
+                  <a:txBody>
+                    <a:bodyPr/>
+                    <a:lstStyle/>
+                    <a:p>
+                      <a:pPr algn="ctr"/>
+                      <a:endParaRPr lang="en-US" smtClean="0"/>
+                    </a:p>
+                    <a:p>
+                      <a:pPr algn="ctr"/>
+                      <a:r>
+                        <a:rPr lang="en-US" smtClean="0"/>
+                        <a:t>Institution</a:t>
+                      </a:r>
+                      <a:endParaRPr lang="en-US"/>
+                    </a:p>
+                  </a:txBody>
+                  <a:tcPr/>
+                </a:tc>
+                <a:tc>
+                  <a:txBody>
+                    <a:bodyPr/>
+                    <a:lstStyle/>
+                    <a:p>
+                      <a:pPr algn="ctr"/>
+                      <a:r>
+                        <a:rPr lang="en-US" smtClean="0"/>
+                        <a:t>Monthly</a:t>
+                      </a:r>
+                      <a:r>
+                        <a:rPr lang="en-US" baseline="0" smtClean="0"/>
+                        <a:t> charge</a:t>
+                      </a:r>
+                      <a:endParaRPr lang="en-US"/>
+                    </a:p>
+                  </a:txBody>
+                  <a:tcPr/>
+                </a:tc>
+                <a:tc>
+                  <a:txBody>
+                    <a:bodyPr/>
+                    <a:lstStyle/>
+                    <a:p>
+                      <a:pPr algn="ctr"/>
+                      <a:r>
+                        <a:rPr lang="en-US" smtClean="0"/>
+                        <a:t>One-time</a:t>
+                      </a:r>
+                      <a:r>
+                        <a:rPr lang="en-US" baseline="0" smtClean="0"/>
+                        <a:t> fee</a:t>
+                      </a:r>
+                      <a:endParaRPr lang="en-US"/>
+                    </a:p>
+                  </a:txBody>
+                  <a:tcPr/>
+                </a:tc>
+                <a:tc>
+                  <a:txBody>
+                    <a:bodyPr/>
+                    <a:lstStyle/>
+                    <a:p>
+                      <a:pPr algn="ctr"/>
+                      <a:r>
+                        <a:rPr lang="en-US" smtClean="0"/>
+                        <a:t>Percent effort</a:t>
+                      </a:r>
+                      <a:endParaRPr lang="en-US"/>
+                    </a:p>
+                  </a:txBody>
+                  <a:tcPr/>
+                </a:tc>
+                <a:tc>
+                  <a:txBody>
+                    <a:bodyPr/>
+                    <a:lstStyle/>
+                    <a:p>
+                      <a:pPr algn="ctr"/>
+                      <a:endParaRPr lang="en-US" smtClean="0"/>
+                    </a:p>
+                    <a:p>
+                      <a:pPr algn="ctr"/>
+                      <a:r>
+                        <a:rPr lang="en-US" smtClean="0"/>
+                        <a:t>Other </a:t>
+                      </a:r>
+                      <a:endParaRPr lang="en-US"/>
+                    </a:p>
+                  </a:txBody>
+                  <a:tcPr/>
+                </a:tc>
+              </a:tr>
+              <a:tr h="370840">
+                <a:tc>
+                  <a:txBody>
+                    <a:bodyPr/>
+                    <a:lstStyle/>
+                    <a:p>
+                      <a:r>
+                        <a:rPr lang="en-US" b="1" smtClean="0"/>
+                        <a:t>Free</a:t>
+                      </a:r>
+                      <a:r>
+                        <a:rPr lang="en-US" b="1" baseline="0" smtClean="0"/>
+                        <a:t> for all users</a:t>
+                      </a:r>
+                      <a:r>
+                        <a:rPr lang="en-US" baseline="0" smtClean="0"/>
+                        <a:t> </a:t>
+                      </a:r>
+                      <a:r>
+                        <a:rPr lang="en-US" i="1" baseline="0" smtClean="0"/>
+                        <a:t>(n=24)</a:t>
+                      </a:r>
+                      <a:endParaRPr lang="en-US" i="1"/>
+                    </a:p>
+                  </a:txBody>
+                  <a:tcPr/>
+                </a:tc>
+                <a:tc>
+                  <a:txBody>
+                    <a:bodyPr/>
+                    <a:lstStyle/>
+                    <a:p>
+                      <a:pPr algn="r"/>
+                      <a:r>
+                        <a:rPr lang="en-US" smtClean="0"/>
+                        <a:t>41%</a:t>
+                      </a:r>
+                      <a:endParaRPr lang="en-US"/>
+                    </a:p>
+                  </a:txBody>
+                  <a:tcPr/>
+                </a:tc>
+                <a:tc>
+                  <a:txBody>
+                    <a:bodyPr/>
+                    <a:lstStyle/>
+                    <a:p>
+                      <a:pPr algn="r"/>
+                      <a:r>
+                        <a:rPr lang="en-US" smtClean="0"/>
+                        <a:t>67%</a:t>
+                      </a:r>
+                      <a:endParaRPr lang="en-US"/>
+                    </a:p>
+                  </a:txBody>
+                  <a:tcPr/>
+                </a:tc>
+                <a:tc>
+                  <a:txBody>
+                    <a:bodyPr/>
+                    <a:lstStyle/>
+                    <a:p>
+                      <a:pPr algn="r"/>
+                      <a:r>
+                        <a:rPr lang="en-US" smtClean="0"/>
+                        <a:t>0%</a:t>
+                      </a:r>
+                      <a:endParaRPr lang="en-US"/>
+                    </a:p>
+                  </a:txBody>
+                  <a:tcPr/>
+                </a:tc>
+                <a:tc>
+                  <a:txBody>
+                    <a:bodyPr/>
+                    <a:lstStyle/>
+                    <a:p>
+                      <a:pPr algn="r"/>
+                      <a:r>
+                        <a:rPr lang="en-US" smtClean="0"/>
+                        <a:t>0%</a:t>
+                      </a:r>
+                      <a:endParaRPr lang="en-US"/>
+                    </a:p>
+                  </a:txBody>
+                  <a:tcPr/>
+                </a:tc>
+                <a:tc>
+                  <a:txBody>
+                    <a:bodyPr/>
+                    <a:lstStyle/>
+                    <a:p>
+                      <a:pPr algn="r"/>
+                      <a:r>
+                        <a:rPr lang="en-US" smtClean="0"/>
+                        <a:t>8%</a:t>
+                      </a:r>
+                      <a:endParaRPr lang="en-US"/>
+                    </a:p>
+                  </a:txBody>
+                  <a:tcPr/>
+                </a:tc>
+                <a:tc>
+                  <a:txBody>
+                    <a:bodyPr/>
+                    <a:lstStyle/>
+                    <a:p>
+                      <a:pPr algn="r"/>
+                      <a:r>
+                        <a:rPr lang="en-US" smtClean="0"/>
+                        <a:t>8%</a:t>
+                      </a:r>
+                      <a:endParaRPr lang="en-US"/>
+                    </a:p>
+                  </a:txBody>
+                  <a:tcPr/>
+                </a:tc>
+              </a:tr>
+              <a:tr h="370840">
+                <a:tc>
+                  <a:txBody>
+                    <a:bodyPr/>
+                    <a:lstStyle/>
+                    <a:p>
+                      <a:r>
+                        <a:rPr lang="en-US" b="1" smtClean="0"/>
+                        <a:t>Free</a:t>
+                      </a:r>
+                      <a:r>
+                        <a:rPr lang="en-US" b="1" baseline="0" smtClean="0"/>
+                        <a:t> for some users</a:t>
+                      </a:r>
+                      <a:r>
+                        <a:rPr lang="en-US" baseline="0" smtClean="0"/>
+                        <a:t> </a:t>
+                      </a:r>
+                      <a:r>
+                        <a:rPr lang="en-US" i="1" baseline="0" smtClean="0"/>
+                        <a:t>(n=8)</a:t>
+                      </a:r>
+                      <a:endParaRPr lang="en-US" i="1"/>
+                    </a:p>
+                  </a:txBody>
+                  <a:tcPr/>
+                </a:tc>
+                <a:tc>
+                  <a:txBody>
+                    <a:bodyPr/>
+                    <a:lstStyle/>
+                    <a:p>
+                      <a:pPr algn="r"/>
+                      <a:r>
+                        <a:rPr lang="en-US" smtClean="0"/>
+                        <a:t>63%</a:t>
+                      </a:r>
+                      <a:endParaRPr lang="en-US"/>
+                    </a:p>
+                  </a:txBody>
+                  <a:tcPr/>
+                </a:tc>
+                <a:tc>
+                  <a:txBody>
+                    <a:bodyPr/>
+                    <a:lstStyle/>
+                    <a:p>
+                      <a:pPr algn="r"/>
+                      <a:r>
+                        <a:rPr lang="en-US" smtClean="0"/>
+                        <a:t>63%</a:t>
+                      </a:r>
+                      <a:endParaRPr lang="en-US"/>
+                    </a:p>
+                  </a:txBody>
+                  <a:tcPr/>
+                </a:tc>
+                <a:tc>
+                  <a:txBody>
+                    <a:bodyPr/>
+                    <a:lstStyle/>
+                    <a:p>
+                      <a:pPr algn="r"/>
+                      <a:r>
+                        <a:rPr lang="en-US" smtClean="0"/>
+                        <a:t>25%</a:t>
+                      </a:r>
+                      <a:endParaRPr lang="en-US"/>
+                    </a:p>
+                  </a:txBody>
+                  <a:tcPr/>
+                </a:tc>
+                <a:tc>
+                  <a:txBody>
+                    <a:bodyPr/>
+                    <a:lstStyle/>
+                    <a:p>
+                      <a:pPr algn="r"/>
+                      <a:r>
+                        <a:rPr lang="en-US" smtClean="0"/>
+                        <a:t>38%</a:t>
+                      </a:r>
+                      <a:endParaRPr lang="en-US"/>
+                    </a:p>
+                  </a:txBody>
+                  <a:tcPr/>
+                </a:tc>
+                <a:tc>
+                  <a:txBody>
+                    <a:bodyPr/>
+                    <a:lstStyle/>
+                    <a:p>
+                      <a:pPr algn="r"/>
+                      <a:r>
+                        <a:rPr lang="en-US" smtClean="0"/>
+                        <a:t>25%</a:t>
+                      </a:r>
+                      <a:endParaRPr lang="en-US"/>
+                    </a:p>
+                  </a:txBody>
+                  <a:tcPr/>
+                </a:tc>
+                <a:tc>
+                  <a:txBody>
+                    <a:bodyPr/>
+                    <a:lstStyle/>
+                    <a:p>
+                      <a:pPr algn="r"/>
+                      <a:r>
+                        <a:rPr lang="en-US" smtClean="0"/>
+                        <a:t>13%</a:t>
+                      </a:r>
+                      <a:endParaRPr lang="en-US"/>
+                    </a:p>
+                  </a:txBody>
+                  <a:tcPr/>
+                </a:tc>
+              </a:tr>
+              <a:tr h="370840">
+                <a:tc>
+                  <a:txBody>
+                    <a:bodyPr/>
+                    <a:lstStyle/>
+                    <a:p>
+                      <a:r>
+                        <a:rPr lang="en-US" b="1" smtClean="0"/>
+                        <a:t>Not free</a:t>
+                      </a:r>
+                      <a:r>
+                        <a:rPr lang="en-US" smtClean="0"/>
+                        <a:t> </a:t>
+                      </a:r>
+                    </a:p>
+                    <a:p>
+                      <a:r>
+                        <a:rPr lang="en-US" i="1" smtClean="0"/>
+                        <a:t>(n=3)</a:t>
+                      </a:r>
+                      <a:endParaRPr lang="en-US" i="1"/>
+                    </a:p>
+                  </a:txBody>
+                  <a:tcPr/>
+                </a:tc>
+                <a:tc>
+                  <a:txBody>
+                    <a:bodyPr/>
+                    <a:lstStyle/>
+                    <a:p>
+                      <a:pPr algn="r"/>
+                      <a:r>
+                        <a:rPr lang="en-US" smtClean="0"/>
+                        <a:t>0%</a:t>
+                      </a:r>
+                      <a:endParaRPr lang="en-US"/>
+                    </a:p>
+                  </a:txBody>
+                  <a:tcPr/>
+                </a:tc>
+                <a:tc>
+                  <a:txBody>
+                    <a:bodyPr/>
+                    <a:lstStyle/>
+                    <a:p>
+                      <a:pPr algn="r"/>
+                      <a:r>
+                        <a:rPr lang="en-US" smtClean="0"/>
+                        <a:t>0%</a:t>
+                      </a:r>
+                      <a:endParaRPr lang="en-US"/>
+                    </a:p>
+                  </a:txBody>
+                  <a:tcPr/>
+                </a:tc>
+                <a:tc>
+                  <a:txBody>
+                    <a:bodyPr/>
+                    <a:lstStyle/>
+                    <a:p>
+                      <a:pPr algn="r"/>
+                      <a:r>
+                        <a:rPr lang="en-US" smtClean="0"/>
+                        <a:t>100%</a:t>
+                      </a:r>
+                      <a:endParaRPr lang="en-US"/>
+                    </a:p>
+                  </a:txBody>
+                  <a:tcPr/>
+                </a:tc>
+                <a:tc>
+                  <a:txBody>
+                    <a:bodyPr/>
+                    <a:lstStyle/>
+                    <a:p>
+                      <a:pPr algn="r"/>
+                      <a:r>
+                        <a:rPr lang="en-US" smtClean="0"/>
+                        <a:t>33%</a:t>
+                      </a:r>
+                      <a:endParaRPr lang="en-US"/>
+                    </a:p>
+                  </a:txBody>
+                  <a:tcPr/>
+                </a:tc>
+                <a:tc>
+                  <a:txBody>
+                    <a:bodyPr/>
+                    <a:lstStyle/>
+                    <a:p>
+                      <a:pPr algn="r"/>
+                      <a:r>
+                        <a:rPr lang="en-US" smtClean="0"/>
+                        <a:t>0%</a:t>
+                      </a:r>
+                      <a:endParaRPr lang="en-US"/>
+                    </a:p>
+                  </a:txBody>
+                  <a:tcPr/>
+                </a:tc>
+                <a:tc>
+                  <a:txBody>
+                    <a:bodyPr/>
+                    <a:lstStyle/>
+                    <a:p>
+                      <a:pPr algn="r"/>
+                      <a:r>
+                        <a:rPr lang="en-US" smtClean="0"/>
+                        <a:t>0%</a:t>
+                      </a:r>
+                      <a:endParaRPr lang="en-US"/>
+                    </a:p>
+                  </a:txBody>
+                  <a:tcPr/>
+                </a:tc>
+              </a:tr>
+            </a:tbl>
+          </a:graphicData>
+        </a:graphic>
+      </p:graphicFrame>
+      <p:sp>
+        <p:nvSpPr>
+          <p:cNvPr id="7" name="TextBox 6"/>
+          <p:cNvSpPr txBox="1"/>
+          <p:nvPr/>
+        </p:nvSpPr>
+        <p:spPr>
+          <a:xfrm>
+            <a:off x="533400" y="4511159"/>
+            <a:ext cx="5531707" cy="369332"/>
+          </a:xfrm>
+          <a:prstGeom prst="rect">
+            <a:avLst/>
+          </a:prstGeom>
+          <a:noFill/>
+        </p:spPr>
+        <p:txBody>
+          <a:bodyPr wrap="none" rtlCol="0">
+            <a:spAutoFit/>
+          </a:bodyPr>
+          <a:lstStyle/>
+          <a:p>
+            <a:r>
+              <a:rPr lang="en-US" i="1" smtClean="0"/>
+              <a:t>There can be multiple funding sources selected for a site.</a:t>
+            </a:r>
+            <a:endParaRPr lang="en-US" i="1"/>
+          </a:p>
+        </p:txBody>
+      </p:sp>
+    </p:spTree>
+    <p:extLst>
+      <p:ext uri="{BB962C8B-B14F-4D97-AF65-F5344CB8AC3E}">
+        <p14:creationId xmlns:p14="http://schemas.microsoft.com/office/powerpoint/2010/main" val="1705897263"/>
+      </p:ext>
+    </p:extLst>
+  </p:cSld>
+  <p:clrMapOvr>
+    <a:masterClrMapping/>
+  </p:clrMapOvr>
+  <mc:AlternateContent xmlns:mc="http://schemas.openxmlformats.org/markup-compatibility/2006" xmlns:p14="http://schemas.microsoft.com/office/powerpoint/2010/main">
+    <mc:Choice Requires="p14">
+      <p:transition spd="slow" p14:dur="2000"/>
+    </mc:Choice>
+    <mc:Fallback xmlns="">
+      <p:transition spd="slow"/>
+    </mc:Fallback>
+  </mc:AlternateContent>
+  <p:timing>
+    <p:tnLst>
+      <p:par>
+        <p:cTn id="1" dur="indefinite" restart="never" nodeType="tmRoot"/>
+      </p:par>
+    </p:tnLst>
+  </p:timing>
+</p:sld>
+</file>
+
+<file path=ppt/slides/slide23.xml><?xml version="1.0" encoding="utf-8"?>
+<p:sld xmlns:a="http://schemas.openxmlformats.org/drawingml/2006/main" xmlns:r="http://schemas.openxmlformats.org/officeDocument/2006/relationships" xmlns:p="http://schemas.openxmlformats.org/presentationml/2006/main">
+  <p:cSld>
+    <p:spTree>
+      <p:nvGrpSpPr>
+        <p:cNvPr id="1" name=""/>
+        <p:cNvGrpSpPr/>
+        <p:nvPr/>
+      </p:nvGrpSpPr>
+      <p:grpSpPr>
+        <a:xfrm>
+          <a:off x="0" y="0"/>
+          <a:ext cx="0" cy="0"/>
+          <a:chOff x="0" y="0"/>
+          <a:chExt cx="0" cy="0"/>
+        </a:xfrm>
+      </p:grpSpPr>
+      <p:sp>
+        <p:nvSpPr>
+          <p:cNvPr id="2" name="Title 1"/>
+          <p:cNvSpPr>
+            <a:spLocks noGrp="1"/>
+          </p:cNvSpPr>
+          <p:nvPr>
+            <p:ph type="title"/>
+          </p:nvPr>
+        </p:nvSpPr>
+        <p:spPr/>
+        <p:txBody>
+          <a:bodyPr/>
+          <a:lstStyle/>
+          <a:p>
+            <a:r>
+              <a:rPr lang="en-US" smtClean="0"/>
+              <a:t>REDCap 2014 Consortium Survey</a:t>
+            </a:r>
+            <a:endParaRPr lang="en-US"/>
+          </a:p>
+        </p:txBody>
+      </p:sp>
+      <p:graphicFrame>
+        <p:nvGraphicFramePr>
+          <p:cNvPr id="6" name="Content Placeholder 5"/>
+          <p:cNvGraphicFramePr>
+            <a:graphicFrameLocks noGrp="1"/>
+          </p:cNvGraphicFramePr>
+          <p:nvPr>
+            <p:ph idx="1"/>
+            <p:extLst>
+              <p:ext uri="{D42A27DB-BD31-4B8C-83A1-F6EECF244321}">
+                <p14:modId xmlns:p14="http://schemas.microsoft.com/office/powerpoint/2010/main" val="1004678425"/>
+              </p:ext>
+            </p:extLst>
+          </p:nvPr>
+        </p:nvGraphicFramePr>
+        <p:xfrm>
+          <a:off x="457200" y="1600200"/>
+          <a:ext cx="8229612" cy="3205480"/>
+        </p:xfrm>
+        <a:graphic>
+          <a:graphicData uri="http://schemas.openxmlformats.org/drawingml/2006/table">
+            <a:tbl>
+              <a:tblPr firstRow="1" bandRow="1">
+                <a:tableStyleId>{5C22544A-7EE6-4342-B048-85BDC9FD1C3A}</a:tableStyleId>
+              </a:tblPr>
+              <a:tblGrid>
+                <a:gridCol w="2133600"/>
+                <a:gridCol w="990600"/>
+                <a:gridCol w="990603"/>
+                <a:gridCol w="990597"/>
+                <a:gridCol w="990601"/>
+                <a:gridCol w="990600"/>
+                <a:gridCol w="1143011"/>
+              </a:tblGrid>
+              <a:tr h="370840">
+                <a:tc>
+                  <a:txBody>
+                    <a:bodyPr/>
+                    <a:lstStyle/>
+                    <a:p>
+                      <a:endParaRPr lang="en-US"/>
+                    </a:p>
+                  </a:txBody>
+                  <a:tcPr/>
+                </a:tc>
+                <a:tc gridSpan="6">
+                  <a:txBody>
+                    <a:bodyPr/>
+                    <a:lstStyle/>
+                    <a:p>
+                      <a:pPr algn="ctr"/>
+                      <a:r>
+                        <a:rPr lang="en-US" smtClean="0"/>
+                        <a:t>INCLUDED Services</a:t>
+                      </a:r>
+                      <a:r>
+                        <a:rPr lang="en-US" baseline="0" smtClean="0"/>
+                        <a:t> (no charge)</a:t>
+                      </a:r>
+                      <a:endParaRPr lang="en-US"/>
+                    </a:p>
+                  </a:txBody>
+                  <a:tcPr/>
+                </a:tc>
+                <a:tc hMerge="1">
+                  <a:txBody>
+                    <a:bodyPr/>
+                    <a:lstStyle/>
+                    <a:p>
+                      <a:pPr algn="ctr"/>
+                      <a:endParaRPr lang="en-US"/>
+                    </a:p>
+                  </a:txBody>
+                  <a:tcPr/>
+                </a:tc>
+                <a:tc hMerge="1">
+                  <a:txBody>
+                    <a:bodyPr/>
+                    <a:lstStyle/>
+                    <a:p>
+                      <a:pPr algn="ctr"/>
+                      <a:endParaRPr lang="en-US"/>
+                    </a:p>
+                  </a:txBody>
+                  <a:tcPr/>
+                </a:tc>
+                <a:tc hMerge="1">
+                  <a:txBody>
+                    <a:bodyPr/>
+                    <a:lstStyle/>
+                    <a:p>
+                      <a:pPr algn="ctr"/>
+                      <a:endParaRPr lang="en-US"/>
+                    </a:p>
+                  </a:txBody>
+                  <a:tcPr/>
+                </a:tc>
+                <a:tc hMerge="1">
+                  <a:txBody>
+                    <a:bodyPr/>
+                    <a:lstStyle/>
+                    <a:p>
+                      <a:pPr algn="ctr"/>
+                      <a:endParaRPr lang="en-US"/>
+                    </a:p>
+                  </a:txBody>
+                  <a:tcPr/>
+                </a:tc>
+                <a:tc hMerge="1">
+                  <a:txBody>
+                    <a:bodyPr/>
+                    <a:lstStyle/>
+                    <a:p>
+                      <a:pPr algn="ctr"/>
+                      <a:endParaRPr lang="en-US"/>
+                    </a:p>
+                  </a:txBody>
+                  <a:tcPr/>
+                </a:tc>
+              </a:tr>
+              <a:tr h="370840">
+                <a:tc>
+                  <a:txBody>
+                    <a:bodyPr/>
+                    <a:lstStyle/>
+                    <a:p>
+                      <a:endParaRPr lang="en-US" smtClean="0"/>
+                    </a:p>
+                    <a:p>
+                      <a:endParaRPr lang="en-US" smtClean="0"/>
+                    </a:p>
+                    <a:p>
+                      <a:r>
+                        <a:rPr lang="en-US" smtClean="0"/>
+                        <a:t>Model</a:t>
+                      </a:r>
+                      <a:endParaRPr lang="en-US"/>
+                    </a:p>
+                  </a:txBody>
+                  <a:tcPr/>
+                </a:tc>
+                <a:tc>
+                  <a:txBody>
+                    <a:bodyPr/>
+                    <a:lstStyle/>
+                    <a:p>
+                      <a:pPr algn="ctr"/>
+                      <a:endParaRPr lang="en-US" smtClean="0"/>
+                    </a:p>
+                    <a:p>
+                      <a:pPr algn="ctr"/>
+                      <a:r>
+                        <a:rPr lang="en-US" smtClean="0"/>
+                        <a:t>Build forms</a:t>
+                      </a:r>
+                      <a:endParaRPr lang="en-US"/>
+                    </a:p>
+                  </a:txBody>
+                  <a:tcPr/>
+                </a:tc>
+                <a:tc>
+                  <a:txBody>
+                    <a:bodyPr/>
+                    <a:lstStyle/>
+                    <a:p>
+                      <a:pPr algn="ctr"/>
+                      <a:r>
+                        <a:rPr lang="en-US" smtClean="0"/>
+                        <a:t>Build entire project</a:t>
+                      </a:r>
+                      <a:endParaRPr lang="en-US"/>
+                    </a:p>
+                  </a:txBody>
+                  <a:tcPr/>
+                </a:tc>
+                <a:tc>
+                  <a:txBody>
+                    <a:bodyPr/>
+                    <a:lstStyle/>
+                    <a:p>
+                      <a:pPr algn="ctr"/>
+                      <a:r>
+                        <a:rPr lang="en-US" smtClean="0"/>
+                        <a:t>Manage entire project</a:t>
+                      </a:r>
+                      <a:endParaRPr lang="en-US"/>
+                    </a:p>
+                  </a:txBody>
+                  <a:tcPr/>
+                </a:tc>
+                <a:tc>
+                  <a:txBody>
+                    <a:bodyPr/>
+                    <a:lstStyle/>
+                    <a:p>
+                      <a:pPr algn="ctr"/>
+                      <a:endParaRPr lang="en-US" smtClean="0"/>
+                    </a:p>
+                    <a:p>
+                      <a:pPr algn="ctr"/>
+                      <a:r>
+                        <a:rPr lang="en-US" smtClean="0"/>
+                        <a:t>User</a:t>
+                      </a:r>
+                      <a:r>
+                        <a:rPr lang="en-US" baseline="0" smtClean="0"/>
+                        <a:t> Training</a:t>
+                      </a:r>
+                      <a:endParaRPr lang="en-US"/>
+                    </a:p>
+                  </a:txBody>
+                  <a:tcPr/>
+                </a:tc>
+                <a:tc>
+                  <a:txBody>
+                    <a:bodyPr/>
+                    <a:lstStyle/>
+                    <a:p>
+                      <a:pPr algn="ctr"/>
+                      <a:endParaRPr lang="en-US" smtClean="0"/>
+                    </a:p>
+                    <a:p>
+                      <a:pPr algn="ctr"/>
+                      <a:r>
+                        <a:rPr lang="en-US" smtClean="0"/>
+                        <a:t>User Support</a:t>
+                      </a:r>
+                      <a:endParaRPr lang="en-US"/>
+                    </a:p>
+                  </a:txBody>
+                  <a:tcPr/>
+                </a:tc>
+                <a:tc>
+                  <a:txBody>
+                    <a:bodyPr/>
+                    <a:lstStyle/>
+                    <a:p>
+                      <a:pPr algn="ctr"/>
+                      <a:endParaRPr lang="en-US" smtClean="0"/>
+                    </a:p>
+                    <a:p>
+                      <a:pPr algn="ctr"/>
+                      <a:r>
+                        <a:rPr lang="en-US" smtClean="0"/>
+                        <a:t>Custom program </a:t>
+                      </a:r>
+                      <a:endParaRPr lang="en-US"/>
+                    </a:p>
+                  </a:txBody>
+                  <a:tcPr/>
+                </a:tc>
+              </a:tr>
+              <a:tr h="370840">
+                <a:tc>
+                  <a:txBody>
+                    <a:bodyPr/>
+                    <a:lstStyle/>
+                    <a:p>
+                      <a:r>
+                        <a:rPr lang="en-US" b="1" smtClean="0"/>
+                        <a:t>Free</a:t>
+                      </a:r>
+                      <a:r>
+                        <a:rPr lang="en-US" b="1" baseline="0" smtClean="0"/>
+                        <a:t> for all users</a:t>
+                      </a:r>
+                      <a:r>
+                        <a:rPr lang="en-US" baseline="0" smtClean="0"/>
+                        <a:t> </a:t>
+                      </a:r>
+                      <a:r>
+                        <a:rPr lang="en-US" i="1" baseline="0" smtClean="0"/>
+                        <a:t>(n=24)</a:t>
+                      </a:r>
+                      <a:endParaRPr lang="en-US" i="1"/>
+                    </a:p>
+                  </a:txBody>
+                  <a:tcPr/>
+                </a:tc>
+                <a:tc>
+                  <a:txBody>
+                    <a:bodyPr/>
+                    <a:lstStyle/>
+                    <a:p>
+                      <a:pPr algn="r"/>
+                      <a:r>
+                        <a:rPr lang="en-US" smtClean="0"/>
+                        <a:t>25%</a:t>
+                      </a:r>
+                      <a:endParaRPr lang="en-US"/>
+                    </a:p>
+                  </a:txBody>
+                  <a:tcPr/>
+                </a:tc>
+                <a:tc>
+                  <a:txBody>
+                    <a:bodyPr/>
+                    <a:lstStyle/>
+                    <a:p>
+                      <a:pPr algn="r"/>
+                      <a:r>
+                        <a:rPr lang="en-US" smtClean="0"/>
+                        <a:t>21%</a:t>
+                      </a:r>
+                      <a:endParaRPr lang="en-US"/>
+                    </a:p>
+                  </a:txBody>
+                  <a:tcPr/>
+                </a:tc>
+                <a:tc>
+                  <a:txBody>
+                    <a:bodyPr/>
+                    <a:lstStyle/>
+                    <a:p>
+                      <a:pPr algn="r"/>
+                      <a:r>
+                        <a:rPr lang="en-US" smtClean="0"/>
+                        <a:t>21%</a:t>
+                      </a:r>
+                      <a:endParaRPr lang="en-US"/>
+                    </a:p>
+                  </a:txBody>
+                  <a:tcPr/>
+                </a:tc>
+                <a:tc>
+                  <a:txBody>
+                    <a:bodyPr/>
+                    <a:lstStyle/>
+                    <a:p>
+                      <a:pPr algn="r"/>
+                      <a:r>
+                        <a:rPr lang="en-US" smtClean="0"/>
+                        <a:t>88%</a:t>
+                      </a:r>
+                      <a:endParaRPr lang="en-US"/>
+                    </a:p>
+                  </a:txBody>
+                  <a:tcPr/>
+                </a:tc>
+                <a:tc>
+                  <a:txBody>
+                    <a:bodyPr/>
+                    <a:lstStyle/>
+                    <a:p>
+                      <a:pPr algn="r"/>
+                      <a:r>
+                        <a:rPr lang="en-US" smtClean="0"/>
+                        <a:t>100%</a:t>
+                      </a:r>
+                      <a:endParaRPr lang="en-US"/>
+                    </a:p>
+                  </a:txBody>
+                  <a:tcPr/>
+                </a:tc>
+                <a:tc>
+                  <a:txBody>
+                    <a:bodyPr/>
+                    <a:lstStyle/>
+                    <a:p>
+                      <a:pPr algn="r"/>
+                      <a:r>
+                        <a:rPr lang="en-US" smtClean="0"/>
+                        <a:t>21%</a:t>
+                      </a:r>
+                      <a:endParaRPr lang="en-US"/>
+                    </a:p>
+                  </a:txBody>
+                  <a:tcPr/>
+                </a:tc>
+              </a:tr>
+              <a:tr h="370840">
+                <a:tc>
+                  <a:txBody>
+                    <a:bodyPr/>
+                    <a:lstStyle/>
+                    <a:p>
+                      <a:r>
+                        <a:rPr lang="en-US" b="1" smtClean="0"/>
+                        <a:t>Free</a:t>
+                      </a:r>
+                      <a:r>
+                        <a:rPr lang="en-US" b="1" baseline="0" smtClean="0"/>
+                        <a:t> for some users</a:t>
+                      </a:r>
+                      <a:r>
+                        <a:rPr lang="en-US" baseline="0" smtClean="0"/>
+                        <a:t> </a:t>
+                      </a:r>
+                      <a:r>
+                        <a:rPr lang="en-US" i="1" baseline="0" smtClean="0"/>
+                        <a:t>(n=8)</a:t>
+                      </a:r>
+                      <a:endParaRPr lang="en-US" i="1"/>
+                    </a:p>
+                  </a:txBody>
+                  <a:tcPr/>
+                </a:tc>
+                <a:tc>
+                  <a:txBody>
+                    <a:bodyPr/>
+                    <a:lstStyle/>
+                    <a:p>
+                      <a:pPr algn="r"/>
+                      <a:r>
+                        <a:rPr lang="en-US" smtClean="0"/>
+                        <a:t>38%</a:t>
+                      </a:r>
+                      <a:endParaRPr lang="en-US"/>
+                    </a:p>
+                  </a:txBody>
+                  <a:tcPr/>
+                </a:tc>
+                <a:tc>
+                  <a:txBody>
+                    <a:bodyPr/>
+                    <a:lstStyle/>
+                    <a:p>
+                      <a:pPr algn="r"/>
+                      <a:r>
+                        <a:rPr lang="en-US" smtClean="0"/>
+                        <a:t>38%</a:t>
+                      </a:r>
+                      <a:endParaRPr lang="en-US"/>
+                    </a:p>
+                  </a:txBody>
+                  <a:tcPr/>
+                </a:tc>
+                <a:tc>
+                  <a:txBody>
+                    <a:bodyPr/>
+                    <a:lstStyle/>
+                    <a:p>
+                      <a:pPr algn="r"/>
+                      <a:r>
+                        <a:rPr lang="en-US" smtClean="0"/>
+                        <a:t>25%</a:t>
+                      </a:r>
+                      <a:endParaRPr lang="en-US"/>
+                    </a:p>
+                  </a:txBody>
+                  <a:tcPr/>
+                </a:tc>
+                <a:tc>
+                  <a:txBody>
+                    <a:bodyPr/>
+                    <a:lstStyle/>
+                    <a:p>
+                      <a:pPr algn="r"/>
+                      <a:r>
+                        <a:rPr lang="en-US" smtClean="0"/>
+                        <a:t>88%</a:t>
+                      </a:r>
+                      <a:endParaRPr lang="en-US"/>
+                    </a:p>
+                  </a:txBody>
+                  <a:tcPr/>
+                </a:tc>
+                <a:tc>
+                  <a:txBody>
+                    <a:bodyPr/>
+                    <a:lstStyle/>
+                    <a:p>
+                      <a:pPr algn="r"/>
+                      <a:r>
+                        <a:rPr lang="en-US" smtClean="0"/>
+                        <a:t>88%</a:t>
+                      </a:r>
+                      <a:endParaRPr lang="en-US"/>
+                    </a:p>
+                  </a:txBody>
+                  <a:tcPr/>
+                </a:tc>
+                <a:tc>
+                  <a:txBody>
+                    <a:bodyPr/>
+                    <a:lstStyle/>
+                    <a:p>
+                      <a:pPr algn="r"/>
+                      <a:r>
+                        <a:rPr lang="en-US" smtClean="0"/>
+                        <a:t>25%</a:t>
+                      </a:r>
+                      <a:endParaRPr lang="en-US"/>
+                    </a:p>
+                  </a:txBody>
+                  <a:tcPr/>
+                </a:tc>
+              </a:tr>
+              <a:tr h="370840">
+                <a:tc>
+                  <a:txBody>
+                    <a:bodyPr/>
+                    <a:lstStyle/>
+                    <a:p>
+                      <a:r>
+                        <a:rPr lang="en-US" b="1" smtClean="0"/>
+                        <a:t>Not free</a:t>
+                      </a:r>
+                      <a:r>
+                        <a:rPr lang="en-US" smtClean="0"/>
+                        <a:t> </a:t>
+                      </a:r>
+                    </a:p>
+                    <a:p>
+                      <a:r>
+                        <a:rPr lang="en-US" i="1" smtClean="0"/>
+                        <a:t>(n=3)</a:t>
+                      </a:r>
+                      <a:endParaRPr lang="en-US" i="1"/>
+                    </a:p>
+                  </a:txBody>
+                  <a:tcPr/>
+                </a:tc>
+                <a:tc>
+                  <a:txBody>
+                    <a:bodyPr/>
+                    <a:lstStyle/>
+                    <a:p>
+                      <a:pPr algn="r"/>
+                      <a:r>
+                        <a:rPr lang="en-US" smtClean="0"/>
+                        <a:t>0%</a:t>
+                      </a:r>
+                      <a:endParaRPr lang="en-US"/>
+                    </a:p>
+                  </a:txBody>
+                  <a:tcPr/>
+                </a:tc>
+                <a:tc>
+                  <a:txBody>
+                    <a:bodyPr/>
+                    <a:lstStyle/>
+                    <a:p>
+                      <a:pPr algn="r"/>
+                      <a:r>
+                        <a:rPr lang="en-US" smtClean="0"/>
+                        <a:t>0%</a:t>
+                      </a:r>
+                      <a:endParaRPr lang="en-US"/>
+                    </a:p>
+                  </a:txBody>
+                  <a:tcPr/>
+                </a:tc>
+                <a:tc>
+                  <a:txBody>
+                    <a:bodyPr/>
+                    <a:lstStyle/>
+                    <a:p>
+                      <a:pPr algn="r"/>
+                      <a:r>
+                        <a:rPr lang="en-US" smtClean="0"/>
+                        <a:t>0%</a:t>
+                      </a:r>
+                      <a:endParaRPr lang="en-US"/>
+                    </a:p>
+                  </a:txBody>
+                  <a:tcPr/>
+                </a:tc>
+                <a:tc>
+                  <a:txBody>
+                    <a:bodyPr/>
+                    <a:lstStyle/>
+                    <a:p>
+                      <a:pPr algn="r"/>
+                      <a:r>
+                        <a:rPr lang="en-US" smtClean="0"/>
+                        <a:t>33%</a:t>
+                      </a:r>
+                      <a:endParaRPr lang="en-US"/>
+                    </a:p>
+                  </a:txBody>
+                  <a:tcPr/>
+                </a:tc>
+                <a:tc>
+                  <a:txBody>
+                    <a:bodyPr/>
+                    <a:lstStyle/>
+                    <a:p>
+                      <a:pPr algn="r"/>
+                      <a:r>
+                        <a:rPr lang="en-US" smtClean="0"/>
+                        <a:t>100%</a:t>
+                      </a:r>
+                      <a:endParaRPr lang="en-US"/>
+                    </a:p>
+                  </a:txBody>
+                  <a:tcPr/>
+                </a:tc>
+                <a:tc>
+                  <a:txBody>
+                    <a:bodyPr/>
+                    <a:lstStyle/>
+                    <a:p>
+                      <a:pPr algn="r"/>
+                      <a:r>
+                        <a:rPr lang="en-US" smtClean="0"/>
+                        <a:t>0%</a:t>
+                      </a:r>
+                      <a:endParaRPr lang="en-US"/>
+                    </a:p>
+                  </a:txBody>
+                  <a:tcPr/>
+                </a:tc>
+              </a:tr>
+            </a:tbl>
+          </a:graphicData>
+        </a:graphic>
+      </p:graphicFrame>
+    </p:spTree>
+    <p:extLst>
+      <p:ext uri="{BB962C8B-B14F-4D97-AF65-F5344CB8AC3E}">
+        <p14:creationId xmlns:p14="http://schemas.microsoft.com/office/powerpoint/2010/main" val="2636788266"/>
+      </p:ext>
+    </p:extLst>
+  </p:cSld>
+  <p:clrMapOvr>
+    <a:masterClrMapping/>
+  </p:clrMapOvr>
+  <mc:AlternateContent xmlns:mc="http://schemas.openxmlformats.org/markup-compatibility/2006" xmlns:p14="http://schemas.microsoft.com/office/powerpoint/2010/main">
+    <mc:Choice Requires="p14">
+      <p:transition spd="slow" p14:dur="2000"/>
+    </mc:Choice>
+    <mc:Fallback xmlns="">
+      <p:transition spd="slow"/>
+    </mc:Fallback>
+  </mc:AlternateContent>
+  <p:timing>
+    <p:tnLst>
+      <p:par>
+        <p:cTn id="1" dur="indefinite" restart="never" nodeType="tmRoot"/>
+      </p:par>
+    </p:tnLst>
+  </p:timing>
+</p:sld>
+</file>
+
+<file path=ppt/slides/slide24.xml><?xml version="1.0" encoding="utf-8"?>
+<p:sld xmlns:a="http://schemas.openxmlformats.org/drawingml/2006/main" xmlns:r="http://schemas.openxmlformats.org/officeDocument/2006/relationships" xmlns:p="http://schemas.openxmlformats.org/presentationml/2006/main">
+  <p:cSld>
+    <p:spTree>
+      <p:nvGrpSpPr>
+        <p:cNvPr id="1" name=""/>
+        <p:cNvGrpSpPr/>
+        <p:nvPr/>
+      </p:nvGrpSpPr>
+      <p:grpSpPr>
+        <a:xfrm>
+          <a:off x="0" y="0"/>
+          <a:ext cx="0" cy="0"/>
+          <a:chOff x="0" y="0"/>
+          <a:chExt cx="0" cy="0"/>
+        </a:xfrm>
+      </p:grpSpPr>
+      <p:sp>
+        <p:nvSpPr>
+          <p:cNvPr id="2" name="Title 1"/>
+          <p:cNvSpPr>
+            <a:spLocks noGrp="1"/>
+          </p:cNvSpPr>
+          <p:nvPr>
+            <p:ph type="title"/>
+          </p:nvPr>
+        </p:nvSpPr>
+        <p:spPr/>
+        <p:txBody>
+          <a:bodyPr/>
+          <a:lstStyle/>
+          <a:p>
+            <a:r>
+              <a:rPr lang="en-US" smtClean="0"/>
+              <a:t>REDCap 2014 Consortium Survey</a:t>
+            </a:r>
+            <a:endParaRPr lang="en-US"/>
+          </a:p>
+        </p:txBody>
+      </p:sp>
+      <p:sp>
+        <p:nvSpPr>
+          <p:cNvPr id="7" name="Content Placeholder 6"/>
+          <p:cNvSpPr>
+            <a:spLocks noGrp="1"/>
+          </p:cNvSpPr>
+          <p:nvPr>
+            <p:ph idx="1"/>
+          </p:nvPr>
+        </p:nvSpPr>
+        <p:spPr/>
+        <p:txBody>
+          <a:bodyPr/>
+          <a:lstStyle/>
+          <a:p>
+            <a:endParaRPr lang="en-US"/>
+          </a:p>
+        </p:txBody>
+      </p:sp>
+      <p:graphicFrame>
+        <p:nvGraphicFramePr>
+          <p:cNvPr id="4" name="Table 3"/>
+          <p:cNvGraphicFramePr>
+            <a:graphicFrameLocks noGrp="1"/>
+          </p:cNvGraphicFramePr>
+          <p:nvPr>
+            <p:extLst>
+              <p:ext uri="{D42A27DB-BD31-4B8C-83A1-F6EECF244321}">
+                <p14:modId xmlns:p14="http://schemas.microsoft.com/office/powerpoint/2010/main" val="4265619765"/>
+              </p:ext>
+            </p:extLst>
+          </p:nvPr>
+        </p:nvGraphicFramePr>
+        <p:xfrm>
+          <a:off x="609600" y="1397000"/>
+          <a:ext cx="8001001" cy="2595880"/>
+        </p:xfrm>
+        <a:graphic>
+          <a:graphicData uri="http://schemas.openxmlformats.org/drawingml/2006/table">
+            <a:tbl>
+              <a:tblPr firstRow="1" bandRow="1">
+                <a:tableStyleId>{5C22544A-7EE6-4342-B048-85BDC9FD1C3A}</a:tableStyleId>
+              </a:tblPr>
+              <a:tblGrid>
+                <a:gridCol w="4800600"/>
+                <a:gridCol w="3200401"/>
+              </a:tblGrid>
+              <a:tr h="370840">
+                <a:tc>
+                  <a:txBody>
+                    <a:bodyPr/>
+                    <a:lstStyle/>
+                    <a:p>
+                      <a:r>
+                        <a:rPr lang="en-US" dirty="0" smtClean="0"/>
+                        <a:t>Summary of</a:t>
+                      </a:r>
+                      <a:r>
+                        <a:rPr lang="en-US" baseline="0" dirty="0" smtClean="0"/>
+                        <a:t> site information (n=35 responses)</a:t>
+                      </a:r>
+                      <a:endParaRPr lang="en-US" dirty="0"/>
+                    </a:p>
+                  </a:txBody>
+                  <a:tcPr/>
+                </a:tc>
+                <a:tc>
+                  <a:txBody>
+                    <a:bodyPr/>
+                    <a:lstStyle/>
+                    <a:p>
+                      <a:endParaRPr lang="en-US"/>
+                    </a:p>
+                  </a:txBody>
+                  <a:tcPr/>
+                </a:tc>
+              </a:tr>
+              <a:tr h="370840">
+                <a:tc>
+                  <a:txBody>
+                    <a:bodyPr/>
+                    <a:lstStyle/>
+                    <a:p>
+                      <a:r>
+                        <a:rPr lang="en-US" smtClean="0"/>
+                        <a:t>Average persons on REDCap team</a:t>
+                      </a:r>
+                      <a:endParaRPr lang="en-US"/>
+                    </a:p>
+                  </a:txBody>
+                  <a:tcPr/>
+                </a:tc>
+                <a:tc>
+                  <a:txBody>
+                    <a:bodyPr/>
+                    <a:lstStyle/>
+                    <a:p>
+                      <a:r>
+                        <a:rPr lang="en-US" smtClean="0"/>
+                        <a:t>3.05 persons</a:t>
+                      </a:r>
+                    </a:p>
+                  </a:txBody>
+                  <a:tcPr/>
+                </a:tc>
+              </a:tr>
+              <a:tr h="370840">
+                <a:tc>
+                  <a:txBody>
+                    <a:bodyPr/>
+                    <a:lstStyle/>
+                    <a:p>
+                      <a:r>
+                        <a:rPr lang="en-US" smtClean="0"/>
+                        <a:t>Average FTE per site</a:t>
+                      </a:r>
+                      <a:endParaRPr lang="en-US"/>
+                    </a:p>
+                  </a:txBody>
+                  <a:tcPr/>
+                </a:tc>
+                <a:tc>
+                  <a:txBody>
+                    <a:bodyPr/>
+                    <a:lstStyle/>
+                    <a:p>
+                      <a:r>
+                        <a:rPr lang="en-US" smtClean="0"/>
+                        <a:t>1.37 FTE</a:t>
+                      </a:r>
+                      <a:endParaRPr lang="en-US"/>
+                    </a:p>
+                  </a:txBody>
+                  <a:tcPr/>
+                </a:tc>
+              </a:tr>
+              <a:tr h="370840">
+                <a:tc>
+                  <a:txBody>
+                    <a:bodyPr/>
+                    <a:lstStyle/>
+                    <a:p>
+                      <a:r>
+                        <a:rPr lang="en-US" dirty="0" smtClean="0"/>
+                        <a:t>Average number of </a:t>
+                      </a:r>
+                      <a:r>
+                        <a:rPr lang="en-US" dirty="0" err="1" smtClean="0"/>
+                        <a:t>REDCap</a:t>
+                      </a:r>
+                      <a:r>
+                        <a:rPr lang="en-US" dirty="0" smtClean="0"/>
+                        <a:t> users per site</a:t>
+                      </a:r>
+                      <a:endParaRPr lang="en-US" dirty="0"/>
+                    </a:p>
+                  </a:txBody>
+                  <a:tcPr/>
+                </a:tc>
+                <a:tc>
+                  <a:txBody>
+                    <a:bodyPr/>
+                    <a:lstStyle/>
+                    <a:p>
+                      <a:r>
+                        <a:rPr lang="en-US" smtClean="0"/>
+                        <a:t>1,665 users</a:t>
+                      </a:r>
+                    </a:p>
+                  </a:txBody>
+                  <a:tcPr/>
+                </a:tc>
+              </a:tr>
+              <a:tr h="370840">
+                <a:tc>
+                  <a:txBody>
+                    <a:bodyPr/>
+                    <a:lstStyle/>
+                    <a:p>
+                      <a:r>
+                        <a:rPr lang="en-US" dirty="0" smtClean="0"/>
+                        <a:t>Average number</a:t>
+                      </a:r>
+                      <a:r>
+                        <a:rPr lang="en-US" baseline="0" dirty="0" smtClean="0"/>
+                        <a:t> of </a:t>
+                      </a:r>
+                      <a:r>
+                        <a:rPr lang="en-US" baseline="0" dirty="0" err="1" smtClean="0"/>
+                        <a:t>REDCap</a:t>
+                      </a:r>
+                      <a:r>
+                        <a:rPr lang="en-US" baseline="0" dirty="0" smtClean="0"/>
+                        <a:t> projects per site</a:t>
+                      </a:r>
+                      <a:endParaRPr lang="en-US" dirty="0"/>
+                    </a:p>
+                  </a:txBody>
+                  <a:tcPr/>
+                </a:tc>
+                <a:tc>
+                  <a:txBody>
+                    <a:bodyPr/>
+                    <a:lstStyle/>
+                    <a:p>
+                      <a:r>
+                        <a:rPr lang="en-US" smtClean="0"/>
+                        <a:t>1,414 projects</a:t>
+                      </a:r>
+                    </a:p>
+                  </a:txBody>
+                  <a:tcPr/>
+                </a:tc>
+              </a:tr>
+              <a:tr h="370840">
+                <a:tc>
+                  <a:txBody>
+                    <a:bodyPr/>
+                    <a:lstStyle/>
+                    <a:p>
+                      <a:r>
+                        <a:rPr lang="en-US" smtClean="0"/>
+                        <a:t>Monthly</a:t>
+                      </a:r>
+                      <a:r>
+                        <a:rPr lang="en-US" baseline="0" smtClean="0"/>
+                        <a:t> rates charged (n=3)</a:t>
+                      </a:r>
+                      <a:endParaRPr lang="en-US"/>
+                    </a:p>
+                  </a:txBody>
+                  <a:tcPr/>
+                </a:tc>
+                <a:tc>
+                  <a:txBody>
+                    <a:bodyPr/>
+                    <a:lstStyle/>
+                    <a:p>
+                      <a:r>
+                        <a:rPr lang="en-US" smtClean="0"/>
+                        <a:t>$100, $105, $130</a:t>
+                      </a:r>
+                    </a:p>
+                  </a:txBody>
+                  <a:tcPr/>
+                </a:tc>
+              </a:tr>
+              <a:tr h="370840">
+                <a:tc>
+                  <a:txBody>
+                    <a:bodyPr/>
+                    <a:lstStyle/>
+                    <a:p>
+                      <a:r>
+                        <a:rPr lang="en-US" smtClean="0"/>
+                        <a:t>One-time rates charged</a:t>
+                      </a:r>
+                      <a:r>
+                        <a:rPr lang="en-US" baseline="0" smtClean="0"/>
+                        <a:t> (n=2)</a:t>
+                      </a:r>
+                      <a:endParaRPr lang="en-US"/>
+                    </a:p>
+                  </a:txBody>
+                  <a:tcPr/>
+                </a:tc>
+                <a:tc>
+                  <a:txBody>
+                    <a:bodyPr/>
+                    <a:lstStyle/>
+                    <a:p>
+                      <a:r>
+                        <a:rPr lang="en-US" smtClean="0"/>
+                        <a:t>$300</a:t>
+                      </a:r>
+                    </a:p>
+                  </a:txBody>
+                  <a:tcPr/>
+                </a:tc>
+              </a:tr>
+            </a:tbl>
+          </a:graphicData>
+        </a:graphic>
+      </p:graphicFrame>
+    </p:spTree>
+    <p:extLst>
+      <p:ext uri="{BB962C8B-B14F-4D97-AF65-F5344CB8AC3E}">
+        <p14:creationId xmlns:p14="http://schemas.microsoft.com/office/powerpoint/2010/main" val="2949868323"/>
+      </p:ext>
+    </p:extLst>
+  </p:cSld>
+  <p:clrMapOvr>
+    <a:masterClrMapping/>
+  </p:clrMapOvr>
+  <mc:AlternateContent xmlns:mc="http://schemas.openxmlformats.org/markup-compatibility/2006" xmlns:p14="http://schemas.microsoft.com/office/powerpoint/2010/main">
+    <mc:Choice Requires="p14">
+      <p:transition spd="slow" p14:dur="2000"/>
+    </mc:Choice>
+    <mc:Fallback xmlns="">
+      <p:transition spd="slow"/>
+    </mc:Fallback>
+  </mc:AlternateContent>
+  <p:timing>
+    <p:tnLst>
+      <p:par>
+        <p:cTn id="1" dur="indefinite" restart="never" nodeType="tmRoot"/>
+      </p:par>
+    </p:tnLst>
+  </p:timing>
+</p:sld>
+</file>
+
+<file path=ppt/slides/slide25.xml><?xml version="1.0" encoding="utf-8"?>
+<p:sld xmlns:a="http://schemas.openxmlformats.org/drawingml/2006/main" xmlns:r="http://schemas.openxmlformats.org/officeDocument/2006/relationships" xmlns:p="http://schemas.openxmlformats.org/presentationml/2006/main">
+  <p:cSld>
+    <p:spTree>
+      <p:nvGrpSpPr>
+        <p:cNvPr id="1" name=""/>
+        <p:cNvGrpSpPr/>
+        <p:nvPr/>
+      </p:nvGrpSpPr>
+      <p:grpSpPr>
+        <a:xfrm>
+          <a:off x="0" y="0"/>
+          <a:ext cx="0" cy="0"/>
+          <a:chOff x="0" y="0"/>
+          <a:chExt cx="0" cy="0"/>
+        </a:xfrm>
+      </p:grpSpPr>
+      <p:sp>
+        <p:nvSpPr>
+          <p:cNvPr id="2" name="Title 1"/>
+          <p:cNvSpPr>
+            <a:spLocks noGrp="1"/>
+          </p:cNvSpPr>
+          <p:nvPr>
+            <p:ph type="title"/>
+          </p:nvPr>
+        </p:nvSpPr>
+        <p:spPr/>
+        <p:txBody>
+          <a:bodyPr/>
+          <a:lstStyle/>
+          <a:p>
+            <a:endParaRPr lang="en-US"/>
+          </a:p>
+        </p:txBody>
+      </p:sp>
+      <p:sp>
+        <p:nvSpPr>
+          <p:cNvPr id="3" name="Content Placeholder 2"/>
+          <p:cNvSpPr>
+            <a:spLocks noGrp="1"/>
+          </p:cNvSpPr>
+          <p:nvPr>
+            <p:ph idx="1"/>
+          </p:nvPr>
+        </p:nvSpPr>
+        <p:spPr/>
+        <p:txBody>
+          <a:bodyPr>
+            <a:normAutofit fontScale="77500" lnSpcReduction="20000"/>
+          </a:bodyPr>
+          <a:lstStyle/>
+          <a:p>
+            <a:r>
+              <a:rPr lang="en-US" dirty="0"/>
+              <a:t>REDCap Charge per use fee</a:t>
+            </a:r>
+          </a:p>
+          <a:p>
+            <a:r>
+              <a:rPr lang="en-US" dirty="0"/>
+              <a:t>Alex </a:t>
+            </a:r>
+            <a:r>
+              <a:rPr lang="en-US" dirty="0" err="1"/>
+              <a:t>Peshansky</a:t>
+            </a:r>
+            <a:r>
+              <a:rPr lang="en-US" dirty="0"/>
+              <a:t>- $4000 per REDCap project and $150/hour if they develop the project or do any extra programming</a:t>
+            </a:r>
+          </a:p>
+          <a:p>
+            <a:r>
+              <a:rPr lang="en-US" dirty="0"/>
+              <a:t>Susan C Guerrero-$500 for groups who want to build their own project.  Large projects or those who don’t want to build it themselves $100/programmers $125 project management.  With 10%-15% increase per year</a:t>
+            </a:r>
+          </a:p>
+          <a:p>
+            <a:r>
+              <a:rPr lang="en-US" dirty="0"/>
+              <a:t>University of Minnesota: Sue Lowry $100/hour to help people setup project or develop</a:t>
+            </a:r>
+          </a:p>
+          <a:p>
+            <a:r>
+              <a:rPr lang="en-US" dirty="0"/>
+              <a:t> </a:t>
+            </a:r>
+          </a:p>
+          <a:p>
+            <a:r>
+              <a:rPr lang="en-US" dirty="0"/>
+              <a:t>Georgetown: Clinton Finch $70/hour</a:t>
+            </a:r>
+          </a:p>
+          <a:p>
+            <a:r>
+              <a:rPr lang="en-US" dirty="0"/>
+              <a:t>Andy Martin: No charge for REDCap with 3-4 </a:t>
+            </a:r>
+            <a:r>
+              <a:rPr lang="en-US" dirty="0" smtClean="0"/>
+              <a:t>hours of assistance</a:t>
+            </a:r>
+            <a:r>
+              <a:rPr lang="en-US" dirty="0"/>
+              <a:t>.</a:t>
+            </a:r>
+          </a:p>
+          <a:p>
+            <a:endParaRPr lang="en-US" dirty="0"/>
+          </a:p>
+        </p:txBody>
+      </p:sp>
+    </p:spTree>
+    <p:extLst>
+      <p:ext uri="{BB962C8B-B14F-4D97-AF65-F5344CB8AC3E}">
+        <p14:creationId xmlns:p14="http://schemas.microsoft.com/office/powerpoint/2010/main" val="2268518704"/>
+      </p:ext>
+    </p:extLst>
+  </p:cSld>
+  <p:clrMapOvr>
+    <a:masterClrMapping/>
+  </p:clrMapOvr>
+</p:sld>
+</file>
+
+<file path=ppt/slides/slide26.xml><?xml version="1.0" encoding="utf-8"?>
+<p:sld xmlns:a="http://schemas.openxmlformats.org/drawingml/2006/main" xmlns:r="http://schemas.openxmlformats.org/officeDocument/2006/relationships" xmlns:p="http://schemas.openxmlformats.org/presentationml/2006/main">
+  <p:cSld>
+    <p:spTree>
+      <p:nvGrpSpPr>
+        <p:cNvPr id="1" name=""/>
+        <p:cNvGrpSpPr/>
+        <p:nvPr/>
+      </p:nvGrpSpPr>
+      <p:grpSpPr>
+        <a:xfrm>
+          <a:off x="0" y="0"/>
+          <a:ext cx="0" cy="0"/>
+          <a:chOff x="0" y="0"/>
+          <a:chExt cx="0" cy="0"/>
+        </a:xfrm>
+      </p:grpSpPr>
+      <p:sp>
+        <p:nvSpPr>
+          <p:cNvPr id="2" name="Title 1"/>
+          <p:cNvSpPr>
+            <a:spLocks noGrp="1"/>
+          </p:cNvSpPr>
+          <p:nvPr>
+            <p:ph type="title"/>
+          </p:nvPr>
+        </p:nvSpPr>
+        <p:spPr/>
+        <p:txBody>
+          <a:bodyPr>
+            <a:normAutofit/>
+          </a:bodyPr>
+          <a:lstStyle/>
+          <a:p>
+            <a:r>
+              <a:rPr lang="en-US" dirty="0"/>
+              <a:t>REDCap avoiding HIPAA </a:t>
+            </a:r>
+            <a:r>
+              <a:rPr lang="en-US" dirty="0" smtClean="0"/>
+              <a:t>violations</a:t>
+            </a:r>
+            <a:endParaRPr lang="en-US" dirty="0"/>
+          </a:p>
+        </p:txBody>
+      </p:sp>
+      <p:sp>
+        <p:nvSpPr>
+          <p:cNvPr id="3" name="Content Placeholder 2"/>
+          <p:cNvSpPr>
+            <a:spLocks noGrp="1"/>
+          </p:cNvSpPr>
+          <p:nvPr>
+            <p:ph idx="1"/>
+          </p:nvPr>
+        </p:nvSpPr>
+        <p:spPr/>
+        <p:txBody>
+          <a:bodyPr/>
+          <a:lstStyle/>
+          <a:p>
+            <a:endParaRPr lang="en-US" dirty="0"/>
+          </a:p>
+        </p:txBody>
+      </p:sp>
+    </p:spTree>
+    <p:extLst>
+      <p:ext uri="{BB962C8B-B14F-4D97-AF65-F5344CB8AC3E}">
+        <p14:creationId xmlns:p14="http://schemas.microsoft.com/office/powerpoint/2010/main" val="4291205497"/>
+      </p:ext>
+    </p:extLst>
+  </p:cSld>
+  <p:clrMapOvr>
+    <a:masterClrMapping/>
+  </p:clrMapOvr>
+</p:sld>
+</file>
+
+<file path=ppt/slides/slide27.xml><?xml version="1.0" encoding="utf-8"?>
+<p:sld xmlns:a="http://schemas.openxmlformats.org/drawingml/2006/main" xmlns:r="http://schemas.openxmlformats.org/officeDocument/2006/relationships" xmlns:p="http://schemas.openxmlformats.org/presentationml/2006/main">
+  <p:cSld>
+    <p:spTree>
+      <p:nvGrpSpPr>
+        <p:cNvPr id="1" name=""/>
+        <p:cNvGrpSpPr/>
+        <p:nvPr/>
+      </p:nvGrpSpPr>
+      <p:grpSpPr>
+        <a:xfrm>
+          <a:off x="0" y="0"/>
+          <a:ext cx="0" cy="0"/>
+          <a:chOff x="0" y="0"/>
+          <a:chExt cx="0" cy="0"/>
+        </a:xfrm>
+      </p:grpSpPr>
+      <p:sp>
+        <p:nvSpPr>
+          <p:cNvPr id="2" name="Title 1"/>
+          <p:cNvSpPr>
+            <a:spLocks noGrp="1"/>
+          </p:cNvSpPr>
+          <p:nvPr>
+            <p:ph type="title"/>
+          </p:nvPr>
+        </p:nvSpPr>
+        <p:spPr/>
+        <p:txBody>
+          <a:bodyPr>
+            <a:normAutofit/>
+          </a:bodyPr>
+          <a:lstStyle/>
+          <a:p>
+            <a:r>
+              <a:rPr lang="en-US" dirty="0" smtClean="0"/>
+              <a:t>OUHSC IT FTE request questions</a:t>
+            </a:r>
+            <a:endParaRPr lang="en-US" dirty="0"/>
+          </a:p>
+        </p:txBody>
+      </p:sp>
+      <p:sp>
+        <p:nvSpPr>
+          <p:cNvPr id="3" name="Content Placeholder 2"/>
+          <p:cNvSpPr>
+            <a:spLocks noGrp="1"/>
+          </p:cNvSpPr>
+          <p:nvPr>
+            <p:ph idx="1"/>
+          </p:nvPr>
+        </p:nvSpPr>
+        <p:spPr/>
+        <p:txBody>
+          <a:bodyPr/>
+          <a:lstStyle/>
+          <a:p>
+            <a:r>
+              <a:rPr lang="en-US" dirty="0"/>
+              <a:t>How will the support add up to the 10% and 5% FTE’s?  This is an estimate</a:t>
+            </a:r>
+          </a:p>
+          <a:p>
+            <a:r>
+              <a:rPr lang="en-US" dirty="0"/>
+              <a:t>How often have you had to submit tickets for these types of requests? 4-5 times</a:t>
+            </a:r>
+          </a:p>
+          <a:p>
+            <a:r>
+              <a:rPr lang="en-US" dirty="0"/>
+              <a:t>Have you been submitting these to </a:t>
+            </a:r>
+            <a:r>
+              <a:rPr lang="en-US" u="sng" dirty="0">
+                <a:hlinkClick r:id="rId2"/>
+              </a:rPr>
+              <a:t>ouitservices@service-now.com</a:t>
+            </a:r>
+            <a:r>
+              <a:rPr lang="en-US" dirty="0"/>
+              <a:t> or to individual contacts at IT? </a:t>
+            </a:r>
+            <a:r>
+              <a:rPr lang="en-US" u="sng" dirty="0">
+                <a:hlinkClick r:id="rId2"/>
+              </a:rPr>
+              <a:t>ouitservices@service-now.com</a:t>
+            </a:r>
+            <a:endParaRPr lang="en-US" dirty="0"/>
+          </a:p>
+          <a:p>
+            <a:endParaRPr lang="en-US" dirty="0"/>
+          </a:p>
+        </p:txBody>
+      </p:sp>
+    </p:spTree>
+    <p:extLst>
+      <p:ext uri="{BB962C8B-B14F-4D97-AF65-F5344CB8AC3E}">
+        <p14:creationId xmlns:p14="http://schemas.microsoft.com/office/powerpoint/2010/main" val="3294766665"/>
+      </p:ext>
+    </p:extLst>
+  </p:cSld>
+  <p:clrMapOvr>
+    <a:masterClrMapping/>
+  </p:clrMapOvr>
+</p:sld>
+</file>
+
+<file path=ppt/slides/slide3.xml><?xml version="1.0" encoding="utf-8"?>
+<p:sld xmlns:a="http://schemas.openxmlformats.org/drawingml/2006/main" xmlns:r="http://schemas.openxmlformats.org/officeDocument/2006/relationships" xmlns:p="http://schemas.openxmlformats.org/presentationml/2006/main">
+  <p:cSld>
+    <p:spTree>
+      <p:nvGrpSpPr>
+        <p:cNvPr id="1" name=""/>
+        <p:cNvGrpSpPr/>
+        <p:nvPr/>
+      </p:nvGrpSpPr>
+      <p:grpSpPr>
+        <a:xfrm>
+          <a:off x="0" y="0"/>
+          <a:ext cx="0" cy="0"/>
+          <a:chOff x="0" y="0"/>
+          <a:chExt cx="0" cy="0"/>
+        </a:xfrm>
+      </p:grpSpPr>
+      <p:sp>
+        <p:nvSpPr>
+          <p:cNvPr id="2" name="Title 1"/>
+          <p:cNvSpPr>
+            <a:spLocks noGrp="1"/>
+          </p:cNvSpPr>
+          <p:nvPr>
+            <p:ph type="title"/>
+          </p:nvPr>
+        </p:nvSpPr>
+        <p:spPr/>
+        <p:txBody>
+          <a:bodyPr/>
+          <a:lstStyle/>
+          <a:p>
+            <a:r>
+              <a:rPr lang="en-US" dirty="0" smtClean="0"/>
+              <a:t>Today’s Agenda</a:t>
+            </a:r>
+            <a:endParaRPr lang="en-US" dirty="0"/>
+          </a:p>
+        </p:txBody>
+      </p:sp>
+      <p:sp>
+        <p:nvSpPr>
+          <p:cNvPr id="3" name="Content Placeholder 2"/>
+          <p:cNvSpPr>
+            <a:spLocks noGrp="1"/>
+          </p:cNvSpPr>
+          <p:nvPr>
+            <p:ph idx="1"/>
+          </p:nvPr>
+        </p:nvSpPr>
+        <p:spPr/>
+        <p:txBody>
+          <a:bodyPr>
+            <a:normAutofit fontScale="92500" lnSpcReduction="10000"/>
+          </a:bodyPr>
+          <a:lstStyle/>
+          <a:p>
+            <a:r>
+              <a:rPr lang="en-US" dirty="0" smtClean="0">
+                <a:solidFill>
+                  <a:srgbClr val="00B050"/>
+                </a:solidFill>
+              </a:rPr>
+              <a:t>Quick review infrastructure and management</a:t>
+            </a:r>
+          </a:p>
+          <a:p>
+            <a:r>
+              <a:rPr lang="en-US" dirty="0" smtClean="0">
+                <a:solidFill>
+                  <a:srgbClr val="00B050"/>
+                </a:solidFill>
+              </a:rPr>
+              <a:t>Quick review of Appropriate Use Policy</a:t>
+            </a:r>
+          </a:p>
+          <a:p>
+            <a:r>
+              <a:rPr lang="en-US" dirty="0" smtClean="0">
+                <a:solidFill>
+                  <a:srgbClr val="00B050"/>
+                </a:solidFill>
+              </a:rPr>
+              <a:t>Reasoning behind a new support contract</a:t>
+            </a:r>
+          </a:p>
+          <a:p>
+            <a:r>
+              <a:rPr lang="en-US" dirty="0" err="1" smtClean="0">
+                <a:solidFill>
+                  <a:srgbClr val="00B050"/>
+                </a:solidFill>
+              </a:rPr>
+              <a:t>REDCapCon</a:t>
+            </a:r>
+            <a:r>
+              <a:rPr lang="en-US" dirty="0" smtClean="0">
+                <a:solidFill>
+                  <a:srgbClr val="00B050"/>
+                </a:solidFill>
+              </a:rPr>
+              <a:t> 2014 review</a:t>
+            </a:r>
+          </a:p>
+          <a:p>
+            <a:r>
+              <a:rPr lang="en-US" dirty="0" smtClean="0">
+                <a:solidFill>
+                  <a:srgbClr val="00B050"/>
+                </a:solidFill>
+              </a:rPr>
+              <a:t>New business</a:t>
+            </a:r>
+          </a:p>
+          <a:p>
+            <a:pPr lvl="1"/>
+            <a:r>
+              <a:rPr lang="en-US" dirty="0" smtClean="0">
+                <a:solidFill>
+                  <a:srgbClr val="00B050"/>
+                </a:solidFill>
+              </a:rPr>
+              <a:t>Sustaining </a:t>
+            </a:r>
+            <a:r>
+              <a:rPr lang="en-US" dirty="0" err="1" smtClean="0">
+                <a:solidFill>
+                  <a:srgbClr val="00B050"/>
+                </a:solidFill>
+              </a:rPr>
+              <a:t>REDCap</a:t>
+            </a:r>
+            <a:r>
+              <a:rPr lang="en-US" dirty="0" smtClean="0">
+                <a:solidFill>
+                  <a:srgbClr val="00B050"/>
+                </a:solidFill>
+              </a:rPr>
+              <a:t> long-term</a:t>
+            </a:r>
+          </a:p>
+          <a:p>
+            <a:pPr lvl="1"/>
+            <a:r>
+              <a:rPr lang="en-US" dirty="0" smtClean="0">
+                <a:solidFill>
+                  <a:srgbClr val="00B050"/>
+                </a:solidFill>
+              </a:rPr>
+              <a:t>Opening </a:t>
+            </a:r>
+            <a:r>
+              <a:rPr lang="en-US" dirty="0" err="1" smtClean="0">
+                <a:solidFill>
+                  <a:srgbClr val="00B050"/>
+                </a:solidFill>
+              </a:rPr>
+              <a:t>REDCap</a:t>
+            </a:r>
+            <a:r>
+              <a:rPr lang="en-US" dirty="0" smtClean="0">
+                <a:solidFill>
+                  <a:srgbClr val="00B050"/>
+                </a:solidFill>
+              </a:rPr>
+              <a:t> to wider community of users</a:t>
+            </a:r>
+          </a:p>
+          <a:p>
+            <a:r>
+              <a:rPr lang="en-US" dirty="0" smtClean="0">
+                <a:solidFill>
+                  <a:srgbClr val="00B050"/>
+                </a:solidFill>
+              </a:rPr>
+              <a:t>Unveil blueprints to new OU Clinical Data Warehouse</a:t>
+            </a:r>
+          </a:p>
+          <a:p>
+            <a:pPr lvl="1"/>
+            <a:endParaRPr lang="en-US" dirty="0"/>
+          </a:p>
+        </p:txBody>
+      </p:sp>
+    </p:spTree>
+    <p:extLst>
+      <p:ext uri="{BB962C8B-B14F-4D97-AF65-F5344CB8AC3E}">
+        <p14:creationId xmlns:p14="http://schemas.microsoft.com/office/powerpoint/2010/main" val="1620463204"/>
+      </p:ext>
+    </p:extLst>
+  </p:cSld>
+  <p:clrMapOvr>
+    <a:masterClrMapping/>
+  </p:clrMapOvr>
+</p:sld>
+</file>
+
+<file path=ppt/slides/slide4.xml><?xml version="1.0" encoding="utf-8"?>
+<p:sld xmlns:a="http://schemas.openxmlformats.org/drawingml/2006/main" xmlns:r="http://schemas.openxmlformats.org/officeDocument/2006/relationships" xmlns:p="http://schemas.openxmlformats.org/presentationml/2006/main">
+  <p:cSld>
+    <p:spTree>
+      <p:nvGrpSpPr>
+        <p:cNvPr id="1" name=""/>
+        <p:cNvGrpSpPr/>
+        <p:nvPr/>
+      </p:nvGrpSpPr>
+      <p:grpSpPr>
+        <a:xfrm>
+          <a:off x="0" y="0"/>
+          <a:ext cx="0" cy="0"/>
+          <a:chOff x="0" y="0"/>
+          <a:chExt cx="0" cy="0"/>
+        </a:xfrm>
+      </p:grpSpPr>
+      <p:sp>
+        <p:nvSpPr>
+          <p:cNvPr id="2" name="Title 1"/>
+          <p:cNvSpPr>
+            <a:spLocks noGrp="1"/>
+          </p:cNvSpPr>
+          <p:nvPr>
+            <p:ph type="title"/>
+          </p:nvPr>
+        </p:nvSpPr>
+        <p:spPr/>
+        <p:txBody>
+          <a:bodyPr/>
+          <a:lstStyle/>
+          <a:p>
+            <a:r>
+              <a:rPr lang="en-US" dirty="0" smtClean="0"/>
+              <a:t>Infrastructure and Management</a:t>
+            </a:r>
+            <a:endParaRPr lang="en-US" dirty="0"/>
+          </a:p>
+        </p:txBody>
+      </p:sp>
+      <p:sp>
+        <p:nvSpPr>
+          <p:cNvPr id="3" name="Content Placeholder 2"/>
+          <p:cNvSpPr>
+            <a:spLocks noGrp="1"/>
+          </p:cNvSpPr>
+          <p:nvPr>
+            <p:ph idx="1"/>
+          </p:nvPr>
+        </p:nvSpPr>
+        <p:spPr/>
+        <p:txBody>
+          <a:bodyPr>
+            <a:normAutofit/>
+          </a:bodyPr>
+          <a:lstStyle/>
+          <a:p>
+            <a:r>
+              <a:rPr lang="en-US" sz="1800" dirty="0"/>
+              <a:t>Three </a:t>
+            </a:r>
+            <a:r>
+              <a:rPr lang="en-US" sz="1800" dirty="0" err="1"/>
+              <a:t>REDCap</a:t>
+            </a:r>
+            <a:r>
+              <a:rPr lang="en-US" sz="1800" dirty="0"/>
+              <a:t> instances:</a:t>
+            </a:r>
+          </a:p>
+          <a:p>
+            <a:pPr lvl="1"/>
+            <a:r>
+              <a:rPr lang="en-US" sz="1500" dirty="0"/>
+              <a:t>BBMC Box- production instance managed by BBMC and primarily used by </a:t>
+            </a:r>
+            <a:r>
+              <a:rPr lang="en-US" sz="1500" dirty="0" err="1"/>
+              <a:t>Peds</a:t>
+            </a:r>
+            <a:r>
+              <a:rPr lang="en-US" sz="1500" dirty="0"/>
+              <a:t> colleagues</a:t>
+            </a:r>
+          </a:p>
+          <a:p>
+            <a:pPr lvl="1"/>
+            <a:r>
+              <a:rPr lang="en-US" sz="1500" dirty="0"/>
+              <a:t>Enterprise Box- a production instance managed by the OSCTR BERD Core and available to all</a:t>
+            </a:r>
+          </a:p>
+          <a:p>
+            <a:pPr lvl="1"/>
+            <a:r>
+              <a:rPr lang="en-US" sz="1500" dirty="0"/>
+              <a:t>Development Box- testing and development instance jointly managed by BBMC &amp; BERD</a:t>
+            </a:r>
+          </a:p>
+          <a:p>
+            <a:pPr lvl="1"/>
+            <a:endParaRPr lang="en-US" sz="1500" dirty="0"/>
+          </a:p>
+          <a:p>
+            <a:pPr marL="171450" lvl="2">
+              <a:spcBef>
+                <a:spcPts val="750"/>
+              </a:spcBef>
+            </a:pPr>
+            <a:r>
+              <a:rPr lang="en-US" sz="1800" dirty="0"/>
+              <a:t>BBMC box </a:t>
+            </a:r>
+            <a:r>
+              <a:rPr lang="en-US" sz="1800" dirty="0"/>
+              <a:t>f</a:t>
+            </a:r>
+            <a:r>
+              <a:rPr lang="en-US" sz="1800" dirty="0"/>
+              <a:t>unded through </a:t>
+            </a:r>
+            <a:r>
+              <a:rPr lang="en-US" sz="1800" dirty="0" err="1"/>
+              <a:t>Peds</a:t>
+            </a:r>
+            <a:r>
+              <a:rPr lang="en-US" sz="1800" dirty="0"/>
+              <a:t> grant and contracts monies; Enterprise and Dev Boxes funded through OSCTR funds</a:t>
+            </a:r>
+          </a:p>
+          <a:p>
+            <a:pPr marL="171450" lvl="2">
+              <a:spcBef>
+                <a:spcPts val="750"/>
+              </a:spcBef>
+            </a:pPr>
+            <a:endParaRPr lang="en-US" sz="1800" dirty="0"/>
+          </a:p>
+          <a:p>
+            <a:pPr marL="171450" lvl="2">
+              <a:spcBef>
+                <a:spcPts val="750"/>
+              </a:spcBef>
+            </a:pPr>
+            <a:r>
+              <a:rPr lang="en-US" sz="1800" dirty="0"/>
+              <a:t>BBMC and BERD management teams collaborate and coordinate on high level issues (e.g., upgrading </a:t>
+            </a:r>
+            <a:r>
+              <a:rPr lang="en-US" sz="1800" dirty="0" err="1"/>
+              <a:t>reqs</a:t>
+            </a:r>
+            <a:r>
+              <a:rPr lang="en-US" sz="1800" dirty="0"/>
+              <a:t>) but production boxes operate somewhat independently</a:t>
+            </a:r>
+          </a:p>
+          <a:p>
+            <a:pPr lvl="2"/>
+            <a:endParaRPr lang="en-US" dirty="0" smtClean="0"/>
+          </a:p>
+          <a:p>
+            <a:endParaRPr lang="en-US" dirty="0" smtClean="0"/>
+          </a:p>
+          <a:p>
+            <a:pPr lvl="1"/>
+            <a:endParaRPr lang="en-US" dirty="0"/>
+          </a:p>
+        </p:txBody>
+      </p:sp>
+    </p:spTree>
+    <p:extLst>
+      <p:ext uri="{BB962C8B-B14F-4D97-AF65-F5344CB8AC3E}">
+        <p14:creationId xmlns:p14="http://schemas.microsoft.com/office/powerpoint/2010/main" val="2746963966"/>
+      </p:ext>
+    </p:extLst>
+  </p:cSld>
+  <p:clrMapOvr>
+    <a:masterClrMapping/>
+  </p:clrMapOvr>
+</p:sld>
+</file>
+
+<file path=ppt/slides/slide5.xml><?xml version="1.0" encoding="utf-8"?>
+<p:sld xmlns:a="http://schemas.openxmlformats.org/drawingml/2006/main" xmlns:r="http://schemas.openxmlformats.org/officeDocument/2006/relationships" xmlns:p="http://schemas.openxmlformats.org/presentationml/2006/main">
+  <p:cSld>
+    <p:spTree>
+      <p:nvGrpSpPr>
+        <p:cNvPr id="1" name=""/>
+        <p:cNvGrpSpPr/>
+        <p:nvPr/>
+      </p:nvGrpSpPr>
+      <p:grpSpPr>
+        <a:xfrm>
+          <a:off x="0" y="0"/>
+          <a:ext cx="0" cy="0"/>
+          <a:chOff x="0" y="0"/>
+          <a:chExt cx="0" cy="0"/>
+        </a:xfrm>
+      </p:grpSpPr>
+      <p:sp>
+        <p:nvSpPr>
+          <p:cNvPr id="2" name="Title 1"/>
+          <p:cNvSpPr>
+            <a:spLocks noGrp="1"/>
+          </p:cNvSpPr>
+          <p:nvPr>
+            <p:ph type="title"/>
+          </p:nvPr>
+        </p:nvSpPr>
+        <p:spPr/>
+        <p:txBody>
+          <a:bodyPr/>
+          <a:lstStyle/>
+          <a:p>
+            <a:r>
+              <a:rPr lang="en-US" dirty="0" err="1" smtClean="0"/>
+              <a:t>REDCapCon</a:t>
+            </a:r>
+            <a:r>
+              <a:rPr lang="en-US" dirty="0" smtClean="0"/>
+              <a:t> </a:t>
+            </a:r>
+            <a:r>
+              <a:rPr lang="en-US" dirty="0" smtClean="0"/>
+              <a:t>2015 </a:t>
+            </a:r>
+            <a:r>
+              <a:rPr lang="en-US" dirty="0" smtClean="0"/>
+              <a:t>in </a:t>
+            </a:r>
+            <a:r>
+              <a:rPr lang="en-US" dirty="0" smtClean="0"/>
+              <a:t>Portland OR</a:t>
+            </a:r>
+            <a:endParaRPr lang="en-US" dirty="0"/>
+          </a:p>
+        </p:txBody>
+      </p:sp>
+      <p:sp>
+        <p:nvSpPr>
+          <p:cNvPr id="3" name="Content Placeholder 2"/>
+          <p:cNvSpPr>
+            <a:spLocks noGrp="1"/>
+          </p:cNvSpPr>
+          <p:nvPr>
+            <p:ph idx="1"/>
+          </p:nvPr>
+        </p:nvSpPr>
+        <p:spPr>
+          <a:xfrm>
+            <a:off x="457200" y="1600200"/>
+            <a:ext cx="8229600" cy="5029200"/>
+          </a:xfrm>
+        </p:spPr>
+        <p:txBody>
+          <a:bodyPr>
+            <a:normAutofit/>
+          </a:bodyPr>
+          <a:lstStyle/>
+          <a:p>
+            <a:r>
+              <a:rPr lang="en-US" dirty="0" smtClean="0">
+                <a:solidFill>
+                  <a:srgbClr val="00B050"/>
+                </a:solidFill>
+              </a:rPr>
+              <a:t>Three OU attendees last </a:t>
+            </a:r>
+            <a:r>
+              <a:rPr lang="en-US" dirty="0" smtClean="0">
+                <a:solidFill>
+                  <a:srgbClr val="00B050"/>
+                </a:solidFill>
+              </a:rPr>
+              <a:t>year </a:t>
+            </a:r>
+          </a:p>
+          <a:p>
+            <a:pPr lvl="1"/>
+            <a:r>
+              <a:rPr lang="en-US" dirty="0" smtClean="0">
+                <a:solidFill>
+                  <a:srgbClr val="00B050"/>
+                </a:solidFill>
+              </a:rPr>
+              <a:t>(Wilson, Kota, &amp; Beasley)</a:t>
+            </a:r>
+          </a:p>
+          <a:p>
+            <a:r>
+              <a:rPr lang="en-US" dirty="0"/>
+              <a:t>Need titles &amp; awards</a:t>
+            </a:r>
+          </a:p>
+          <a:p>
+            <a:r>
+              <a:rPr lang="en-US" dirty="0" smtClean="0">
+                <a:solidFill>
+                  <a:srgbClr val="00B050"/>
+                </a:solidFill>
+              </a:rPr>
+              <a:t>New </a:t>
+            </a:r>
+            <a:r>
+              <a:rPr lang="en-US" dirty="0" smtClean="0">
+                <a:solidFill>
+                  <a:srgbClr val="00B050"/>
+                </a:solidFill>
+              </a:rPr>
+              <a:t>Offline REDCap technology </a:t>
+            </a:r>
+            <a:r>
+              <a:rPr lang="en-US" dirty="0" smtClean="0">
+                <a:solidFill>
+                  <a:srgbClr val="00B050"/>
+                </a:solidFill>
+              </a:rPr>
+              <a:t>mature</a:t>
+            </a:r>
+          </a:p>
+          <a:p>
+            <a:r>
+              <a:rPr lang="en-US" dirty="0" smtClean="0">
+                <a:solidFill>
+                  <a:srgbClr val="00B050"/>
+                </a:solidFill>
+              </a:rPr>
+              <a:t>Launch national repository for training material</a:t>
+            </a:r>
+            <a:endParaRPr lang="en-US" dirty="0" smtClean="0">
+              <a:solidFill>
+                <a:srgbClr val="00B050"/>
+              </a:solidFill>
+            </a:endParaRPr>
+          </a:p>
+          <a:p>
+            <a:r>
+              <a:rPr lang="en-US" dirty="0" smtClean="0">
+                <a:solidFill>
+                  <a:srgbClr val="00B050"/>
+                </a:solidFill>
+              </a:rPr>
+              <a:t>Committee Memberships </a:t>
+            </a:r>
+            <a:br>
+              <a:rPr lang="en-US" dirty="0" smtClean="0">
+                <a:solidFill>
+                  <a:srgbClr val="00B050"/>
+                </a:solidFill>
+              </a:rPr>
+            </a:br>
+            <a:r>
+              <a:rPr lang="en-US" dirty="0" smtClean="0">
+                <a:solidFill>
+                  <a:srgbClr val="00B050"/>
+                </a:solidFill>
+              </a:rPr>
+              <a:t>(Wilson in Training Committee;</a:t>
+            </a:r>
+            <a:br>
+              <a:rPr lang="en-US" dirty="0" smtClean="0">
+                <a:solidFill>
+                  <a:srgbClr val="00B050"/>
+                </a:solidFill>
+              </a:rPr>
+            </a:br>
+            <a:r>
+              <a:rPr lang="en-US" dirty="0" smtClean="0">
+                <a:solidFill>
+                  <a:srgbClr val="00B050"/>
+                </a:solidFill>
+              </a:rPr>
+              <a:t>Beasley in Development Committee)</a:t>
+            </a:r>
+            <a:endParaRPr lang="en-US" dirty="0">
+              <a:solidFill>
+                <a:srgbClr val="00B050"/>
+              </a:solidFill>
+            </a:endParaRPr>
+          </a:p>
+        </p:txBody>
+      </p:sp>
+    </p:spTree>
+    <p:extLst>
+      <p:ext uri="{BB962C8B-B14F-4D97-AF65-F5344CB8AC3E}">
+        <p14:creationId xmlns:p14="http://schemas.microsoft.com/office/powerpoint/2010/main" val="1794142928"/>
+      </p:ext>
+    </p:extLst>
+  </p:cSld>
+  <p:clrMapOvr>
+    <a:masterClrMapping/>
+  </p:clrMapOvr>
+</p:sld>
+</file>
+
+<file path=ppt/slides/slide6.xml><?xml version="1.0" encoding="utf-8"?>
+<p:sld xmlns:a="http://schemas.openxmlformats.org/drawingml/2006/main" xmlns:r="http://schemas.openxmlformats.org/officeDocument/2006/relationships" xmlns:p="http://schemas.openxmlformats.org/presentationml/2006/main">
+  <p:cSld>
+    <p:spTree>
+      <p:nvGrpSpPr>
+        <p:cNvPr id="1" name=""/>
+        <p:cNvGrpSpPr/>
+        <p:nvPr/>
+      </p:nvGrpSpPr>
+      <p:grpSpPr>
+        <a:xfrm>
+          <a:off x="0" y="0"/>
+          <a:ext cx="0" cy="0"/>
+          <a:chOff x="0" y="0"/>
+          <a:chExt cx="0" cy="0"/>
+        </a:xfrm>
+      </p:grpSpPr>
+      <p:sp>
+        <p:nvSpPr>
+          <p:cNvPr id="2" name="Title 1"/>
+          <p:cNvSpPr>
+            <a:spLocks noGrp="1"/>
+          </p:cNvSpPr>
+          <p:nvPr>
+            <p:ph type="title"/>
+          </p:nvPr>
+        </p:nvSpPr>
+        <p:spPr/>
+        <p:txBody>
+          <a:bodyPr>
+            <a:normAutofit/>
+          </a:bodyPr>
+          <a:lstStyle/>
+          <a:p>
+            <a:r>
+              <a:rPr lang="en-US" dirty="0" smtClean="0"/>
+              <a:t>REDCap Training Statistics</a:t>
+            </a:r>
+            <a:endParaRPr lang="en-US" dirty="0"/>
+          </a:p>
+        </p:txBody>
+      </p:sp>
+      <p:sp>
+        <p:nvSpPr>
+          <p:cNvPr id="3" name="Content Placeholder 2"/>
+          <p:cNvSpPr>
+            <a:spLocks noGrp="1"/>
+          </p:cNvSpPr>
+          <p:nvPr>
+            <p:ph idx="1"/>
+          </p:nvPr>
+        </p:nvSpPr>
+        <p:spPr>
+          <a:xfrm>
+            <a:off x="228600" y="1600200"/>
+            <a:ext cx="8763000" cy="5181600"/>
+          </a:xfrm>
+        </p:spPr>
+        <p:txBody>
+          <a:bodyPr>
+            <a:normAutofit/>
+          </a:bodyPr>
+          <a:lstStyle/>
+          <a:p>
+            <a:pPr marL="0" indent="0">
+              <a:buNone/>
+            </a:pPr>
+            <a:r>
+              <a:rPr lang="en-US" dirty="0" smtClean="0"/>
+              <a:t>Training 2015</a:t>
+            </a:r>
+            <a:endParaRPr lang="en-US" dirty="0"/>
+          </a:p>
+          <a:p>
+            <a:pPr lvl="1"/>
+            <a:r>
+              <a:rPr lang="en-US" dirty="0" smtClean="0"/>
+              <a:t>12 Sessions</a:t>
+            </a:r>
+          </a:p>
+          <a:p>
+            <a:pPr lvl="1"/>
+            <a:r>
+              <a:rPr lang="en-US" dirty="0" smtClean="0"/>
+              <a:t>78 Individuals Trained</a:t>
+            </a:r>
+          </a:p>
+          <a:p>
+            <a:pPr lvl="1"/>
+            <a:r>
+              <a:rPr lang="en-US" dirty="0" smtClean="0"/>
+              <a:t>19 Hours of Training</a:t>
+            </a:r>
+          </a:p>
+          <a:p>
+            <a:pPr marL="0" indent="0">
+              <a:buNone/>
+            </a:pPr>
+            <a:r>
+              <a:rPr lang="en-US" dirty="0" smtClean="0"/>
+              <a:t>Training Sessions 2016 </a:t>
+            </a:r>
+            <a:r>
+              <a:rPr lang="en-US" sz="2000" dirty="0" smtClean="0"/>
+              <a:t>(2016-01-01 to </a:t>
+            </a:r>
+            <a:r>
+              <a:rPr lang="en-US" sz="2000" dirty="0" smtClean="0"/>
+              <a:t>2016-04-22)</a:t>
+            </a:r>
+            <a:endParaRPr lang="en-US" sz="2000" dirty="0" smtClean="0"/>
+          </a:p>
+          <a:p>
+            <a:pPr lvl="1"/>
+            <a:r>
+              <a:rPr lang="en-US" dirty="0" smtClean="0"/>
+              <a:t>4 </a:t>
+            </a:r>
+            <a:r>
+              <a:rPr lang="en-US" dirty="0" smtClean="0"/>
+              <a:t>Sessions</a:t>
+            </a:r>
+          </a:p>
+          <a:p>
+            <a:pPr lvl="1"/>
+            <a:r>
+              <a:rPr lang="en-US" dirty="0" smtClean="0"/>
+              <a:t>32 </a:t>
+            </a:r>
+            <a:r>
+              <a:rPr lang="en-US" dirty="0" smtClean="0"/>
+              <a:t>Individuals Trained</a:t>
+            </a:r>
+          </a:p>
+          <a:p>
+            <a:pPr lvl="1"/>
+            <a:r>
+              <a:rPr lang="en-US" dirty="0" smtClean="0"/>
+              <a:t>5 </a:t>
+            </a:r>
+            <a:r>
+              <a:rPr lang="en-US" dirty="0" smtClean="0"/>
+              <a:t>Hours of Training</a:t>
+            </a:r>
+          </a:p>
+        </p:txBody>
+      </p:sp>
+    </p:spTree>
+    <p:extLst>
+      <p:ext uri="{BB962C8B-B14F-4D97-AF65-F5344CB8AC3E}">
+        <p14:creationId xmlns:p14="http://schemas.microsoft.com/office/powerpoint/2010/main" val="272399104"/>
+      </p:ext>
+    </p:extLst>
+  </p:cSld>
+  <p:clrMapOvr>
+    <a:masterClrMapping/>
+  </p:clrMapOvr>
+</p:sld>
+</file>
+
+<file path=ppt/slides/slide7.xml><?xml version="1.0" encoding="utf-8"?>
+<p:sld xmlns:a="http://schemas.openxmlformats.org/drawingml/2006/main" xmlns:r="http://schemas.openxmlformats.org/officeDocument/2006/relationships" xmlns:p="http://schemas.openxmlformats.org/presentationml/2006/main">
+  <p:cSld>
+    <p:spTree>
+      <p:nvGrpSpPr>
+        <p:cNvPr id="1" name=""/>
+        <p:cNvGrpSpPr/>
+        <p:nvPr/>
+      </p:nvGrpSpPr>
+      <p:grpSpPr>
+        <a:xfrm>
+          <a:off x="0" y="0"/>
+          <a:ext cx="0" cy="0"/>
+          <a:chOff x="0" y="0"/>
+          <a:chExt cx="0" cy="0"/>
+        </a:xfrm>
+      </p:grpSpPr>
+      <p:sp>
+        <p:nvSpPr>
+          <p:cNvPr id="2" name="Title 1"/>
+          <p:cNvSpPr>
+            <a:spLocks noGrp="1"/>
+          </p:cNvSpPr>
+          <p:nvPr>
+            <p:ph type="title"/>
+          </p:nvPr>
+        </p:nvSpPr>
+        <p:spPr/>
+        <p:txBody>
+          <a:bodyPr>
+            <a:normAutofit/>
+          </a:bodyPr>
+          <a:lstStyle/>
+          <a:p>
+            <a:r>
+              <a:rPr lang="en-US" dirty="0" smtClean="0"/>
+              <a:t>BBMC REDCap Use Statistics</a:t>
+            </a:r>
+            <a:endParaRPr lang="en-US" dirty="0"/>
+          </a:p>
+        </p:txBody>
+      </p:sp>
+      <p:sp>
+        <p:nvSpPr>
+          <p:cNvPr id="3" name="Content Placeholder 2"/>
+          <p:cNvSpPr>
+            <a:spLocks noGrp="1"/>
+          </p:cNvSpPr>
+          <p:nvPr>
+            <p:ph idx="1"/>
+          </p:nvPr>
+        </p:nvSpPr>
+        <p:spPr>
+          <a:xfrm>
+            <a:off x="457200" y="1600200"/>
+            <a:ext cx="8229600" cy="5181600"/>
+          </a:xfrm>
+        </p:spPr>
+        <p:txBody>
+          <a:bodyPr>
+            <a:normAutofit lnSpcReduction="10000"/>
+          </a:bodyPr>
+          <a:lstStyle/>
+          <a:p>
+            <a:pPr marL="0" lvl="1" indent="0">
+              <a:buNone/>
+            </a:pPr>
+            <a:r>
+              <a:rPr lang="en-US" dirty="0" smtClean="0"/>
+              <a:t>106 Production, 99 Development, 1 Inactive, 1 Archived Projects</a:t>
+            </a:r>
+          </a:p>
+          <a:p>
+            <a:pPr lvl="1"/>
+            <a:r>
+              <a:rPr lang="en-US" dirty="0" smtClean="0"/>
+              <a:t>144 Research</a:t>
+            </a:r>
+            <a:endParaRPr lang="en-US" dirty="0" smtClean="0"/>
+          </a:p>
+          <a:p>
+            <a:pPr lvl="2"/>
+            <a:r>
+              <a:rPr lang="en-US" dirty="0" smtClean="0"/>
+              <a:t>7 Basic or Bench Research</a:t>
+            </a:r>
+          </a:p>
+          <a:p>
+            <a:pPr lvl="2"/>
+            <a:r>
+              <a:rPr lang="en-US" dirty="0" smtClean="0"/>
+              <a:t>42 Clinical Research Study or Trial</a:t>
+            </a:r>
+            <a:endParaRPr lang="en-US" dirty="0"/>
+          </a:p>
+          <a:p>
+            <a:pPr lvl="2"/>
+            <a:r>
+              <a:rPr lang="en-US" dirty="0" smtClean="0"/>
+              <a:t>6 Translational Research</a:t>
+            </a:r>
+          </a:p>
+          <a:p>
+            <a:pPr lvl="2"/>
+            <a:r>
+              <a:rPr lang="en-US" dirty="0"/>
+              <a:t>8</a:t>
+            </a:r>
+            <a:r>
+              <a:rPr lang="en-US" dirty="0" smtClean="0"/>
+              <a:t>1 Behavioral or Psychosocial Research Studies</a:t>
+            </a:r>
+          </a:p>
+          <a:p>
+            <a:pPr lvl="2"/>
+            <a:r>
+              <a:rPr lang="en-US" dirty="0" smtClean="0"/>
+              <a:t>4 Repository</a:t>
+            </a:r>
+          </a:p>
+          <a:p>
+            <a:pPr lvl="2"/>
+            <a:r>
+              <a:rPr lang="en-US" dirty="0" smtClean="0"/>
+              <a:t>8 Other</a:t>
+            </a:r>
+          </a:p>
+          <a:p>
+            <a:pPr lvl="1"/>
+            <a:r>
+              <a:rPr lang="en-US" dirty="0" smtClean="0"/>
+              <a:t>29 Operational Support</a:t>
+            </a:r>
+          </a:p>
+          <a:p>
+            <a:pPr lvl="1"/>
+            <a:r>
+              <a:rPr lang="en-US" dirty="0" smtClean="0"/>
+              <a:t>19 Quality Improvement</a:t>
+            </a:r>
+          </a:p>
+          <a:p>
+            <a:pPr lvl="1"/>
+            <a:r>
+              <a:rPr lang="en-US" dirty="0" smtClean="0"/>
+              <a:t>14 Other</a:t>
+            </a:r>
+          </a:p>
+          <a:p>
+            <a:pPr marL="1371600" lvl="3" indent="0">
+              <a:buNone/>
+            </a:pPr>
+            <a:endParaRPr lang="en-US" dirty="0"/>
+          </a:p>
+        </p:txBody>
+      </p:sp>
+    </p:spTree>
+    <p:extLst>
+      <p:ext uri="{BB962C8B-B14F-4D97-AF65-F5344CB8AC3E}">
+        <p14:creationId xmlns:p14="http://schemas.microsoft.com/office/powerpoint/2010/main" val="4057375540"/>
+      </p:ext>
+    </p:extLst>
+  </p:cSld>
+  <p:clrMapOvr>
+    <a:masterClrMapping/>
+  </p:clrMapOvr>
+</p:sld>
+</file>
+
+<file path=ppt/slides/slide8.xml><?xml version="1.0" encoding="utf-8"?>
+<p:sld xmlns:a="http://schemas.openxmlformats.org/drawingml/2006/main" xmlns:r="http://schemas.openxmlformats.org/officeDocument/2006/relationships" xmlns:p="http://schemas.openxmlformats.org/presentationml/2006/main">
+  <p:cSld>
+    <p:spTree>
+      <p:nvGrpSpPr>
+        <p:cNvPr id="1" name=""/>
+        <p:cNvGrpSpPr/>
+        <p:nvPr/>
+      </p:nvGrpSpPr>
+      <p:grpSpPr>
+        <a:xfrm>
+          <a:off x="0" y="0"/>
+          <a:ext cx="0" cy="0"/>
+          <a:chOff x="0" y="0"/>
+          <a:chExt cx="0" cy="0"/>
+        </a:xfrm>
+      </p:grpSpPr>
+      <p:sp>
+        <p:nvSpPr>
+          <p:cNvPr id="2" name="Title 1"/>
+          <p:cNvSpPr>
+            <a:spLocks noGrp="1"/>
+          </p:cNvSpPr>
+          <p:nvPr>
+            <p:ph type="title"/>
+          </p:nvPr>
+        </p:nvSpPr>
+        <p:spPr/>
+        <p:txBody>
+          <a:bodyPr>
+            <a:normAutofit/>
+          </a:bodyPr>
+          <a:lstStyle/>
+          <a:p>
+            <a:r>
+              <a:rPr lang="en-US" dirty="0" smtClean="0"/>
+              <a:t>BBMC REDCap Use Statistics</a:t>
+            </a:r>
+            <a:endParaRPr lang="en-US" dirty="0"/>
+          </a:p>
+        </p:txBody>
+      </p:sp>
+      <p:sp>
+        <p:nvSpPr>
+          <p:cNvPr id="3" name="Content Placeholder 2"/>
+          <p:cNvSpPr>
+            <a:spLocks noGrp="1"/>
+          </p:cNvSpPr>
+          <p:nvPr>
+            <p:ph idx="1"/>
+          </p:nvPr>
+        </p:nvSpPr>
+        <p:spPr>
+          <a:xfrm>
+            <a:off x="457200" y="1600200"/>
+            <a:ext cx="8229600" cy="5181600"/>
+          </a:xfrm>
+        </p:spPr>
+        <p:txBody>
+          <a:bodyPr>
+            <a:normAutofit/>
+          </a:bodyPr>
+          <a:lstStyle/>
+          <a:p>
+            <a:pPr marL="0" indent="0">
+              <a:buNone/>
+            </a:pPr>
+            <a:r>
+              <a:rPr lang="en-US" dirty="0" smtClean="0"/>
+              <a:t>Users</a:t>
+            </a:r>
+          </a:p>
+          <a:p>
+            <a:pPr lvl="1"/>
+            <a:r>
+              <a:rPr lang="en-US" dirty="0" smtClean="0"/>
+              <a:t>300 Active Users</a:t>
+            </a:r>
+          </a:p>
+          <a:p>
+            <a:pPr lvl="1"/>
+            <a:r>
+              <a:rPr lang="en-US" dirty="0" smtClean="0"/>
+              <a:t>2,592,243 Total Logged Events</a:t>
+            </a:r>
+          </a:p>
+          <a:p>
+            <a:pPr lvl="2"/>
+            <a:r>
+              <a:rPr lang="en-US" dirty="0" smtClean="0"/>
+              <a:t>11,031 in the past 7 days</a:t>
+            </a:r>
+          </a:p>
+          <a:p>
+            <a:pPr lvl="2"/>
+            <a:r>
+              <a:rPr lang="en-US" dirty="0" smtClean="0"/>
+              <a:t>65,671 in the past 30 days</a:t>
+            </a:r>
+          </a:p>
+          <a:p>
+            <a:pPr marL="1371600" lvl="3" indent="0">
+              <a:buNone/>
+            </a:pPr>
+            <a:endParaRPr lang="en-US" dirty="0"/>
+          </a:p>
+        </p:txBody>
+      </p:sp>
+    </p:spTree>
+    <p:extLst>
+      <p:ext uri="{BB962C8B-B14F-4D97-AF65-F5344CB8AC3E}">
+        <p14:creationId xmlns:p14="http://schemas.microsoft.com/office/powerpoint/2010/main" val="2363140178"/>
+      </p:ext>
+    </p:extLst>
+  </p:cSld>
+  <p:clrMapOvr>
+    <a:masterClrMapping/>
+  </p:clrMapOvr>
+</p:sld>
+</file>
+
+<file path=ppt/slides/slide9.xml><?xml version="1.0" encoding="utf-8"?>
+<p:sld xmlns:a="http://schemas.openxmlformats.org/drawingml/2006/main" xmlns:r="http://schemas.openxmlformats.org/officeDocument/2006/relationships" xmlns:p="http://schemas.openxmlformats.org/presentationml/2006/main">
+  <p:cSld>
+    <p:spTree>
+      <p:nvGrpSpPr>
+        <p:cNvPr id="1" name=""/>
+        <p:cNvGrpSpPr/>
+        <p:nvPr/>
+      </p:nvGrpSpPr>
+      <p:grpSpPr>
+        <a:xfrm>
+          <a:off x="0" y="0"/>
+          <a:ext cx="0" cy="0"/>
+          <a:chOff x="0" y="0"/>
+          <a:chExt cx="0" cy="0"/>
+        </a:xfrm>
+      </p:grpSpPr>
+      <p:pic>
+        <p:nvPicPr>
+          <p:cNvPr id="4" name="Picture 2"/>
+          <p:cNvPicPr>
+            <a:picLocks noChangeAspect="1" noChangeArrowheads="1"/>
+          </p:cNvPicPr>
+          <p:nvPr/>
+        </p:nvPicPr>
+        <p:blipFill>
+          <a:blip r:embed="rId2">
+            <a:extLst>
+              <a:ext uri="{28A0092B-C50C-407E-A947-70E740481C1C}">
+                <a14:useLocalDpi xmlns:a14="http://schemas.microsoft.com/office/drawing/2010/main" val="0"/>
+              </a:ext>
+            </a:extLst>
+          </a:blip>
+          <a:srcRect/>
+          <a:stretch>
+            <a:fillRect/>
+          </a:stretch>
+        </p:blipFill>
+        <p:spPr bwMode="auto">
+          <a:xfrm>
+            <a:off x="228600" y="3505200"/>
+            <a:ext cx="5876191" cy="3209524"/>
+          </a:xfrm>
+          <a:prstGeom prst="rect">
+            <a:avLst/>
+          </a:prstGeom>
+          <a:noFill/>
+          <a:ln>
+            <a:noFill/>
+          </a:ln>
+          <a:effectLst/>
+          <a:extLst>
+            <a:ext uri="{909E8E84-426E-40DD-AFC4-6F175D3DCCD1}">
+              <a14:hiddenFill xmlns:a14="http://schemas.microsoft.com/office/drawing/2010/main">
+                <a:solidFill>
+                  <a:schemeClr val="accent1"/>
+                </a:solidFill>
+              </a14:hiddenFill>
+            </a:ext>
+            <a:ext uri="{91240B29-F687-4F45-9708-019B960494DF}">
+              <a14:hiddenLine xmlns:a14="http://schemas.microsoft.com/office/drawing/2010/main" w="9525">
+                <a:solidFill>
+                  <a:schemeClr val="tx1"/>
+                </a:solidFill>
+                <a:miter lim="800000"/>
+                <a:headEnd/>
+                <a:tailEnd/>
+              </a14:hiddenLine>
+            </a:ext>
+            <a:ext uri="{AF507438-7753-43E0-B8FC-AC1667EBCBE1}">
+              <a14:hiddenEffects xmlns:a14="http://schemas.microsoft.com/office/drawing/2010/main">
+                <a:effectLst>
+                  <a:outerShdw dist="35921" dir="2700000" algn="ctr" rotWithShape="0">
+                    <a:schemeClr val="bg2"/>
+                  </a:outerShdw>
+                </a:effectLst>
+              </a14:hiddenEffects>
+            </a:ext>
+          </a:extLst>
+        </p:spPr>
+      </p:pic>
+      <p:sp>
+        <p:nvSpPr>
+          <p:cNvPr id="2" name="Title 1"/>
+          <p:cNvSpPr>
+            <a:spLocks noGrp="1"/>
+          </p:cNvSpPr>
+          <p:nvPr>
+            <p:ph type="title"/>
+          </p:nvPr>
+        </p:nvSpPr>
+        <p:spPr>
+          <a:xfrm>
+            <a:off x="0" y="116177"/>
+            <a:ext cx="2743200" cy="1905000"/>
+          </a:xfrm>
+        </p:spPr>
+        <p:txBody>
+          <a:bodyPr>
+            <a:normAutofit fontScale="90000"/>
+          </a:bodyPr>
+          <a:lstStyle/>
+          <a:p>
+            <a:r>
+              <a:rPr lang="en-US" dirty="0" smtClean="0"/>
+              <a:t>BBMC REDCap Use Statistics</a:t>
+            </a:r>
+            <a:endParaRPr lang="en-US" dirty="0"/>
+          </a:p>
+        </p:txBody>
+      </p:sp>
+      <p:pic>
+        <p:nvPicPr>
+          <p:cNvPr id="1026" name="Picture 2"/>
+          <p:cNvPicPr>
+            <a:picLocks noGrp="1" noChangeAspect="1" noChangeArrowheads="1"/>
+          </p:cNvPicPr>
+          <p:nvPr>
+            <p:ph idx="1"/>
+          </p:nvPr>
+        </p:nvPicPr>
+        <p:blipFill>
+          <a:blip r:embed="rId3">
+            <a:extLst>
+              <a:ext uri="{28A0092B-C50C-407E-A947-70E740481C1C}">
+                <a14:useLocalDpi xmlns:a14="http://schemas.microsoft.com/office/drawing/2010/main" val="0"/>
+              </a:ext>
+            </a:extLst>
+          </a:blip>
+          <a:srcRect/>
+          <a:stretch>
+            <a:fillRect/>
+          </a:stretch>
+        </p:blipFill>
+        <p:spPr bwMode="auto">
+          <a:xfrm>
+            <a:off x="3124200" y="116177"/>
+            <a:ext cx="5904762" cy="3276191"/>
           </a:xfrm>
           <a:prstGeom prst="rect">
             <a:avLst/>
@@ -3671,1504 +9250,7 @@
     </p:spTree>
     <p:extLst>
       <p:ext uri="{BB962C8B-B14F-4D97-AF65-F5344CB8AC3E}">
-        <p14:creationId xmlns:p14="http://schemas.microsoft.com/office/powerpoint/2010/main" val="1476776388"/>
-      </p:ext>
-    </p:extLst>
-  </p:cSld>
-  <p:clrMapOvr>
-    <a:masterClrMapping/>
-  </p:clrMapOvr>
-</p:sld>
-</file>
-
-<file path=ppt/slides/slide14.xml><?xml version="1.0" encoding="utf-8"?>
-<p:sld xmlns:a="http://schemas.openxmlformats.org/drawingml/2006/main" xmlns:r="http://schemas.openxmlformats.org/officeDocument/2006/relationships" xmlns:p="http://schemas.openxmlformats.org/presentationml/2006/main">
-  <p:cSld>
-    <p:spTree>
-      <p:nvGrpSpPr>
-        <p:cNvPr id="1" name=""/>
-        <p:cNvGrpSpPr/>
-        <p:nvPr/>
-      </p:nvGrpSpPr>
-      <p:grpSpPr>
-        <a:xfrm>
-          <a:off x="0" y="0"/>
-          <a:ext cx="0" cy="0"/>
-          <a:chOff x="0" y="0"/>
-          <a:chExt cx="0" cy="0"/>
-        </a:xfrm>
-      </p:grpSpPr>
-      <p:sp>
-        <p:nvSpPr>
-          <p:cNvPr id="2" name="Title 1"/>
-          <p:cNvSpPr>
-            <a:spLocks noGrp="1"/>
-          </p:cNvSpPr>
-          <p:nvPr>
-            <p:ph type="title"/>
-          </p:nvPr>
-        </p:nvSpPr>
-        <p:spPr/>
-        <p:txBody>
-          <a:bodyPr>
-            <a:normAutofit/>
-          </a:bodyPr>
-          <a:lstStyle/>
-          <a:p>
-            <a:r>
-              <a:rPr lang="en-US" dirty="0" smtClean="0"/>
-              <a:t>Enterprise REDCap Use Statistics</a:t>
-            </a:r>
-            <a:endParaRPr lang="en-US" dirty="0"/>
-          </a:p>
-        </p:txBody>
-      </p:sp>
-      <p:sp>
-        <p:nvSpPr>
-          <p:cNvPr id="3" name="Content Placeholder 2"/>
-          <p:cNvSpPr>
-            <a:spLocks noGrp="1"/>
-          </p:cNvSpPr>
-          <p:nvPr>
-            <p:ph idx="1"/>
-          </p:nvPr>
-        </p:nvSpPr>
-        <p:spPr/>
-        <p:txBody>
-          <a:bodyPr/>
-          <a:lstStyle/>
-          <a:p>
-            <a:endParaRPr lang="en-US"/>
-          </a:p>
-        </p:txBody>
-      </p:sp>
-      <p:pic>
-        <p:nvPicPr>
-          <p:cNvPr id="4098" name="Picture 2"/>
-          <p:cNvPicPr>
-            <a:picLocks noChangeAspect="1" noChangeArrowheads="1"/>
-          </p:cNvPicPr>
-          <p:nvPr/>
-        </p:nvPicPr>
-        <p:blipFill>
-          <a:blip r:embed="rId2">
-            <a:extLst>
-              <a:ext uri="{28A0092B-C50C-407E-A947-70E740481C1C}">
-                <a14:useLocalDpi xmlns:a14="http://schemas.microsoft.com/office/drawing/2010/main" val="0"/>
-              </a:ext>
-            </a:extLst>
-          </a:blip>
-          <a:srcRect/>
-          <a:stretch>
-            <a:fillRect/>
-          </a:stretch>
-        </p:blipFill>
-        <p:spPr bwMode="auto">
-          <a:xfrm>
-            <a:off x="1609344" y="1810512"/>
-            <a:ext cx="5854352" cy="3264408"/>
-          </a:xfrm>
-          <a:prstGeom prst="rect">
-            <a:avLst/>
-          </a:prstGeom>
-          <a:noFill/>
-          <a:ln>
-            <a:noFill/>
-          </a:ln>
-          <a:effectLst/>
-          <a:extLst>
-            <a:ext uri="{909E8E84-426E-40DD-AFC4-6F175D3DCCD1}">
-              <a14:hiddenFill xmlns:a14="http://schemas.microsoft.com/office/drawing/2010/main">
-                <a:solidFill>
-                  <a:schemeClr val="accent1"/>
-                </a:solidFill>
-              </a14:hiddenFill>
-            </a:ext>
-            <a:ext uri="{91240B29-F687-4F45-9708-019B960494DF}">
-              <a14:hiddenLine xmlns:a14="http://schemas.microsoft.com/office/drawing/2010/main" w="9525">
-                <a:solidFill>
-                  <a:schemeClr val="tx1"/>
-                </a:solidFill>
-                <a:miter lim="800000"/>
-                <a:headEnd/>
-                <a:tailEnd/>
-              </a14:hiddenLine>
-            </a:ext>
-            <a:ext uri="{AF507438-7753-43E0-B8FC-AC1667EBCBE1}">
-              <a14:hiddenEffects xmlns:a14="http://schemas.microsoft.com/office/drawing/2010/main">
-                <a:effectLst>
-                  <a:outerShdw dist="35921" dir="2700000" algn="ctr" rotWithShape="0">
-                    <a:schemeClr val="bg2"/>
-                  </a:outerShdw>
-                </a:effectLst>
-              </a14:hiddenEffects>
-            </a:ext>
-          </a:extLst>
-        </p:spPr>
-      </p:pic>
-    </p:spTree>
-    <p:extLst>
-      <p:ext uri="{BB962C8B-B14F-4D97-AF65-F5344CB8AC3E}">
-        <p14:creationId xmlns:p14="http://schemas.microsoft.com/office/powerpoint/2010/main" val="1450796543"/>
-      </p:ext>
-    </p:extLst>
-  </p:cSld>
-  <p:clrMapOvr>
-    <a:masterClrMapping/>
-  </p:clrMapOvr>
-</p:sld>
-</file>
-
-<file path=ppt/slides/slide15.xml><?xml version="1.0" encoding="utf-8"?>
-<p:sld xmlns:a="http://schemas.openxmlformats.org/drawingml/2006/main" xmlns:r="http://schemas.openxmlformats.org/officeDocument/2006/relationships" xmlns:p="http://schemas.openxmlformats.org/presentationml/2006/main">
-  <p:cSld>
-    <p:spTree>
-      <p:nvGrpSpPr>
-        <p:cNvPr id="1" name=""/>
-        <p:cNvGrpSpPr/>
-        <p:nvPr/>
-      </p:nvGrpSpPr>
-      <p:grpSpPr>
-        <a:xfrm>
-          <a:off x="0" y="0"/>
-          <a:ext cx="0" cy="0"/>
-          <a:chOff x="0" y="0"/>
-          <a:chExt cx="0" cy="0"/>
-        </a:xfrm>
-      </p:grpSpPr>
-      <p:sp>
-        <p:nvSpPr>
-          <p:cNvPr id="2" name="Title 1"/>
-          <p:cNvSpPr>
-            <a:spLocks noGrp="1"/>
-          </p:cNvSpPr>
-          <p:nvPr>
-            <p:ph type="title"/>
-          </p:nvPr>
-        </p:nvSpPr>
-        <p:spPr/>
-        <p:txBody>
-          <a:bodyPr>
-            <a:normAutofit/>
-          </a:bodyPr>
-          <a:lstStyle/>
-          <a:p>
-            <a:r>
-              <a:rPr lang="en-US" dirty="0" smtClean="0"/>
-              <a:t>Enterprise REDCap Use Statistics</a:t>
-            </a:r>
-            <a:endParaRPr lang="en-US" dirty="0"/>
-          </a:p>
-        </p:txBody>
-      </p:sp>
-      <p:sp>
-        <p:nvSpPr>
-          <p:cNvPr id="3" name="Content Placeholder 2"/>
-          <p:cNvSpPr>
-            <a:spLocks noGrp="1"/>
-          </p:cNvSpPr>
-          <p:nvPr>
-            <p:ph idx="1"/>
-          </p:nvPr>
-        </p:nvSpPr>
-        <p:spPr/>
-        <p:txBody>
-          <a:bodyPr/>
-          <a:lstStyle/>
-          <a:p>
-            <a:endParaRPr lang="en-US"/>
-          </a:p>
-        </p:txBody>
-      </p:sp>
-      <p:pic>
-        <p:nvPicPr>
-          <p:cNvPr id="5122" name="Picture 2"/>
-          <p:cNvPicPr>
-            <a:picLocks noChangeAspect="1" noChangeArrowheads="1"/>
-          </p:cNvPicPr>
-          <p:nvPr/>
-        </p:nvPicPr>
-        <p:blipFill>
-          <a:blip r:embed="rId2">
-            <a:extLst>
-              <a:ext uri="{28A0092B-C50C-407E-A947-70E740481C1C}">
-                <a14:useLocalDpi xmlns:a14="http://schemas.microsoft.com/office/drawing/2010/main" val="0"/>
-              </a:ext>
-            </a:extLst>
-          </a:blip>
-          <a:srcRect/>
-          <a:stretch>
-            <a:fillRect/>
-          </a:stretch>
-        </p:blipFill>
-        <p:spPr bwMode="auto">
-          <a:xfrm>
-            <a:off x="1609344" y="1810512"/>
-            <a:ext cx="5873203" cy="3264408"/>
-          </a:xfrm>
-          <a:prstGeom prst="rect">
-            <a:avLst/>
-          </a:prstGeom>
-          <a:noFill/>
-          <a:ln>
-            <a:noFill/>
-          </a:ln>
-          <a:effectLst/>
-          <a:extLst>
-            <a:ext uri="{909E8E84-426E-40DD-AFC4-6F175D3DCCD1}">
-              <a14:hiddenFill xmlns:a14="http://schemas.microsoft.com/office/drawing/2010/main">
-                <a:solidFill>
-                  <a:schemeClr val="accent1"/>
-                </a:solidFill>
-              </a14:hiddenFill>
-            </a:ext>
-            <a:ext uri="{91240B29-F687-4F45-9708-019B960494DF}">
-              <a14:hiddenLine xmlns:a14="http://schemas.microsoft.com/office/drawing/2010/main" w="9525">
-                <a:solidFill>
-                  <a:schemeClr val="tx1"/>
-                </a:solidFill>
-                <a:miter lim="800000"/>
-                <a:headEnd/>
-                <a:tailEnd/>
-              </a14:hiddenLine>
-            </a:ext>
-            <a:ext uri="{AF507438-7753-43E0-B8FC-AC1667EBCBE1}">
-              <a14:hiddenEffects xmlns:a14="http://schemas.microsoft.com/office/drawing/2010/main">
-                <a:effectLst>
-                  <a:outerShdw dist="35921" dir="2700000" algn="ctr" rotWithShape="0">
-                    <a:schemeClr val="bg2"/>
-                  </a:outerShdw>
-                </a:effectLst>
-              </a14:hiddenEffects>
-            </a:ext>
-          </a:extLst>
-        </p:spPr>
-      </p:pic>
-    </p:spTree>
-    <p:extLst>
-      <p:ext uri="{BB962C8B-B14F-4D97-AF65-F5344CB8AC3E}">
-        <p14:creationId xmlns:p14="http://schemas.microsoft.com/office/powerpoint/2010/main" val="4134593754"/>
-      </p:ext>
-    </p:extLst>
-  </p:cSld>
-  <p:clrMapOvr>
-    <a:masterClrMapping/>
-  </p:clrMapOvr>
-</p:sld>
-</file>
-
-<file path=ppt/slides/slide16.xml><?xml version="1.0" encoding="utf-8"?>
-<p:sld xmlns:a="http://schemas.openxmlformats.org/drawingml/2006/main" xmlns:r="http://schemas.openxmlformats.org/officeDocument/2006/relationships" xmlns:p="http://schemas.openxmlformats.org/presentationml/2006/main">
-  <p:cSld>
-    <p:spTree>
-      <p:nvGrpSpPr>
-        <p:cNvPr id="1" name=""/>
-        <p:cNvGrpSpPr/>
-        <p:nvPr/>
-      </p:nvGrpSpPr>
-      <p:grpSpPr>
-        <a:xfrm>
-          <a:off x="0" y="0"/>
-          <a:ext cx="0" cy="0"/>
-          <a:chOff x="0" y="0"/>
-          <a:chExt cx="0" cy="0"/>
-        </a:xfrm>
-      </p:grpSpPr>
-      <p:sp>
-        <p:nvSpPr>
-          <p:cNvPr id="2" name="Title 1"/>
-          <p:cNvSpPr>
-            <a:spLocks noGrp="1"/>
-          </p:cNvSpPr>
-          <p:nvPr>
-            <p:ph type="title"/>
-          </p:nvPr>
-        </p:nvSpPr>
-        <p:spPr/>
-        <p:txBody>
-          <a:bodyPr>
-            <a:normAutofit/>
-          </a:bodyPr>
-          <a:lstStyle/>
-          <a:p>
-            <a:r>
-              <a:rPr lang="en-US" dirty="0" smtClean="0"/>
-              <a:t>BBMC REDCap Use Statistics</a:t>
-            </a:r>
-            <a:endParaRPr lang="en-US" dirty="0"/>
-          </a:p>
-        </p:txBody>
-      </p:sp>
-      <p:sp>
-        <p:nvSpPr>
-          <p:cNvPr id="3" name="Content Placeholder 2"/>
-          <p:cNvSpPr>
-            <a:spLocks noGrp="1"/>
-          </p:cNvSpPr>
-          <p:nvPr>
-            <p:ph idx="1"/>
-          </p:nvPr>
-        </p:nvSpPr>
-        <p:spPr>
-          <a:xfrm>
-            <a:off x="457200" y="1600200"/>
-            <a:ext cx="8229600" cy="5181600"/>
-          </a:xfrm>
-        </p:spPr>
-        <p:txBody>
-          <a:bodyPr>
-            <a:normAutofit lnSpcReduction="10000"/>
-          </a:bodyPr>
-          <a:lstStyle/>
-          <a:p>
-            <a:r>
-              <a:rPr lang="en-US" dirty="0" smtClean="0"/>
-              <a:t>New Support Needs</a:t>
-            </a:r>
-          </a:p>
-          <a:p>
-            <a:pPr lvl="1"/>
-            <a:r>
-              <a:rPr lang="en-US" dirty="0" smtClean="0"/>
-              <a:t>Hooks and Plugins: PHP scripts utilized by REDCap, that are placed on the REDCap web server so they can be utilized by REDCap</a:t>
-            </a:r>
-          </a:p>
-          <a:p>
-            <a:pPr lvl="2"/>
-            <a:r>
-              <a:rPr lang="en-US" dirty="0" smtClean="0"/>
-              <a:t>Hook: a PHP function with a designated name, in which the hook gets executed in a predetermined location inside REDCap</a:t>
-            </a:r>
-          </a:p>
-          <a:p>
-            <a:pPr lvl="2"/>
-            <a:r>
-              <a:rPr lang="en-US" dirty="0" smtClean="0"/>
-              <a:t>Plugin: a custom PHP script or collection of PHP scripts that exist independently of, but work in conjunction with, the REDCap base code</a:t>
-            </a:r>
-          </a:p>
-          <a:p>
-            <a:pPr lvl="2"/>
-            <a:r>
-              <a:rPr lang="en-US" dirty="0" smtClean="0"/>
-              <a:t>Responsibility for Hooks and Plugs is solely on the host institution (OUHSC) and Vanderbilt provides no official support for these capabilities.</a:t>
-            </a:r>
-            <a:endParaRPr lang="en-US" dirty="0"/>
-          </a:p>
-        </p:txBody>
-      </p:sp>
-    </p:spTree>
-    <p:extLst>
-      <p:ext uri="{BB962C8B-B14F-4D97-AF65-F5344CB8AC3E}">
-        <p14:creationId xmlns:p14="http://schemas.microsoft.com/office/powerpoint/2010/main" val="2844060334"/>
-      </p:ext>
-    </p:extLst>
-  </p:cSld>
-  <p:clrMapOvr>
-    <a:masterClrMapping/>
-  </p:clrMapOvr>
-</p:sld>
-</file>
-
-<file path=ppt/slides/slide17.xml><?xml version="1.0" encoding="utf-8"?>
-<p:sld xmlns:a="http://schemas.openxmlformats.org/drawingml/2006/main" xmlns:r="http://schemas.openxmlformats.org/officeDocument/2006/relationships" xmlns:p="http://schemas.openxmlformats.org/presentationml/2006/main">
-  <p:cSld>
-    <p:spTree>
-      <p:nvGrpSpPr>
-        <p:cNvPr id="1" name=""/>
-        <p:cNvGrpSpPr/>
-        <p:nvPr/>
-      </p:nvGrpSpPr>
-      <p:grpSpPr>
-        <a:xfrm>
-          <a:off x="0" y="0"/>
-          <a:ext cx="0" cy="0"/>
-          <a:chOff x="0" y="0"/>
-          <a:chExt cx="0" cy="0"/>
-        </a:xfrm>
-      </p:grpSpPr>
-      <p:sp>
-        <p:nvSpPr>
-          <p:cNvPr id="2" name="Title 1"/>
-          <p:cNvSpPr>
-            <a:spLocks noGrp="1"/>
-          </p:cNvSpPr>
-          <p:nvPr>
-            <p:ph type="title"/>
-          </p:nvPr>
-        </p:nvSpPr>
-        <p:spPr/>
-        <p:txBody>
-          <a:bodyPr/>
-          <a:lstStyle/>
-          <a:p>
-            <a:r>
-              <a:rPr lang="en-US" dirty="0" smtClean="0"/>
-              <a:t>Things to add</a:t>
-            </a:r>
-            <a:endParaRPr lang="en-US" dirty="0"/>
-          </a:p>
-        </p:txBody>
-      </p:sp>
-      <p:sp>
-        <p:nvSpPr>
-          <p:cNvPr id="3" name="Content Placeholder 2"/>
-          <p:cNvSpPr>
-            <a:spLocks noGrp="1"/>
-          </p:cNvSpPr>
-          <p:nvPr>
-            <p:ph idx="1"/>
-          </p:nvPr>
-        </p:nvSpPr>
-        <p:spPr/>
-        <p:txBody>
-          <a:bodyPr>
-            <a:normAutofit fontScale="77500" lnSpcReduction="20000"/>
-          </a:bodyPr>
-          <a:lstStyle/>
-          <a:p>
-            <a:r>
-              <a:rPr lang="en-US" dirty="0" smtClean="0"/>
-              <a:t>Plug-in development protocol</a:t>
-            </a:r>
-          </a:p>
-          <a:p>
-            <a:r>
-              <a:rPr lang="en-US" dirty="0" smtClean="0"/>
-              <a:t>Broadcast marketing</a:t>
-            </a:r>
-          </a:p>
-          <a:p>
-            <a:r>
-              <a:rPr lang="en-US" dirty="0" smtClean="0"/>
-              <a:t>Current FTE support (by category</a:t>
-            </a:r>
-            <a:r>
-              <a:rPr lang="en-US" dirty="0" smtClean="0"/>
-              <a:t>)</a:t>
-            </a:r>
-          </a:p>
-          <a:p>
-            <a:pPr lvl="1"/>
-            <a:r>
-              <a:rPr lang="en-US" dirty="0" smtClean="0"/>
-              <a:t>Weekly webinar or offices hours</a:t>
-            </a:r>
-          </a:p>
-          <a:p>
-            <a:pPr lvl="1"/>
-            <a:r>
-              <a:rPr lang="en-US" dirty="0" smtClean="0"/>
-              <a:t>Website updates, training videos &amp; Ed Tech-like talks</a:t>
-            </a:r>
-          </a:p>
-          <a:p>
-            <a:pPr lvl="1"/>
-            <a:r>
-              <a:rPr lang="en-US" dirty="0" smtClean="0"/>
-              <a:t>Thomas Wilson’s Twitter account</a:t>
-            </a:r>
-          </a:p>
-          <a:p>
-            <a:r>
-              <a:rPr lang="en-US" dirty="0" smtClean="0"/>
-              <a:t>Urology, bottleneck &amp; transition</a:t>
-            </a:r>
-            <a:endParaRPr lang="en-US" dirty="0" smtClean="0"/>
-          </a:p>
-          <a:p>
-            <a:r>
-              <a:rPr lang="en-US" dirty="0" smtClean="0"/>
-              <a:t>Service and maintenance contract</a:t>
-            </a:r>
-          </a:p>
-          <a:p>
-            <a:r>
-              <a:rPr lang="en-US" dirty="0" err="1" smtClean="0"/>
-              <a:t>InCommon</a:t>
-            </a:r>
-            <a:r>
-              <a:rPr lang="en-US" dirty="0" smtClean="0"/>
-              <a:t> federation for off-site access</a:t>
-            </a:r>
-          </a:p>
-          <a:p>
-            <a:pPr lvl="1"/>
-            <a:r>
-              <a:rPr lang="en-US" dirty="0" smtClean="0"/>
-              <a:t>???Encryption policy for off-site access???</a:t>
-            </a:r>
-          </a:p>
-          <a:p>
-            <a:pPr lvl="1"/>
-            <a:r>
-              <a:rPr lang="en-US" dirty="0" smtClean="0"/>
-              <a:t>Table-based alternative (would need more FTE to implement this)</a:t>
-            </a:r>
-          </a:p>
-          <a:p>
-            <a:endParaRPr lang="en-US" dirty="0" smtClean="0"/>
-          </a:p>
-          <a:p>
-            <a:endParaRPr lang="en-US" dirty="0" smtClean="0"/>
-          </a:p>
-          <a:p>
-            <a:endParaRPr lang="en-US" dirty="0"/>
-          </a:p>
-        </p:txBody>
-      </p:sp>
-    </p:spTree>
-    <p:extLst>
-      <p:ext uri="{BB962C8B-B14F-4D97-AF65-F5344CB8AC3E}">
-        <p14:creationId xmlns:p14="http://schemas.microsoft.com/office/powerpoint/2010/main" val="2095858125"/>
-      </p:ext>
-    </p:extLst>
-  </p:cSld>
-  <p:clrMapOvr>
-    <a:masterClrMapping/>
-  </p:clrMapOvr>
-</p:sld>
-</file>
-
-<file path=ppt/slides/slide2.xml><?xml version="1.0" encoding="utf-8"?>
-<p:sld xmlns:a="http://schemas.openxmlformats.org/drawingml/2006/main" xmlns:r="http://schemas.openxmlformats.org/officeDocument/2006/relationships" xmlns:p="http://schemas.openxmlformats.org/presentationml/2006/main">
-  <p:cSld>
-    <p:spTree>
-      <p:nvGrpSpPr>
-        <p:cNvPr id="1" name=""/>
-        <p:cNvGrpSpPr/>
-        <p:nvPr/>
-      </p:nvGrpSpPr>
-      <p:grpSpPr>
-        <a:xfrm>
-          <a:off x="0" y="0"/>
-          <a:ext cx="0" cy="0"/>
-          <a:chOff x="0" y="0"/>
-          <a:chExt cx="0" cy="0"/>
-        </a:xfrm>
-      </p:grpSpPr>
-      <p:sp>
-        <p:nvSpPr>
-          <p:cNvPr id="2" name="Title 1"/>
-          <p:cNvSpPr>
-            <a:spLocks noGrp="1"/>
-          </p:cNvSpPr>
-          <p:nvPr>
-            <p:ph type="title"/>
-          </p:nvPr>
-        </p:nvSpPr>
-        <p:spPr/>
-        <p:txBody>
-          <a:bodyPr>
-            <a:normAutofit/>
-          </a:bodyPr>
-          <a:lstStyle/>
-          <a:p>
-            <a:r>
-              <a:rPr lang="en-US" dirty="0" smtClean="0"/>
-              <a:t>BBMC REDCap Use Statistics</a:t>
-            </a:r>
-            <a:endParaRPr lang="en-US" dirty="0"/>
-          </a:p>
-        </p:txBody>
-      </p:sp>
-      <p:sp>
-        <p:nvSpPr>
-          <p:cNvPr id="3" name="Content Placeholder 2"/>
-          <p:cNvSpPr>
-            <a:spLocks noGrp="1"/>
-          </p:cNvSpPr>
-          <p:nvPr>
-            <p:ph idx="1"/>
-          </p:nvPr>
-        </p:nvSpPr>
-        <p:spPr>
-          <a:xfrm>
-            <a:off x="457200" y="1600200"/>
-            <a:ext cx="8229600" cy="5181600"/>
-          </a:xfrm>
-        </p:spPr>
-        <p:txBody>
-          <a:bodyPr>
-            <a:normAutofit/>
-          </a:bodyPr>
-          <a:lstStyle/>
-          <a:p>
-            <a:pPr lvl="1"/>
-            <a:r>
-              <a:rPr lang="en-US" dirty="0" smtClean="0"/>
-              <a:t>188 Production Projects</a:t>
-            </a:r>
-          </a:p>
-          <a:p>
-            <a:pPr lvl="2"/>
-            <a:r>
-              <a:rPr lang="en-US" dirty="0" smtClean="0"/>
-              <a:t>132 Research</a:t>
-            </a:r>
-          </a:p>
-          <a:p>
-            <a:pPr lvl="3"/>
-            <a:r>
-              <a:rPr lang="en-US" dirty="0" smtClean="0"/>
-              <a:t>5 Basic or Bench Research</a:t>
-            </a:r>
-          </a:p>
-          <a:p>
-            <a:pPr lvl="3"/>
-            <a:r>
-              <a:rPr lang="en-US" dirty="0" smtClean="0"/>
-              <a:t>42 Clinical Research Study or Trial</a:t>
-            </a:r>
-            <a:endParaRPr lang="en-US" dirty="0"/>
-          </a:p>
-          <a:p>
-            <a:pPr lvl="3"/>
-            <a:r>
-              <a:rPr lang="en-US" dirty="0" smtClean="0"/>
-              <a:t>6 Translational Research</a:t>
-            </a:r>
-          </a:p>
-          <a:p>
-            <a:pPr lvl="3"/>
-            <a:r>
-              <a:rPr lang="en-US" dirty="0" smtClean="0"/>
-              <a:t>71 Behavioral or Psychosocial Research Studies</a:t>
-            </a:r>
-          </a:p>
-          <a:p>
-            <a:pPr lvl="3"/>
-            <a:r>
-              <a:rPr lang="en-US" dirty="0" smtClean="0"/>
-              <a:t>4 Repository</a:t>
-            </a:r>
-          </a:p>
-          <a:p>
-            <a:pPr lvl="3"/>
-            <a:r>
-              <a:rPr lang="en-US" dirty="0" smtClean="0"/>
-              <a:t>8 Other</a:t>
-            </a:r>
-          </a:p>
-          <a:p>
-            <a:pPr lvl="2"/>
-            <a:r>
-              <a:rPr lang="en-US" dirty="0" smtClean="0"/>
-              <a:t>27 Operational Support</a:t>
-            </a:r>
-          </a:p>
-          <a:p>
-            <a:pPr lvl="2"/>
-            <a:r>
-              <a:rPr lang="en-US" dirty="0" smtClean="0"/>
-              <a:t>18 Quality Improvement</a:t>
-            </a:r>
-          </a:p>
-          <a:p>
-            <a:pPr lvl="2"/>
-            <a:r>
-              <a:rPr lang="en-US" dirty="0" smtClean="0"/>
-              <a:t>10 Other</a:t>
-            </a:r>
-          </a:p>
-          <a:p>
-            <a:pPr marL="1371600" lvl="3" indent="0">
-              <a:buNone/>
-            </a:pPr>
-            <a:endParaRPr lang="en-US" dirty="0"/>
-          </a:p>
-        </p:txBody>
-      </p:sp>
-    </p:spTree>
-    <p:extLst>
-      <p:ext uri="{BB962C8B-B14F-4D97-AF65-F5344CB8AC3E}">
-        <p14:creationId xmlns:p14="http://schemas.microsoft.com/office/powerpoint/2010/main" val="4057375540"/>
-      </p:ext>
-    </p:extLst>
-  </p:cSld>
-  <p:clrMapOvr>
-    <a:masterClrMapping/>
-  </p:clrMapOvr>
-</p:sld>
-</file>
-
-<file path=ppt/slides/slide3.xml><?xml version="1.0" encoding="utf-8"?>
-<p:sld xmlns:a="http://schemas.openxmlformats.org/drawingml/2006/main" xmlns:r="http://schemas.openxmlformats.org/officeDocument/2006/relationships" xmlns:p="http://schemas.openxmlformats.org/presentationml/2006/main">
-  <p:cSld>
-    <p:spTree>
-      <p:nvGrpSpPr>
-        <p:cNvPr id="1" name=""/>
-        <p:cNvGrpSpPr/>
-        <p:nvPr/>
-      </p:nvGrpSpPr>
-      <p:grpSpPr>
-        <a:xfrm>
-          <a:off x="0" y="0"/>
-          <a:ext cx="0" cy="0"/>
-          <a:chOff x="0" y="0"/>
-          <a:chExt cx="0" cy="0"/>
-        </a:xfrm>
-      </p:grpSpPr>
-      <p:sp>
-        <p:nvSpPr>
-          <p:cNvPr id="2" name="Title 1"/>
-          <p:cNvSpPr>
-            <a:spLocks noGrp="1"/>
-          </p:cNvSpPr>
-          <p:nvPr>
-            <p:ph type="title"/>
-          </p:nvPr>
-        </p:nvSpPr>
-        <p:spPr/>
-        <p:txBody>
-          <a:bodyPr>
-            <a:normAutofit/>
-          </a:bodyPr>
-          <a:lstStyle/>
-          <a:p>
-            <a:r>
-              <a:rPr lang="en-US" dirty="0" smtClean="0"/>
-              <a:t>BBMC REDCap Use Statistics</a:t>
-            </a:r>
-            <a:endParaRPr lang="en-US" dirty="0"/>
-          </a:p>
-        </p:txBody>
-      </p:sp>
-      <p:sp>
-        <p:nvSpPr>
-          <p:cNvPr id="3" name="Content Placeholder 2"/>
-          <p:cNvSpPr>
-            <a:spLocks noGrp="1"/>
-          </p:cNvSpPr>
-          <p:nvPr>
-            <p:ph idx="1"/>
-          </p:nvPr>
-        </p:nvSpPr>
-        <p:spPr>
-          <a:xfrm>
-            <a:off x="457200" y="1600200"/>
-            <a:ext cx="8229600" cy="5181600"/>
-          </a:xfrm>
-        </p:spPr>
-        <p:txBody>
-          <a:bodyPr>
-            <a:normAutofit/>
-          </a:bodyPr>
-          <a:lstStyle/>
-          <a:p>
-            <a:r>
-              <a:rPr lang="en-US" dirty="0" smtClean="0"/>
-              <a:t>Users</a:t>
-            </a:r>
-          </a:p>
-          <a:p>
-            <a:pPr lvl="1"/>
-            <a:r>
-              <a:rPr lang="en-US" dirty="0" smtClean="0"/>
-              <a:t>266 Active Users</a:t>
-            </a:r>
-          </a:p>
-          <a:p>
-            <a:pPr lvl="1"/>
-            <a:r>
-              <a:rPr lang="en-US" dirty="0" smtClean="0"/>
-              <a:t>2,398,142 Total Logged Events</a:t>
-            </a:r>
-          </a:p>
-          <a:p>
-            <a:pPr lvl="2"/>
-            <a:r>
-              <a:rPr lang="en-US" dirty="0" smtClean="0"/>
-              <a:t>6,658 in the past 7 days</a:t>
-            </a:r>
-          </a:p>
-          <a:p>
-            <a:pPr lvl="2"/>
-            <a:r>
-              <a:rPr lang="en-US" dirty="0" smtClean="0"/>
-              <a:t>48,015 in the past 30 days</a:t>
-            </a:r>
-          </a:p>
-          <a:p>
-            <a:pPr marL="1371600" lvl="3" indent="0">
-              <a:buNone/>
-            </a:pPr>
-            <a:endParaRPr lang="en-US" dirty="0"/>
-          </a:p>
-        </p:txBody>
-      </p:sp>
-    </p:spTree>
-    <p:extLst>
-      <p:ext uri="{BB962C8B-B14F-4D97-AF65-F5344CB8AC3E}">
-        <p14:creationId xmlns:p14="http://schemas.microsoft.com/office/powerpoint/2010/main" val="2363140178"/>
-      </p:ext>
-    </p:extLst>
-  </p:cSld>
-  <p:clrMapOvr>
-    <a:masterClrMapping/>
-  </p:clrMapOvr>
-</p:sld>
-</file>
-
-<file path=ppt/slides/slide4.xml><?xml version="1.0" encoding="utf-8"?>
-<p:sld xmlns:a="http://schemas.openxmlformats.org/drawingml/2006/main" xmlns:r="http://schemas.openxmlformats.org/officeDocument/2006/relationships" xmlns:p="http://schemas.openxmlformats.org/presentationml/2006/main">
-  <p:cSld>
-    <p:spTree>
-      <p:nvGrpSpPr>
-        <p:cNvPr id="1" name=""/>
-        <p:cNvGrpSpPr/>
-        <p:nvPr/>
-      </p:nvGrpSpPr>
-      <p:grpSpPr>
-        <a:xfrm>
-          <a:off x="0" y="0"/>
-          <a:ext cx="0" cy="0"/>
-          <a:chOff x="0" y="0"/>
-          <a:chExt cx="0" cy="0"/>
-        </a:xfrm>
-      </p:grpSpPr>
-      <p:sp>
-        <p:nvSpPr>
-          <p:cNvPr id="2" name="Title 1"/>
-          <p:cNvSpPr>
-            <a:spLocks noGrp="1"/>
-          </p:cNvSpPr>
-          <p:nvPr>
-            <p:ph type="title"/>
-          </p:nvPr>
-        </p:nvSpPr>
-        <p:spPr/>
-        <p:txBody>
-          <a:bodyPr>
-            <a:normAutofit/>
-          </a:bodyPr>
-          <a:lstStyle/>
-          <a:p>
-            <a:r>
-              <a:rPr lang="en-US" dirty="0" smtClean="0"/>
-              <a:t>REDCap Training Statistics</a:t>
-            </a:r>
-            <a:endParaRPr lang="en-US" dirty="0"/>
-          </a:p>
-        </p:txBody>
-      </p:sp>
-      <p:sp>
-        <p:nvSpPr>
-          <p:cNvPr id="3" name="Content Placeholder 2"/>
-          <p:cNvSpPr>
-            <a:spLocks noGrp="1"/>
-          </p:cNvSpPr>
-          <p:nvPr>
-            <p:ph idx="1"/>
-          </p:nvPr>
-        </p:nvSpPr>
-        <p:spPr>
-          <a:xfrm>
-            <a:off x="457200" y="1600200"/>
-            <a:ext cx="8229600" cy="5181600"/>
-          </a:xfrm>
-        </p:spPr>
-        <p:txBody>
-          <a:bodyPr>
-            <a:normAutofit/>
-          </a:bodyPr>
-          <a:lstStyle/>
-          <a:p>
-            <a:r>
-              <a:rPr lang="en-US" dirty="0" smtClean="0"/>
-              <a:t>Training 2015</a:t>
-            </a:r>
-            <a:endParaRPr lang="en-US" dirty="0"/>
-          </a:p>
-          <a:p>
-            <a:pPr lvl="1"/>
-            <a:r>
-              <a:rPr lang="en-US" dirty="0" smtClean="0"/>
-              <a:t>12 Sessions</a:t>
-            </a:r>
-          </a:p>
-          <a:p>
-            <a:pPr lvl="1"/>
-            <a:r>
-              <a:rPr lang="en-US" dirty="0" smtClean="0"/>
-              <a:t>78 Individuals Trained</a:t>
-            </a:r>
-          </a:p>
-          <a:p>
-            <a:pPr lvl="1"/>
-            <a:r>
-              <a:rPr lang="en-US" dirty="0" smtClean="0"/>
-              <a:t>19 Hours of Training</a:t>
-            </a:r>
-          </a:p>
-          <a:p>
-            <a:r>
-              <a:rPr lang="en-US" dirty="0" smtClean="0"/>
-              <a:t>Training Sessions 2016 (2016-01-01 to 2016-03-03)</a:t>
-            </a:r>
-          </a:p>
-          <a:p>
-            <a:pPr lvl="1"/>
-            <a:r>
-              <a:rPr lang="en-US" dirty="0" smtClean="0"/>
-              <a:t>2 Sessions</a:t>
-            </a:r>
-          </a:p>
-          <a:p>
-            <a:pPr lvl="1"/>
-            <a:r>
-              <a:rPr lang="en-US" dirty="0" smtClean="0"/>
-              <a:t>30 Individuals Trained</a:t>
-            </a:r>
-          </a:p>
-          <a:p>
-            <a:pPr lvl="1"/>
-            <a:r>
-              <a:rPr lang="en-US" dirty="0" smtClean="0"/>
-              <a:t>2.5 Hours of Training</a:t>
-            </a:r>
-          </a:p>
-        </p:txBody>
-      </p:sp>
-    </p:spTree>
-    <p:extLst>
-      <p:ext uri="{BB962C8B-B14F-4D97-AF65-F5344CB8AC3E}">
-        <p14:creationId xmlns:p14="http://schemas.microsoft.com/office/powerpoint/2010/main" val="272399104"/>
-      </p:ext>
-    </p:extLst>
-  </p:cSld>
-  <p:clrMapOvr>
-    <a:masterClrMapping/>
-  </p:clrMapOvr>
-</p:sld>
-</file>
-
-<file path=ppt/slides/slide5.xml><?xml version="1.0" encoding="utf-8"?>
-<p:sld xmlns:a="http://schemas.openxmlformats.org/drawingml/2006/main" xmlns:r="http://schemas.openxmlformats.org/officeDocument/2006/relationships" xmlns:p="http://schemas.openxmlformats.org/presentationml/2006/main">
-  <p:cSld>
-    <p:spTree>
-      <p:nvGrpSpPr>
-        <p:cNvPr id="1" name=""/>
-        <p:cNvGrpSpPr/>
-        <p:nvPr/>
-      </p:nvGrpSpPr>
-      <p:grpSpPr>
-        <a:xfrm>
-          <a:off x="0" y="0"/>
-          <a:ext cx="0" cy="0"/>
-          <a:chOff x="0" y="0"/>
-          <a:chExt cx="0" cy="0"/>
-        </a:xfrm>
-      </p:grpSpPr>
-      <p:sp>
-        <p:nvSpPr>
-          <p:cNvPr id="2" name="Title 1"/>
-          <p:cNvSpPr>
-            <a:spLocks noGrp="1"/>
-          </p:cNvSpPr>
-          <p:nvPr>
-            <p:ph type="title"/>
-          </p:nvPr>
-        </p:nvSpPr>
-        <p:spPr/>
-        <p:txBody>
-          <a:bodyPr>
-            <a:normAutofit/>
-          </a:bodyPr>
-          <a:lstStyle/>
-          <a:p>
-            <a:r>
-              <a:rPr lang="en-US" dirty="0" smtClean="0"/>
-              <a:t>BBMC REDCap Use Statistics</a:t>
-            </a:r>
-            <a:endParaRPr lang="en-US" dirty="0"/>
-          </a:p>
-        </p:txBody>
-      </p:sp>
-      <p:sp>
-        <p:nvSpPr>
-          <p:cNvPr id="3" name="Content Placeholder 2"/>
-          <p:cNvSpPr>
-            <a:spLocks noGrp="1"/>
-          </p:cNvSpPr>
-          <p:nvPr>
-            <p:ph idx="1"/>
-          </p:nvPr>
-        </p:nvSpPr>
-        <p:spPr/>
-        <p:txBody>
-          <a:bodyPr/>
-          <a:lstStyle/>
-          <a:p>
-            <a:endParaRPr lang="en-US" dirty="0"/>
-          </a:p>
-        </p:txBody>
-      </p:sp>
-      <p:pic>
-        <p:nvPicPr>
-          <p:cNvPr id="6" name="Picture 5" descr="C:\Users\twilson\Desktop\REDCap Projects Production.bmp"/>
-          <p:cNvPicPr/>
-          <p:nvPr/>
-        </p:nvPicPr>
-        <p:blipFill>
-          <a:blip r:embed="rId2">
-            <a:extLst>
-              <a:ext uri="{28A0092B-C50C-407E-A947-70E740481C1C}">
-                <a14:useLocalDpi xmlns:a14="http://schemas.microsoft.com/office/drawing/2010/main" val="0"/>
-              </a:ext>
-            </a:extLst>
-          </a:blip>
-          <a:srcRect/>
-          <a:stretch>
-            <a:fillRect/>
-          </a:stretch>
-        </p:blipFill>
-        <p:spPr bwMode="auto">
-          <a:xfrm>
-            <a:off x="1607820" y="1796097"/>
-            <a:ext cx="5928360" cy="3265805"/>
-          </a:xfrm>
-          <a:prstGeom prst="rect">
-            <a:avLst/>
-          </a:prstGeom>
-          <a:noFill/>
-          <a:ln>
-            <a:noFill/>
-          </a:ln>
-        </p:spPr>
-      </p:pic>
-    </p:spTree>
-    <p:extLst>
-      <p:ext uri="{BB962C8B-B14F-4D97-AF65-F5344CB8AC3E}">
         <p14:creationId xmlns:p14="http://schemas.microsoft.com/office/powerpoint/2010/main" val="1398375086"/>
-      </p:ext>
-    </p:extLst>
-  </p:cSld>
-  <p:clrMapOvr>
-    <a:masterClrMapping/>
-  </p:clrMapOvr>
-</p:sld>
-</file>
-
-<file path=ppt/slides/slide6.xml><?xml version="1.0" encoding="utf-8"?>
-<p:sld xmlns:a="http://schemas.openxmlformats.org/drawingml/2006/main" xmlns:r="http://schemas.openxmlformats.org/officeDocument/2006/relationships" xmlns:p="http://schemas.openxmlformats.org/presentationml/2006/main">
-  <p:cSld>
-    <p:spTree>
-      <p:nvGrpSpPr>
-        <p:cNvPr id="1" name=""/>
-        <p:cNvGrpSpPr/>
-        <p:nvPr/>
-      </p:nvGrpSpPr>
-      <p:grpSpPr>
-        <a:xfrm>
-          <a:off x="0" y="0"/>
-          <a:ext cx="0" cy="0"/>
-          <a:chOff x="0" y="0"/>
-          <a:chExt cx="0" cy="0"/>
-        </a:xfrm>
-      </p:grpSpPr>
-      <p:sp>
-        <p:nvSpPr>
-          <p:cNvPr id="2" name="Title 1"/>
-          <p:cNvSpPr>
-            <a:spLocks noGrp="1"/>
-          </p:cNvSpPr>
-          <p:nvPr>
-            <p:ph type="title"/>
-          </p:nvPr>
-        </p:nvSpPr>
-        <p:spPr/>
-        <p:txBody>
-          <a:bodyPr>
-            <a:normAutofit/>
-          </a:bodyPr>
-          <a:lstStyle/>
-          <a:p>
-            <a:r>
-              <a:rPr lang="en-US" dirty="0" smtClean="0"/>
-              <a:t>BBMC REDCap Use Statistics</a:t>
-            </a:r>
-            <a:endParaRPr lang="en-US" dirty="0"/>
-          </a:p>
-        </p:txBody>
-      </p:sp>
-      <p:sp>
-        <p:nvSpPr>
-          <p:cNvPr id="3" name="Content Placeholder 2"/>
-          <p:cNvSpPr>
-            <a:spLocks noGrp="1"/>
-          </p:cNvSpPr>
-          <p:nvPr>
-            <p:ph idx="1"/>
-          </p:nvPr>
-        </p:nvSpPr>
-        <p:spPr/>
-        <p:txBody>
-          <a:bodyPr/>
-          <a:lstStyle/>
-          <a:p>
-            <a:endParaRPr lang="en-US" dirty="0"/>
-          </a:p>
-        </p:txBody>
-      </p:sp>
-      <p:pic>
-        <p:nvPicPr>
-          <p:cNvPr id="5" name="Picture 4" descr="C:\Users\twilson\Desktop\REDCap Active users.bmp"/>
-          <p:cNvPicPr/>
-          <p:nvPr/>
-        </p:nvPicPr>
-        <p:blipFill>
-          <a:blip r:embed="rId2">
-            <a:extLst>
-              <a:ext uri="{28A0092B-C50C-407E-A947-70E740481C1C}">
-                <a14:useLocalDpi xmlns:a14="http://schemas.microsoft.com/office/drawing/2010/main" val="0"/>
-              </a:ext>
-            </a:extLst>
-          </a:blip>
-          <a:srcRect/>
-          <a:stretch>
-            <a:fillRect/>
-          </a:stretch>
-        </p:blipFill>
-        <p:spPr bwMode="auto">
-          <a:xfrm>
-            <a:off x="1637982" y="1806257"/>
-            <a:ext cx="5868035" cy="3245485"/>
-          </a:xfrm>
-          <a:prstGeom prst="rect">
-            <a:avLst/>
-          </a:prstGeom>
-          <a:noFill/>
-          <a:ln>
-            <a:noFill/>
-          </a:ln>
-        </p:spPr>
-      </p:pic>
-    </p:spTree>
-    <p:extLst>
-      <p:ext uri="{BB962C8B-B14F-4D97-AF65-F5344CB8AC3E}">
-        <p14:creationId xmlns:p14="http://schemas.microsoft.com/office/powerpoint/2010/main" val="286316312"/>
-      </p:ext>
-    </p:extLst>
-  </p:cSld>
-  <p:clrMapOvr>
-    <a:masterClrMapping/>
-  </p:clrMapOvr>
-</p:sld>
-</file>
-
-<file path=ppt/slides/slide7.xml><?xml version="1.0" encoding="utf-8"?>
-<p:sld xmlns:a="http://schemas.openxmlformats.org/drawingml/2006/main" xmlns:r="http://schemas.openxmlformats.org/officeDocument/2006/relationships" xmlns:p="http://schemas.openxmlformats.org/presentationml/2006/main">
-  <p:cSld>
-    <p:spTree>
-      <p:nvGrpSpPr>
-        <p:cNvPr id="1" name=""/>
-        <p:cNvGrpSpPr/>
-        <p:nvPr/>
-      </p:nvGrpSpPr>
-      <p:grpSpPr>
-        <a:xfrm>
-          <a:off x="0" y="0"/>
-          <a:ext cx="0" cy="0"/>
-          <a:chOff x="0" y="0"/>
-          <a:chExt cx="0" cy="0"/>
-        </a:xfrm>
-      </p:grpSpPr>
-      <p:sp>
-        <p:nvSpPr>
-          <p:cNvPr id="2" name="Title 1"/>
-          <p:cNvSpPr>
-            <a:spLocks noGrp="1"/>
-          </p:cNvSpPr>
-          <p:nvPr>
-            <p:ph type="title"/>
-          </p:nvPr>
-        </p:nvSpPr>
-        <p:spPr/>
-        <p:txBody>
-          <a:bodyPr>
-            <a:normAutofit/>
-          </a:bodyPr>
-          <a:lstStyle/>
-          <a:p>
-            <a:r>
-              <a:rPr lang="en-US" dirty="0" smtClean="0"/>
-              <a:t>BBMC REDCap Use Statistics</a:t>
-            </a:r>
-            <a:endParaRPr lang="en-US" dirty="0"/>
-          </a:p>
-        </p:txBody>
-      </p:sp>
-      <p:sp>
-        <p:nvSpPr>
-          <p:cNvPr id="3" name="Content Placeholder 2"/>
-          <p:cNvSpPr>
-            <a:spLocks noGrp="1"/>
-          </p:cNvSpPr>
-          <p:nvPr>
-            <p:ph idx="1"/>
-          </p:nvPr>
-        </p:nvSpPr>
-        <p:spPr/>
-        <p:txBody>
-          <a:bodyPr/>
-          <a:lstStyle/>
-          <a:p>
-            <a:endParaRPr lang="en-US" dirty="0"/>
-          </a:p>
-        </p:txBody>
-      </p:sp>
-      <p:pic>
-        <p:nvPicPr>
-          <p:cNvPr id="6" name="Picture 5" descr="C:\Users\twilson\Desktop\REDCap Logged Events.bmp"/>
-          <p:cNvPicPr/>
-          <p:nvPr/>
-        </p:nvPicPr>
-        <p:blipFill>
-          <a:blip r:embed="rId2">
-            <a:extLst>
-              <a:ext uri="{28A0092B-C50C-407E-A947-70E740481C1C}">
-                <a14:useLocalDpi xmlns:a14="http://schemas.microsoft.com/office/drawing/2010/main" val="0"/>
-              </a:ext>
-            </a:extLst>
-          </a:blip>
-          <a:srcRect/>
-          <a:stretch>
-            <a:fillRect/>
-          </a:stretch>
-        </p:blipFill>
-        <p:spPr bwMode="auto">
-          <a:xfrm>
-            <a:off x="1637982" y="1811337"/>
-            <a:ext cx="5868035" cy="3235325"/>
-          </a:xfrm>
-          <a:prstGeom prst="rect">
-            <a:avLst/>
-          </a:prstGeom>
-          <a:noFill/>
-          <a:ln>
-            <a:noFill/>
-          </a:ln>
-        </p:spPr>
-      </p:pic>
-    </p:spTree>
-    <p:extLst>
-      <p:ext uri="{BB962C8B-B14F-4D97-AF65-F5344CB8AC3E}">
-        <p14:creationId xmlns:p14="http://schemas.microsoft.com/office/powerpoint/2010/main" val="1262718652"/>
-      </p:ext>
-    </p:extLst>
-  </p:cSld>
-  <p:clrMapOvr>
-    <a:masterClrMapping/>
-  </p:clrMapOvr>
-</p:sld>
-</file>
-
-<file path=ppt/slides/slide8.xml><?xml version="1.0" encoding="utf-8"?>
-<p:sld xmlns:a="http://schemas.openxmlformats.org/drawingml/2006/main" xmlns:r="http://schemas.openxmlformats.org/officeDocument/2006/relationships" xmlns:p="http://schemas.openxmlformats.org/presentationml/2006/main">
-  <p:cSld>
-    <p:spTree>
-      <p:nvGrpSpPr>
-        <p:cNvPr id="1" name=""/>
-        <p:cNvGrpSpPr/>
-        <p:nvPr/>
-      </p:nvGrpSpPr>
-      <p:grpSpPr>
-        <a:xfrm>
-          <a:off x="0" y="0"/>
-          <a:ext cx="0" cy="0"/>
-          <a:chOff x="0" y="0"/>
-          <a:chExt cx="0" cy="0"/>
-        </a:xfrm>
-      </p:grpSpPr>
-      <p:sp>
-        <p:nvSpPr>
-          <p:cNvPr id="2" name="Title 1"/>
-          <p:cNvSpPr>
-            <a:spLocks noGrp="1"/>
-          </p:cNvSpPr>
-          <p:nvPr>
-            <p:ph type="title"/>
-          </p:nvPr>
-        </p:nvSpPr>
-        <p:spPr/>
-        <p:txBody>
-          <a:bodyPr>
-            <a:normAutofit/>
-          </a:bodyPr>
-          <a:lstStyle/>
-          <a:p>
-            <a:r>
-              <a:rPr lang="en-US" dirty="0" smtClean="0"/>
-              <a:t>BBMC REDCap Use Statistics</a:t>
-            </a:r>
-            <a:endParaRPr lang="en-US" dirty="0"/>
-          </a:p>
-        </p:txBody>
-      </p:sp>
-      <p:sp>
-        <p:nvSpPr>
-          <p:cNvPr id="3" name="Content Placeholder 2"/>
-          <p:cNvSpPr>
-            <a:spLocks noGrp="1"/>
-          </p:cNvSpPr>
-          <p:nvPr>
-            <p:ph idx="1"/>
-          </p:nvPr>
-        </p:nvSpPr>
-        <p:spPr/>
-        <p:txBody>
-          <a:bodyPr/>
-          <a:lstStyle/>
-          <a:p>
-            <a:endParaRPr lang="en-US" dirty="0"/>
-          </a:p>
-        </p:txBody>
-      </p:sp>
-      <p:pic>
-        <p:nvPicPr>
-          <p:cNvPr id="5" name="Picture 4" descr="C:\Users\twilson\Desktop\REDCap Daily Logins.bmp"/>
-          <p:cNvPicPr/>
-          <p:nvPr/>
-        </p:nvPicPr>
-        <p:blipFill>
-          <a:blip r:embed="rId2">
-            <a:extLst>
-              <a:ext uri="{28A0092B-C50C-407E-A947-70E740481C1C}">
-                <a14:useLocalDpi xmlns:a14="http://schemas.microsoft.com/office/drawing/2010/main" val="0"/>
-              </a:ext>
-            </a:extLst>
-          </a:blip>
-          <a:srcRect/>
-          <a:stretch>
-            <a:fillRect/>
-          </a:stretch>
-        </p:blipFill>
-        <p:spPr bwMode="auto">
-          <a:xfrm>
-            <a:off x="1622742" y="1821180"/>
-            <a:ext cx="5898515" cy="3215640"/>
-          </a:xfrm>
-          <a:prstGeom prst="rect">
-            <a:avLst/>
-          </a:prstGeom>
-          <a:noFill/>
-          <a:ln>
-            <a:noFill/>
-          </a:ln>
-        </p:spPr>
-      </p:pic>
-    </p:spTree>
-    <p:extLst>
-      <p:ext uri="{BB962C8B-B14F-4D97-AF65-F5344CB8AC3E}">
-        <p14:creationId xmlns:p14="http://schemas.microsoft.com/office/powerpoint/2010/main" val="1080835116"/>
-      </p:ext>
-    </p:extLst>
-  </p:cSld>
-  <p:clrMapOvr>
-    <a:masterClrMapping/>
-  </p:clrMapOvr>
-</p:sld>
-</file>
-
-<file path=ppt/slides/slide9.xml><?xml version="1.0" encoding="utf-8"?>
-<p:sld xmlns:a="http://schemas.openxmlformats.org/drawingml/2006/main" xmlns:r="http://schemas.openxmlformats.org/officeDocument/2006/relationships" xmlns:p="http://schemas.openxmlformats.org/presentationml/2006/main">
-  <p:cSld>
-    <p:spTree>
-      <p:nvGrpSpPr>
-        <p:cNvPr id="1" name=""/>
-        <p:cNvGrpSpPr/>
-        <p:nvPr/>
-      </p:nvGrpSpPr>
-      <p:grpSpPr>
-        <a:xfrm>
-          <a:off x="0" y="0"/>
-          <a:ext cx="0" cy="0"/>
-          <a:chOff x="0" y="0"/>
-          <a:chExt cx="0" cy="0"/>
-        </a:xfrm>
-      </p:grpSpPr>
-      <p:sp>
-        <p:nvSpPr>
-          <p:cNvPr id="2" name="Title 1"/>
-          <p:cNvSpPr>
-            <a:spLocks noGrp="1"/>
-          </p:cNvSpPr>
-          <p:nvPr>
-            <p:ph type="title"/>
-          </p:nvPr>
-        </p:nvSpPr>
-        <p:spPr/>
-        <p:txBody>
-          <a:bodyPr>
-            <a:normAutofit/>
-          </a:bodyPr>
-          <a:lstStyle/>
-          <a:p>
-            <a:r>
-              <a:rPr lang="en-US" dirty="0" smtClean="0"/>
-              <a:t>BBMC REDCap Use Statistics</a:t>
-            </a:r>
-            <a:endParaRPr lang="en-US" dirty="0"/>
-          </a:p>
-        </p:txBody>
-      </p:sp>
-      <p:sp>
-        <p:nvSpPr>
-          <p:cNvPr id="3" name="Content Placeholder 2"/>
-          <p:cNvSpPr>
-            <a:spLocks noGrp="1"/>
-          </p:cNvSpPr>
-          <p:nvPr>
-            <p:ph idx="1"/>
-          </p:nvPr>
-        </p:nvSpPr>
-        <p:spPr/>
-        <p:txBody>
-          <a:bodyPr/>
-          <a:lstStyle/>
-          <a:p>
-            <a:endParaRPr lang="en-US" dirty="0"/>
-          </a:p>
-        </p:txBody>
-      </p:sp>
-      <p:pic>
-        <p:nvPicPr>
-          <p:cNvPr id="6" name="Picture 5" descr="C:\Users\twilson\Desktop\REDCap Projects Created.bmp"/>
-          <p:cNvPicPr/>
-          <p:nvPr/>
-        </p:nvPicPr>
-        <p:blipFill>
-          <a:blip r:embed="rId2">
-            <a:extLst>
-              <a:ext uri="{28A0092B-C50C-407E-A947-70E740481C1C}">
-                <a14:useLocalDpi xmlns:a14="http://schemas.microsoft.com/office/drawing/2010/main" val="0"/>
-              </a:ext>
-            </a:extLst>
-          </a:blip>
-          <a:srcRect/>
-          <a:stretch>
-            <a:fillRect/>
-          </a:stretch>
-        </p:blipFill>
-        <p:spPr bwMode="auto">
-          <a:xfrm>
-            <a:off x="1607820" y="1806257"/>
-            <a:ext cx="5928360" cy="3245485"/>
-          </a:xfrm>
-          <a:prstGeom prst="rect">
-            <a:avLst/>
-          </a:prstGeom>
-          <a:noFill/>
-          <a:ln>
-            <a:noFill/>
-          </a:ln>
-        </p:spPr>
-      </p:pic>
-    </p:spTree>
-    <p:extLst>
-      <p:ext uri="{BB962C8B-B14F-4D97-AF65-F5344CB8AC3E}">
-        <p14:creationId xmlns:p14="http://schemas.microsoft.com/office/powerpoint/2010/main" val="1216498558"/>
       </p:ext>
     </p:extLst>
   </p:cSld>
@@ -5461,4 +9543,285 @@
   <a:objectDefaults/>
   <a:extraClrSchemeLst/>
 </a:theme>
+</file>
+
+<file path=ppt/theme/themeOverride1.xml><?xml version="1.0" encoding="utf-8"?>
+<a:themeOverride xmlns:a="http://schemas.openxmlformats.org/drawingml/2006/main">
+  <a:clrScheme name="Office">
+    <a:dk1>
+      <a:sysClr val="windowText" lastClr="000000"/>
+    </a:dk1>
+    <a:lt1>
+      <a:sysClr val="window" lastClr="FFFFFF"/>
+    </a:lt1>
+    <a:dk2>
+      <a:srgbClr val="1F497D"/>
+    </a:dk2>
+    <a:lt2>
+      <a:srgbClr val="EEECE1"/>
+    </a:lt2>
+    <a:accent1>
+      <a:srgbClr val="4F81BD"/>
+    </a:accent1>
+    <a:accent2>
+      <a:srgbClr val="C0504D"/>
+    </a:accent2>
+    <a:accent3>
+      <a:srgbClr val="9BBB59"/>
+    </a:accent3>
+    <a:accent4>
+      <a:srgbClr val="8064A2"/>
+    </a:accent4>
+    <a:accent5>
+      <a:srgbClr val="4BACC6"/>
+    </a:accent5>
+    <a:accent6>
+      <a:srgbClr val="F79646"/>
+    </a:accent6>
+    <a:hlink>
+      <a:srgbClr val="0000FF"/>
+    </a:hlink>
+    <a:folHlink>
+      <a:srgbClr val="800080"/>
+    </a:folHlink>
+  </a:clrScheme>
+  <a:fontScheme name="Office">
+    <a:majorFont>
+      <a:latin typeface="Cambria"/>
+      <a:ea typeface=""/>
+      <a:cs typeface=""/>
+      <a:font script="Jpan" typeface="ＭＳ Ｐゴシック"/>
+      <a:font script="Hang" typeface="맑은 고딕"/>
+      <a:font script="Hans" typeface="宋体"/>
+      <a:font script="Hant" typeface="新細明體"/>
+      <a:font script="Arab" typeface="Times New Roman"/>
+      <a:font script="Hebr" typeface="Times New Roman"/>
+      <a:font script="Thai" typeface="Tahoma"/>
+      <a:font script="Ethi" typeface="Nyala"/>
+      <a:font script="Beng" typeface="Vrinda"/>
+      <a:font script="Gujr" typeface="Shruti"/>
+      <a:font script="Khmr" typeface="MoolBoran"/>
+      <a:font script="Knda" typeface="Tunga"/>
+      <a:font script="Guru" typeface="Raavi"/>
+      <a:font script="Cans" typeface="Euphemia"/>
+      <a:font script="Cher" typeface="Plantagenet Cherokee"/>
+      <a:font script="Yiii" typeface="Microsoft Yi Baiti"/>
+      <a:font script="Tibt" typeface="Microsoft Himalaya"/>
+      <a:font script="Thaa" typeface="MV Boli"/>
+      <a:font script="Deva" typeface="Mangal"/>
+      <a:font script="Telu" typeface="Gautami"/>
+      <a:font script="Taml" typeface="Latha"/>
+      <a:font script="Syrc" typeface="Estrangelo Edessa"/>
+      <a:font script="Orya" typeface="Kalinga"/>
+      <a:font script="Mlym" typeface="Kartika"/>
+      <a:font script="Laoo" typeface="DokChampa"/>
+      <a:font script="Sinh" typeface="Iskoola Pota"/>
+      <a:font script="Mong" typeface="Mongolian Baiti"/>
+      <a:font script="Viet" typeface="Times New Roman"/>
+      <a:font script="Uigh" typeface="Microsoft Uighur"/>
+      <a:font script="Geor" typeface="Sylfaen"/>
+    </a:majorFont>
+    <a:minorFont>
+      <a:latin typeface="Calibri"/>
+      <a:ea typeface=""/>
+      <a:cs typeface=""/>
+      <a:font script="Jpan" typeface="ＭＳ Ｐゴシック"/>
+      <a:font script="Hang" typeface="맑은 고딕"/>
+      <a:font script="Hans" typeface="宋体"/>
+      <a:font script="Hant" typeface="新細明體"/>
+      <a:font script="Arab" typeface="Arial"/>
+      <a:font script="Hebr" typeface="Arial"/>
+      <a:font script="Thai" typeface="Tahoma"/>
+      <a:font script="Ethi" typeface="Nyala"/>
+      <a:font script="Beng" typeface="Vrinda"/>
+      <a:font script="Gujr" typeface="Shruti"/>
+      <a:font script="Khmr" typeface="DaunPenh"/>
+      <a:font script="Knda" typeface="Tunga"/>
+      <a:font script="Guru" typeface="Raavi"/>
+      <a:font script="Cans" typeface="Euphemia"/>
+      <a:font script="Cher" typeface="Plantagenet Cherokee"/>
+      <a:font script="Yiii" typeface="Microsoft Yi Baiti"/>
+      <a:font script="Tibt" typeface="Microsoft Himalaya"/>
+      <a:font script="Thaa" typeface="MV Boli"/>
+      <a:font script="Deva" typeface="Mangal"/>
+      <a:font script="Telu" typeface="Gautami"/>
+      <a:font script="Taml" typeface="Latha"/>
+      <a:font script="Syrc" typeface="Estrangelo Edessa"/>
+      <a:font script="Orya" typeface="Kalinga"/>
+      <a:font script="Mlym" typeface="Kartika"/>
+      <a:font script="Laoo" typeface="DokChampa"/>
+      <a:font script="Sinh" typeface="Iskoola Pota"/>
+      <a:font script="Mong" typeface="Mongolian Baiti"/>
+      <a:font script="Viet" typeface="Arial"/>
+      <a:font script="Uigh" typeface="Microsoft Uighur"/>
+      <a:font script="Geor" typeface="Sylfaen"/>
+    </a:minorFont>
+  </a:fontScheme>
+  <a:fmtScheme name="Office">
+    <a:fillStyleLst>
+      <a:solidFill>
+        <a:schemeClr val="phClr"/>
+      </a:solidFill>
+      <a:gradFill rotWithShape="1">
+        <a:gsLst>
+          <a:gs pos="0">
+            <a:schemeClr val="phClr">
+              <a:tint val="50000"/>
+              <a:satMod val="300000"/>
+            </a:schemeClr>
+          </a:gs>
+          <a:gs pos="35000">
+            <a:schemeClr val="phClr">
+              <a:tint val="37000"/>
+              <a:satMod val="300000"/>
+            </a:schemeClr>
+          </a:gs>
+          <a:gs pos="100000">
+            <a:schemeClr val="phClr">
+              <a:tint val="15000"/>
+              <a:satMod val="350000"/>
+            </a:schemeClr>
+          </a:gs>
+        </a:gsLst>
+        <a:lin ang="16200000" scaled="1"/>
+      </a:gradFill>
+      <a:gradFill rotWithShape="1">
+        <a:gsLst>
+          <a:gs pos="0">
+            <a:schemeClr val="phClr">
+              <a:shade val="51000"/>
+              <a:satMod val="130000"/>
+            </a:schemeClr>
+          </a:gs>
+          <a:gs pos="80000">
+            <a:schemeClr val="phClr">
+              <a:shade val="93000"/>
+              <a:satMod val="130000"/>
+            </a:schemeClr>
+          </a:gs>
+          <a:gs pos="100000">
+            <a:schemeClr val="phClr">
+              <a:shade val="94000"/>
+              <a:satMod val="135000"/>
+            </a:schemeClr>
+          </a:gs>
+        </a:gsLst>
+        <a:lin ang="16200000" scaled="0"/>
+      </a:gradFill>
+    </a:fillStyleLst>
+    <a:lnStyleLst>
+      <a:ln w="9525" cap="flat" cmpd="sng" algn="ctr">
+        <a:solidFill>
+          <a:schemeClr val="phClr">
+            <a:shade val="95000"/>
+            <a:satMod val="105000"/>
+          </a:schemeClr>
+        </a:solidFill>
+        <a:prstDash val="solid"/>
+      </a:ln>
+      <a:ln w="25400" cap="flat" cmpd="sng" algn="ctr">
+        <a:solidFill>
+          <a:schemeClr val="phClr"/>
+        </a:solidFill>
+        <a:prstDash val="solid"/>
+      </a:ln>
+      <a:ln w="38100" cap="flat" cmpd="sng" algn="ctr">
+        <a:solidFill>
+          <a:schemeClr val="phClr"/>
+        </a:solidFill>
+        <a:prstDash val="solid"/>
+      </a:ln>
+    </a:lnStyleLst>
+    <a:effectStyleLst>
+      <a:effectStyle>
+        <a:effectLst>
+          <a:outerShdw blurRad="40000" dist="20000" dir="5400000" rotWithShape="0">
+            <a:srgbClr val="000000">
+              <a:alpha val="38000"/>
+            </a:srgbClr>
+          </a:outerShdw>
+        </a:effectLst>
+      </a:effectStyle>
+      <a:effectStyle>
+        <a:effectLst>
+          <a:outerShdw blurRad="40000" dist="23000" dir="5400000" rotWithShape="0">
+            <a:srgbClr val="000000">
+              <a:alpha val="35000"/>
+            </a:srgbClr>
+          </a:outerShdw>
+        </a:effectLst>
+      </a:effectStyle>
+      <a:effectStyle>
+        <a:effectLst>
+          <a:outerShdw blurRad="40000" dist="23000" dir="5400000" rotWithShape="0">
+            <a:srgbClr val="000000">
+              <a:alpha val="35000"/>
+            </a:srgbClr>
+          </a:outerShdw>
+        </a:effectLst>
+        <a:scene3d>
+          <a:camera prst="orthographicFront">
+            <a:rot lat="0" lon="0" rev="0"/>
+          </a:camera>
+          <a:lightRig rig="threePt" dir="t">
+            <a:rot lat="0" lon="0" rev="1200000"/>
+          </a:lightRig>
+        </a:scene3d>
+        <a:sp3d>
+          <a:bevelT w="63500" h="25400"/>
+        </a:sp3d>
+      </a:effectStyle>
+    </a:effectStyleLst>
+    <a:bgFillStyleLst>
+      <a:solidFill>
+        <a:schemeClr val="phClr"/>
+      </a:solidFill>
+      <a:gradFill rotWithShape="1">
+        <a:gsLst>
+          <a:gs pos="0">
+            <a:schemeClr val="phClr">
+              <a:tint val="40000"/>
+              <a:satMod val="350000"/>
+            </a:schemeClr>
+          </a:gs>
+          <a:gs pos="40000">
+            <a:schemeClr val="phClr">
+              <a:tint val="45000"/>
+              <a:shade val="99000"/>
+              <a:satMod val="350000"/>
+            </a:schemeClr>
+          </a:gs>
+          <a:gs pos="100000">
+            <a:schemeClr val="phClr">
+              <a:shade val="20000"/>
+              <a:satMod val="255000"/>
+            </a:schemeClr>
+          </a:gs>
+        </a:gsLst>
+        <a:path path="circle">
+          <a:fillToRect l="50000" t="-80000" r="50000" b="180000"/>
+        </a:path>
+      </a:gradFill>
+      <a:gradFill rotWithShape="1">
+        <a:gsLst>
+          <a:gs pos="0">
+            <a:schemeClr val="phClr">
+              <a:tint val="80000"/>
+              <a:satMod val="300000"/>
+            </a:schemeClr>
+          </a:gs>
+          <a:gs pos="100000">
+            <a:schemeClr val="phClr">
+              <a:shade val="30000"/>
+              <a:satMod val="200000"/>
+            </a:schemeClr>
+          </a:gs>
+        </a:gsLst>
+        <a:path path="circle">
+          <a:fillToRect l="50000" t="50000" r="50000" b="50000"/>
+        </a:path>
+      </a:gradFill>
+    </a:bgFillStyleLst>
+  </a:fmtScheme>
+</a:themeOverride>
 </file>
--- a/agendas/2016-04-redcap-governance-meeting.pptx
+++ b/agendas/2016-04-redcap-governance-meeting.pptx
@@ -18,20 +18,22 @@
     <p:sldId id="267" r:id="rId12"/>
     <p:sldId id="270" r:id="rId13"/>
     <p:sldId id="273" r:id="rId14"/>
-    <p:sldId id="266" r:id="rId15"/>
-    <p:sldId id="285" r:id="rId16"/>
-    <p:sldId id="284" r:id="rId17"/>
-    <p:sldId id="286" r:id="rId18"/>
-    <p:sldId id="287" r:id="rId19"/>
-    <p:sldId id="288" r:id="rId20"/>
-    <p:sldId id="274" r:id="rId21"/>
-    <p:sldId id="275" r:id="rId22"/>
-    <p:sldId id="276" r:id="rId23"/>
-    <p:sldId id="277" r:id="rId24"/>
-    <p:sldId id="278" r:id="rId25"/>
-    <p:sldId id="282" r:id="rId26"/>
-    <p:sldId id="283" r:id="rId27"/>
-    <p:sldId id="289" r:id="rId28"/>
+    <p:sldId id="295" r:id="rId15"/>
+    <p:sldId id="296" r:id="rId16"/>
+    <p:sldId id="266" r:id="rId17"/>
+    <p:sldId id="285" r:id="rId18"/>
+    <p:sldId id="284" r:id="rId19"/>
+    <p:sldId id="286" r:id="rId20"/>
+    <p:sldId id="287" r:id="rId21"/>
+    <p:sldId id="288" r:id="rId22"/>
+    <p:sldId id="274" r:id="rId23"/>
+    <p:sldId id="275" r:id="rId24"/>
+    <p:sldId id="276" r:id="rId25"/>
+    <p:sldId id="277" r:id="rId26"/>
+    <p:sldId id="278" r:id="rId27"/>
+    <p:sldId id="282" r:id="rId28"/>
+    <p:sldId id="283" r:id="rId29"/>
+    <p:sldId id="289" r:id="rId30"/>
   </p:sldIdLst>
   <p:sldSz cx="9144000" cy="6858000" type="screen4x3"/>
   <p:notesSz cx="6858000" cy="9144000"/>
@@ -184,7 +186,6 @@
           </a:p>
         </c:rich>
       </c:tx>
-      <c:layout/>
       <c:overlay val="0"/>
     </c:title>
     <c:autoTitleDeleted val="0"/>
@@ -226,7 +227,6 @@
             <c:showLeaderLines val="0"/>
             <c:extLst>
               <c:ext xmlns:c15="http://schemas.microsoft.com/office/drawing/2012/chart" uri="{CE6537A1-D6FC-4f65-9D91-7224C49458BB}">
-                <c15:layout/>
                 <c15:showLeaderLines val="0"/>
               </c:ext>
             </c:extLst>
@@ -282,11 +282,11 @@
           <c:showBubbleSize val="0"/>
         </c:dLbls>
         <c:gapWidth val="150"/>
-        <c:axId val="306856512"/>
-        <c:axId val="306856904"/>
+        <c:axId val="178731984"/>
+        <c:axId val="178732376"/>
       </c:barChart>
       <c:catAx>
-        <c:axId val="306856512"/>
+        <c:axId val="178731984"/>
         <c:scaling>
           <c:orientation val="minMax"/>
         </c:scaling>
@@ -296,7 +296,7 @@
         <c:majorTickMark val="out"/>
         <c:minorTickMark val="none"/>
         <c:tickLblPos val="nextTo"/>
-        <c:crossAx val="306856904"/>
+        <c:crossAx val="178732376"/>
         <c:crosses val="autoZero"/>
         <c:auto val="1"/>
         <c:lblAlgn val="ctr"/>
@@ -304,7 +304,7 @@
         <c:noMultiLvlLbl val="0"/>
       </c:catAx>
       <c:valAx>
-        <c:axId val="306856904"/>
+        <c:axId val="178732376"/>
         <c:scaling>
           <c:orientation val="minMax"/>
         </c:scaling>
@@ -315,7 +315,7 @@
         <c:majorTickMark val="out"/>
         <c:minorTickMark val="none"/>
         <c:tickLblPos val="nextTo"/>
-        <c:crossAx val="306856512"/>
+        <c:crossAx val="178731984"/>
         <c:crosses val="autoZero"/>
         <c:crossBetween val="between"/>
       </c:valAx>
@@ -374,7 +374,6 @@
           </a:p>
         </c:rich>
       </c:tx>
-      <c:layout/>
       <c:overlay val="0"/>
     </c:title>
     <c:autoTitleDeleted val="0"/>
@@ -416,7 +415,6 @@
             <c:showLeaderLines val="0"/>
             <c:extLst>
               <c:ext xmlns:c15="http://schemas.microsoft.com/office/drawing/2012/chart" uri="{CE6537A1-D6FC-4f65-9D91-7224C49458BB}">
-                <c15:layout/>
                 <c15:showLeaderLines val="0"/>
               </c:ext>
             </c:extLst>
@@ -472,11 +470,11 @@
           <c:showBubbleSize val="0"/>
         </c:dLbls>
         <c:gapWidth val="150"/>
-        <c:axId val="306857688"/>
-        <c:axId val="306858080"/>
+        <c:axId val="361608264"/>
+        <c:axId val="361609048"/>
       </c:barChart>
       <c:catAx>
-        <c:axId val="306857688"/>
+        <c:axId val="361608264"/>
         <c:scaling>
           <c:orientation val="minMax"/>
         </c:scaling>
@@ -486,7 +484,7 @@
         <c:majorTickMark val="out"/>
         <c:minorTickMark val="none"/>
         <c:tickLblPos val="nextTo"/>
-        <c:crossAx val="306858080"/>
+        <c:crossAx val="361609048"/>
         <c:crosses val="autoZero"/>
         <c:auto val="1"/>
         <c:lblAlgn val="ctr"/>
@@ -494,7 +492,7 @@
         <c:noMultiLvlLbl val="0"/>
       </c:catAx>
       <c:valAx>
-        <c:axId val="306858080"/>
+        <c:axId val="361609048"/>
         <c:scaling>
           <c:orientation val="minMax"/>
         </c:scaling>
@@ -505,7 +503,7 @@
         <c:majorTickMark val="out"/>
         <c:minorTickMark val="none"/>
         <c:tickLblPos val="nextTo"/>
-        <c:crossAx val="306857688"/>
+        <c:crossAx val="361608264"/>
         <c:crosses val="autoZero"/>
         <c:crossBetween val="between"/>
       </c:valAx>
@@ -572,7 +570,6 @@
           </a:p>
         </c:rich>
       </c:tx>
-      <c:layout/>
       <c:overlay val="0"/>
     </c:title>
     <c:autoTitleDeleted val="0"/>
@@ -614,7 +611,6 @@
             <c:showLeaderLines val="0"/>
             <c:extLst>
               <c:ext xmlns:c15="http://schemas.microsoft.com/office/drawing/2012/chart" uri="{CE6537A1-D6FC-4f65-9D91-7224C49458BB}">
-                <c15:layout/>
                 <c15:showLeaderLines val="0"/>
               </c:ext>
             </c:extLst>
@@ -676,11 +672,11 @@
           <c:showBubbleSize val="0"/>
         </c:dLbls>
         <c:gapWidth val="150"/>
-        <c:axId val="306858864"/>
-        <c:axId val="306859256"/>
+        <c:axId val="359899224"/>
+        <c:axId val="359899616"/>
       </c:barChart>
       <c:catAx>
-        <c:axId val="306858864"/>
+        <c:axId val="359899224"/>
         <c:scaling>
           <c:orientation val="minMax"/>
         </c:scaling>
@@ -690,7 +686,7 @@
         <c:majorTickMark val="out"/>
         <c:minorTickMark val="none"/>
         <c:tickLblPos val="nextTo"/>
-        <c:crossAx val="306859256"/>
+        <c:crossAx val="359899616"/>
         <c:crosses val="autoZero"/>
         <c:auto val="1"/>
         <c:lblAlgn val="ctr"/>
@@ -698,7 +694,7 @@
         <c:noMultiLvlLbl val="0"/>
       </c:catAx>
       <c:valAx>
-        <c:axId val="306859256"/>
+        <c:axId val="359899616"/>
         <c:scaling>
           <c:orientation val="minMax"/>
         </c:scaling>
@@ -709,7 +705,7 @@
         <c:majorTickMark val="out"/>
         <c:minorTickMark val="none"/>
         <c:tickLblPos val="nextTo"/>
-        <c:crossAx val="306858864"/>
+        <c:crossAx val="359899224"/>
         <c:crosses val="autoZero"/>
         <c:crossBetween val="between"/>
       </c:valAx>
@@ -870,11 +866,11 @@
           <c:showBubbleSize val="0"/>
         </c:dLbls>
         <c:gapWidth val="150"/>
-        <c:axId val="307221128"/>
-        <c:axId val="307221520"/>
+        <c:axId val="359900400"/>
+        <c:axId val="359900792"/>
       </c:barChart>
       <c:catAx>
-        <c:axId val="307221128"/>
+        <c:axId val="359900400"/>
         <c:scaling>
           <c:orientation val="minMax"/>
         </c:scaling>
@@ -884,7 +880,7 @@
         <c:majorTickMark val="out"/>
         <c:minorTickMark val="none"/>
         <c:tickLblPos val="nextTo"/>
-        <c:crossAx val="307221520"/>
+        <c:crossAx val="359900792"/>
         <c:crosses val="autoZero"/>
         <c:auto val="1"/>
         <c:lblAlgn val="ctr"/>
@@ -892,7 +888,7 @@
         <c:noMultiLvlLbl val="0"/>
       </c:catAx>
       <c:valAx>
-        <c:axId val="307221520"/>
+        <c:axId val="359900792"/>
         <c:scaling>
           <c:orientation val="minMax"/>
         </c:scaling>
@@ -903,7 +899,7 @@
         <c:majorTickMark val="out"/>
         <c:minorTickMark val="none"/>
         <c:tickLblPos val="nextTo"/>
-        <c:crossAx val="307221128"/>
+        <c:crossAx val="359900400"/>
         <c:crosses val="autoZero"/>
         <c:crossBetween val="between"/>
       </c:valAx>
@@ -1064,11 +1060,11 @@
           <c:showBubbleSize val="0"/>
         </c:dLbls>
         <c:gapWidth val="150"/>
-        <c:axId val="307222304"/>
-        <c:axId val="307222696"/>
+        <c:axId val="361674032"/>
+        <c:axId val="361674424"/>
       </c:barChart>
       <c:catAx>
-        <c:axId val="307222304"/>
+        <c:axId val="361674032"/>
         <c:scaling>
           <c:orientation val="minMax"/>
         </c:scaling>
@@ -1078,7 +1074,7 @@
         <c:majorTickMark val="out"/>
         <c:minorTickMark val="none"/>
         <c:tickLblPos val="nextTo"/>
-        <c:crossAx val="307222696"/>
+        <c:crossAx val="361674424"/>
         <c:crosses val="autoZero"/>
         <c:auto val="1"/>
         <c:lblAlgn val="ctr"/>
@@ -1086,7 +1082,7 @@
         <c:noMultiLvlLbl val="0"/>
       </c:catAx>
       <c:valAx>
-        <c:axId val="307222696"/>
+        <c:axId val="361674424"/>
         <c:scaling>
           <c:orientation val="minMax"/>
         </c:scaling>
@@ -1097,7 +1093,7 @@
         <c:majorTickMark val="out"/>
         <c:minorTickMark val="none"/>
         <c:tickLblPos val="nextTo"/>
-        <c:crossAx val="307222304"/>
+        <c:crossAx val="361674032"/>
         <c:crosses val="autoZero"/>
         <c:crossBetween val="between"/>
       </c:valAx>
@@ -1226,11 +1222,11 @@
           <c:showBubbleSize val="0"/>
         </c:dLbls>
         <c:gapWidth val="150"/>
-        <c:axId val="364103144"/>
-        <c:axId val="364103536"/>
+        <c:axId val="178730808"/>
+        <c:axId val="178731200"/>
       </c:barChart>
       <c:catAx>
-        <c:axId val="364103144"/>
+        <c:axId val="178730808"/>
         <c:scaling>
           <c:orientation val="minMax"/>
         </c:scaling>
@@ -1250,7 +1246,7 @@
             <a:endParaRPr lang="en-US"/>
           </a:p>
         </c:txPr>
-        <c:crossAx val="364103536"/>
+        <c:crossAx val="178731200"/>
         <c:crosses val="autoZero"/>
         <c:auto val="1"/>
         <c:lblAlgn val="ctr"/>
@@ -1258,7 +1254,7 @@
         <c:noMultiLvlLbl val="0"/>
       </c:catAx>
       <c:valAx>
-        <c:axId val="364103536"/>
+        <c:axId val="178731200"/>
         <c:scaling>
           <c:orientation val="minMax"/>
         </c:scaling>
@@ -1285,7 +1281,7 @@
             <a:endParaRPr lang="en-US"/>
           </a:p>
         </c:txPr>
-        <c:crossAx val="364103144"/>
+        <c:crossAx val="178730808"/>
         <c:crosses val="autoZero"/>
         <c:crossBetween val="between"/>
       </c:valAx>
@@ -4307,7 +4303,6 @@
               <a:rPr lang="en-US" dirty="0"/>
               <a:t>REDCap Governance Meeting</a:t>
             </a:r>
-            <a:endParaRPr lang="en-US" dirty="0"/>
           </a:p>
         </p:txBody>
       </p:sp>
@@ -5024,91 +5019,84 @@
       </p:grpSpPr>
       <p:sp>
         <p:nvSpPr>
-          <p:cNvPr id="2" name="Title 1"/>
-          <p:cNvSpPr>
-            <a:spLocks noGrp="1"/>
-          </p:cNvSpPr>
-          <p:nvPr>
-            <p:ph type="title"/>
-          </p:nvPr>
-        </p:nvSpPr>
-        <p:spPr/>
-        <p:txBody>
-          <a:bodyPr>
-            <a:normAutofit/>
-          </a:bodyPr>
-          <a:lstStyle/>
-          <a:p>
-            <a:r>
-              <a:rPr lang="en-US" dirty="0" smtClean="0"/>
-              <a:t>BBMC REDCap Use Statistics</a:t>
-            </a:r>
-            <a:endParaRPr lang="en-US" dirty="0"/>
-          </a:p>
-        </p:txBody>
-      </p:sp>
-      <p:sp>
-        <p:nvSpPr>
-          <p:cNvPr id="3" name="Content Placeholder 2"/>
-          <p:cNvSpPr>
-            <a:spLocks noGrp="1"/>
-          </p:cNvSpPr>
-          <p:nvPr>
-            <p:ph idx="1"/>
-          </p:nvPr>
+          <p:cNvPr id="5" name="Title 1"/>
+          <p:cNvSpPr txBox="1">
+            <a:spLocks/>
+          </p:cNvSpPr>
+          <p:nvPr/>
         </p:nvSpPr>
         <p:spPr>
           <a:xfrm>
-            <a:off x="457200" y="1600200"/>
-            <a:ext cx="8229600" cy="5181600"/>
+            <a:off x="0" y="76200"/>
+            <a:ext cx="5562600" cy="609600"/>
           </a:xfrm>
+          <a:prstGeom prst="rect">
+            <a:avLst/>
+          </a:prstGeom>
         </p:spPr>
         <p:txBody>
-          <a:bodyPr>
-            <a:normAutofit lnSpcReduction="10000"/>
+          <a:bodyPr vert="horz" lIns="91440" tIns="45720" rIns="91440" bIns="45720" rtlCol="0" anchor="ctr">
+            <a:normAutofit fontScale="60000" lnSpcReduction="20000"/>
           </a:bodyPr>
-          <a:lstStyle/>
+          <a:lstStyle>
+            <a:lvl1pPr algn="ctr" defTabSz="914400" rtl="0" eaLnBrk="1" latinLnBrk="0" hangingPunct="1">
+              <a:spcBef>
+                <a:spcPct val="0"/>
+              </a:spcBef>
+              <a:buNone/>
+              <a:defRPr sz="4400" kern="1200">
+                <a:solidFill>
+                  <a:schemeClr val="tx1"/>
+                </a:solidFill>
+                <a:latin typeface="+mj-lt"/>
+                <a:ea typeface="+mj-ea"/>
+                <a:cs typeface="+mj-cs"/>
+              </a:defRPr>
+            </a:lvl1pPr>
+          </a:lstStyle>
           <a:p>
             <a:r>
               <a:rPr lang="en-US" dirty="0" smtClean="0"/>
-              <a:t>New Support Needs</a:t>
-            </a:r>
-          </a:p>
-          <a:p>
-            <a:pPr lvl="1"/>
-            <a:r>
-              <a:rPr lang="en-US" dirty="0" smtClean="0"/>
-              <a:t>Hooks and Plugins: PHP scripts utilized by REDCap, that are placed on the REDCap web server so they can be utilized by REDCap</a:t>
-            </a:r>
-          </a:p>
-          <a:p>
-            <a:pPr lvl="2"/>
-            <a:r>
-              <a:rPr lang="en-US" dirty="0" smtClean="0"/>
-              <a:t>Hook: a PHP function with a designated name, in which the hook gets executed in a predetermined location inside REDCap</a:t>
-            </a:r>
-          </a:p>
-          <a:p>
-            <a:pPr lvl="2"/>
-            <a:r>
-              <a:rPr lang="en-US" dirty="0" smtClean="0"/>
-              <a:t>Plugin: a custom PHP script or collection of PHP scripts that exist independently of, but work in conjunction with, the REDCap base code</a:t>
-            </a:r>
-          </a:p>
-          <a:p>
-            <a:pPr lvl="2"/>
-            <a:r>
-              <a:rPr lang="en-US" dirty="0" smtClean="0"/>
-              <a:t>Responsibility for Hooks and Plugs is solely on the host institution (OUHSC) and Vanderbilt provides no official support for these capabilities.</a:t>
+              <a:t>REDCap Support Across Institutions</a:t>
             </a:r>
             <a:endParaRPr lang="en-US" dirty="0"/>
           </a:p>
         </p:txBody>
       </p:sp>
+      <p:pic>
+        <p:nvPicPr>
+          <p:cNvPr id="2" name="Picture 1"/>
+          <p:cNvPicPr>
+            <a:picLocks noChangeAspect="1"/>
+          </p:cNvPicPr>
+          <p:nvPr/>
+        </p:nvPicPr>
+        <p:blipFill>
+          <a:blip r:embed="rId2" cstate="print">
+            <a:extLst>
+              <a:ext uri="{28A0092B-C50C-407E-A947-70E740481C1C}">
+                <a14:useLocalDpi xmlns:a14="http://schemas.microsoft.com/office/drawing/2010/main" val="0"/>
+              </a:ext>
+            </a:extLst>
+          </a:blip>
+          <a:stretch>
+            <a:fillRect/>
+          </a:stretch>
+        </p:blipFill>
+        <p:spPr>
+          <a:xfrm>
+            <a:off x="76200" y="653134"/>
+            <a:ext cx="8686813" cy="6204866"/>
+          </a:xfrm>
+          <a:prstGeom prst="rect">
+            <a:avLst/>
+          </a:prstGeom>
+        </p:spPr>
+      </p:pic>
     </p:spTree>
     <p:extLst>
       <p:ext uri="{BB962C8B-B14F-4D97-AF65-F5344CB8AC3E}">
-        <p14:creationId xmlns:p14="http://schemas.microsoft.com/office/powerpoint/2010/main" val="2844060334"/>
+        <p14:creationId xmlns:p14="http://schemas.microsoft.com/office/powerpoint/2010/main" val="4260415452"/>
       </p:ext>
     </p:extLst>
   </p:cSld>
@@ -5137,55 +5125,84 @@
       </p:grpSpPr>
       <p:sp>
         <p:nvSpPr>
-          <p:cNvPr id="2" name="Title 1"/>
-          <p:cNvSpPr>
-            <a:spLocks noGrp="1"/>
-          </p:cNvSpPr>
-          <p:nvPr>
-            <p:ph type="title"/>
-          </p:nvPr>
-        </p:nvSpPr>
-        <p:spPr/>
-        <p:txBody>
-          <a:bodyPr/>
-          <a:lstStyle/>
-          <a:p>
-            <a:r>
-              <a:rPr lang="en-US" dirty="0"/>
-              <a:t>REDCap 2013 Consortium Survey</a:t>
-            </a:r>
-          </a:p>
-        </p:txBody>
-      </p:sp>
-      <p:graphicFrame>
-        <p:nvGraphicFramePr>
-          <p:cNvPr id="4" name="Content Placeholder 3"/>
-          <p:cNvGraphicFramePr>
-            <a:graphicFrameLocks noGrp="1"/>
-          </p:cNvGraphicFramePr>
-          <p:nvPr>
-            <p:ph idx="1"/>
-            <p:extLst>
-              <p:ext uri="{D42A27DB-BD31-4B8C-83A1-F6EECF244321}">
-                <p14:modId xmlns:p14="http://schemas.microsoft.com/office/powerpoint/2010/main" val="2237247202"/>
-              </p:ext>
-            </p:extLst>
-          </p:nvPr>
-        </p:nvGraphicFramePr>
-        <p:xfrm>
-          <a:off x="457200" y="1600200"/>
-          <a:ext cx="8229600" cy="4525963"/>
-        </p:xfrm>
-        <a:graphic>
-          <a:graphicData uri="http://schemas.openxmlformats.org/drawingml/2006/chart">
-            <c:chart xmlns:c="http://schemas.openxmlformats.org/drawingml/2006/chart" xmlns:r="http://schemas.openxmlformats.org/officeDocument/2006/relationships" r:id="rId2"/>
-          </a:graphicData>
-        </a:graphic>
-      </p:graphicFrame>
+          <p:cNvPr id="5" name="Title 1"/>
+          <p:cNvSpPr txBox="1">
+            <a:spLocks/>
+          </p:cNvSpPr>
+          <p:nvPr/>
+        </p:nvSpPr>
+        <p:spPr>
+          <a:xfrm>
+            <a:off x="0" y="76200"/>
+            <a:ext cx="5562600" cy="609600"/>
+          </a:xfrm>
+          <a:prstGeom prst="rect">
+            <a:avLst/>
+          </a:prstGeom>
+        </p:spPr>
+        <p:txBody>
+          <a:bodyPr vert="horz" lIns="91440" tIns="45720" rIns="91440" bIns="45720" rtlCol="0" anchor="ctr">
+            <a:normAutofit fontScale="60000" lnSpcReduction="20000"/>
+          </a:bodyPr>
+          <a:lstStyle>
+            <a:lvl1pPr algn="ctr" defTabSz="914400" rtl="0" eaLnBrk="1" latinLnBrk="0" hangingPunct="1">
+              <a:spcBef>
+                <a:spcPct val="0"/>
+              </a:spcBef>
+              <a:buNone/>
+              <a:defRPr sz="4400" kern="1200">
+                <a:solidFill>
+                  <a:schemeClr val="tx1"/>
+                </a:solidFill>
+                <a:latin typeface="+mj-lt"/>
+                <a:ea typeface="+mj-ea"/>
+                <a:cs typeface="+mj-cs"/>
+              </a:defRPr>
+            </a:lvl1pPr>
+          </a:lstStyle>
+          <a:p>
+            <a:r>
+              <a:rPr lang="en-US" dirty="0" smtClean="0"/>
+              <a:t>REDCap Support Across Institutions</a:t>
+            </a:r>
+            <a:endParaRPr lang="en-US" dirty="0"/>
+          </a:p>
+        </p:txBody>
+      </p:sp>
+      <p:pic>
+        <p:nvPicPr>
+          <p:cNvPr id="3" name="Picture 2"/>
+          <p:cNvPicPr>
+            <a:picLocks noChangeAspect="1"/>
+          </p:cNvPicPr>
+          <p:nvPr/>
+        </p:nvPicPr>
+        <p:blipFill>
+          <a:blip r:embed="rId2" cstate="print">
+            <a:extLst>
+              <a:ext uri="{28A0092B-C50C-407E-A947-70E740481C1C}">
+                <a14:useLocalDpi xmlns:a14="http://schemas.microsoft.com/office/drawing/2010/main" val="0"/>
+              </a:ext>
+            </a:extLst>
+          </a:blip>
+          <a:stretch>
+            <a:fillRect/>
+          </a:stretch>
+        </p:blipFill>
+        <p:spPr>
+          <a:xfrm>
+            <a:off x="76200" y="656191"/>
+            <a:ext cx="8686800" cy="6204857"/>
+          </a:xfrm>
+          <a:prstGeom prst="rect">
+            <a:avLst/>
+          </a:prstGeom>
+        </p:spPr>
+      </p:pic>
     </p:spTree>
     <p:extLst>
       <p:ext uri="{BB962C8B-B14F-4D97-AF65-F5344CB8AC3E}">
-        <p14:creationId xmlns:p14="http://schemas.microsoft.com/office/powerpoint/2010/main" val="2833730363"/>
+        <p14:creationId xmlns:p14="http://schemas.microsoft.com/office/powerpoint/2010/main" val="743790749"/>
       </p:ext>
     </p:extLst>
   </p:cSld>
@@ -5224,45 +5241,81 @@
         </p:nvSpPr>
         <p:spPr/>
         <p:txBody>
-          <a:bodyPr/>
+          <a:bodyPr>
+            <a:normAutofit/>
+          </a:bodyPr>
           <a:lstStyle/>
           <a:p>
             <a:r>
-              <a:rPr lang="en-US" dirty="0"/>
-              <a:t>REDCap 2013 Consortium Survey</a:t>
-            </a:r>
-          </a:p>
-        </p:txBody>
-      </p:sp>
-      <p:graphicFrame>
-        <p:nvGraphicFramePr>
-          <p:cNvPr id="7" name="Content Placeholder 6"/>
-          <p:cNvGraphicFramePr>
-            <a:graphicFrameLocks noGrp="1"/>
-          </p:cNvGraphicFramePr>
+              <a:rPr lang="en-US" dirty="0" smtClean="0"/>
+              <a:t>BBMC REDCap Use Statistics</a:t>
+            </a:r>
+            <a:endParaRPr lang="en-US" dirty="0"/>
+          </a:p>
+        </p:txBody>
+      </p:sp>
+      <p:sp>
+        <p:nvSpPr>
+          <p:cNvPr id="3" name="Content Placeholder 2"/>
+          <p:cNvSpPr>
+            <a:spLocks noGrp="1"/>
+          </p:cNvSpPr>
           <p:nvPr>
             <p:ph idx="1"/>
-            <p:extLst>
-              <p:ext uri="{D42A27DB-BD31-4B8C-83A1-F6EECF244321}">
-                <p14:modId xmlns:p14="http://schemas.microsoft.com/office/powerpoint/2010/main" val="977650390"/>
-              </p:ext>
-            </p:extLst>
-          </p:nvPr>
-        </p:nvGraphicFramePr>
-        <p:xfrm>
-          <a:off x="457200" y="1600200"/>
-          <a:ext cx="8229600" cy="4525963"/>
-        </p:xfrm>
-        <a:graphic>
-          <a:graphicData uri="http://schemas.openxmlformats.org/drawingml/2006/chart">
-            <c:chart xmlns:c="http://schemas.openxmlformats.org/drawingml/2006/chart" xmlns:r="http://schemas.openxmlformats.org/officeDocument/2006/relationships" r:id="rId2"/>
-          </a:graphicData>
-        </a:graphic>
-      </p:graphicFrame>
+          </p:nvPr>
+        </p:nvSpPr>
+        <p:spPr>
+          <a:xfrm>
+            <a:off x="457200" y="1600200"/>
+            <a:ext cx="8229600" cy="5181600"/>
+          </a:xfrm>
+        </p:spPr>
+        <p:txBody>
+          <a:bodyPr>
+            <a:normAutofit lnSpcReduction="10000"/>
+          </a:bodyPr>
+          <a:lstStyle/>
+          <a:p>
+            <a:r>
+              <a:rPr lang="en-US" dirty="0" smtClean="0"/>
+              <a:t>New Support Needs</a:t>
+            </a:r>
+          </a:p>
+          <a:p>
+            <a:pPr lvl="1"/>
+            <a:r>
+              <a:rPr lang="en-US" dirty="0" smtClean="0"/>
+              <a:t>Hooks and Plugins: PHP scripts utilized by REDCap, that are placed on the REDCap web server so they can be utilized by REDCap</a:t>
+            </a:r>
+          </a:p>
+          <a:p>
+            <a:pPr lvl="2"/>
+            <a:r>
+              <a:rPr lang="en-US" dirty="0" smtClean="0"/>
+              <a:t>Hook: a PHP function with a designated name, in which the hook gets executed in a predetermined location inside REDCap</a:t>
+            </a:r>
+          </a:p>
+          <a:p>
+            <a:pPr lvl="2"/>
+            <a:r>
+              <a:rPr lang="en-US" dirty="0" smtClean="0"/>
+              <a:t>Plugin: a custom PHP script or collection of PHP scripts that exist independently of, but work in conjunction with, the REDCap base code</a:t>
+            </a:r>
+          </a:p>
+          <a:p>
+            <a:pPr lvl="2"/>
+            <a:r>
+              <a:rPr lang="en-US" dirty="0" smtClean="0"/>
+              <a:t>Responsibility for Hooks and Plugs is solely on the host institution (OUHSC) and Vanderbilt provides no official support for these capabilities.</a:t>
+            </a:r>
+            <a:endParaRPr lang="en-US" dirty="0"/>
+          </a:p>
+        </p:txBody>
+      </p:sp>
     </p:spTree>
     <p:extLst>
       <p:ext uri="{BB962C8B-B14F-4D97-AF65-F5344CB8AC3E}">
-        <p14:creationId xmlns:p14="http://schemas.microsoft.com/office/powerpoint/2010/main" val="638799016"/>
+        <p14:creationId xmlns:p14="http://schemas.microsoft.com/office/powerpoint/2010/main" val="2844060334"/>
       </p:ext>
     </p:extLst>
   </p:cSld>
@@ -5313,7 +5366,7 @@
       </p:sp>
       <p:graphicFrame>
         <p:nvGraphicFramePr>
-          <p:cNvPr id="5" name="Content Placeholder 4"/>
+          <p:cNvPr id="4" name="Content Placeholder 3"/>
           <p:cNvGraphicFramePr>
             <a:graphicFrameLocks noGrp="1"/>
           </p:cNvGraphicFramePr>
@@ -5321,7 +5374,7 @@
             <p:ph idx="1"/>
             <p:extLst>
               <p:ext uri="{D42A27DB-BD31-4B8C-83A1-F6EECF244321}">
-                <p14:modId xmlns:p14="http://schemas.microsoft.com/office/powerpoint/2010/main" val="307573476"/>
+                <p14:modId xmlns:p14="http://schemas.microsoft.com/office/powerpoint/2010/main" val="2237247202"/>
               </p:ext>
             </p:extLst>
           </p:nvPr>
@@ -5390,7 +5443,7 @@
       </p:sp>
       <p:graphicFrame>
         <p:nvGraphicFramePr>
-          <p:cNvPr id="5" name="Content Placeholder 4"/>
+          <p:cNvPr id="7" name="Content Placeholder 6"/>
           <p:cNvGraphicFramePr>
             <a:graphicFrameLocks noGrp="1"/>
           </p:cNvGraphicFramePr>
@@ -5398,7 +5451,7 @@
             <p:ph idx="1"/>
             <p:extLst>
               <p:ext uri="{D42A27DB-BD31-4B8C-83A1-F6EECF244321}">
-                <p14:modId xmlns:p14="http://schemas.microsoft.com/office/powerpoint/2010/main" val="1094469193"/>
+                <p14:modId xmlns:p14="http://schemas.microsoft.com/office/powerpoint/2010/main" val="977650390"/>
               </p:ext>
             </p:extLst>
           </p:nvPr>
@@ -5416,7 +5469,7 @@
     </p:spTree>
     <p:extLst>
       <p:ext uri="{BB962C8B-B14F-4D97-AF65-F5344CB8AC3E}">
-        <p14:creationId xmlns:p14="http://schemas.microsoft.com/office/powerpoint/2010/main" val="2833730363"/>
+        <p14:creationId xmlns:p14="http://schemas.microsoft.com/office/powerpoint/2010/main" val="638799016"/>
       </p:ext>
     </p:extLst>
   </p:cSld>
@@ -5459,10 +5512,9 @@
           <a:lstStyle/>
           <a:p>
             <a:r>
-              <a:rPr lang="en-US" dirty="0" smtClean="0"/>
+              <a:rPr lang="en-US" dirty="0"/>
               <a:t>REDCap 2013 Consortium Survey</a:t>
             </a:r>
-            <a:endParaRPr lang="en-US" dirty="0"/>
           </a:p>
         </p:txBody>
       </p:sp>
@@ -5476,7 +5528,7 @@
             <p:ph idx="1"/>
             <p:extLst>
               <p:ext uri="{D42A27DB-BD31-4B8C-83A1-F6EECF244321}">
-                <p14:modId xmlns:p14="http://schemas.microsoft.com/office/powerpoint/2010/main" val="3115360186"/>
+                <p14:modId xmlns:p14="http://schemas.microsoft.com/office/powerpoint/2010/main" val="307573476"/>
               </p:ext>
             </p:extLst>
           </p:nvPr>
@@ -5696,15 +5748,7 @@
                   <a:srgbClr val="00B050"/>
                 </a:solidFill>
               </a:rPr>
-              <a:t>Update on REDCap website and project </a:t>
-            </a:r>
-            <a:r>
-              <a:rPr lang="en-US" dirty="0" smtClean="0">
-                <a:solidFill>
-                  <a:srgbClr val="00B050"/>
-                </a:solidFill>
-              </a:rPr>
-              <a:t>tracker</a:t>
+              <a:t>Update on REDCap website and project tracker</a:t>
             </a:r>
           </a:p>
           <a:p>
@@ -5716,11 +5760,6 @@
               </a:rPr>
               <a:t>2015</a:t>
             </a:r>
-            <a:endParaRPr lang="en-US" dirty="0" smtClean="0">
-              <a:solidFill>
-                <a:srgbClr val="00B050"/>
-              </a:solidFill>
-            </a:endParaRPr>
           </a:p>
           <a:p>
             <a:pPr lvl="1"/>
@@ -5764,6 +5803,161 @@
       </p:grpSpPr>
       <p:sp>
         <p:nvSpPr>
+          <p:cNvPr id="2" name="Title 1"/>
+          <p:cNvSpPr>
+            <a:spLocks noGrp="1"/>
+          </p:cNvSpPr>
+          <p:nvPr>
+            <p:ph type="title"/>
+          </p:nvPr>
+        </p:nvSpPr>
+        <p:spPr/>
+        <p:txBody>
+          <a:bodyPr/>
+          <a:lstStyle/>
+          <a:p>
+            <a:r>
+              <a:rPr lang="en-US" dirty="0"/>
+              <a:t>REDCap 2013 Consortium Survey</a:t>
+            </a:r>
+          </a:p>
+        </p:txBody>
+      </p:sp>
+      <p:graphicFrame>
+        <p:nvGraphicFramePr>
+          <p:cNvPr id="5" name="Content Placeholder 4"/>
+          <p:cNvGraphicFramePr>
+            <a:graphicFrameLocks noGrp="1"/>
+          </p:cNvGraphicFramePr>
+          <p:nvPr>
+            <p:ph idx="1"/>
+            <p:extLst>
+              <p:ext uri="{D42A27DB-BD31-4B8C-83A1-F6EECF244321}">
+                <p14:modId xmlns:p14="http://schemas.microsoft.com/office/powerpoint/2010/main" val="1094469193"/>
+              </p:ext>
+            </p:extLst>
+          </p:nvPr>
+        </p:nvGraphicFramePr>
+        <p:xfrm>
+          <a:off x="457200" y="1600200"/>
+          <a:ext cx="8229600" cy="4525963"/>
+        </p:xfrm>
+        <a:graphic>
+          <a:graphicData uri="http://schemas.openxmlformats.org/drawingml/2006/chart">
+            <c:chart xmlns:c="http://schemas.openxmlformats.org/drawingml/2006/chart" xmlns:r="http://schemas.openxmlformats.org/officeDocument/2006/relationships" r:id="rId2"/>
+          </a:graphicData>
+        </a:graphic>
+      </p:graphicFrame>
+    </p:spTree>
+    <p:extLst>
+      <p:ext uri="{BB962C8B-B14F-4D97-AF65-F5344CB8AC3E}">
+        <p14:creationId xmlns:p14="http://schemas.microsoft.com/office/powerpoint/2010/main" val="2833730363"/>
+      </p:ext>
+    </p:extLst>
+  </p:cSld>
+  <p:clrMapOvr>
+    <a:masterClrMapping/>
+  </p:clrMapOvr>
+</p:sld>
+</file>
+
+<file path=ppt/slides/slide21.xml><?xml version="1.0" encoding="utf-8"?>
+<p:sld xmlns:a="http://schemas.openxmlformats.org/drawingml/2006/main" xmlns:r="http://schemas.openxmlformats.org/officeDocument/2006/relationships" xmlns:p="http://schemas.openxmlformats.org/presentationml/2006/main">
+  <p:cSld>
+    <p:spTree>
+      <p:nvGrpSpPr>
+        <p:cNvPr id="1" name=""/>
+        <p:cNvGrpSpPr/>
+        <p:nvPr/>
+      </p:nvGrpSpPr>
+      <p:grpSpPr>
+        <a:xfrm>
+          <a:off x="0" y="0"/>
+          <a:ext cx="0" cy="0"/>
+          <a:chOff x="0" y="0"/>
+          <a:chExt cx="0" cy="0"/>
+        </a:xfrm>
+      </p:grpSpPr>
+      <p:sp>
+        <p:nvSpPr>
+          <p:cNvPr id="2" name="Title 1"/>
+          <p:cNvSpPr>
+            <a:spLocks noGrp="1"/>
+          </p:cNvSpPr>
+          <p:nvPr>
+            <p:ph type="title"/>
+          </p:nvPr>
+        </p:nvSpPr>
+        <p:spPr/>
+        <p:txBody>
+          <a:bodyPr/>
+          <a:lstStyle/>
+          <a:p>
+            <a:r>
+              <a:rPr lang="en-US" dirty="0" smtClean="0"/>
+              <a:t>REDCap 2013 Consortium Survey</a:t>
+            </a:r>
+            <a:endParaRPr lang="en-US" dirty="0"/>
+          </a:p>
+        </p:txBody>
+      </p:sp>
+      <p:graphicFrame>
+        <p:nvGraphicFramePr>
+          <p:cNvPr id="5" name="Content Placeholder 4"/>
+          <p:cNvGraphicFramePr>
+            <a:graphicFrameLocks noGrp="1"/>
+          </p:cNvGraphicFramePr>
+          <p:nvPr>
+            <p:ph idx="1"/>
+            <p:extLst>
+              <p:ext uri="{D42A27DB-BD31-4B8C-83A1-F6EECF244321}">
+                <p14:modId xmlns:p14="http://schemas.microsoft.com/office/powerpoint/2010/main" val="3115360186"/>
+              </p:ext>
+            </p:extLst>
+          </p:nvPr>
+        </p:nvGraphicFramePr>
+        <p:xfrm>
+          <a:off x="457200" y="1600200"/>
+          <a:ext cx="8229600" cy="4525963"/>
+        </p:xfrm>
+        <a:graphic>
+          <a:graphicData uri="http://schemas.openxmlformats.org/drawingml/2006/chart">
+            <c:chart xmlns:c="http://schemas.openxmlformats.org/drawingml/2006/chart" xmlns:r="http://schemas.openxmlformats.org/officeDocument/2006/relationships" r:id="rId2"/>
+          </a:graphicData>
+        </a:graphic>
+      </p:graphicFrame>
+    </p:spTree>
+    <p:extLst>
+      <p:ext uri="{BB962C8B-B14F-4D97-AF65-F5344CB8AC3E}">
+        <p14:creationId xmlns:p14="http://schemas.microsoft.com/office/powerpoint/2010/main" val="2833730363"/>
+      </p:ext>
+    </p:extLst>
+  </p:cSld>
+  <p:clrMapOvr>
+    <a:masterClrMapping/>
+  </p:clrMapOvr>
+</p:sld>
+</file>
+
+<file path=ppt/slides/slide22.xml><?xml version="1.0" encoding="utf-8"?>
+<p:sld xmlns:a="http://schemas.openxmlformats.org/drawingml/2006/main" xmlns:r="http://schemas.openxmlformats.org/officeDocument/2006/relationships" xmlns:p="http://schemas.openxmlformats.org/presentationml/2006/main">
+  <p:cSld>
+    <p:spTree>
+      <p:nvGrpSpPr>
+        <p:cNvPr id="1" name=""/>
+        <p:cNvGrpSpPr/>
+        <p:nvPr/>
+      </p:nvGrpSpPr>
+      <p:grpSpPr>
+        <a:xfrm>
+          <a:off x="0" y="0"/>
+          <a:ext cx="0" cy="0"/>
+          <a:chOff x="0" y="0"/>
+          <a:chExt cx="0" cy="0"/>
+        </a:xfrm>
+      </p:grpSpPr>
+      <p:sp>
+        <p:nvSpPr>
           <p:cNvPr id="7" name="Title 6"/>
           <p:cNvSpPr>
             <a:spLocks noGrp="1"/>
@@ -5858,7 +6052,7 @@
 </p:sld>
 </file>
 
-<file path=ppt/slides/slide21.xml><?xml version="1.0" encoding="utf-8"?>
+<file path=ppt/slides/slide23.xml><?xml version="1.0" encoding="utf-8"?>
 <p:sld xmlns:a="http://schemas.openxmlformats.org/drawingml/2006/main" xmlns:r="http://schemas.openxmlformats.org/officeDocument/2006/relationships" xmlns:p="http://schemas.openxmlformats.org/presentationml/2006/main">
   <p:cSld>
     <p:spTree>
@@ -5981,7 +6175,7 @@
 </p:sld>
 </file>
 
-<file path=ppt/slides/slide22.xml><?xml version="1.0" encoding="utf-8"?>
+<file path=ppt/slides/slide24.xml><?xml version="1.0" encoding="utf-8"?>
 <p:sld xmlns:a="http://schemas.openxmlformats.org/drawingml/2006/main" xmlns:r="http://schemas.openxmlformats.org/officeDocument/2006/relationships" xmlns:p="http://schemas.openxmlformats.org/presentationml/2006/main">
   <p:cSld>
     <p:spTree>
@@ -6684,7 +6878,7 @@
 </p:sld>
 </file>
 
-<file path=ppt/slides/slide23.xml><?xml version="1.0" encoding="utf-8"?>
+<file path=ppt/slides/slide25.xml><?xml version="1.0" encoding="utf-8"?>
 <p:sld xmlns:a="http://schemas.openxmlformats.org/drawingml/2006/main" xmlns:r="http://schemas.openxmlformats.org/officeDocument/2006/relationships" xmlns:p="http://schemas.openxmlformats.org/presentationml/2006/main">
   <p:cSld>
     <p:spTree>
@@ -7360,7 +7554,7 @@
 </p:sld>
 </file>
 
-<file path=ppt/slides/slide24.xml><?xml version="1.0" encoding="utf-8"?>
+<file path=ppt/slides/slide26.xml><?xml version="1.0" encoding="utf-8"?>
 <p:sld xmlns:a="http://schemas.openxmlformats.org/drawingml/2006/main" xmlns:r="http://schemas.openxmlformats.org/officeDocument/2006/relationships" xmlns:p="http://schemas.openxmlformats.org/presentationml/2006/main">
   <p:cSld>
     <p:spTree>
@@ -7712,7 +7906,7 @@
 </p:sld>
 </file>
 
-<file path=ppt/slides/slide25.xml><?xml version="1.0" encoding="utf-8"?>
+<file path=ppt/slides/slide27.xml><?xml version="1.0" encoding="utf-8"?>
 <p:sld xmlns:a="http://schemas.openxmlformats.org/drawingml/2006/main" xmlns:r="http://schemas.openxmlformats.org/officeDocument/2006/relationships" xmlns:p="http://schemas.openxmlformats.org/presentationml/2006/main">
   <p:cSld>
     <p:spTree>
@@ -7840,7 +8034,7 @@
 </p:sld>
 </file>
 
-<file path=ppt/slides/slide26.xml><?xml version="1.0" encoding="utf-8"?>
+<file path=ppt/slides/slide28.xml><?xml version="1.0" encoding="utf-8"?>
 <p:sld xmlns:a="http://schemas.openxmlformats.org/drawingml/2006/main" xmlns:r="http://schemas.openxmlformats.org/officeDocument/2006/relationships" xmlns:p="http://schemas.openxmlformats.org/presentationml/2006/main">
   <p:cSld>
     <p:spTree>
@@ -7918,7 +8112,7 @@
 </p:sld>
 </file>
 
-<file path=ppt/slides/slide27.xml><?xml version="1.0" encoding="utf-8"?>
+<file path=ppt/slides/slide29.xml><?xml version="1.0" encoding="utf-8"?>
 <p:sld xmlns:a="http://schemas.openxmlformats.org/drawingml/2006/main" xmlns:r="http://schemas.openxmlformats.org/officeDocument/2006/relationships" xmlns:p="http://schemas.openxmlformats.org/presentationml/2006/main">
   <p:cSld>
     <p:spTree>
@@ -8335,15 +8529,7 @@
             </a:pPr>
             <a:r>
               <a:rPr lang="en-US" sz="1800" dirty="0"/>
-              <a:t>BBMC box </a:t>
-            </a:r>
-            <a:r>
-              <a:rPr lang="en-US" sz="1800" dirty="0"/>
-              <a:t>f</a:t>
-            </a:r>
-            <a:r>
-              <a:rPr lang="en-US" sz="1800" dirty="0"/>
-              <a:t>unded through </a:t>
+              <a:t>BBMC box funded through </a:t>
             </a:r>
             <a:r>
               <a:rPr lang="en-US" sz="1800" dirty="0" err="1"/>
@@ -8445,19 +8631,7 @@
             </a:r>
             <a:r>
               <a:rPr lang="en-US" dirty="0" smtClean="0"/>
-              <a:t> </a:t>
-            </a:r>
-            <a:r>
-              <a:rPr lang="en-US" dirty="0" smtClean="0"/>
-              <a:t>2015 </a:t>
-            </a:r>
-            <a:r>
-              <a:rPr lang="en-US" dirty="0" smtClean="0"/>
-              <a:t>in </a:t>
-            </a:r>
-            <a:r>
-              <a:rPr lang="en-US" dirty="0" smtClean="0"/>
-              <a:t>Portland OR</a:t>
+              <a:t> 2015 in Portland OR</a:t>
             </a:r>
             <a:endParaRPr lang="en-US" dirty="0"/>
           </a:p>
@@ -8491,15 +8665,7 @@
                   <a:srgbClr val="00B050"/>
                 </a:solidFill>
               </a:rPr>
-              <a:t>Three OU attendees last </a:t>
-            </a:r>
-            <a:r>
-              <a:rPr lang="en-US" dirty="0" smtClean="0">
-                <a:solidFill>
-                  <a:srgbClr val="00B050"/>
-                </a:solidFill>
-              </a:rPr>
-              <a:t>year </a:t>
+              <a:t>Three OU attendees last year </a:t>
             </a:r>
           </a:p>
           <a:p>
@@ -8526,23 +8692,7 @@
                   <a:srgbClr val="00B050"/>
                 </a:solidFill>
               </a:rPr>
-              <a:t>New </a:t>
-            </a:r>
-            <a:r>
-              <a:rPr lang="en-US" dirty="0" smtClean="0">
-                <a:solidFill>
-                  <a:srgbClr val="00B050"/>
-                </a:solidFill>
-              </a:rPr>
-              <a:t>Offline REDCap technology </a:t>
-            </a:r>
-            <a:r>
-              <a:rPr lang="en-US" dirty="0" smtClean="0">
-                <a:solidFill>
-                  <a:srgbClr val="00B050"/>
-                </a:solidFill>
-              </a:rPr>
-              <a:t>mature</a:t>
+              <a:t>New Offline REDCap technology mature</a:t>
             </a:r>
           </a:p>
           <a:p>
@@ -8554,11 +8704,6 @@
               </a:rPr>
               <a:t>Launch national repository for training material</a:t>
             </a:r>
-            <a:endParaRPr lang="en-US" dirty="0" smtClean="0">
-              <a:solidFill>
-                <a:srgbClr val="00B050"/>
-              </a:solidFill>
-            </a:endParaRPr>
           </a:p>
           <a:p>
             <a:r>
@@ -8724,45 +8869,28 @@
             </a:r>
             <a:r>
               <a:rPr lang="en-US" sz="2000" dirty="0" smtClean="0"/>
-              <a:t>(2016-01-01 to </a:t>
-            </a:r>
-            <a:r>
-              <a:rPr lang="en-US" sz="2000" dirty="0" smtClean="0"/>
-              <a:t>2016-04-22)</a:t>
-            </a:r>
-            <a:endParaRPr lang="en-US" sz="2000" dirty="0" smtClean="0"/>
+              <a:t>(2016-01-01 to 2016-04-22)</a:t>
+            </a:r>
           </a:p>
           <a:p>
             <a:pPr lvl="1"/>
             <a:r>
               <a:rPr lang="en-US" dirty="0" smtClean="0"/>
-              <a:t>4 </a:t>
-            </a:r>
+              <a:t>4 Sessions</a:t>
+            </a:r>
+          </a:p>
+          <a:p>
+            <a:pPr lvl="1"/>
             <a:r>
               <a:rPr lang="en-US" dirty="0" smtClean="0"/>
-              <a:t>Sessions</a:t>
+              <a:t>32 Individuals Trained</a:t>
             </a:r>
           </a:p>
           <a:p>
             <a:pPr lvl="1"/>
             <a:r>
               <a:rPr lang="en-US" dirty="0" smtClean="0"/>
-              <a:t>32 </a:t>
-            </a:r>
-            <a:r>
-              <a:rPr lang="en-US" dirty="0" smtClean="0"/>
-              <a:t>Individuals Trained</a:t>
-            </a:r>
-          </a:p>
-          <a:p>
-            <a:pPr lvl="1"/>
-            <a:r>
-              <a:rPr lang="en-US" dirty="0" smtClean="0"/>
-              <a:t>5 </a:t>
-            </a:r>
-            <a:r>
-              <a:rPr lang="en-US" dirty="0" smtClean="0"/>
-              <a:t>Hours of Training</a:t>
+              <a:t>5 Hours of Training</a:t>
             </a:r>
           </a:p>
         </p:txBody>
@@ -8858,7 +8986,6 @@
               <a:rPr lang="en-US" dirty="0" smtClean="0"/>
               <a:t>144 Research</a:t>
             </a:r>
-            <a:endParaRPr lang="en-US" dirty="0" smtClean="0"/>
           </a:p>
           <a:p>
             <a:pPr lvl="2"/>

--- a/agendas/2016-04-redcap-governance-meeting.pptx
+++ b/agendas/2016-04-redcap-governance-meeting.pptx
@@ -8,32 +8,32 @@
     <p:sldId id="256" r:id="rId2"/>
     <p:sldId id="290" r:id="rId3"/>
     <p:sldId id="291" r:id="rId4"/>
-    <p:sldId id="292" r:id="rId5"/>
-    <p:sldId id="294" r:id="rId6"/>
-    <p:sldId id="259" r:id="rId7"/>
-    <p:sldId id="257" r:id="rId8"/>
-    <p:sldId id="258" r:id="rId9"/>
-    <p:sldId id="261" r:id="rId10"/>
-    <p:sldId id="263" r:id="rId11"/>
-    <p:sldId id="267" r:id="rId12"/>
-    <p:sldId id="270" r:id="rId13"/>
-    <p:sldId id="273" r:id="rId14"/>
-    <p:sldId id="295" r:id="rId15"/>
-    <p:sldId id="296" r:id="rId16"/>
-    <p:sldId id="266" r:id="rId17"/>
-    <p:sldId id="285" r:id="rId18"/>
-    <p:sldId id="284" r:id="rId19"/>
-    <p:sldId id="286" r:id="rId20"/>
-    <p:sldId id="287" r:id="rId21"/>
-    <p:sldId id="288" r:id="rId22"/>
-    <p:sldId id="274" r:id="rId23"/>
-    <p:sldId id="275" r:id="rId24"/>
-    <p:sldId id="276" r:id="rId25"/>
-    <p:sldId id="277" r:id="rId26"/>
-    <p:sldId id="278" r:id="rId27"/>
-    <p:sldId id="282" r:id="rId28"/>
-    <p:sldId id="283" r:id="rId29"/>
-    <p:sldId id="289" r:id="rId30"/>
+    <p:sldId id="299" r:id="rId5"/>
+    <p:sldId id="297" r:id="rId6"/>
+    <p:sldId id="298" r:id="rId7"/>
+    <p:sldId id="294" r:id="rId8"/>
+    <p:sldId id="259" r:id="rId9"/>
+    <p:sldId id="257" r:id="rId10"/>
+    <p:sldId id="258" r:id="rId11"/>
+    <p:sldId id="261" r:id="rId12"/>
+    <p:sldId id="263" r:id="rId13"/>
+    <p:sldId id="267" r:id="rId14"/>
+    <p:sldId id="270" r:id="rId15"/>
+    <p:sldId id="273" r:id="rId16"/>
+    <p:sldId id="304" r:id="rId17"/>
+    <p:sldId id="295" r:id="rId18"/>
+    <p:sldId id="296" r:id="rId19"/>
+    <p:sldId id="305" r:id="rId20"/>
+    <p:sldId id="306" r:id="rId21"/>
+    <p:sldId id="300" r:id="rId22"/>
+    <p:sldId id="275" r:id="rId23"/>
+    <p:sldId id="276" r:id="rId24"/>
+    <p:sldId id="307" r:id="rId25"/>
+    <p:sldId id="310" r:id="rId26"/>
+    <p:sldId id="283" r:id="rId27"/>
+    <p:sldId id="311" r:id="rId28"/>
+    <p:sldId id="308" r:id="rId29"/>
+    <p:sldId id="309" r:id="rId30"/>
   </p:sldIdLst>
   <p:sldSz cx="9144000" cy="6858000" type="screen4x3"/>
   <p:notesSz cx="6858000" cy="9144000"/>
@@ -151,1151 +151,6 @@
 </p:presentation>
 </file>
 
-<file path=ppt/charts/chart1.xml><?xml version="1.0" encoding="utf-8"?>
-<c:chartSpace xmlns:c="http://schemas.openxmlformats.org/drawingml/2006/chart" xmlns:a="http://schemas.openxmlformats.org/drawingml/2006/main" xmlns:r="http://schemas.openxmlformats.org/officeDocument/2006/relationships">
-  <c:date1904 val="0"/>
-  <c:lang val="en-US"/>
-  <c:roundedCorners val="0"/>
-  <mc:AlternateContent xmlns:mc="http://schemas.openxmlformats.org/markup-compatibility/2006">
-    <mc:Choice xmlns:c14="http://schemas.microsoft.com/office/drawing/2007/8/2/chart" Requires="c14">
-      <c14:style val="102"/>
-    </mc:Choice>
-    <mc:Fallback>
-      <c:style val="2"/>
-    </mc:Fallback>
-  </mc:AlternateContent>
-  <c:chart>
-    <c:title>
-      <c:tx>
-        <c:rich>
-          <a:bodyPr/>
-          <a:lstStyle/>
-          <a:p>
-            <a:pPr>
-              <a:defRPr/>
-            </a:pPr>
-            <a:r>
-              <a:rPr lang="en-US" dirty="0"/>
-              <a:t>Number of Full Time Employees Supporting </a:t>
-            </a:r>
-            <a:r>
-              <a:rPr lang="en-US" dirty="0" smtClean="0"/>
-              <a:t>REDCap</a:t>
-            </a:r>
-            <a:endParaRPr lang="en-US" dirty="0"/>
-          </a:p>
-        </c:rich>
-      </c:tx>
-      <c:overlay val="0"/>
-    </c:title>
-    <c:autoTitleDeleted val="0"/>
-    <c:plotArea>
-      <c:layout/>
-      <c:barChart>
-        <c:barDir val="col"/>
-        <c:grouping val="clustered"/>
-        <c:varyColors val="0"/>
-        <c:ser>
-          <c:idx val="0"/>
-          <c:order val="0"/>
-          <c:tx>
-            <c:strRef>
-              <c:f>Sheet4!$E$2</c:f>
-              <c:strCache>
-                <c:ptCount val="1"/>
-                <c:pt idx="0">
-                  <c:v>frequency</c:v>
-                </c:pt>
-              </c:strCache>
-            </c:strRef>
-          </c:tx>
-          <c:invertIfNegative val="0"/>
-          <c:dLbls>
-            <c:spPr>
-              <a:noFill/>
-              <a:ln>
-                <a:noFill/>
-              </a:ln>
-              <a:effectLst/>
-            </c:spPr>
-            <c:showLegendKey val="0"/>
-            <c:showVal val="1"/>
-            <c:showCatName val="0"/>
-            <c:showSerName val="0"/>
-            <c:showPercent val="0"/>
-            <c:showBubbleSize val="0"/>
-            <c:showLeaderLines val="0"/>
-            <c:extLst>
-              <c:ext xmlns:c15="http://schemas.microsoft.com/office/drawing/2012/chart" uri="{CE6537A1-D6FC-4f65-9D91-7224C49458BB}">
-                <c15:showLeaderLines val="0"/>
-              </c:ext>
-            </c:extLst>
-          </c:dLbls>
-          <c:cat>
-            <c:strRef>
-              <c:f>Sheet4!$F$1:$I$1</c:f>
-              <c:strCache>
-                <c:ptCount val="4"/>
-                <c:pt idx="0">
-                  <c:v>&lt; 1</c:v>
-                </c:pt>
-                <c:pt idx="1">
-                  <c:v>1.0-1.9</c:v>
-                </c:pt>
-                <c:pt idx="2">
-                  <c:v>2</c:v>
-                </c:pt>
-                <c:pt idx="3">
-                  <c:v>2.5 - 10</c:v>
-                </c:pt>
-              </c:strCache>
-            </c:strRef>
-          </c:cat>
-          <c:val>
-            <c:numRef>
-              <c:f>Sheet4!$F$2:$I$2</c:f>
-              <c:numCache>
-                <c:formatCode>General</c:formatCode>
-                <c:ptCount val="4"/>
-                <c:pt idx="0">
-                  <c:v>13</c:v>
-                </c:pt>
-                <c:pt idx="1">
-                  <c:v>12</c:v>
-                </c:pt>
-                <c:pt idx="2">
-                  <c:v>10</c:v>
-                </c:pt>
-                <c:pt idx="3">
-                  <c:v>9</c:v>
-                </c:pt>
-              </c:numCache>
-            </c:numRef>
-          </c:val>
-        </c:ser>
-        <c:dLbls>
-          <c:showLegendKey val="0"/>
-          <c:showVal val="0"/>
-          <c:showCatName val="0"/>
-          <c:showSerName val="0"/>
-          <c:showPercent val="0"/>
-          <c:showBubbleSize val="0"/>
-        </c:dLbls>
-        <c:gapWidth val="150"/>
-        <c:axId val="178731984"/>
-        <c:axId val="178732376"/>
-      </c:barChart>
-      <c:catAx>
-        <c:axId val="178731984"/>
-        <c:scaling>
-          <c:orientation val="minMax"/>
-        </c:scaling>
-        <c:delete val="0"/>
-        <c:axPos val="b"/>
-        <c:numFmt formatCode="General" sourceLinked="0"/>
-        <c:majorTickMark val="out"/>
-        <c:minorTickMark val="none"/>
-        <c:tickLblPos val="nextTo"/>
-        <c:crossAx val="178732376"/>
-        <c:crosses val="autoZero"/>
-        <c:auto val="1"/>
-        <c:lblAlgn val="ctr"/>
-        <c:lblOffset val="100"/>
-        <c:noMultiLvlLbl val="0"/>
-      </c:catAx>
-      <c:valAx>
-        <c:axId val="178732376"/>
-        <c:scaling>
-          <c:orientation val="minMax"/>
-        </c:scaling>
-        <c:delete val="0"/>
-        <c:axPos val="l"/>
-        <c:majorGridlines/>
-        <c:numFmt formatCode="General" sourceLinked="1"/>
-        <c:majorTickMark val="out"/>
-        <c:minorTickMark val="none"/>
-        <c:tickLblPos val="nextTo"/>
-        <c:crossAx val="178731984"/>
-        <c:crosses val="autoZero"/>
-        <c:crossBetween val="between"/>
-      </c:valAx>
-    </c:plotArea>
-    <c:plotVisOnly val="1"/>
-    <c:dispBlanksAs val="gap"/>
-    <c:showDLblsOverMax val="0"/>
-  </c:chart>
-  <c:externalData r:id="rId1">
-    <c:autoUpdate val="0"/>
-  </c:externalData>
-</c:chartSpace>
-</file>
-
-<file path=ppt/charts/chart2.xml><?xml version="1.0" encoding="utf-8"?>
-<c:chartSpace xmlns:c="http://schemas.openxmlformats.org/drawingml/2006/chart" xmlns:a="http://schemas.openxmlformats.org/drawingml/2006/main" xmlns:r="http://schemas.openxmlformats.org/officeDocument/2006/relationships">
-  <c:date1904 val="0"/>
-  <c:lang val="en-US"/>
-  <c:roundedCorners val="0"/>
-  <mc:AlternateContent xmlns:mc="http://schemas.openxmlformats.org/markup-compatibility/2006">
-    <mc:Choice xmlns:c14="http://schemas.microsoft.com/office/drawing/2007/8/2/chart" Requires="c14">
-      <c14:style val="102"/>
-    </mc:Choice>
-    <mc:Fallback>
-      <c:style val="2"/>
-    </mc:Fallback>
-  </mc:AlternateContent>
-  <c:chart>
-    <c:title>
-      <c:tx>
-        <c:rich>
-          <a:bodyPr/>
-          <a:lstStyle/>
-          <a:p>
-            <a:pPr>
-              <a:defRPr/>
-            </a:pPr>
-            <a:r>
-              <a:rPr lang="en-US" dirty="0"/>
-              <a:t>Average Number of Users </a:t>
-            </a:r>
-          </a:p>
-          <a:p>
-            <a:pPr>
-              <a:defRPr/>
-            </a:pPr>
-            <a:r>
-              <a:rPr lang="en-US" dirty="0"/>
-              <a:t>by FTE </a:t>
-            </a:r>
-            <a:r>
-              <a:rPr lang="en-US" dirty="0" smtClean="0"/>
-              <a:t>Category</a:t>
-            </a:r>
-            <a:endParaRPr lang="en-US" dirty="0"/>
-          </a:p>
-        </c:rich>
-      </c:tx>
-      <c:overlay val="0"/>
-    </c:title>
-    <c:autoTitleDeleted val="0"/>
-    <c:plotArea>
-      <c:layout/>
-      <c:barChart>
-        <c:barDir val="col"/>
-        <c:grouping val="clustered"/>
-        <c:varyColors val="0"/>
-        <c:ser>
-          <c:idx val="1"/>
-          <c:order val="0"/>
-          <c:tx>
-            <c:strRef>
-              <c:f>Sheet4!$E$3</c:f>
-              <c:strCache>
-                <c:ptCount val="1"/>
-                <c:pt idx="0">
-                  <c:v>average number of users</c:v>
-                </c:pt>
-              </c:strCache>
-            </c:strRef>
-          </c:tx>
-          <c:invertIfNegative val="0"/>
-          <c:dLbls>
-            <c:spPr>
-              <a:noFill/>
-              <a:ln>
-                <a:noFill/>
-              </a:ln>
-              <a:effectLst/>
-            </c:spPr>
-            <c:showLegendKey val="0"/>
-            <c:showVal val="1"/>
-            <c:showCatName val="0"/>
-            <c:showSerName val="0"/>
-            <c:showPercent val="0"/>
-            <c:showBubbleSize val="0"/>
-            <c:showLeaderLines val="0"/>
-            <c:extLst>
-              <c:ext xmlns:c15="http://schemas.microsoft.com/office/drawing/2012/chart" uri="{CE6537A1-D6FC-4f65-9D91-7224C49458BB}">
-                <c15:showLeaderLines val="0"/>
-              </c:ext>
-            </c:extLst>
-          </c:dLbls>
-          <c:cat>
-            <c:strRef>
-              <c:f>Sheet4!$F$1:$I$1</c:f>
-              <c:strCache>
-                <c:ptCount val="4"/>
-                <c:pt idx="0">
-                  <c:v>&lt; 1</c:v>
-                </c:pt>
-                <c:pt idx="1">
-                  <c:v>1.0-1.9</c:v>
-                </c:pt>
-                <c:pt idx="2">
-                  <c:v>2</c:v>
-                </c:pt>
-                <c:pt idx="3">
-                  <c:v>2.5 - 10</c:v>
-                </c:pt>
-              </c:strCache>
-            </c:strRef>
-          </c:cat>
-          <c:val>
-            <c:numRef>
-              <c:f>Sheet4!$F$3:$I$3</c:f>
-              <c:numCache>
-                <c:formatCode>General</c:formatCode>
-                <c:ptCount val="4"/>
-                <c:pt idx="0">
-                  <c:v>170.30769230000001</c:v>
-                </c:pt>
-                <c:pt idx="1">
-                  <c:v>835.41666669999995</c:v>
-                </c:pt>
-                <c:pt idx="2">
-                  <c:v>248.44444440000001</c:v>
-                </c:pt>
-                <c:pt idx="3">
-                  <c:v>842.66666669999995</c:v>
-                </c:pt>
-              </c:numCache>
-            </c:numRef>
-          </c:val>
-        </c:ser>
-        <c:dLbls>
-          <c:showLegendKey val="0"/>
-          <c:showVal val="0"/>
-          <c:showCatName val="0"/>
-          <c:showSerName val="0"/>
-          <c:showPercent val="0"/>
-          <c:showBubbleSize val="0"/>
-        </c:dLbls>
-        <c:gapWidth val="150"/>
-        <c:axId val="361608264"/>
-        <c:axId val="361609048"/>
-      </c:barChart>
-      <c:catAx>
-        <c:axId val="361608264"/>
-        <c:scaling>
-          <c:orientation val="minMax"/>
-        </c:scaling>
-        <c:delete val="0"/>
-        <c:axPos val="b"/>
-        <c:numFmt formatCode="General" sourceLinked="0"/>
-        <c:majorTickMark val="out"/>
-        <c:minorTickMark val="none"/>
-        <c:tickLblPos val="nextTo"/>
-        <c:crossAx val="361609048"/>
-        <c:crosses val="autoZero"/>
-        <c:auto val="1"/>
-        <c:lblAlgn val="ctr"/>
-        <c:lblOffset val="100"/>
-        <c:noMultiLvlLbl val="0"/>
-      </c:catAx>
-      <c:valAx>
-        <c:axId val="361609048"/>
-        <c:scaling>
-          <c:orientation val="minMax"/>
-        </c:scaling>
-        <c:delete val="0"/>
-        <c:axPos val="l"/>
-        <c:majorGridlines/>
-        <c:numFmt formatCode="General" sourceLinked="1"/>
-        <c:majorTickMark val="out"/>
-        <c:minorTickMark val="none"/>
-        <c:tickLblPos val="nextTo"/>
-        <c:crossAx val="361608264"/>
-        <c:crosses val="autoZero"/>
-        <c:crossBetween val="between"/>
-      </c:valAx>
-    </c:plotArea>
-    <c:plotVisOnly val="1"/>
-    <c:dispBlanksAs val="gap"/>
-    <c:showDLblsOverMax val="0"/>
-  </c:chart>
-  <c:externalData r:id="rId1">
-    <c:autoUpdate val="0"/>
-  </c:externalData>
-</c:chartSpace>
-</file>
-
-<file path=ppt/charts/chart3.xml><?xml version="1.0" encoding="utf-8"?>
-<c:chartSpace xmlns:c="http://schemas.openxmlformats.org/drawingml/2006/chart" xmlns:a="http://schemas.openxmlformats.org/drawingml/2006/main" xmlns:r="http://schemas.openxmlformats.org/officeDocument/2006/relationships">
-  <c:date1904 val="0"/>
-  <c:lang val="en-US"/>
-  <c:roundedCorners val="0"/>
-  <mc:AlternateContent xmlns:mc="http://schemas.openxmlformats.org/markup-compatibility/2006">
-    <mc:Choice xmlns:c14="http://schemas.microsoft.com/office/drawing/2007/8/2/chart" Requires="c14">
-      <c14:style val="102"/>
-    </mc:Choice>
-    <mc:Fallback>
-      <c:style val="2"/>
-    </mc:Fallback>
-  </mc:AlternateContent>
-  <c:chart>
-    <c:title>
-      <c:tx>
-        <c:rich>
-          <a:bodyPr/>
-          <a:lstStyle/>
-          <a:p>
-            <a:pPr>
-              <a:defRPr/>
-            </a:pPr>
-            <a:r>
-              <a:rPr lang="en-US" dirty="0"/>
-              <a:t>Median Number</a:t>
-            </a:r>
-            <a:r>
-              <a:rPr lang="en-US" baseline="0" dirty="0"/>
-              <a:t> of U</a:t>
-            </a:r>
-            <a:r>
-              <a:rPr lang="en-US" dirty="0"/>
-              <a:t>sers</a:t>
-            </a:r>
-          </a:p>
-          <a:p>
-            <a:pPr>
-              <a:defRPr/>
-            </a:pPr>
-            <a:r>
-              <a:rPr lang="en-US" dirty="0"/>
-              <a:t>by FTE </a:t>
-            </a:r>
-            <a:r>
-              <a:rPr lang="en-US" dirty="0" smtClean="0"/>
-              <a:t>Category</a:t>
-            </a:r>
-            <a:endParaRPr lang="en-US" dirty="0"/>
-          </a:p>
-        </c:rich>
-      </c:tx>
-      <c:overlay val="0"/>
-    </c:title>
-    <c:autoTitleDeleted val="0"/>
-    <c:plotArea>
-      <c:layout/>
-      <c:barChart>
-        <c:barDir val="col"/>
-        <c:grouping val="clustered"/>
-        <c:varyColors val="0"/>
-        <c:ser>
-          <c:idx val="2"/>
-          <c:order val="0"/>
-          <c:tx>
-            <c:strRef>
-              <c:f>Sheet4!$E$4</c:f>
-              <c:strCache>
-                <c:ptCount val="1"/>
-                <c:pt idx="0">
-                  <c:v>median users</c:v>
-                </c:pt>
-              </c:strCache>
-            </c:strRef>
-          </c:tx>
-          <c:invertIfNegative val="0"/>
-          <c:dLbls>
-            <c:spPr>
-              <a:noFill/>
-              <a:ln>
-                <a:noFill/>
-              </a:ln>
-              <a:effectLst/>
-            </c:spPr>
-            <c:showLegendKey val="0"/>
-            <c:showVal val="1"/>
-            <c:showCatName val="0"/>
-            <c:showSerName val="0"/>
-            <c:showPercent val="0"/>
-            <c:showBubbleSize val="0"/>
-            <c:showLeaderLines val="0"/>
-            <c:extLst>
-              <c:ext xmlns:c15="http://schemas.microsoft.com/office/drawing/2012/chart" uri="{CE6537A1-D6FC-4f65-9D91-7224C49458BB}">
-                <c15:showLeaderLines val="0"/>
-              </c:ext>
-            </c:extLst>
-          </c:dLbls>
-          <c:cat>
-            <c:strRef>
-              <c:f>Sheet4!$F$1:$J$1</c:f>
-              <c:strCache>
-                <c:ptCount val="5"/>
-                <c:pt idx="0">
-                  <c:v>&lt; 1</c:v>
-                </c:pt>
-                <c:pt idx="1">
-                  <c:v>1</c:v>
-                </c:pt>
-                <c:pt idx="2">
-                  <c:v>1.1 - 1.9</c:v>
-                </c:pt>
-                <c:pt idx="3">
-                  <c:v>2</c:v>
-                </c:pt>
-                <c:pt idx="4">
-                  <c:v>2.5 - 10</c:v>
-                </c:pt>
-              </c:strCache>
-            </c:strRef>
-          </c:cat>
-          <c:val>
-            <c:numRef>
-              <c:f>Sheet4!$F$4:$J$4</c:f>
-              <c:numCache>
-                <c:formatCode>General</c:formatCode>
-                <c:ptCount val="5"/>
-                <c:pt idx="0">
-                  <c:v>44</c:v>
-                </c:pt>
-                <c:pt idx="1">
-                  <c:v>709.5</c:v>
-                </c:pt>
-                <c:pt idx="2">
-                  <c:v>119.5</c:v>
-                </c:pt>
-                <c:pt idx="3">
-                  <c:v>48</c:v>
-                </c:pt>
-                <c:pt idx="4">
-                  <c:v>740</c:v>
-                </c:pt>
-              </c:numCache>
-            </c:numRef>
-          </c:val>
-        </c:ser>
-        <c:dLbls>
-          <c:showLegendKey val="0"/>
-          <c:showVal val="0"/>
-          <c:showCatName val="0"/>
-          <c:showSerName val="0"/>
-          <c:showPercent val="0"/>
-          <c:showBubbleSize val="0"/>
-        </c:dLbls>
-        <c:gapWidth val="150"/>
-        <c:axId val="359899224"/>
-        <c:axId val="359899616"/>
-      </c:barChart>
-      <c:catAx>
-        <c:axId val="359899224"/>
-        <c:scaling>
-          <c:orientation val="minMax"/>
-        </c:scaling>
-        <c:delete val="0"/>
-        <c:axPos val="b"/>
-        <c:numFmt formatCode="General" sourceLinked="0"/>
-        <c:majorTickMark val="out"/>
-        <c:minorTickMark val="none"/>
-        <c:tickLblPos val="nextTo"/>
-        <c:crossAx val="359899616"/>
-        <c:crosses val="autoZero"/>
-        <c:auto val="1"/>
-        <c:lblAlgn val="ctr"/>
-        <c:lblOffset val="100"/>
-        <c:noMultiLvlLbl val="0"/>
-      </c:catAx>
-      <c:valAx>
-        <c:axId val="359899616"/>
-        <c:scaling>
-          <c:orientation val="minMax"/>
-        </c:scaling>
-        <c:delete val="0"/>
-        <c:axPos val="l"/>
-        <c:majorGridlines/>
-        <c:numFmt formatCode="General" sourceLinked="1"/>
-        <c:majorTickMark val="out"/>
-        <c:minorTickMark val="none"/>
-        <c:tickLblPos val="nextTo"/>
-        <c:crossAx val="359899224"/>
-        <c:crosses val="autoZero"/>
-        <c:crossBetween val="between"/>
-      </c:valAx>
-    </c:plotArea>
-    <c:plotVisOnly val="1"/>
-    <c:dispBlanksAs val="gap"/>
-    <c:showDLblsOverMax val="0"/>
-  </c:chart>
-  <c:externalData r:id="rId1">
-    <c:autoUpdate val="0"/>
-  </c:externalData>
-</c:chartSpace>
-</file>
-
-<file path=ppt/charts/chart4.xml><?xml version="1.0" encoding="utf-8"?>
-<c:chartSpace xmlns:c="http://schemas.openxmlformats.org/drawingml/2006/chart" xmlns:a="http://schemas.openxmlformats.org/drawingml/2006/main" xmlns:r="http://schemas.openxmlformats.org/officeDocument/2006/relationships">
-  <c:date1904 val="0"/>
-  <c:lang val="en-US"/>
-  <c:roundedCorners val="0"/>
-  <mc:AlternateContent xmlns:mc="http://schemas.openxmlformats.org/markup-compatibility/2006">
-    <mc:Choice xmlns:c14="http://schemas.microsoft.com/office/drawing/2007/8/2/chart" Requires="c14">
-      <c14:style val="102"/>
-    </mc:Choice>
-    <mc:Fallback>
-      <c:style val="2"/>
-    </mc:Fallback>
-  </mc:AlternateContent>
-  <c:chart>
-    <c:title>
-      <c:tx>
-        <c:rich>
-          <a:bodyPr/>
-          <a:lstStyle/>
-          <a:p>
-            <a:pPr>
-              <a:defRPr/>
-            </a:pPr>
-            <a:r>
-              <a:rPr lang="en-US" dirty="0"/>
-              <a:t>Average Number of Projects</a:t>
-            </a:r>
-          </a:p>
-          <a:p>
-            <a:pPr>
-              <a:defRPr/>
-            </a:pPr>
-            <a:r>
-              <a:rPr lang="en-US" dirty="0"/>
-              <a:t>by FTE </a:t>
-            </a:r>
-            <a:r>
-              <a:rPr lang="en-US" dirty="0" smtClean="0"/>
-              <a:t>Category</a:t>
-            </a:r>
-            <a:endParaRPr lang="en-US" dirty="0"/>
-          </a:p>
-        </c:rich>
-      </c:tx>
-      <c:overlay val="0"/>
-    </c:title>
-    <c:autoTitleDeleted val="0"/>
-    <c:plotArea>
-      <c:layout/>
-      <c:barChart>
-        <c:barDir val="col"/>
-        <c:grouping val="clustered"/>
-        <c:varyColors val="0"/>
-        <c:ser>
-          <c:idx val="3"/>
-          <c:order val="0"/>
-          <c:tx>
-            <c:strRef>
-              <c:f>Sheet4!$E$5</c:f>
-              <c:strCache>
-                <c:ptCount val="1"/>
-                <c:pt idx="0">
-                  <c:v>average projects</c:v>
-                </c:pt>
-              </c:strCache>
-            </c:strRef>
-          </c:tx>
-          <c:invertIfNegative val="0"/>
-          <c:dLbls>
-            <c:spPr>
-              <a:noFill/>
-              <a:ln>
-                <a:noFill/>
-              </a:ln>
-              <a:effectLst/>
-            </c:spPr>
-            <c:showLegendKey val="0"/>
-            <c:showVal val="1"/>
-            <c:showCatName val="0"/>
-            <c:showSerName val="0"/>
-            <c:showPercent val="0"/>
-            <c:showBubbleSize val="0"/>
-            <c:showLeaderLines val="0"/>
-            <c:extLst>
-              <c:ext xmlns:c15="http://schemas.microsoft.com/office/drawing/2012/chart" uri="{CE6537A1-D6FC-4f65-9D91-7224C49458BB}">
-                <c15:showLeaderLines val="0"/>
-              </c:ext>
-            </c:extLst>
-          </c:dLbls>
-          <c:cat>
-            <c:strRef>
-              <c:f>Sheet4!$F$1:$J$1</c:f>
-              <c:strCache>
-                <c:ptCount val="5"/>
-                <c:pt idx="0">
-                  <c:v>&lt; 1</c:v>
-                </c:pt>
-                <c:pt idx="1">
-                  <c:v>1</c:v>
-                </c:pt>
-                <c:pt idx="2">
-                  <c:v>1.1 - 1.9</c:v>
-                </c:pt>
-                <c:pt idx="3">
-                  <c:v>2</c:v>
-                </c:pt>
-                <c:pt idx="4">
-                  <c:v>2.5 - 10</c:v>
-                </c:pt>
-              </c:strCache>
-            </c:strRef>
-          </c:cat>
-          <c:val>
-            <c:numRef>
-              <c:f>Sheet4!$F$5:$J$5</c:f>
-              <c:numCache>
-                <c:formatCode>General</c:formatCode>
-                <c:ptCount val="5"/>
-                <c:pt idx="0">
-                  <c:v>81.77</c:v>
-                </c:pt>
-                <c:pt idx="1">
-                  <c:v>408.5</c:v>
-                </c:pt>
-                <c:pt idx="2">
-                  <c:v>38</c:v>
-                </c:pt>
-                <c:pt idx="3">
-                  <c:v>184.22</c:v>
-                </c:pt>
-                <c:pt idx="4">
-                  <c:v>496.22</c:v>
-                </c:pt>
-              </c:numCache>
-            </c:numRef>
-          </c:val>
-        </c:ser>
-        <c:dLbls>
-          <c:showLegendKey val="0"/>
-          <c:showVal val="0"/>
-          <c:showCatName val="0"/>
-          <c:showSerName val="0"/>
-          <c:showPercent val="0"/>
-          <c:showBubbleSize val="0"/>
-        </c:dLbls>
-        <c:gapWidth val="150"/>
-        <c:axId val="359900400"/>
-        <c:axId val="359900792"/>
-      </c:barChart>
-      <c:catAx>
-        <c:axId val="359900400"/>
-        <c:scaling>
-          <c:orientation val="minMax"/>
-        </c:scaling>
-        <c:delete val="0"/>
-        <c:axPos val="b"/>
-        <c:numFmt formatCode="General" sourceLinked="0"/>
-        <c:majorTickMark val="out"/>
-        <c:minorTickMark val="none"/>
-        <c:tickLblPos val="nextTo"/>
-        <c:crossAx val="359900792"/>
-        <c:crosses val="autoZero"/>
-        <c:auto val="1"/>
-        <c:lblAlgn val="ctr"/>
-        <c:lblOffset val="100"/>
-        <c:noMultiLvlLbl val="0"/>
-      </c:catAx>
-      <c:valAx>
-        <c:axId val="359900792"/>
-        <c:scaling>
-          <c:orientation val="minMax"/>
-        </c:scaling>
-        <c:delete val="0"/>
-        <c:axPos val="l"/>
-        <c:majorGridlines/>
-        <c:numFmt formatCode="General" sourceLinked="1"/>
-        <c:majorTickMark val="out"/>
-        <c:minorTickMark val="none"/>
-        <c:tickLblPos val="nextTo"/>
-        <c:crossAx val="359900400"/>
-        <c:crosses val="autoZero"/>
-        <c:crossBetween val="between"/>
-      </c:valAx>
-    </c:plotArea>
-    <c:plotVisOnly val="1"/>
-    <c:dispBlanksAs val="gap"/>
-    <c:showDLblsOverMax val="0"/>
-  </c:chart>
-  <c:externalData r:id="rId1">
-    <c:autoUpdate val="0"/>
-  </c:externalData>
-</c:chartSpace>
-</file>
-
-<file path=ppt/charts/chart5.xml><?xml version="1.0" encoding="utf-8"?>
-<c:chartSpace xmlns:c="http://schemas.openxmlformats.org/drawingml/2006/chart" xmlns:a="http://schemas.openxmlformats.org/drawingml/2006/main" xmlns:r="http://schemas.openxmlformats.org/officeDocument/2006/relationships">
-  <c:date1904 val="0"/>
-  <c:lang val="en-US"/>
-  <c:roundedCorners val="0"/>
-  <mc:AlternateContent xmlns:mc="http://schemas.openxmlformats.org/markup-compatibility/2006">
-    <mc:Choice xmlns:c14="http://schemas.microsoft.com/office/drawing/2007/8/2/chart" Requires="c14">
-      <c14:style val="102"/>
-    </mc:Choice>
-    <mc:Fallback>
-      <c:style val="2"/>
-    </mc:Fallback>
-  </mc:AlternateContent>
-  <c:chart>
-    <c:title>
-      <c:tx>
-        <c:rich>
-          <a:bodyPr/>
-          <a:lstStyle/>
-          <a:p>
-            <a:pPr>
-              <a:defRPr/>
-            </a:pPr>
-            <a:r>
-              <a:rPr lang="en-US" dirty="0"/>
-              <a:t>Median Number of Projects</a:t>
-            </a:r>
-          </a:p>
-          <a:p>
-            <a:pPr>
-              <a:defRPr/>
-            </a:pPr>
-            <a:r>
-              <a:rPr lang="en-US" dirty="0"/>
-              <a:t>by FTE </a:t>
-            </a:r>
-            <a:r>
-              <a:rPr lang="en-US" dirty="0" smtClean="0"/>
-              <a:t>Category</a:t>
-            </a:r>
-            <a:endParaRPr lang="en-US" dirty="0"/>
-          </a:p>
-        </c:rich>
-      </c:tx>
-      <c:overlay val="0"/>
-    </c:title>
-    <c:autoTitleDeleted val="0"/>
-    <c:plotArea>
-      <c:layout/>
-      <c:barChart>
-        <c:barDir val="col"/>
-        <c:grouping val="clustered"/>
-        <c:varyColors val="0"/>
-        <c:ser>
-          <c:idx val="4"/>
-          <c:order val="0"/>
-          <c:tx>
-            <c:strRef>
-              <c:f>Sheet4!$E$6</c:f>
-              <c:strCache>
-                <c:ptCount val="1"/>
-                <c:pt idx="0">
-                  <c:v>median projects</c:v>
-                </c:pt>
-              </c:strCache>
-            </c:strRef>
-          </c:tx>
-          <c:invertIfNegative val="0"/>
-          <c:dLbls>
-            <c:spPr>
-              <a:noFill/>
-              <a:ln>
-                <a:noFill/>
-              </a:ln>
-              <a:effectLst/>
-            </c:spPr>
-            <c:showLegendKey val="0"/>
-            <c:showVal val="1"/>
-            <c:showCatName val="0"/>
-            <c:showSerName val="0"/>
-            <c:showPercent val="0"/>
-            <c:showBubbleSize val="0"/>
-            <c:showLeaderLines val="0"/>
-            <c:extLst>
-              <c:ext xmlns:c15="http://schemas.microsoft.com/office/drawing/2012/chart" uri="{CE6537A1-D6FC-4f65-9D91-7224C49458BB}">
-                <c15:showLeaderLines val="0"/>
-              </c:ext>
-            </c:extLst>
-          </c:dLbls>
-          <c:cat>
-            <c:strRef>
-              <c:f>Sheet4!$F$1:$J$1</c:f>
-              <c:strCache>
-                <c:ptCount val="5"/>
-                <c:pt idx="0">
-                  <c:v>&lt; 1</c:v>
-                </c:pt>
-                <c:pt idx="1">
-                  <c:v>1</c:v>
-                </c:pt>
-                <c:pt idx="2">
-                  <c:v>1.1 - 1.9</c:v>
-                </c:pt>
-                <c:pt idx="3">
-                  <c:v>2</c:v>
-                </c:pt>
-                <c:pt idx="4">
-                  <c:v>2.5 - 10</c:v>
-                </c:pt>
-              </c:strCache>
-            </c:strRef>
-          </c:cat>
-          <c:val>
-            <c:numRef>
-              <c:f>Sheet4!$F$6:$J$6</c:f>
-              <c:numCache>
-                <c:formatCode>General</c:formatCode>
-                <c:ptCount val="5"/>
-                <c:pt idx="0">
-                  <c:v>10</c:v>
-                </c:pt>
-                <c:pt idx="1">
-                  <c:v>222</c:v>
-                </c:pt>
-                <c:pt idx="2">
-                  <c:v>38</c:v>
-                </c:pt>
-                <c:pt idx="3">
-                  <c:v>29</c:v>
-                </c:pt>
-                <c:pt idx="4">
-                  <c:v>478</c:v>
-                </c:pt>
-              </c:numCache>
-            </c:numRef>
-          </c:val>
-        </c:ser>
-        <c:dLbls>
-          <c:showLegendKey val="0"/>
-          <c:showVal val="0"/>
-          <c:showCatName val="0"/>
-          <c:showSerName val="0"/>
-          <c:showPercent val="0"/>
-          <c:showBubbleSize val="0"/>
-        </c:dLbls>
-        <c:gapWidth val="150"/>
-        <c:axId val="361674032"/>
-        <c:axId val="361674424"/>
-      </c:barChart>
-      <c:catAx>
-        <c:axId val="361674032"/>
-        <c:scaling>
-          <c:orientation val="minMax"/>
-        </c:scaling>
-        <c:delete val="0"/>
-        <c:axPos val="b"/>
-        <c:numFmt formatCode="General" sourceLinked="0"/>
-        <c:majorTickMark val="out"/>
-        <c:minorTickMark val="none"/>
-        <c:tickLblPos val="nextTo"/>
-        <c:crossAx val="361674424"/>
-        <c:crosses val="autoZero"/>
-        <c:auto val="1"/>
-        <c:lblAlgn val="ctr"/>
-        <c:lblOffset val="100"/>
-        <c:noMultiLvlLbl val="0"/>
-      </c:catAx>
-      <c:valAx>
-        <c:axId val="361674424"/>
-        <c:scaling>
-          <c:orientation val="minMax"/>
-        </c:scaling>
-        <c:delete val="0"/>
-        <c:axPos val="l"/>
-        <c:majorGridlines/>
-        <c:numFmt formatCode="General" sourceLinked="1"/>
-        <c:majorTickMark val="out"/>
-        <c:minorTickMark val="none"/>
-        <c:tickLblPos val="nextTo"/>
-        <c:crossAx val="361674032"/>
-        <c:crosses val="autoZero"/>
-        <c:crossBetween val="between"/>
-      </c:valAx>
-    </c:plotArea>
-    <c:plotVisOnly val="1"/>
-    <c:dispBlanksAs val="gap"/>
-    <c:showDLblsOverMax val="0"/>
-  </c:chart>
-  <c:externalData r:id="rId1">
-    <c:autoUpdate val="0"/>
-  </c:externalData>
-</c:chartSpace>
-</file>
-
-<file path=ppt/charts/chart6.xml><?xml version="1.0" encoding="utf-8"?>
-<c:chartSpace xmlns:c="http://schemas.openxmlformats.org/drawingml/2006/chart" xmlns:a="http://schemas.openxmlformats.org/drawingml/2006/main" xmlns:r="http://schemas.openxmlformats.org/officeDocument/2006/relationships">
-  <c:date1904 val="0"/>
-  <c:lang val="en-US"/>
-  <c:roundedCorners val="0"/>
-  <mc:AlternateContent xmlns:mc="http://schemas.openxmlformats.org/markup-compatibility/2006">
-    <mc:Choice xmlns:c14="http://schemas.microsoft.com/office/drawing/2007/8/2/chart" Requires="c14">
-      <c14:style val="102"/>
-    </mc:Choice>
-    <mc:Fallback>
-      <c:style val="2"/>
-    </mc:Fallback>
-  </mc:AlternateContent>
-  <c:clrMapOvr bg1="lt1" tx1="dk1" bg2="lt2" tx2="dk2" accent1="accent1" accent2="accent2" accent3="accent3" accent4="accent4" accent5="accent5" accent6="accent6" hlink="hlink" folHlink="folHlink"/>
-  <c:chart>
-    <c:autoTitleDeleted val="1"/>
-    <c:plotArea>
-      <c:layout/>
-      <c:barChart>
-        <c:barDir val="col"/>
-        <c:grouping val="clustered"/>
-        <c:varyColors val="0"/>
-        <c:ser>
-          <c:idx val="1"/>
-          <c:order val="0"/>
-          <c:invertIfNegative val="0"/>
-          <c:dLbls>
-            <c:spPr>
-              <a:noFill/>
-              <a:ln>
-                <a:noFill/>
-              </a:ln>
-              <a:effectLst/>
-            </c:spPr>
-            <c:txPr>
-              <a:bodyPr/>
-              <a:lstStyle/>
-              <a:p>
-                <a:pPr>
-                  <a:defRPr sz="1400"/>
-                </a:pPr>
-                <a:endParaRPr lang="en-US"/>
-              </a:p>
-            </c:txPr>
-            <c:showLegendKey val="0"/>
-            <c:showVal val="1"/>
-            <c:showCatName val="0"/>
-            <c:showSerName val="0"/>
-            <c:showPercent val="0"/>
-            <c:showBubbleSize val="0"/>
-            <c:showLeaderLines val="0"/>
-            <c:extLst>
-              <c:ext xmlns:c15="http://schemas.microsoft.com/office/drawing/2012/chart" uri="{CE6537A1-D6FC-4f65-9D91-7224C49458BB}">
-                <c15:showLeaderLines val="0"/>
-              </c:ext>
-            </c:extLst>
-          </c:dLbls>
-          <c:cat>
-            <c:strRef>
-              <c:f>'For Charts'!$K$18:$K$22</c:f>
-              <c:strCache>
-                <c:ptCount val="5"/>
-                <c:pt idx="0">
-                  <c:v>&lt;= 0.5</c:v>
-                </c:pt>
-                <c:pt idx="1">
-                  <c:v>1.0</c:v>
-                </c:pt>
-                <c:pt idx="2">
-                  <c:v>1.1 - 1.9</c:v>
-                </c:pt>
-                <c:pt idx="3">
-                  <c:v>2.0</c:v>
-                </c:pt>
-                <c:pt idx="4">
-                  <c:v>2.5 - 10</c:v>
-                </c:pt>
-              </c:strCache>
-            </c:strRef>
-          </c:cat>
-          <c:val>
-            <c:numRef>
-              <c:f>'For Charts'!$L$18:$L$22</c:f>
-              <c:numCache>
-                <c:formatCode>General</c:formatCode>
-                <c:ptCount val="5"/>
-                <c:pt idx="0">
-                  <c:v>11</c:v>
-                </c:pt>
-                <c:pt idx="1">
-                  <c:v>10</c:v>
-                </c:pt>
-                <c:pt idx="2">
-                  <c:v>2</c:v>
-                </c:pt>
-                <c:pt idx="3">
-                  <c:v>11</c:v>
-                </c:pt>
-                <c:pt idx="4">
-                  <c:v>9</c:v>
-                </c:pt>
-              </c:numCache>
-            </c:numRef>
-          </c:val>
-        </c:ser>
-        <c:dLbls>
-          <c:showLegendKey val="0"/>
-          <c:showVal val="0"/>
-          <c:showCatName val="0"/>
-          <c:showSerName val="0"/>
-          <c:showPercent val="0"/>
-          <c:showBubbleSize val="0"/>
-        </c:dLbls>
-        <c:gapWidth val="150"/>
-        <c:axId val="178730808"/>
-        <c:axId val="178731200"/>
-      </c:barChart>
-      <c:catAx>
-        <c:axId val="178730808"/>
-        <c:scaling>
-          <c:orientation val="minMax"/>
-        </c:scaling>
-        <c:delete val="0"/>
-        <c:axPos val="b"/>
-        <c:numFmt formatCode="General" sourceLinked="0"/>
-        <c:majorTickMark val="out"/>
-        <c:minorTickMark val="none"/>
-        <c:tickLblPos val="nextTo"/>
-        <c:txPr>
-          <a:bodyPr/>
-          <a:lstStyle/>
-          <a:p>
-            <a:pPr>
-              <a:defRPr sz="1800"/>
-            </a:pPr>
-            <a:endParaRPr lang="en-US"/>
-          </a:p>
-        </c:txPr>
-        <c:crossAx val="178731200"/>
-        <c:crosses val="autoZero"/>
-        <c:auto val="1"/>
-        <c:lblAlgn val="ctr"/>
-        <c:lblOffset val="100"/>
-        <c:noMultiLvlLbl val="0"/>
-      </c:catAx>
-      <c:valAx>
-        <c:axId val="178731200"/>
-        <c:scaling>
-          <c:orientation val="minMax"/>
-        </c:scaling>
-        <c:delete val="0"/>
-        <c:axPos val="l"/>
-        <c:majorGridlines>
-          <c:spPr>
-            <a:ln>
-              <a:noFill/>
-            </a:ln>
-          </c:spPr>
-        </c:majorGridlines>
-        <c:numFmt formatCode="General" sourceLinked="1"/>
-        <c:majorTickMark val="out"/>
-        <c:minorTickMark val="none"/>
-        <c:tickLblPos val="nextTo"/>
-        <c:txPr>
-          <a:bodyPr/>
-          <a:lstStyle/>
-          <a:p>
-            <a:pPr>
-              <a:defRPr sz="1800"/>
-            </a:pPr>
-            <a:endParaRPr lang="en-US"/>
-          </a:p>
-        </c:txPr>
-        <c:crossAx val="178730808"/>
-        <c:crosses val="autoZero"/>
-        <c:crossBetween val="between"/>
-      </c:valAx>
-    </c:plotArea>
-    <c:plotVisOnly val="1"/>
-    <c:dispBlanksAs val="gap"/>
-    <c:showDLblsOverMax val="0"/>
-  </c:chart>
-  <c:externalData r:id="rId2">
-    <c:autoUpdate val="0"/>
-  </c:externalData>
-</c:chartSpace>
-</file>
-
 <file path=ppt/slideLayouts/slideLayout1.xml><?xml version="1.0" encoding="utf-8"?>
 <p:sldLayout xmlns:a="http://schemas.openxmlformats.org/drawingml/2006/main" xmlns:r="http://schemas.openxmlformats.org/officeDocument/2006/relationships" xmlns:p="http://schemas.openxmlformats.org/presentationml/2006/main" type="title" preserve="1">
   <p:cSld name="Title Slide">
@@ -1477,7 +332,7 @@
           <a:p>
             <a:fld id="{1644C6A4-D0E3-4A58-B3B6-75287851F544}" type="datetimeFigureOut">
               <a:rPr lang="en-US" smtClean="0"/>
-              <a:t>4/25/2016</a:t>
+              <a:t>4/26/2016</a:t>
             </a:fld>
             <a:endParaRPr lang="en-US"/>
           </a:p>
@@ -1647,7 +502,7 @@
           <a:p>
             <a:fld id="{1644C6A4-D0E3-4A58-B3B6-75287851F544}" type="datetimeFigureOut">
               <a:rPr lang="en-US" smtClean="0"/>
-              <a:t>4/25/2016</a:t>
+              <a:t>4/26/2016</a:t>
             </a:fld>
             <a:endParaRPr lang="en-US"/>
           </a:p>
@@ -1827,7 +682,7 @@
           <a:p>
             <a:fld id="{1644C6A4-D0E3-4A58-B3B6-75287851F544}" type="datetimeFigureOut">
               <a:rPr lang="en-US" smtClean="0"/>
-              <a:t>4/25/2016</a:t>
+              <a:t>4/26/2016</a:t>
             </a:fld>
             <a:endParaRPr lang="en-US"/>
           </a:p>
@@ -1997,7 +852,7 @@
           <a:p>
             <a:fld id="{1644C6A4-D0E3-4A58-B3B6-75287851F544}" type="datetimeFigureOut">
               <a:rPr lang="en-US" smtClean="0"/>
-              <a:t>4/25/2016</a:t>
+              <a:t>4/26/2016</a:t>
             </a:fld>
             <a:endParaRPr lang="en-US"/>
           </a:p>
@@ -2243,7 +1098,7 @@
           <a:p>
             <a:fld id="{1644C6A4-D0E3-4A58-B3B6-75287851F544}" type="datetimeFigureOut">
               <a:rPr lang="en-US" smtClean="0"/>
-              <a:t>4/25/2016</a:t>
+              <a:t>4/26/2016</a:t>
             </a:fld>
             <a:endParaRPr lang="en-US"/>
           </a:p>
@@ -2531,7 +1386,7 @@
           <a:p>
             <a:fld id="{1644C6A4-D0E3-4A58-B3B6-75287851F544}" type="datetimeFigureOut">
               <a:rPr lang="en-US" smtClean="0"/>
-              <a:t>4/25/2016</a:t>
+              <a:t>4/26/2016</a:t>
             </a:fld>
             <a:endParaRPr lang="en-US"/>
           </a:p>
@@ -2953,7 +1808,7 @@
           <a:p>
             <a:fld id="{1644C6A4-D0E3-4A58-B3B6-75287851F544}" type="datetimeFigureOut">
               <a:rPr lang="en-US" smtClean="0"/>
-              <a:t>4/25/2016</a:t>
+              <a:t>4/26/2016</a:t>
             </a:fld>
             <a:endParaRPr lang="en-US"/>
           </a:p>
@@ -3071,7 +1926,7 @@
           <a:p>
             <a:fld id="{1644C6A4-D0E3-4A58-B3B6-75287851F544}" type="datetimeFigureOut">
               <a:rPr lang="en-US" smtClean="0"/>
-              <a:t>4/25/2016</a:t>
+              <a:t>4/26/2016</a:t>
             </a:fld>
             <a:endParaRPr lang="en-US"/>
           </a:p>
@@ -3166,7 +2021,7 @@
           <a:p>
             <a:fld id="{1644C6A4-D0E3-4A58-B3B6-75287851F544}" type="datetimeFigureOut">
               <a:rPr lang="en-US" smtClean="0"/>
-              <a:t>4/25/2016</a:t>
+              <a:t>4/26/2016</a:t>
             </a:fld>
             <a:endParaRPr lang="en-US"/>
           </a:p>
@@ -3443,7 +2298,7 @@
           <a:p>
             <a:fld id="{1644C6A4-D0E3-4A58-B3B6-75287851F544}" type="datetimeFigureOut">
               <a:rPr lang="en-US" smtClean="0"/>
-              <a:t>4/25/2016</a:t>
+              <a:t>4/26/2016</a:t>
             </a:fld>
             <a:endParaRPr lang="en-US"/>
           </a:p>
@@ -3696,7 +2551,7 @@
           <a:p>
             <a:fld id="{1644C6A4-D0E3-4A58-B3B6-75287851F544}" type="datetimeFigureOut">
               <a:rPr lang="en-US" smtClean="0"/>
-              <a:t>4/25/2016</a:t>
+              <a:t>4/26/2016</a:t>
             </a:fld>
             <a:endParaRPr lang="en-US"/>
           </a:p>
@@ -3909,7 +2764,7 @@
           <a:p>
             <a:fld id="{1644C6A4-D0E3-4A58-B3B6-75287851F544}" type="datetimeFigureOut">
               <a:rPr lang="en-US" smtClean="0"/>
-              <a:t>4/25/2016</a:t>
+              <a:t>4/26/2016</a:t>
             </a:fld>
             <a:endParaRPr lang="en-US"/>
           </a:p>
@@ -4333,6 +3188,129 @@
           </a:p>
         </p:txBody>
       </p:sp>
+      <p:pic>
+        <p:nvPicPr>
+          <p:cNvPr id="4" name="Picture 2" descr="BBMC"/>
+          <p:cNvPicPr>
+            <a:picLocks noChangeAspect="1" noChangeArrowheads="1"/>
+          </p:cNvPicPr>
+          <p:nvPr/>
+        </p:nvPicPr>
+        <p:blipFill>
+          <a:blip r:embed="rId2" cstate="print">
+            <a:extLst>
+              <a:ext uri="{28A0092B-C50C-407E-A947-70E740481C1C}">
+                <a14:useLocalDpi xmlns:a14="http://schemas.microsoft.com/office/drawing/2010/main" val="0"/>
+              </a:ext>
+            </a:extLst>
+          </a:blip>
+          <a:srcRect/>
+          <a:stretch>
+            <a:fillRect/>
+          </a:stretch>
+        </p:blipFill>
+        <p:spPr bwMode="auto">
+          <a:xfrm>
+            <a:off x="1" y="12575"/>
+            <a:ext cx="1282826" cy="1282826"/>
+          </a:xfrm>
+          <a:prstGeom prst="rect">
+            <a:avLst/>
+          </a:prstGeom>
+          <a:noFill/>
+          <a:extLst>
+            <a:ext uri="{909E8E84-426E-40DD-AFC4-6F175D3DCCD1}">
+              <a14:hiddenFill xmlns:a14="http://schemas.microsoft.com/office/drawing/2010/main">
+                <a:solidFill>
+                  <a:srgbClr val="FFFFFF"/>
+                </a:solidFill>
+              </a14:hiddenFill>
+            </a:ext>
+          </a:extLst>
+        </p:spPr>
+      </p:pic>
+      <p:pic>
+        <p:nvPicPr>
+          <p:cNvPr id="5" name="Picture 4" descr="OSCTR"/>
+          <p:cNvPicPr>
+            <a:picLocks noChangeAspect="1" noChangeArrowheads="1"/>
+          </p:cNvPicPr>
+          <p:nvPr/>
+        </p:nvPicPr>
+        <p:blipFill>
+          <a:blip r:embed="rId3" cstate="print">
+            <a:extLst>
+              <a:ext uri="{28A0092B-C50C-407E-A947-70E740481C1C}">
+                <a14:useLocalDpi xmlns:a14="http://schemas.microsoft.com/office/drawing/2010/main" val="0"/>
+              </a:ext>
+            </a:extLst>
+          </a:blip>
+          <a:srcRect/>
+          <a:stretch>
+            <a:fillRect/>
+          </a:stretch>
+        </p:blipFill>
+        <p:spPr bwMode="auto">
+          <a:xfrm>
+            <a:off x="5976653" y="1"/>
+            <a:ext cx="3169250" cy="1295400"/>
+          </a:xfrm>
+          <a:prstGeom prst="rect">
+            <a:avLst/>
+          </a:prstGeom>
+          <a:noFill/>
+          <a:extLst>
+            <a:ext uri="{909E8E84-426E-40DD-AFC4-6F175D3DCCD1}">
+              <a14:hiddenFill xmlns:a14="http://schemas.microsoft.com/office/drawing/2010/main">
+                <a:solidFill>
+                  <a:srgbClr val="FFFFFF"/>
+                </a:solidFill>
+              </a14:hiddenFill>
+            </a:ext>
+          </a:extLst>
+        </p:spPr>
+      </p:pic>
+      <p:pic>
+        <p:nvPicPr>
+          <p:cNvPr id="6" name="Picture 6" descr="https://ouitservices.service-now.com/ess_portal/ou-it-logo.png"/>
+          <p:cNvPicPr>
+            <a:picLocks noChangeAspect="1" noChangeArrowheads="1"/>
+          </p:cNvPicPr>
+          <p:nvPr/>
+        </p:nvPicPr>
+        <p:blipFill>
+          <a:blip r:embed="rId4">
+            <a:extLst>
+              <a:ext uri="{28A0092B-C50C-407E-A947-70E740481C1C}">
+                <a14:useLocalDpi xmlns:a14="http://schemas.microsoft.com/office/drawing/2010/main" val="0"/>
+              </a:ext>
+            </a:extLst>
+          </a:blip>
+          <a:srcRect/>
+          <a:stretch>
+            <a:fillRect/>
+          </a:stretch>
+        </p:blipFill>
+        <p:spPr bwMode="auto">
+          <a:xfrm>
+            <a:off x="1504950" y="390525"/>
+            <a:ext cx="4514850" cy="523875"/>
+          </a:xfrm>
+          <a:prstGeom prst="rect">
+            <a:avLst/>
+          </a:prstGeom>
+          <a:noFill/>
+          <a:extLst>
+            <a:ext uri="{909E8E84-426E-40DD-AFC4-6F175D3DCCD1}">
+              <a14:hiddenFill xmlns:a14="http://schemas.microsoft.com/office/drawing/2010/main">
+                <a:solidFill>
+                  <a:srgbClr val="FFFFFF"/>
+                </a:solidFill>
+              </a14:hiddenFill>
+            </a:ext>
+          </a:extLst>
+        </p:spPr>
+      </p:pic>
     </p:spTree>
     <p:extLst>
       <p:ext uri="{BB962C8B-B14F-4D97-AF65-F5344CB8AC3E}">
@@ -4363,15 +3341,134 @@
           <a:chExt cx="0" cy="0"/>
         </a:xfrm>
       </p:grpSpPr>
+      <p:sp>
+        <p:nvSpPr>
+          <p:cNvPr id="2" name="Title 1"/>
+          <p:cNvSpPr>
+            <a:spLocks noGrp="1"/>
+          </p:cNvSpPr>
+          <p:nvPr>
+            <p:ph type="title"/>
+          </p:nvPr>
+        </p:nvSpPr>
+        <p:spPr/>
+        <p:txBody>
+          <a:bodyPr>
+            <a:normAutofit/>
+          </a:bodyPr>
+          <a:lstStyle/>
+          <a:p>
+            <a:r>
+              <a:rPr lang="en-US" dirty="0" smtClean="0"/>
+              <a:t>BBMC REDCap Use Statistics</a:t>
+            </a:r>
+            <a:endParaRPr lang="en-US" dirty="0"/>
+          </a:p>
+        </p:txBody>
+      </p:sp>
+      <p:sp>
+        <p:nvSpPr>
+          <p:cNvPr id="3" name="Content Placeholder 2"/>
+          <p:cNvSpPr>
+            <a:spLocks noGrp="1"/>
+          </p:cNvSpPr>
+          <p:nvPr>
+            <p:ph idx="1"/>
+          </p:nvPr>
+        </p:nvSpPr>
+        <p:spPr>
+          <a:xfrm>
+            <a:off x="457200" y="1600200"/>
+            <a:ext cx="8229600" cy="5181600"/>
+          </a:xfrm>
+        </p:spPr>
+        <p:txBody>
+          <a:bodyPr>
+            <a:normAutofit/>
+          </a:bodyPr>
+          <a:lstStyle/>
+          <a:p>
+            <a:pPr marL="0" indent="0">
+              <a:buNone/>
+            </a:pPr>
+            <a:r>
+              <a:rPr lang="en-US" dirty="0" smtClean="0"/>
+              <a:t>Users</a:t>
+            </a:r>
+          </a:p>
+          <a:p>
+            <a:pPr lvl="1"/>
+            <a:r>
+              <a:rPr lang="en-US" dirty="0" smtClean="0"/>
+              <a:t>300 Active Users</a:t>
+            </a:r>
+          </a:p>
+          <a:p>
+            <a:pPr lvl="1"/>
+            <a:r>
+              <a:rPr lang="en-US" dirty="0" smtClean="0"/>
+              <a:t>2,592,243 Total Logged Events</a:t>
+            </a:r>
+          </a:p>
+          <a:p>
+            <a:pPr lvl="2"/>
+            <a:r>
+              <a:rPr lang="en-US" dirty="0" smtClean="0"/>
+              <a:t>11,031 in the past 7 days</a:t>
+            </a:r>
+          </a:p>
+          <a:p>
+            <a:pPr lvl="2"/>
+            <a:r>
+              <a:rPr lang="en-US" dirty="0" smtClean="0"/>
+              <a:t>65,671 in the past 30 days</a:t>
+            </a:r>
+          </a:p>
+          <a:p>
+            <a:pPr marL="1371600" lvl="3" indent="0">
+              <a:buNone/>
+            </a:pPr>
+            <a:endParaRPr lang="en-US" dirty="0"/>
+          </a:p>
+        </p:txBody>
+      </p:sp>
+    </p:spTree>
+    <p:extLst>
+      <p:ext uri="{BB962C8B-B14F-4D97-AF65-F5344CB8AC3E}">
+        <p14:creationId xmlns:p14="http://schemas.microsoft.com/office/powerpoint/2010/main" val="2363140178"/>
+      </p:ext>
+    </p:extLst>
+  </p:cSld>
+  <p:clrMapOvr>
+    <a:masterClrMapping/>
+  </p:clrMapOvr>
+</p:sld>
+</file>
+
+<file path=ppt/slides/slide11.xml><?xml version="1.0" encoding="utf-8"?>
+<p:sld xmlns:a="http://schemas.openxmlformats.org/drawingml/2006/main" xmlns:r="http://schemas.openxmlformats.org/officeDocument/2006/relationships" xmlns:p="http://schemas.openxmlformats.org/presentationml/2006/main">
+  <p:cSld>
+    <p:spTree>
+      <p:nvGrpSpPr>
+        <p:cNvPr id="1" name=""/>
+        <p:cNvGrpSpPr/>
+        <p:nvPr/>
+      </p:nvGrpSpPr>
+      <p:grpSpPr>
+        <a:xfrm>
+          <a:off x="0" y="0"/>
+          <a:ext cx="0" cy="0"/>
+          <a:chOff x="0" y="0"/>
+          <a:chExt cx="0" cy="0"/>
+        </a:xfrm>
+      </p:grpSpPr>
       <p:pic>
         <p:nvPicPr>
-          <p:cNvPr id="4098" name="Picture 2"/>
+          <p:cNvPr id="4" name="Picture 2"/>
           <p:cNvPicPr>
-            <a:picLocks noGrp="1" noChangeAspect="1" noChangeArrowheads="1"/>
+            <a:picLocks noChangeAspect="1" noChangeArrowheads="1"/>
           </p:cNvPicPr>
-          <p:nvPr>
-            <p:ph idx="1"/>
-          </p:nvPr>
+          <p:nvPr/>
         </p:nvPicPr>
         <p:blipFill>
           <a:blip r:embed="rId2">
@@ -4388,8 +3485,8 @@
         </p:blipFill>
         <p:spPr bwMode="auto">
           <a:xfrm>
-            <a:off x="3258285" y="3505200"/>
-            <a:ext cx="5885715" cy="3304762"/>
+            <a:off x="228600" y="3505200"/>
+            <a:ext cx="5876191" cy="3209524"/>
           </a:xfrm>
           <a:prstGeom prst="rect">
             <a:avLst/>
@@ -4431,54 +3528,104 @@
       </p:pic>
       <p:sp>
         <p:nvSpPr>
-          <p:cNvPr id="5" name="Title 1"/>
-          <p:cNvSpPr txBox="1">
-            <a:spLocks/>
-          </p:cNvSpPr>
-          <p:nvPr/>
+          <p:cNvPr id="2" name="Title 1"/>
+          <p:cNvSpPr>
+            <a:spLocks noGrp="1"/>
+          </p:cNvSpPr>
+          <p:nvPr>
+            <p:ph type="title"/>
+          </p:nvPr>
         </p:nvSpPr>
         <p:spPr>
           <a:xfrm>
             <a:off x="0" y="116177"/>
             <a:ext cx="2743200" cy="1905000"/>
           </a:xfrm>
+        </p:spPr>
+        <p:txBody>
+          <a:bodyPr>
+            <a:normAutofit fontScale="90000"/>
+          </a:bodyPr>
+          <a:lstStyle/>
+          <a:p>
+            <a:r>
+              <a:rPr lang="en-US" dirty="0" smtClean="0"/>
+              <a:t>BBMC REDCap Use Statistics</a:t>
+            </a:r>
+            <a:endParaRPr lang="en-US" dirty="0"/>
+          </a:p>
+        </p:txBody>
+      </p:sp>
+      <p:pic>
+        <p:nvPicPr>
+          <p:cNvPr id="1026" name="Picture 2"/>
+          <p:cNvPicPr>
+            <a:picLocks noGrp="1" noChangeAspect="1" noChangeArrowheads="1"/>
+          </p:cNvPicPr>
+          <p:nvPr>
+            <p:ph idx="1"/>
+          </p:nvPr>
+        </p:nvPicPr>
+        <p:blipFill>
+          <a:blip r:embed="rId3">
+            <a:extLst>
+              <a:ext uri="{28A0092B-C50C-407E-A947-70E740481C1C}">
+                <a14:useLocalDpi xmlns:a14="http://schemas.microsoft.com/office/drawing/2010/main" val="0"/>
+              </a:ext>
+            </a:extLst>
+          </a:blip>
+          <a:srcRect/>
+          <a:stretch>
+            <a:fillRect/>
+          </a:stretch>
+        </p:blipFill>
+        <p:spPr bwMode="auto">
+          <a:xfrm>
+            <a:off x="3124200" y="116177"/>
+            <a:ext cx="5904762" cy="3276191"/>
+          </a:xfrm>
           <a:prstGeom prst="rect">
             <a:avLst/>
           </a:prstGeom>
-        </p:spPr>
-        <p:txBody>
-          <a:bodyPr vert="horz" lIns="91440" tIns="45720" rIns="91440" bIns="45720" rtlCol="0" anchor="ctr">
-            <a:normAutofit fontScale="90000" lnSpcReduction="10000"/>
-          </a:bodyPr>
-          <a:lstStyle>
-            <a:lvl1pPr algn="ctr" defTabSz="914400" rtl="0" eaLnBrk="1" latinLnBrk="0" hangingPunct="1">
-              <a:spcBef>
-                <a:spcPct val="0"/>
-              </a:spcBef>
-              <a:buNone/>
-              <a:defRPr sz="4400" kern="1200">
+          <a:noFill/>
+          <a:ln>
+            <a:noFill/>
+          </a:ln>
+          <a:effectLst/>
+          <a:extLst>
+            <a:ext uri="{909E8E84-426E-40DD-AFC4-6F175D3DCCD1}">
+              <a14:hiddenFill xmlns:a14="http://schemas.microsoft.com/office/drawing/2010/main">
+                <a:solidFill>
+                  <a:schemeClr val="accent1"/>
+                </a:solidFill>
+              </a14:hiddenFill>
+            </a:ext>
+            <a:ext uri="{91240B29-F687-4F45-9708-019B960494DF}">
+              <a14:hiddenLine xmlns:a14="http://schemas.microsoft.com/office/drawing/2010/main" w="9525">
                 <a:solidFill>
                   <a:schemeClr val="tx1"/>
                 </a:solidFill>
-                <a:latin typeface="+mj-lt"/>
-                <a:ea typeface="+mj-ea"/>
-                <a:cs typeface="+mj-cs"/>
-              </a:defRPr>
-            </a:lvl1pPr>
-          </a:lstStyle>
-          <a:p>
-            <a:r>
-              <a:rPr lang="en-US" smtClean="0"/>
-              <a:t>BBMC REDCap Use Statistics</a:t>
-            </a:r>
-            <a:endParaRPr lang="en-US" dirty="0"/>
-          </a:p>
-        </p:txBody>
-      </p:sp>
+                <a:miter lim="800000"/>
+                <a:headEnd/>
+                <a:tailEnd/>
+              </a14:hiddenLine>
+            </a:ext>
+            <a:ext uri="{AF507438-7753-43E0-B8FC-AC1667EBCBE1}">
+              <a14:hiddenEffects xmlns:a14="http://schemas.microsoft.com/office/drawing/2010/main">
+                <a:effectLst>
+                  <a:outerShdw dist="35921" dir="2700000" algn="ctr" rotWithShape="0">
+                    <a:schemeClr val="bg2"/>
+                  </a:outerShdw>
+                </a:effectLst>
+              </a14:hiddenEffects>
+            </a:ext>
+          </a:extLst>
+        </p:spPr>
+      </p:pic>
     </p:spTree>
     <p:extLst>
       <p:ext uri="{BB962C8B-B14F-4D97-AF65-F5344CB8AC3E}">
-        <p14:creationId xmlns:p14="http://schemas.microsoft.com/office/powerpoint/2010/main" val="1080835116"/>
+        <p14:creationId xmlns:p14="http://schemas.microsoft.com/office/powerpoint/2010/main" val="1398375086"/>
       </p:ext>
     </p:extLst>
   </p:cSld>
@@ -4488,7 +3635,7 @@
 </p:sld>
 </file>
 
-<file path=ppt/slides/slide11.xml><?xml version="1.0" encoding="utf-8"?>
+<file path=ppt/slides/slide12.xml><?xml version="1.0" encoding="utf-8"?>
 <p:sld xmlns:a="http://schemas.openxmlformats.org/drawingml/2006/main" xmlns:r="http://schemas.openxmlformats.org/officeDocument/2006/relationships" xmlns:p="http://schemas.openxmlformats.org/presentationml/2006/main">
   <p:cSld>
     <p:spTree>
@@ -4505,6 +3652,148 @@
           <a:chExt cx="0" cy="0"/>
         </a:xfrm>
       </p:grpSpPr>
+      <p:pic>
+        <p:nvPicPr>
+          <p:cNvPr id="4098" name="Picture 2"/>
+          <p:cNvPicPr>
+            <a:picLocks noGrp="1" noChangeAspect="1" noChangeArrowheads="1"/>
+          </p:cNvPicPr>
+          <p:nvPr>
+            <p:ph idx="1"/>
+          </p:nvPr>
+        </p:nvPicPr>
+        <p:blipFill>
+          <a:blip r:embed="rId2">
+            <a:extLst>
+              <a:ext uri="{28A0092B-C50C-407E-A947-70E740481C1C}">
+                <a14:useLocalDpi xmlns:a14="http://schemas.microsoft.com/office/drawing/2010/main" val="0"/>
+              </a:ext>
+            </a:extLst>
+          </a:blip>
+          <a:srcRect/>
+          <a:stretch>
+            <a:fillRect/>
+          </a:stretch>
+        </p:blipFill>
+        <p:spPr bwMode="auto">
+          <a:xfrm>
+            <a:off x="1222625" y="2362200"/>
+            <a:ext cx="7921375" cy="4447762"/>
+          </a:xfrm>
+          <a:prstGeom prst="rect">
+            <a:avLst/>
+          </a:prstGeom>
+          <a:noFill/>
+          <a:ln>
+            <a:noFill/>
+          </a:ln>
+          <a:effectLst/>
+          <a:extLst>
+            <a:ext uri="{909E8E84-426E-40DD-AFC4-6F175D3DCCD1}">
+              <a14:hiddenFill xmlns:a14="http://schemas.microsoft.com/office/drawing/2010/main">
+                <a:solidFill>
+                  <a:schemeClr val="accent1"/>
+                </a:solidFill>
+              </a14:hiddenFill>
+            </a:ext>
+            <a:ext uri="{91240B29-F687-4F45-9708-019B960494DF}">
+              <a14:hiddenLine xmlns:a14="http://schemas.microsoft.com/office/drawing/2010/main" w="9525">
+                <a:solidFill>
+                  <a:schemeClr val="tx1"/>
+                </a:solidFill>
+                <a:miter lim="800000"/>
+                <a:headEnd/>
+                <a:tailEnd/>
+              </a14:hiddenLine>
+            </a:ext>
+            <a:ext uri="{AF507438-7753-43E0-B8FC-AC1667EBCBE1}">
+              <a14:hiddenEffects xmlns:a14="http://schemas.microsoft.com/office/drawing/2010/main">
+                <a:effectLst>
+                  <a:outerShdw dist="35921" dir="2700000" algn="ctr" rotWithShape="0">
+                    <a:schemeClr val="bg2"/>
+                  </a:outerShdw>
+                </a:effectLst>
+              </a14:hiddenEffects>
+            </a:ext>
+          </a:extLst>
+        </p:spPr>
+      </p:pic>
+      <p:sp>
+        <p:nvSpPr>
+          <p:cNvPr id="5" name="Title 1"/>
+          <p:cNvSpPr txBox="1">
+            <a:spLocks/>
+          </p:cNvSpPr>
+          <p:nvPr/>
+        </p:nvSpPr>
+        <p:spPr>
+          <a:xfrm>
+            <a:off x="0" y="116177"/>
+            <a:ext cx="2743200" cy="1905000"/>
+          </a:xfrm>
+          <a:prstGeom prst="rect">
+            <a:avLst/>
+          </a:prstGeom>
+        </p:spPr>
+        <p:txBody>
+          <a:bodyPr vert="horz" lIns="91440" tIns="45720" rIns="91440" bIns="45720" rtlCol="0" anchor="ctr">
+            <a:normAutofit fontScale="90000" lnSpcReduction="10000"/>
+          </a:bodyPr>
+          <a:lstStyle>
+            <a:lvl1pPr algn="ctr" defTabSz="914400" rtl="0" eaLnBrk="1" latinLnBrk="0" hangingPunct="1">
+              <a:spcBef>
+                <a:spcPct val="0"/>
+              </a:spcBef>
+              <a:buNone/>
+              <a:defRPr sz="4400" kern="1200">
+                <a:solidFill>
+                  <a:schemeClr val="tx1"/>
+                </a:solidFill>
+                <a:latin typeface="+mj-lt"/>
+                <a:ea typeface="+mj-ea"/>
+                <a:cs typeface="+mj-cs"/>
+              </a:defRPr>
+            </a:lvl1pPr>
+          </a:lstStyle>
+          <a:p>
+            <a:r>
+              <a:rPr lang="en-US" smtClean="0"/>
+              <a:t>BBMC REDCap Use Statistics</a:t>
+            </a:r>
+            <a:endParaRPr lang="en-US" dirty="0"/>
+          </a:p>
+        </p:txBody>
+      </p:sp>
+    </p:spTree>
+    <p:extLst>
+      <p:ext uri="{BB962C8B-B14F-4D97-AF65-F5344CB8AC3E}">
+        <p14:creationId xmlns:p14="http://schemas.microsoft.com/office/powerpoint/2010/main" val="1080835116"/>
+      </p:ext>
+    </p:extLst>
+  </p:cSld>
+  <p:clrMapOvr>
+    <a:masterClrMapping/>
+  </p:clrMapOvr>
+</p:sld>
+</file>
+
+<file path=ppt/slides/slide13.xml><?xml version="1.0" encoding="utf-8"?>
+<p:sld xmlns:a="http://schemas.openxmlformats.org/drawingml/2006/main" xmlns:r="http://schemas.openxmlformats.org/officeDocument/2006/relationships" xmlns:p="http://schemas.openxmlformats.org/presentationml/2006/main">
+  <p:cSld>
+    <p:spTree>
+      <p:nvGrpSpPr>
+        <p:cNvPr id="1" name=""/>
+        <p:cNvGrpSpPr/>
+        <p:nvPr/>
+      </p:nvGrpSpPr>
+      <p:grpSpPr>
+        <a:xfrm>
+          <a:off x="0" y="0"/>
+          <a:ext cx="0" cy="0"/>
+          <a:chOff x="0" y="0"/>
+          <a:chExt cx="0" cy="0"/>
+        </a:xfrm>
+      </p:grpSpPr>
       <p:sp>
         <p:nvSpPr>
           <p:cNvPr id="2" name="Title 1"/>
@@ -4552,6 +3841,9 @@
           </a:bodyPr>
           <a:lstStyle/>
           <a:p>
+            <a:pPr marL="0" indent="0">
+              <a:buNone/>
+            </a:pPr>
             <a:r>
               <a:rPr lang="en-US" dirty="0" smtClean="0"/>
               <a:t>47 Production Projects</a:t>
@@ -4570,12 +3862,6 @@
               <a:rPr lang="en-US" dirty="0" smtClean="0"/>
               <a:t>32 Operational Support</a:t>
             </a:r>
-          </a:p>
-          <a:p>
-            <a:pPr marL="1371600" lvl="3" indent="0">
-              <a:buNone/>
-            </a:pPr>
-            <a:endParaRPr lang="en-US" dirty="0" smtClean="0"/>
           </a:p>
           <a:p>
             <a:pPr marL="1371600" lvl="3" indent="0">
@@ -4584,6 +3870,9 @@
             <a:endParaRPr lang="en-US" dirty="0"/>
           </a:p>
           <a:p>
+            <a:pPr marL="0" indent="0">
+              <a:buNone/>
+            </a:pPr>
             <a:r>
               <a:rPr lang="en-US" dirty="0"/>
               <a:t>Users</a:t>
@@ -4644,7 +3933,7 @@
 </p:sld>
 </file>
 
-<file path=ppt/slides/slide12.xml><?xml version="1.0" encoding="utf-8"?>
+<file path=ppt/slides/slide14.xml><?xml version="1.0" encoding="utf-8"?>
 <p:sld xmlns:a="http://schemas.openxmlformats.org/drawingml/2006/main" xmlns:r="http://schemas.openxmlformats.org/officeDocument/2006/relationships" xmlns:p="http://schemas.openxmlformats.org/presentationml/2006/main">
   <p:cSld>
     <p:spTree>
@@ -4854,7 +4143,7 @@
 </p:sld>
 </file>
 
-<file path=ppt/slides/slide13.xml><?xml version="1.0" encoding="utf-8"?>
+<file path=ppt/slides/slide15.xml><?xml version="1.0" encoding="utf-8"?>
 <p:sld xmlns:a="http://schemas.openxmlformats.org/drawingml/2006/main" xmlns:r="http://schemas.openxmlformats.org/officeDocument/2006/relationships" xmlns:p="http://schemas.openxmlformats.org/presentationml/2006/main">
   <p:cSld>
     <p:spTree>
@@ -5000,7 +4289,203 @@
 </p:sld>
 </file>
 
-<file path=ppt/slides/slide14.xml><?xml version="1.0" encoding="utf-8"?>
+<file path=ppt/slides/slide16.xml><?xml version="1.0" encoding="utf-8"?>
+<p:sld xmlns:a="http://schemas.openxmlformats.org/drawingml/2006/main" xmlns:r="http://schemas.openxmlformats.org/officeDocument/2006/relationships" xmlns:p="http://schemas.openxmlformats.org/presentationml/2006/main">
+  <p:cSld>
+    <p:spTree>
+      <p:nvGrpSpPr>
+        <p:cNvPr id="1" name=""/>
+        <p:cNvGrpSpPr/>
+        <p:nvPr/>
+      </p:nvGrpSpPr>
+      <p:grpSpPr>
+        <a:xfrm>
+          <a:off x="0" y="0"/>
+          <a:ext cx="0" cy="0"/>
+          <a:chOff x="0" y="0"/>
+          <a:chExt cx="0" cy="0"/>
+        </a:xfrm>
+      </p:grpSpPr>
+      <p:sp>
+        <p:nvSpPr>
+          <p:cNvPr id="2" name="Title 1"/>
+          <p:cNvSpPr>
+            <a:spLocks noGrp="1"/>
+          </p:cNvSpPr>
+          <p:nvPr>
+            <p:ph type="title"/>
+          </p:nvPr>
+        </p:nvSpPr>
+        <p:spPr/>
+        <p:txBody>
+          <a:bodyPr>
+            <a:normAutofit fontScale="90000"/>
+          </a:bodyPr>
+          <a:lstStyle/>
+          <a:p>
+            <a:r>
+              <a:rPr lang="en-US" dirty="0" smtClean="0"/>
+              <a:t>Finalized Support Contract</a:t>
+            </a:r>
+            <a:br>
+              <a:rPr lang="en-US" dirty="0" smtClean="0"/>
+            </a:br>
+            <a:r>
+              <a:rPr lang="en-US" dirty="0" smtClean="0"/>
+              <a:t>Highlights</a:t>
+            </a:r>
+            <a:endParaRPr lang="en-US" dirty="0"/>
+          </a:p>
+        </p:txBody>
+      </p:sp>
+      <p:sp>
+        <p:nvSpPr>
+          <p:cNvPr id="3" name="Content Placeholder 2"/>
+          <p:cNvSpPr>
+            <a:spLocks noGrp="1"/>
+          </p:cNvSpPr>
+          <p:nvPr>
+            <p:ph idx="1"/>
+          </p:nvPr>
+        </p:nvSpPr>
+        <p:spPr/>
+        <p:txBody>
+          <a:bodyPr>
+            <a:noAutofit/>
+          </a:bodyPr>
+          <a:lstStyle/>
+          <a:p>
+            <a:pPr marL="0" indent="0">
+              <a:buNone/>
+            </a:pPr>
+            <a:r>
+              <a:rPr lang="en-US" sz="2000" dirty="0" err="1" smtClean="0"/>
+              <a:t>REDCap</a:t>
+            </a:r>
+            <a:r>
+              <a:rPr lang="en-US" sz="2000" dirty="0" smtClean="0"/>
+              <a:t> team (BBMC &amp; BERD) manages application operation and access</a:t>
+            </a:r>
+          </a:p>
+          <a:p>
+            <a:pPr marL="0" indent="0">
+              <a:buNone/>
+            </a:pPr>
+            <a:endParaRPr lang="en-US" sz="2000" dirty="0" smtClean="0"/>
+          </a:p>
+          <a:p>
+            <a:pPr marL="0" indent="0">
+              <a:buNone/>
+            </a:pPr>
+            <a:r>
+              <a:rPr lang="en-US" sz="2000" dirty="0" smtClean="0"/>
+              <a:t>IT Service Desk troubleshoots HSC account issues</a:t>
+            </a:r>
+          </a:p>
+          <a:p>
+            <a:pPr marL="0" indent="0">
+              <a:buNone/>
+            </a:pPr>
+            <a:endParaRPr lang="en-US" sz="2000" dirty="0"/>
+          </a:p>
+          <a:p>
+            <a:pPr marL="0" indent="0">
+              <a:buNone/>
+            </a:pPr>
+            <a:r>
+              <a:rPr lang="en-US" sz="2000" dirty="0"/>
+              <a:t>Daily backups performed using VM snapshots (15-day retention)</a:t>
+            </a:r>
+          </a:p>
+          <a:p>
+            <a:pPr marL="0" indent="0">
+              <a:buNone/>
+            </a:pPr>
+            <a:endParaRPr lang="en-US" sz="2000" dirty="0" smtClean="0"/>
+          </a:p>
+          <a:p>
+            <a:pPr marL="0" indent="0">
+              <a:buNone/>
+            </a:pPr>
+            <a:r>
+              <a:rPr lang="en-US" sz="2000" dirty="0" err="1" smtClean="0"/>
+              <a:t>REDCap</a:t>
+            </a:r>
+            <a:r>
+              <a:rPr lang="en-US" sz="2000" dirty="0" smtClean="0"/>
+              <a:t> team monthly update/patching process for application</a:t>
+            </a:r>
+          </a:p>
+          <a:p>
+            <a:pPr marL="0" indent="0">
+              <a:buNone/>
+            </a:pPr>
+            <a:endParaRPr lang="en-US" sz="2000" dirty="0" smtClean="0"/>
+          </a:p>
+          <a:p>
+            <a:pPr marL="0" indent="0">
+              <a:buNone/>
+            </a:pPr>
+            <a:r>
+              <a:rPr lang="en-US" sz="2000" dirty="0" smtClean="0"/>
+              <a:t>IT manages updates to the application stack</a:t>
+            </a:r>
+          </a:p>
+          <a:p>
+            <a:pPr lvl="1"/>
+            <a:r>
+              <a:rPr lang="en-US" sz="1800" dirty="0" smtClean="0"/>
+              <a:t>Monthly OS patches, </a:t>
+            </a:r>
+            <a:r>
+              <a:rPr lang="en-US" sz="1800" dirty="0" smtClean="0">
+                <a:latin typeface="Cambria" panose="02040503050406030204" pitchFamily="18" charset="0"/>
+              </a:rPr>
+              <a:t>patches/updates/upgrades to PHP &amp; MySQL, routine vulnerability scans</a:t>
+            </a:r>
+          </a:p>
+          <a:p>
+            <a:pPr marL="0" indent="0">
+              <a:buNone/>
+            </a:pPr>
+            <a:endParaRPr lang="en-US" sz="2000" dirty="0">
+              <a:latin typeface="Cambria" panose="02040503050406030204" pitchFamily="18" charset="0"/>
+            </a:endParaRPr>
+          </a:p>
+          <a:p>
+            <a:pPr marL="0" indent="0">
+              <a:buNone/>
+            </a:pPr>
+            <a:r>
+              <a:rPr lang="en-US" sz="2000" dirty="0" smtClean="0"/>
+              <a:t>Backup &amp;recovery tested annually by IT and </a:t>
+            </a:r>
+            <a:r>
+              <a:rPr lang="en-US" sz="2000" dirty="0" err="1" smtClean="0"/>
+              <a:t>REDCap</a:t>
+            </a:r>
+            <a:r>
+              <a:rPr lang="en-US" sz="2000" dirty="0" smtClean="0"/>
+              <a:t> teams </a:t>
+            </a:r>
+            <a:endParaRPr lang="en-US" sz="2000" dirty="0"/>
+          </a:p>
+        </p:txBody>
+      </p:sp>
+    </p:spTree>
+    <p:extLst>
+      <p:ext uri="{BB962C8B-B14F-4D97-AF65-F5344CB8AC3E}">
+        <p14:creationId xmlns:p14="http://schemas.microsoft.com/office/powerpoint/2010/main" val="112835714"/>
+      </p:ext>
+    </p:extLst>
+  </p:cSld>
+  <p:clrMapOvr>
+    <a:masterClrMapping/>
+  </p:clrMapOvr>
+</p:sld>
+</file>
+
+<file path=ppt/slides/slide17.xml><?xml version="1.0" encoding="utf-8"?>
 <p:sld xmlns:a="http://schemas.openxmlformats.org/drawingml/2006/main" xmlns:r="http://schemas.openxmlformats.org/officeDocument/2006/relationships" xmlns:p="http://schemas.openxmlformats.org/presentationml/2006/main">
   <p:cSld>
     <p:spTree>
@@ -5106,7 +4591,7 @@
 </p:sld>
 </file>
 
-<file path=ppt/slides/slide15.xml><?xml version="1.0" encoding="utf-8"?>
+<file path=ppt/slides/slide18.xml><?xml version="1.0" encoding="utf-8"?>
 <p:sld xmlns:a="http://schemas.openxmlformats.org/drawingml/2006/main" xmlns:r="http://schemas.openxmlformats.org/officeDocument/2006/relationships" xmlns:p="http://schemas.openxmlformats.org/presentationml/2006/main">
   <p:cSld>
     <p:spTree>
@@ -5212,273 +4697,6 @@
 </p:sld>
 </file>
 
-<file path=ppt/slides/slide16.xml><?xml version="1.0" encoding="utf-8"?>
-<p:sld xmlns:a="http://schemas.openxmlformats.org/drawingml/2006/main" xmlns:r="http://schemas.openxmlformats.org/officeDocument/2006/relationships" xmlns:p="http://schemas.openxmlformats.org/presentationml/2006/main">
-  <p:cSld>
-    <p:spTree>
-      <p:nvGrpSpPr>
-        <p:cNvPr id="1" name=""/>
-        <p:cNvGrpSpPr/>
-        <p:nvPr/>
-      </p:nvGrpSpPr>
-      <p:grpSpPr>
-        <a:xfrm>
-          <a:off x="0" y="0"/>
-          <a:ext cx="0" cy="0"/>
-          <a:chOff x="0" y="0"/>
-          <a:chExt cx="0" cy="0"/>
-        </a:xfrm>
-      </p:grpSpPr>
-      <p:sp>
-        <p:nvSpPr>
-          <p:cNvPr id="2" name="Title 1"/>
-          <p:cNvSpPr>
-            <a:spLocks noGrp="1"/>
-          </p:cNvSpPr>
-          <p:nvPr>
-            <p:ph type="title"/>
-          </p:nvPr>
-        </p:nvSpPr>
-        <p:spPr/>
-        <p:txBody>
-          <a:bodyPr>
-            <a:normAutofit/>
-          </a:bodyPr>
-          <a:lstStyle/>
-          <a:p>
-            <a:r>
-              <a:rPr lang="en-US" dirty="0" smtClean="0"/>
-              <a:t>BBMC REDCap Use Statistics</a:t>
-            </a:r>
-            <a:endParaRPr lang="en-US" dirty="0"/>
-          </a:p>
-        </p:txBody>
-      </p:sp>
-      <p:sp>
-        <p:nvSpPr>
-          <p:cNvPr id="3" name="Content Placeholder 2"/>
-          <p:cNvSpPr>
-            <a:spLocks noGrp="1"/>
-          </p:cNvSpPr>
-          <p:nvPr>
-            <p:ph idx="1"/>
-          </p:nvPr>
-        </p:nvSpPr>
-        <p:spPr>
-          <a:xfrm>
-            <a:off x="457200" y="1600200"/>
-            <a:ext cx="8229600" cy="5181600"/>
-          </a:xfrm>
-        </p:spPr>
-        <p:txBody>
-          <a:bodyPr>
-            <a:normAutofit lnSpcReduction="10000"/>
-          </a:bodyPr>
-          <a:lstStyle/>
-          <a:p>
-            <a:r>
-              <a:rPr lang="en-US" dirty="0" smtClean="0"/>
-              <a:t>New Support Needs</a:t>
-            </a:r>
-          </a:p>
-          <a:p>
-            <a:pPr lvl="1"/>
-            <a:r>
-              <a:rPr lang="en-US" dirty="0" smtClean="0"/>
-              <a:t>Hooks and Plugins: PHP scripts utilized by REDCap, that are placed on the REDCap web server so they can be utilized by REDCap</a:t>
-            </a:r>
-          </a:p>
-          <a:p>
-            <a:pPr lvl="2"/>
-            <a:r>
-              <a:rPr lang="en-US" dirty="0" smtClean="0"/>
-              <a:t>Hook: a PHP function with a designated name, in which the hook gets executed in a predetermined location inside REDCap</a:t>
-            </a:r>
-          </a:p>
-          <a:p>
-            <a:pPr lvl="2"/>
-            <a:r>
-              <a:rPr lang="en-US" dirty="0" smtClean="0"/>
-              <a:t>Plugin: a custom PHP script or collection of PHP scripts that exist independently of, but work in conjunction with, the REDCap base code</a:t>
-            </a:r>
-          </a:p>
-          <a:p>
-            <a:pPr lvl="2"/>
-            <a:r>
-              <a:rPr lang="en-US" dirty="0" smtClean="0"/>
-              <a:t>Responsibility for Hooks and Plugs is solely on the host institution (OUHSC) and Vanderbilt provides no official support for these capabilities.</a:t>
-            </a:r>
-            <a:endParaRPr lang="en-US" dirty="0"/>
-          </a:p>
-        </p:txBody>
-      </p:sp>
-    </p:spTree>
-    <p:extLst>
-      <p:ext uri="{BB962C8B-B14F-4D97-AF65-F5344CB8AC3E}">
-        <p14:creationId xmlns:p14="http://schemas.microsoft.com/office/powerpoint/2010/main" val="2844060334"/>
-      </p:ext>
-    </p:extLst>
-  </p:cSld>
-  <p:clrMapOvr>
-    <a:masterClrMapping/>
-  </p:clrMapOvr>
-</p:sld>
-</file>
-
-<file path=ppt/slides/slide17.xml><?xml version="1.0" encoding="utf-8"?>
-<p:sld xmlns:a="http://schemas.openxmlformats.org/drawingml/2006/main" xmlns:r="http://schemas.openxmlformats.org/officeDocument/2006/relationships" xmlns:p="http://schemas.openxmlformats.org/presentationml/2006/main">
-  <p:cSld>
-    <p:spTree>
-      <p:nvGrpSpPr>
-        <p:cNvPr id="1" name=""/>
-        <p:cNvGrpSpPr/>
-        <p:nvPr/>
-      </p:nvGrpSpPr>
-      <p:grpSpPr>
-        <a:xfrm>
-          <a:off x="0" y="0"/>
-          <a:ext cx="0" cy="0"/>
-          <a:chOff x="0" y="0"/>
-          <a:chExt cx="0" cy="0"/>
-        </a:xfrm>
-      </p:grpSpPr>
-      <p:sp>
-        <p:nvSpPr>
-          <p:cNvPr id="2" name="Title 1"/>
-          <p:cNvSpPr>
-            <a:spLocks noGrp="1"/>
-          </p:cNvSpPr>
-          <p:nvPr>
-            <p:ph type="title"/>
-          </p:nvPr>
-        </p:nvSpPr>
-        <p:spPr/>
-        <p:txBody>
-          <a:bodyPr/>
-          <a:lstStyle/>
-          <a:p>
-            <a:r>
-              <a:rPr lang="en-US" dirty="0"/>
-              <a:t>REDCap 2013 Consortium Survey</a:t>
-            </a:r>
-          </a:p>
-        </p:txBody>
-      </p:sp>
-      <p:graphicFrame>
-        <p:nvGraphicFramePr>
-          <p:cNvPr id="4" name="Content Placeholder 3"/>
-          <p:cNvGraphicFramePr>
-            <a:graphicFrameLocks noGrp="1"/>
-          </p:cNvGraphicFramePr>
-          <p:nvPr>
-            <p:ph idx="1"/>
-            <p:extLst>
-              <p:ext uri="{D42A27DB-BD31-4B8C-83A1-F6EECF244321}">
-                <p14:modId xmlns:p14="http://schemas.microsoft.com/office/powerpoint/2010/main" val="2237247202"/>
-              </p:ext>
-            </p:extLst>
-          </p:nvPr>
-        </p:nvGraphicFramePr>
-        <p:xfrm>
-          <a:off x="457200" y="1600200"/>
-          <a:ext cx="8229600" cy="4525963"/>
-        </p:xfrm>
-        <a:graphic>
-          <a:graphicData uri="http://schemas.openxmlformats.org/drawingml/2006/chart">
-            <c:chart xmlns:c="http://schemas.openxmlformats.org/drawingml/2006/chart" xmlns:r="http://schemas.openxmlformats.org/officeDocument/2006/relationships" r:id="rId2"/>
-          </a:graphicData>
-        </a:graphic>
-      </p:graphicFrame>
-    </p:spTree>
-    <p:extLst>
-      <p:ext uri="{BB962C8B-B14F-4D97-AF65-F5344CB8AC3E}">
-        <p14:creationId xmlns:p14="http://schemas.microsoft.com/office/powerpoint/2010/main" val="2833730363"/>
-      </p:ext>
-    </p:extLst>
-  </p:cSld>
-  <p:clrMapOvr>
-    <a:masterClrMapping/>
-  </p:clrMapOvr>
-</p:sld>
-</file>
-
-<file path=ppt/slides/slide18.xml><?xml version="1.0" encoding="utf-8"?>
-<p:sld xmlns:a="http://schemas.openxmlformats.org/drawingml/2006/main" xmlns:r="http://schemas.openxmlformats.org/officeDocument/2006/relationships" xmlns:p="http://schemas.openxmlformats.org/presentationml/2006/main">
-  <p:cSld>
-    <p:spTree>
-      <p:nvGrpSpPr>
-        <p:cNvPr id="1" name=""/>
-        <p:cNvGrpSpPr/>
-        <p:nvPr/>
-      </p:nvGrpSpPr>
-      <p:grpSpPr>
-        <a:xfrm>
-          <a:off x="0" y="0"/>
-          <a:ext cx="0" cy="0"/>
-          <a:chOff x="0" y="0"/>
-          <a:chExt cx="0" cy="0"/>
-        </a:xfrm>
-      </p:grpSpPr>
-      <p:sp>
-        <p:nvSpPr>
-          <p:cNvPr id="2" name="Title 1"/>
-          <p:cNvSpPr>
-            <a:spLocks noGrp="1"/>
-          </p:cNvSpPr>
-          <p:nvPr>
-            <p:ph type="title"/>
-          </p:nvPr>
-        </p:nvSpPr>
-        <p:spPr/>
-        <p:txBody>
-          <a:bodyPr/>
-          <a:lstStyle/>
-          <a:p>
-            <a:r>
-              <a:rPr lang="en-US" dirty="0"/>
-              <a:t>REDCap 2013 Consortium Survey</a:t>
-            </a:r>
-          </a:p>
-        </p:txBody>
-      </p:sp>
-      <p:graphicFrame>
-        <p:nvGraphicFramePr>
-          <p:cNvPr id="7" name="Content Placeholder 6"/>
-          <p:cNvGraphicFramePr>
-            <a:graphicFrameLocks noGrp="1"/>
-          </p:cNvGraphicFramePr>
-          <p:nvPr>
-            <p:ph idx="1"/>
-            <p:extLst>
-              <p:ext uri="{D42A27DB-BD31-4B8C-83A1-F6EECF244321}">
-                <p14:modId xmlns:p14="http://schemas.microsoft.com/office/powerpoint/2010/main" val="977650390"/>
-              </p:ext>
-            </p:extLst>
-          </p:nvPr>
-        </p:nvGraphicFramePr>
-        <p:xfrm>
-          <a:off x="457200" y="1600200"/>
-          <a:ext cx="8229600" cy="4525963"/>
-        </p:xfrm>
-        <a:graphic>
-          <a:graphicData uri="http://schemas.openxmlformats.org/drawingml/2006/chart">
-            <c:chart xmlns:c="http://schemas.openxmlformats.org/drawingml/2006/chart" xmlns:r="http://schemas.openxmlformats.org/officeDocument/2006/relationships" r:id="rId2"/>
-          </a:graphicData>
-        </a:graphic>
-      </p:graphicFrame>
-    </p:spTree>
-    <p:extLst>
-      <p:ext uri="{BB962C8B-B14F-4D97-AF65-F5344CB8AC3E}">
-        <p14:creationId xmlns:p14="http://schemas.microsoft.com/office/powerpoint/2010/main" val="638799016"/>
-      </p:ext>
-    </p:extLst>
-  </p:cSld>
-  <p:clrMapOvr>
-    <a:masterClrMapping/>
-  </p:clrMapOvr>
-</p:sld>
-</file>
-
 <file path=ppt/slides/slide19.xml><?xml version="1.0" encoding="utf-8"?>
 <p:sld xmlns:a="http://schemas.openxmlformats.org/drawingml/2006/main" xmlns:r="http://schemas.openxmlformats.org/officeDocument/2006/relationships" xmlns:p="http://schemas.openxmlformats.org/presentationml/2006/main">
   <p:cSld>
@@ -5513,40 +4731,155 @@
           <a:p>
             <a:r>
               <a:rPr lang="en-US" dirty="0"/>
-              <a:t>REDCap 2013 Consortium Survey</a:t>
-            </a:r>
-          </a:p>
-        </p:txBody>
-      </p:sp>
-      <p:graphicFrame>
-        <p:nvGraphicFramePr>
-          <p:cNvPr id="5" name="Content Placeholder 4"/>
-          <p:cNvGraphicFramePr>
-            <a:graphicFrameLocks noGrp="1"/>
-          </p:cNvGraphicFramePr>
+              <a:t>Support Contract </a:t>
+            </a:r>
+            <a:r>
+              <a:rPr lang="en-US" dirty="0" smtClean="0"/>
+              <a:t>Changes:</a:t>
+            </a:r>
+            <a:endParaRPr lang="en-US" dirty="0"/>
+          </a:p>
+        </p:txBody>
+      </p:sp>
+      <p:sp>
+        <p:nvSpPr>
+          <p:cNvPr id="3" name="Content Placeholder 2"/>
+          <p:cNvSpPr>
+            <a:spLocks noGrp="1"/>
+          </p:cNvSpPr>
           <p:nvPr>
             <p:ph idx="1"/>
-            <p:extLst>
-              <p:ext uri="{D42A27DB-BD31-4B8C-83A1-F6EECF244321}">
-                <p14:modId xmlns:p14="http://schemas.microsoft.com/office/powerpoint/2010/main" val="307573476"/>
-              </p:ext>
-            </p:extLst>
-          </p:nvPr>
-        </p:nvGraphicFramePr>
-        <p:xfrm>
-          <a:off x="457200" y="1600200"/>
-          <a:ext cx="8229600" cy="4525963"/>
-        </p:xfrm>
-        <a:graphic>
-          <a:graphicData uri="http://schemas.openxmlformats.org/drawingml/2006/chart">
-            <c:chart xmlns:c="http://schemas.openxmlformats.org/drawingml/2006/chart" xmlns:r="http://schemas.openxmlformats.org/officeDocument/2006/relationships" r:id="rId2"/>
-          </a:graphicData>
-        </a:graphic>
-      </p:graphicFrame>
+          </p:nvPr>
+        </p:nvSpPr>
+        <p:spPr/>
+        <p:txBody>
+          <a:bodyPr>
+            <a:normAutofit fontScale="70000" lnSpcReduction="20000"/>
+          </a:bodyPr>
+          <a:lstStyle/>
+          <a:p>
+            <a:pPr marL="0" indent="0">
+              <a:buNone/>
+            </a:pPr>
+            <a:r>
+              <a:rPr lang="en-US" dirty="0" smtClean="0"/>
+              <a:t>Change </a:t>
+            </a:r>
+            <a:r>
+              <a:rPr lang="en-US" dirty="0"/>
+              <a:t>“Enterprise (operated by College of Public Health)” with “Enterprise (operated by OSCTR </a:t>
+            </a:r>
+            <a:r>
+              <a:rPr lang="en-US" dirty="0" smtClean="0"/>
+              <a:t>BERD)”</a:t>
+            </a:r>
+          </a:p>
+          <a:p>
+            <a:pPr marL="0" indent="0">
+              <a:buNone/>
+            </a:pPr>
+            <a:endParaRPr lang="en-US" dirty="0" smtClean="0"/>
+          </a:p>
+          <a:p>
+            <a:pPr marL="0" indent="0">
+              <a:buNone/>
+            </a:pPr>
+            <a:r>
+              <a:rPr lang="en-US" dirty="0" smtClean="0"/>
+              <a:t>Include costs: BBMC owes  </a:t>
+            </a:r>
+            <a:r>
+              <a:rPr lang="en-US" dirty="0"/>
+              <a:t>$273.32/month ($3279.84/year</a:t>
+            </a:r>
+            <a:r>
+              <a:rPr lang="en-US" dirty="0" smtClean="0"/>
+              <a:t>); BERD owes $546.63/month </a:t>
+            </a:r>
+            <a:r>
+              <a:rPr lang="en-US" dirty="0"/>
+              <a:t>($6559.56/year</a:t>
+            </a:r>
+            <a:r>
+              <a:rPr lang="en-US" dirty="0" smtClean="0"/>
+              <a:t>)</a:t>
+            </a:r>
+          </a:p>
+          <a:p>
+            <a:pPr marL="0" indent="0">
+              <a:buNone/>
+            </a:pPr>
+            <a:endParaRPr lang="en-US" dirty="0"/>
+          </a:p>
+          <a:p>
+            <a:pPr marL="0" indent="0">
+              <a:buNone/>
+            </a:pPr>
+            <a:r>
+              <a:rPr lang="en-US" dirty="0" smtClean="0"/>
+              <a:t>Specify </a:t>
+            </a:r>
+            <a:r>
+              <a:rPr lang="en-US" dirty="0"/>
+              <a:t>how frequently software will be updated for regular patches (and specify that critical patches will be updated immediately</a:t>
+            </a:r>
+            <a:r>
+              <a:rPr lang="en-US" dirty="0" smtClean="0"/>
+              <a:t>).</a:t>
+            </a:r>
+          </a:p>
+          <a:p>
+            <a:pPr lvl="1"/>
+            <a:r>
+              <a:rPr lang="en-US" dirty="0"/>
+              <a:t>Window OS (webserver and DB by Campus IT)</a:t>
+            </a:r>
+          </a:p>
+          <a:p>
+            <a:pPr lvl="1"/>
+            <a:r>
+              <a:rPr lang="en-US" dirty="0"/>
+              <a:t>IIS webserver (webserver by Campus IT)</a:t>
+            </a:r>
+          </a:p>
+          <a:p>
+            <a:pPr lvl="1"/>
+            <a:r>
+              <a:rPr lang="en-US" dirty="0"/>
+              <a:t>MySQL (DB by Campus IT)</a:t>
+            </a:r>
+          </a:p>
+          <a:p>
+            <a:pPr lvl="1"/>
+            <a:r>
+              <a:rPr lang="en-US" dirty="0"/>
+              <a:t>MySQL Workbench (DB by Campus IT)</a:t>
+            </a:r>
+          </a:p>
+          <a:p>
+            <a:pPr lvl="1"/>
+            <a:r>
+              <a:rPr lang="en-US" dirty="0" err="1"/>
+              <a:t>REDCap</a:t>
+            </a:r>
+            <a:r>
+              <a:rPr lang="en-US" dirty="0"/>
+              <a:t> (webserver and DB by Thomas/Pravina)</a:t>
+            </a:r>
+          </a:p>
+          <a:p>
+            <a:pPr lvl="1"/>
+            <a:endParaRPr lang="en-US" dirty="0"/>
+          </a:p>
+          <a:p>
+            <a:endParaRPr lang="en-US" dirty="0"/>
+          </a:p>
+        </p:txBody>
+      </p:sp>
     </p:spTree>
     <p:extLst>
       <p:ext uri="{BB962C8B-B14F-4D97-AF65-F5344CB8AC3E}">
-        <p14:creationId xmlns:p14="http://schemas.microsoft.com/office/powerpoint/2010/main" val="2833730363"/>
+        <p14:creationId xmlns:p14="http://schemas.microsoft.com/office/powerpoint/2010/main" val="1034389823"/>
       </p:ext>
     </p:extLst>
   </p:cSld>
@@ -5611,155 +4944,143 @@
         <p:spPr/>
         <p:txBody>
           <a:bodyPr>
-            <a:normAutofit fontScale="85000" lnSpcReduction="20000"/>
+            <a:normAutofit fontScale="70000" lnSpcReduction="20000"/>
           </a:bodyPr>
           <a:lstStyle/>
           <a:p>
-            <a:r>
-              <a:rPr lang="en-US" dirty="0" smtClean="0">
-                <a:solidFill>
-                  <a:srgbClr val="00B050"/>
-                </a:solidFill>
-              </a:rPr>
+            <a:pPr marL="0" indent="0">
+              <a:buNone/>
+            </a:pPr>
+            <a:r>
+              <a:rPr lang="en-US" dirty="0" smtClean="0"/>
               <a:t>July 30, 2013</a:t>
             </a:r>
           </a:p>
           <a:p>
             <a:pPr lvl="1"/>
             <a:r>
-              <a:rPr lang="en-US" dirty="0" smtClean="0">
-                <a:solidFill>
-                  <a:srgbClr val="00B050"/>
-                </a:solidFill>
-              </a:rPr>
+              <a:rPr lang="en-US" dirty="0" smtClean="0"/>
               <a:t>Introduction to </a:t>
             </a:r>
             <a:r>
-              <a:rPr lang="en-US" dirty="0" err="1" smtClean="0">
-                <a:solidFill>
-                  <a:srgbClr val="00B050"/>
-                </a:solidFill>
-              </a:rPr>
+              <a:rPr lang="en-US" dirty="0" err="1" smtClean="0"/>
               <a:t>REDCap</a:t>
             </a:r>
+            <a:endParaRPr lang="en-US" dirty="0" smtClean="0"/>
+          </a:p>
+          <a:p>
+            <a:pPr lvl="1"/>
+            <a:r>
+              <a:rPr lang="en-US" dirty="0" smtClean="0"/>
+              <a:t>Finalize Membership Body </a:t>
+            </a:r>
+          </a:p>
+          <a:p>
+            <a:pPr lvl="1"/>
+            <a:r>
+              <a:rPr lang="en-US" dirty="0" smtClean="0"/>
+              <a:t>Laid out need for Appropriate Use Policy</a:t>
+            </a:r>
+          </a:p>
+          <a:p>
+            <a:pPr marL="0" indent="0">
+              <a:buNone/>
+            </a:pPr>
+            <a:r>
+              <a:rPr lang="en-US" dirty="0" smtClean="0"/>
+              <a:t>November 12, 2013</a:t>
+            </a:r>
+          </a:p>
+          <a:p>
+            <a:pPr lvl="1"/>
+            <a:r>
+              <a:rPr lang="en-US" dirty="0" smtClean="0"/>
+              <a:t>Finalized Appropriate Use Policy documents</a:t>
+            </a:r>
+          </a:p>
+          <a:p>
+            <a:pPr lvl="1"/>
+            <a:r>
+              <a:rPr lang="en-US" dirty="0" smtClean="0"/>
+              <a:t>Finalized </a:t>
+            </a:r>
+            <a:r>
+              <a:rPr lang="en-US" dirty="0"/>
+              <a:t>a</a:t>
+            </a:r>
+            <a:r>
+              <a:rPr lang="en-US" dirty="0" smtClean="0"/>
+              <a:t>uditing plan</a:t>
+            </a:r>
+          </a:p>
+          <a:p>
+            <a:pPr lvl="1"/>
+            <a:r>
+              <a:rPr lang="en-US" dirty="0" smtClean="0"/>
+              <a:t>Introduce ideas for training series</a:t>
+            </a:r>
+          </a:p>
+          <a:p>
+            <a:pPr lvl="1"/>
+            <a:r>
+              <a:rPr lang="en-US" dirty="0" smtClean="0"/>
+              <a:t>Review plans for administration and maintenance of 3 RC instances</a:t>
+            </a:r>
+          </a:p>
+          <a:p>
+            <a:pPr lvl="1"/>
+            <a:r>
+              <a:rPr lang="en-US" dirty="0" smtClean="0"/>
+              <a:t>Update on REDCap website and project tracker</a:t>
+            </a:r>
+          </a:p>
+          <a:p>
+            <a:pPr marL="0" indent="0">
+              <a:buNone/>
+            </a:pPr>
+            <a:r>
+              <a:rPr lang="en-US" dirty="0" smtClean="0"/>
+              <a:t>April 6, 2015</a:t>
+            </a:r>
+          </a:p>
+          <a:p>
+            <a:pPr lvl="1"/>
+            <a:r>
+              <a:rPr lang="en-US" dirty="0" smtClean="0"/>
+              <a:t>Revision of new support contract</a:t>
+            </a:r>
+          </a:p>
+          <a:p>
+            <a:pPr lvl="1"/>
+            <a:r>
+              <a:rPr lang="en-US" dirty="0" smtClean="0"/>
+              <a:t>Sustaining </a:t>
+            </a:r>
+            <a:r>
+              <a:rPr lang="en-US" dirty="0" err="1" smtClean="0"/>
+              <a:t>REDCap</a:t>
+            </a:r>
+            <a:r>
+              <a:rPr lang="en-US" dirty="0" smtClean="0"/>
+              <a:t> growth</a:t>
+            </a:r>
+          </a:p>
+          <a:p>
+            <a:pPr lvl="1"/>
+            <a:r>
+              <a:rPr lang="en-US" dirty="0" smtClean="0"/>
+              <a:t>New clinical data warehouse project</a:t>
+            </a:r>
+          </a:p>
+          <a:p>
+            <a:pPr marL="457200" lvl="1" indent="0">
+              <a:buNone/>
+            </a:pPr>
             <a:endParaRPr lang="en-US" dirty="0" smtClean="0">
               <a:solidFill>
                 <a:srgbClr val="00B050"/>
               </a:solidFill>
             </a:endParaRPr>
-          </a:p>
-          <a:p>
-            <a:pPr lvl="1"/>
-            <a:r>
-              <a:rPr lang="en-US" dirty="0" smtClean="0">
-                <a:solidFill>
-                  <a:srgbClr val="00B050"/>
-                </a:solidFill>
-              </a:rPr>
-              <a:t>Finalize Membership Body </a:t>
-            </a:r>
-          </a:p>
-          <a:p>
-            <a:pPr lvl="1"/>
-            <a:r>
-              <a:rPr lang="en-US" dirty="0" smtClean="0">
-                <a:solidFill>
-                  <a:srgbClr val="00B050"/>
-                </a:solidFill>
-              </a:rPr>
-              <a:t>Laid out need for Appropriate Use Policy</a:t>
-            </a:r>
-          </a:p>
-          <a:p>
-            <a:r>
-              <a:rPr lang="en-US" dirty="0" smtClean="0">
-                <a:solidFill>
-                  <a:srgbClr val="00B050"/>
-                </a:solidFill>
-              </a:rPr>
-              <a:t>November 12, 2013</a:t>
-            </a:r>
-          </a:p>
-          <a:p>
-            <a:pPr lvl="1"/>
-            <a:r>
-              <a:rPr lang="en-US" dirty="0" smtClean="0">
-                <a:solidFill>
-                  <a:srgbClr val="00B050"/>
-                </a:solidFill>
-              </a:rPr>
-              <a:t>Finalized Appropriate Use Policy documents</a:t>
-            </a:r>
-          </a:p>
-          <a:p>
-            <a:pPr lvl="1"/>
-            <a:r>
-              <a:rPr lang="en-US" dirty="0" smtClean="0">
-                <a:solidFill>
-                  <a:srgbClr val="00B050"/>
-                </a:solidFill>
-              </a:rPr>
-              <a:t>Finalized </a:t>
-            </a:r>
-            <a:r>
-              <a:rPr lang="en-US" dirty="0">
-                <a:solidFill>
-                  <a:srgbClr val="00B050"/>
-                </a:solidFill>
-              </a:rPr>
-              <a:t>a</a:t>
-            </a:r>
-            <a:r>
-              <a:rPr lang="en-US" dirty="0" smtClean="0">
-                <a:solidFill>
-                  <a:srgbClr val="00B050"/>
-                </a:solidFill>
-              </a:rPr>
-              <a:t>uditing plan</a:t>
-            </a:r>
-          </a:p>
-          <a:p>
-            <a:pPr lvl="1"/>
-            <a:r>
-              <a:rPr lang="en-US" dirty="0" smtClean="0">
-                <a:solidFill>
-                  <a:srgbClr val="00B050"/>
-                </a:solidFill>
-              </a:rPr>
-              <a:t>Introduce ideas for training series</a:t>
-            </a:r>
-          </a:p>
-          <a:p>
-            <a:pPr lvl="1"/>
-            <a:r>
-              <a:rPr lang="en-US" dirty="0" smtClean="0">
-                <a:solidFill>
-                  <a:srgbClr val="00B050"/>
-                </a:solidFill>
-              </a:rPr>
-              <a:t>Review plans for administration and maintenance of 3 RC instances</a:t>
-            </a:r>
-          </a:p>
-          <a:p>
-            <a:pPr lvl="1"/>
-            <a:r>
-              <a:rPr lang="en-US" dirty="0" smtClean="0">
-                <a:solidFill>
-                  <a:srgbClr val="00B050"/>
-                </a:solidFill>
-              </a:rPr>
-              <a:t>Update on REDCap website and project tracker</a:t>
-            </a:r>
-          </a:p>
-          <a:p>
-            <a:r>
-              <a:rPr lang="en-US" dirty="0" smtClean="0">
-                <a:solidFill>
-                  <a:srgbClr val="00B050"/>
-                </a:solidFill>
-              </a:rPr>
-              <a:t>2015</a:t>
-            </a:r>
           </a:p>
           <a:p>
             <a:pPr lvl="1"/>
@@ -5817,41 +5138,159 @@
           <a:lstStyle/>
           <a:p>
             <a:r>
-              <a:rPr lang="en-US" dirty="0"/>
-              <a:t>REDCap 2013 Consortium Survey</a:t>
-            </a:r>
-          </a:p>
-        </p:txBody>
-      </p:sp>
-      <p:graphicFrame>
-        <p:nvGraphicFramePr>
-          <p:cNvPr id="5" name="Content Placeholder 4"/>
-          <p:cNvGraphicFramePr>
-            <a:graphicFrameLocks noGrp="1"/>
-          </p:cNvGraphicFramePr>
+              <a:rPr lang="en-US" dirty="0" smtClean="0"/>
+              <a:t>Support Contract Changes (Cont.):</a:t>
+            </a:r>
+            <a:endParaRPr lang="en-US" dirty="0"/>
+          </a:p>
+        </p:txBody>
+      </p:sp>
+      <p:sp>
+        <p:nvSpPr>
+          <p:cNvPr id="3" name="Content Placeholder 2"/>
+          <p:cNvSpPr>
+            <a:spLocks noGrp="1"/>
+          </p:cNvSpPr>
           <p:nvPr>
             <p:ph idx="1"/>
-            <p:extLst>
-              <p:ext uri="{D42A27DB-BD31-4B8C-83A1-F6EECF244321}">
-                <p14:modId xmlns:p14="http://schemas.microsoft.com/office/powerpoint/2010/main" val="1094469193"/>
-              </p:ext>
-            </p:extLst>
-          </p:nvPr>
-        </p:nvGraphicFramePr>
-        <p:xfrm>
-          <a:off x="457200" y="1600200"/>
-          <a:ext cx="8229600" cy="4525963"/>
-        </p:xfrm>
-        <a:graphic>
-          <a:graphicData uri="http://schemas.openxmlformats.org/drawingml/2006/chart">
-            <c:chart xmlns:c="http://schemas.openxmlformats.org/drawingml/2006/chart" xmlns:r="http://schemas.openxmlformats.org/officeDocument/2006/relationships" r:id="rId2"/>
-          </a:graphicData>
-        </a:graphic>
-      </p:graphicFrame>
+          </p:nvPr>
+        </p:nvSpPr>
+        <p:spPr/>
+        <p:txBody>
+          <a:bodyPr>
+            <a:noAutofit/>
+          </a:bodyPr>
+          <a:lstStyle/>
+          <a:p>
+            <a:pPr marL="0" indent="0">
+              <a:buNone/>
+            </a:pPr>
+            <a:r>
+              <a:rPr lang="en-US" sz="1600" dirty="0"/>
+              <a:t>Include language that addresses these </a:t>
+            </a:r>
+            <a:r>
+              <a:rPr lang="en-US" sz="1600" dirty="0" smtClean="0"/>
+              <a:t>questions from recent IT security review:</a:t>
+            </a:r>
+          </a:p>
+          <a:p>
+            <a:pPr lvl="1"/>
+            <a:r>
+              <a:rPr lang="en-US" sz="1400" dirty="0" smtClean="0"/>
+              <a:t>Do you support secure deletion (ex. degaussing / cryptographic wiping) of archived data as determined by the tenant?</a:t>
+            </a:r>
+          </a:p>
+          <a:p>
+            <a:pPr lvl="1"/>
+            <a:r>
+              <a:rPr lang="en-US" sz="1400" dirty="0" smtClean="0"/>
+              <a:t>Is </a:t>
+            </a:r>
+            <a:r>
+              <a:rPr lang="en-US" sz="1400" dirty="0"/>
+              <a:t>physical protection against damage from natural causes and disasters as well as deliberate attacks anticipated, designed and countermeasures </a:t>
+            </a:r>
+            <a:r>
+              <a:rPr lang="en-US" sz="1400" dirty="0" smtClean="0"/>
+              <a:t>applied?</a:t>
+            </a:r>
+          </a:p>
+          <a:p>
+            <a:pPr lvl="1"/>
+            <a:r>
+              <a:rPr lang="en-US" sz="1400" dirty="0" smtClean="0"/>
+              <a:t>Are </a:t>
+            </a:r>
+            <a:r>
+              <a:rPr lang="en-US" sz="1400" dirty="0"/>
+              <a:t>physical security perimeters (fences, walls, barriers, guards, gates, electronic surveillance, physical authentication mechanisms, reception desks and security patrols) </a:t>
+            </a:r>
+            <a:r>
+              <a:rPr lang="en-US" sz="1400" dirty="0" smtClean="0"/>
+              <a:t>implemented?</a:t>
+            </a:r>
+          </a:p>
+          <a:p>
+            <a:pPr lvl="1"/>
+            <a:r>
+              <a:rPr lang="en-US" sz="1400" dirty="0" smtClean="0"/>
+              <a:t>Are </a:t>
+            </a:r>
+            <a:r>
+              <a:rPr lang="en-US" sz="1400" dirty="0"/>
+              <a:t>ingress and egress points such as service areas and other points where unauthorized personnel may enter the premises monitored, controlled and isolated from data storage and </a:t>
+            </a:r>
+            <a:r>
+              <a:rPr lang="en-US" sz="1400" dirty="0" smtClean="0"/>
+              <a:t>process?</a:t>
+            </a:r>
+          </a:p>
+          <a:p>
+            <a:pPr lvl="1"/>
+            <a:r>
+              <a:rPr lang="en-US" sz="1400" dirty="0" smtClean="0"/>
+              <a:t>Are </a:t>
+            </a:r>
+            <a:r>
+              <a:rPr lang="en-US" sz="1400" dirty="0"/>
+              <a:t>policies and procedures established and mechanisms implemented to protect network environment perimeter and configured to restrict unauthorized </a:t>
+            </a:r>
+            <a:r>
+              <a:rPr lang="en-US" sz="1400" dirty="0" smtClean="0"/>
+              <a:t>traffic?</a:t>
+            </a:r>
+          </a:p>
+          <a:p>
+            <a:pPr lvl="1"/>
+            <a:r>
+              <a:rPr lang="en-US" sz="1400" dirty="0" smtClean="0"/>
+              <a:t>Are </a:t>
+            </a:r>
+            <a:r>
+              <a:rPr lang="en-US" sz="1400" dirty="0"/>
+              <a:t>policies and procedures established and mechanisms implemented to ensure proper security settings enabled with strong encryption for authentication and transmission, replacing vendor default settings? (e.g., encryption keys, passwords, SNMP community strings, etc</a:t>
+            </a:r>
+            <a:r>
+              <a:rPr lang="en-US" sz="1400" dirty="0" smtClean="0"/>
+              <a:t>.)</a:t>
+            </a:r>
+          </a:p>
+          <a:p>
+            <a:pPr lvl="1"/>
+            <a:r>
+              <a:rPr lang="en-US" sz="1400" dirty="0" smtClean="0"/>
+              <a:t>Are </a:t>
+            </a:r>
+            <a:r>
+              <a:rPr lang="en-US" sz="1400" dirty="0"/>
+              <a:t>policies and procedures established and mechanisms implemented to protect  network environments and detect the presence of unauthorized (rogue) network devices for a timely disconnect from the </a:t>
+            </a:r>
+            <a:r>
+              <a:rPr lang="en-US" sz="1400" dirty="0" smtClean="0"/>
+              <a:t>network?</a:t>
+            </a:r>
+          </a:p>
+          <a:p>
+            <a:pPr lvl="1"/>
+            <a:r>
+              <a:rPr lang="en-US" sz="1400" dirty="0" smtClean="0"/>
+              <a:t>Is </a:t>
+            </a:r>
+            <a:r>
+              <a:rPr lang="en-US" sz="1400" dirty="0"/>
+              <a:t>access to systems with shared network infrastructure restricted to authorized personnel in accordance with security policies, procedures and standards. Networks shared with external entities shall have a documented plan detailing the compensating controls used to separate network traffic between organizations?</a:t>
+            </a:r>
+          </a:p>
+          <a:p>
+            <a:endParaRPr lang="en-US" sz="1600" dirty="0"/>
+          </a:p>
+        </p:txBody>
+      </p:sp>
     </p:spTree>
     <p:extLst>
       <p:ext uri="{BB962C8B-B14F-4D97-AF65-F5344CB8AC3E}">
-        <p14:creationId xmlns:p14="http://schemas.microsoft.com/office/powerpoint/2010/main" val="2833730363"/>
+        <p14:creationId xmlns:p14="http://schemas.microsoft.com/office/powerpoint/2010/main" val="920577620"/>
       </p:ext>
     </p:extLst>
   </p:cSld>
@@ -5895,41 +5334,149 @@
           <a:p>
             <a:r>
               <a:rPr lang="en-US" dirty="0" smtClean="0"/>
-              <a:t>REDCap 2013 Consortium Survey</a:t>
+              <a:t>Proposed FTE Support Changes</a:t>
             </a:r>
             <a:endParaRPr lang="en-US" dirty="0"/>
           </a:p>
         </p:txBody>
       </p:sp>
-      <p:graphicFrame>
-        <p:nvGraphicFramePr>
-          <p:cNvPr id="5" name="Content Placeholder 4"/>
-          <p:cNvGraphicFramePr>
-            <a:graphicFrameLocks noGrp="1"/>
-          </p:cNvGraphicFramePr>
+      <p:sp>
+        <p:nvSpPr>
+          <p:cNvPr id="3" name="Content Placeholder 2"/>
+          <p:cNvSpPr>
+            <a:spLocks noGrp="1"/>
+          </p:cNvSpPr>
           <p:nvPr>
             <p:ph idx="1"/>
-            <p:extLst>
-              <p:ext uri="{D42A27DB-BD31-4B8C-83A1-F6EECF244321}">
-                <p14:modId xmlns:p14="http://schemas.microsoft.com/office/powerpoint/2010/main" val="3115360186"/>
-              </p:ext>
-            </p:extLst>
-          </p:nvPr>
-        </p:nvGraphicFramePr>
-        <p:xfrm>
-          <a:off x="457200" y="1600200"/>
-          <a:ext cx="8229600" cy="4525963"/>
-        </p:xfrm>
-        <a:graphic>
-          <a:graphicData uri="http://schemas.openxmlformats.org/drawingml/2006/chart">
-            <c:chart xmlns:c="http://schemas.openxmlformats.org/drawingml/2006/chart" xmlns:r="http://schemas.openxmlformats.org/officeDocument/2006/relationships" r:id="rId2"/>
-          </a:graphicData>
-        </a:graphic>
-      </p:graphicFrame>
+          </p:nvPr>
+        </p:nvSpPr>
+        <p:spPr/>
+        <p:txBody>
+          <a:bodyPr>
+            <a:noAutofit/>
+          </a:bodyPr>
+          <a:lstStyle/>
+          <a:p>
+            <a:pPr marL="0" indent="0">
+              <a:buNone/>
+            </a:pPr>
+            <a:r>
+              <a:rPr lang="en-US" sz="2000" dirty="0" smtClean="0"/>
+              <a:t>Dedicated central IT budget</a:t>
+            </a:r>
+          </a:p>
+          <a:p>
+            <a:pPr lvl="1"/>
+            <a:r>
+              <a:rPr lang="en-US" sz="1800" dirty="0" smtClean="0"/>
+              <a:t>MySQL back-end support (~5%?)</a:t>
+            </a:r>
+          </a:p>
+          <a:p>
+            <a:pPr lvl="1"/>
+            <a:r>
+              <a:rPr lang="en-US" sz="1800" dirty="0" smtClean="0"/>
+              <a:t>Networking and other system issues (~10%?)</a:t>
+            </a:r>
+          </a:p>
+          <a:p>
+            <a:pPr lvl="1"/>
+            <a:endParaRPr lang="en-US" sz="1800" dirty="0" smtClean="0"/>
+          </a:p>
+          <a:p>
+            <a:pPr marL="0" indent="0">
+              <a:buNone/>
+            </a:pPr>
+            <a:r>
+              <a:rPr lang="en-US" sz="2000" dirty="0" smtClean="0"/>
+              <a:t>Supplemental funding (above OSCTR and </a:t>
+            </a:r>
+            <a:r>
+              <a:rPr lang="en-US" sz="2000" dirty="0" err="1" smtClean="0"/>
+              <a:t>Peds</a:t>
+            </a:r>
+            <a:r>
+              <a:rPr lang="en-US" sz="2000" dirty="0" smtClean="0"/>
+              <a:t> investments) for front-end support (~50%?)</a:t>
+            </a:r>
+          </a:p>
+          <a:p>
+            <a:pPr lvl="1"/>
+            <a:r>
+              <a:rPr lang="en-US" sz="1800" dirty="0" smtClean="0"/>
+              <a:t>Troubleshooting calls/office hours</a:t>
+            </a:r>
+          </a:p>
+          <a:p>
+            <a:pPr lvl="1"/>
+            <a:r>
+              <a:rPr lang="en-US" sz="1800" dirty="0" smtClean="0"/>
+              <a:t>Updates/patches</a:t>
+            </a:r>
+          </a:p>
+          <a:p>
+            <a:pPr lvl="1"/>
+            <a:r>
+              <a:rPr lang="en-US" sz="1800" dirty="0" smtClean="0"/>
+              <a:t>Website maintenance</a:t>
+            </a:r>
+          </a:p>
+          <a:p>
+            <a:pPr lvl="1"/>
+            <a:r>
+              <a:rPr lang="en-US" sz="1800" dirty="0" smtClean="0"/>
+              <a:t>Outreach</a:t>
+            </a:r>
+          </a:p>
+          <a:p>
+            <a:pPr lvl="1"/>
+            <a:r>
+              <a:rPr lang="en-US" sz="1800" dirty="0" smtClean="0"/>
+              <a:t>Training</a:t>
+            </a:r>
+          </a:p>
+          <a:p>
+            <a:pPr lvl="1"/>
+            <a:r>
+              <a:rPr lang="en-US" sz="1800" dirty="0" smtClean="0"/>
+              <a:t>Committee meetings and activities</a:t>
+            </a:r>
+          </a:p>
+          <a:p>
+            <a:pPr lvl="1"/>
+            <a:r>
+              <a:rPr lang="en-US" sz="1800" dirty="0" smtClean="0"/>
+              <a:t>Local team meetings</a:t>
+            </a:r>
+          </a:p>
+          <a:p>
+            <a:pPr lvl="1"/>
+            <a:endParaRPr lang="en-US" sz="1800" dirty="0" smtClean="0"/>
+          </a:p>
+          <a:p>
+            <a:pPr marL="0" indent="0">
+              <a:buNone/>
+            </a:pPr>
+            <a:r>
+              <a:rPr lang="en-US" sz="2000" dirty="0" smtClean="0"/>
+              <a:t>Major project-specific development activities charged to </a:t>
+            </a:r>
+            <a:r>
+              <a:rPr lang="en-US" sz="2000" dirty="0" err="1" smtClean="0"/>
+              <a:t>Dept</a:t>
+            </a:r>
+            <a:r>
+              <a:rPr lang="en-US" sz="2000" dirty="0" smtClean="0"/>
+              <a:t>/PI</a:t>
+            </a:r>
+            <a:endParaRPr lang="en-US" sz="2000" dirty="0"/>
+          </a:p>
+        </p:txBody>
+      </p:sp>
     </p:spTree>
     <p:extLst>
       <p:ext uri="{BB962C8B-B14F-4D97-AF65-F5344CB8AC3E}">
-        <p14:creationId xmlns:p14="http://schemas.microsoft.com/office/powerpoint/2010/main" val="2833730363"/>
+        <p14:creationId xmlns:p14="http://schemas.microsoft.com/office/powerpoint/2010/main" val="2096618374"/>
       </p:ext>
     </p:extLst>
   </p:cSld>
@@ -5940,119 +5487,6 @@
 </file>
 
 <file path=ppt/slides/slide22.xml><?xml version="1.0" encoding="utf-8"?>
-<p:sld xmlns:a="http://schemas.openxmlformats.org/drawingml/2006/main" xmlns:r="http://schemas.openxmlformats.org/officeDocument/2006/relationships" xmlns:p="http://schemas.openxmlformats.org/presentationml/2006/main">
-  <p:cSld>
-    <p:spTree>
-      <p:nvGrpSpPr>
-        <p:cNvPr id="1" name=""/>
-        <p:cNvGrpSpPr/>
-        <p:nvPr/>
-      </p:nvGrpSpPr>
-      <p:grpSpPr>
-        <a:xfrm>
-          <a:off x="0" y="0"/>
-          <a:ext cx="0" cy="0"/>
-          <a:chOff x="0" y="0"/>
-          <a:chExt cx="0" cy="0"/>
-        </a:xfrm>
-      </p:grpSpPr>
-      <p:sp>
-        <p:nvSpPr>
-          <p:cNvPr id="7" name="Title 6"/>
-          <p:cNvSpPr>
-            <a:spLocks noGrp="1"/>
-          </p:cNvSpPr>
-          <p:nvPr>
-            <p:ph type="title"/>
-          </p:nvPr>
-        </p:nvSpPr>
-        <p:spPr/>
-        <p:txBody>
-          <a:bodyPr>
-            <a:normAutofit fontScale="90000"/>
-          </a:bodyPr>
-          <a:lstStyle/>
-          <a:p>
-            <a:r>
-              <a:rPr lang="en-US" dirty="0" smtClean="0"/>
-              <a:t>REDCap Con 2013 Number </a:t>
-            </a:r>
-            <a:r>
-              <a:rPr lang="en-US" dirty="0"/>
-              <a:t>of Full Time Employees Supporting REDCap </a:t>
-            </a:r>
-          </a:p>
-        </p:txBody>
-      </p:sp>
-      <p:graphicFrame>
-        <p:nvGraphicFramePr>
-          <p:cNvPr id="9" name="Content Placeholder 8"/>
-          <p:cNvGraphicFramePr>
-            <a:graphicFrameLocks noGrp="1"/>
-          </p:cNvGraphicFramePr>
-          <p:nvPr>
-            <p:ph idx="1"/>
-            <p:extLst>
-              <p:ext uri="{D42A27DB-BD31-4B8C-83A1-F6EECF244321}">
-                <p14:modId xmlns:p14="http://schemas.microsoft.com/office/powerpoint/2010/main" val="1243173109"/>
-              </p:ext>
-            </p:extLst>
-          </p:nvPr>
-        </p:nvGraphicFramePr>
-        <p:xfrm>
-          <a:off x="457200" y="1600200"/>
-          <a:ext cx="8229600" cy="4525963"/>
-        </p:xfrm>
-        <a:graphic>
-          <a:graphicData uri="http://schemas.openxmlformats.org/drawingml/2006/chart">
-            <c:chart xmlns:c="http://schemas.openxmlformats.org/drawingml/2006/chart" xmlns:r="http://schemas.openxmlformats.org/officeDocument/2006/relationships" r:id="rId2"/>
-          </a:graphicData>
-        </a:graphic>
-      </p:graphicFrame>
-      <p:sp>
-        <p:nvSpPr>
-          <p:cNvPr id="10" name="TextBox 9"/>
-          <p:cNvSpPr txBox="1"/>
-          <p:nvPr/>
-        </p:nvSpPr>
-        <p:spPr>
-          <a:xfrm>
-            <a:off x="8466" y="3124200"/>
-            <a:ext cx="461665" cy="1083630"/>
-          </a:xfrm>
-          <a:prstGeom prst="rect">
-            <a:avLst/>
-          </a:prstGeom>
-          <a:noFill/>
-        </p:spPr>
-        <p:txBody>
-          <a:bodyPr vert="vert270" wrap="none" rtlCol="0">
-            <a:spAutoFit/>
-          </a:bodyPr>
-          <a:lstStyle/>
-          <a:p>
-            <a:r>
-              <a:rPr lang="en-US" b="1" dirty="0" smtClean="0"/>
-              <a:t>Frequency</a:t>
-            </a:r>
-            <a:endParaRPr lang="en-US" b="1" dirty="0"/>
-          </a:p>
-        </p:txBody>
-      </p:sp>
-    </p:spTree>
-    <p:extLst>
-      <p:ext uri="{BB962C8B-B14F-4D97-AF65-F5344CB8AC3E}">
-        <p14:creationId xmlns:p14="http://schemas.microsoft.com/office/powerpoint/2010/main" val="1148120953"/>
-      </p:ext>
-    </p:extLst>
-  </p:cSld>
-  <p:clrMapOvr>
-    <a:masterClrMapping/>
-  </p:clrMapOvr>
-</p:sld>
-</file>
-
-<file path=ppt/slides/slide23.xml><?xml version="1.0" encoding="utf-8"?>
 <p:sld xmlns:a="http://schemas.openxmlformats.org/drawingml/2006/main" xmlns:r="http://schemas.openxmlformats.org/officeDocument/2006/relationships" xmlns:p="http://schemas.openxmlformats.org/presentationml/2006/main">
   <p:cSld>
     <p:spTree>
@@ -6175,7 +5609,7 @@
 </p:sld>
 </file>
 
-<file path=ppt/slides/slide24.xml><?xml version="1.0" encoding="utf-8"?>
+<file path=ppt/slides/slide23.xml><?xml version="1.0" encoding="utf-8"?>
 <p:sld xmlns:a="http://schemas.openxmlformats.org/drawingml/2006/main" xmlns:r="http://schemas.openxmlformats.org/officeDocument/2006/relationships" xmlns:p="http://schemas.openxmlformats.org/presentationml/2006/main">
   <p:cSld>
     <p:spTree>
@@ -6878,6 +6312,187 @@
 </p:sld>
 </file>
 
+<file path=ppt/slides/slide24.xml><?xml version="1.0" encoding="utf-8"?>
+<p:sld xmlns:a="http://schemas.openxmlformats.org/drawingml/2006/main" xmlns:r="http://schemas.openxmlformats.org/officeDocument/2006/relationships" xmlns:p="http://schemas.openxmlformats.org/presentationml/2006/main">
+  <p:cSld>
+    <p:spTree>
+      <p:nvGrpSpPr>
+        <p:cNvPr id="1" name=""/>
+        <p:cNvGrpSpPr/>
+        <p:nvPr/>
+      </p:nvGrpSpPr>
+      <p:grpSpPr>
+        <a:xfrm>
+          <a:off x="0" y="0"/>
+          <a:ext cx="0" cy="0"/>
+          <a:chOff x="0" y="0"/>
+          <a:chExt cx="0" cy="0"/>
+        </a:xfrm>
+      </p:grpSpPr>
+      <p:sp>
+        <p:nvSpPr>
+          <p:cNvPr id="2" name="Title 1"/>
+          <p:cNvSpPr>
+            <a:spLocks noGrp="1"/>
+          </p:cNvSpPr>
+          <p:nvPr>
+            <p:ph type="title"/>
+          </p:nvPr>
+        </p:nvSpPr>
+        <p:spPr/>
+        <p:txBody>
+          <a:bodyPr>
+            <a:normAutofit fontScale="90000"/>
+          </a:bodyPr>
+          <a:lstStyle/>
+          <a:p>
+            <a:r>
+              <a:rPr lang="en-US" dirty="0"/>
+              <a:t>New Support </a:t>
+            </a:r>
+            <a:r>
+              <a:rPr lang="en-US" dirty="0" smtClean="0"/>
+              <a:t>Needs:</a:t>
+            </a:r>
+            <a:br>
+              <a:rPr lang="en-US" dirty="0" smtClean="0"/>
+            </a:br>
+            <a:r>
+              <a:rPr lang="en-US" dirty="0" smtClean="0"/>
+              <a:t>Hooks and Plugins</a:t>
+            </a:r>
+            <a:endParaRPr lang="en-US" dirty="0"/>
+          </a:p>
+        </p:txBody>
+      </p:sp>
+      <p:sp>
+        <p:nvSpPr>
+          <p:cNvPr id="3" name="Content Placeholder 2"/>
+          <p:cNvSpPr>
+            <a:spLocks noGrp="1"/>
+          </p:cNvSpPr>
+          <p:nvPr>
+            <p:ph idx="1"/>
+          </p:nvPr>
+        </p:nvSpPr>
+        <p:spPr/>
+        <p:txBody>
+          <a:bodyPr>
+            <a:normAutofit fontScale="77500" lnSpcReduction="20000"/>
+          </a:bodyPr>
+          <a:lstStyle/>
+          <a:p>
+            <a:pPr marL="0" lvl="1" indent="0">
+              <a:buNone/>
+            </a:pPr>
+            <a:r>
+              <a:rPr lang="en-US" dirty="0" smtClean="0"/>
+              <a:t>PHP </a:t>
+            </a:r>
+            <a:r>
+              <a:rPr lang="en-US" dirty="0"/>
+              <a:t>scripts utilized by </a:t>
+            </a:r>
+            <a:r>
+              <a:rPr lang="en-US" dirty="0" err="1"/>
+              <a:t>REDCap</a:t>
+            </a:r>
+            <a:r>
+              <a:rPr lang="en-US" dirty="0"/>
+              <a:t>, that are placed on the </a:t>
+            </a:r>
+            <a:r>
+              <a:rPr lang="en-US" dirty="0" err="1"/>
+              <a:t>REDCap</a:t>
+            </a:r>
+            <a:r>
+              <a:rPr lang="en-US" dirty="0"/>
+              <a:t> web server so they can be utilized by </a:t>
+            </a:r>
+            <a:r>
+              <a:rPr lang="en-US" dirty="0" err="1"/>
+              <a:t>REDCap</a:t>
+            </a:r>
+            <a:endParaRPr lang="en-US" dirty="0"/>
+          </a:p>
+          <a:p>
+            <a:pPr lvl="1"/>
+            <a:r>
+              <a:rPr lang="en-US" dirty="0"/>
+              <a:t>Hook: a PHP function with a designated name, in which the hook gets executed in a predetermined location inside </a:t>
+            </a:r>
+            <a:r>
+              <a:rPr lang="en-US" dirty="0" err="1"/>
+              <a:t>REDCap</a:t>
+            </a:r>
+            <a:endParaRPr lang="en-US" dirty="0"/>
+          </a:p>
+          <a:p>
+            <a:pPr lvl="1"/>
+            <a:r>
+              <a:rPr lang="en-US" dirty="0"/>
+              <a:t>Plugin: a custom PHP script or collection of PHP scripts that exist independently of, but work in conjunction with, the </a:t>
+            </a:r>
+            <a:r>
+              <a:rPr lang="en-US" dirty="0" err="1"/>
+              <a:t>REDCap</a:t>
+            </a:r>
+            <a:r>
+              <a:rPr lang="en-US" dirty="0"/>
+              <a:t> base code</a:t>
+            </a:r>
+          </a:p>
+          <a:p>
+            <a:pPr lvl="1"/>
+            <a:r>
+              <a:rPr lang="en-US" dirty="0"/>
+              <a:t>Responsibility for Hooks and Plugs is solely on the host institution (OUHSC) and Vanderbilt provides no official support for these capabilities</a:t>
+            </a:r>
+            <a:r>
+              <a:rPr lang="en-US" dirty="0" smtClean="0"/>
+              <a:t>.</a:t>
+            </a:r>
+          </a:p>
+          <a:p>
+            <a:pPr lvl="1"/>
+            <a:endParaRPr lang="en-US" dirty="0" smtClean="0"/>
+          </a:p>
+          <a:p>
+            <a:pPr marL="0" indent="0">
+              <a:buNone/>
+            </a:pPr>
+            <a:r>
+              <a:rPr lang="en-US" dirty="0" smtClean="0"/>
+              <a:t>Test case (enabling </a:t>
+            </a:r>
+            <a:r>
+              <a:rPr lang="en-US" dirty="0" err="1" smtClean="0"/>
+              <a:t>REDCap</a:t>
+            </a:r>
+            <a:r>
+              <a:rPr lang="en-US" dirty="0" smtClean="0"/>
+              <a:t> ACASI) under development (Kota, Geller, Beasley, Wilson) for OTRC</a:t>
+            </a:r>
+            <a:endParaRPr lang="en-US" dirty="0"/>
+          </a:p>
+          <a:p>
+            <a:endParaRPr lang="en-US" dirty="0"/>
+          </a:p>
+        </p:txBody>
+      </p:sp>
+    </p:spTree>
+    <p:extLst>
+      <p:ext uri="{BB962C8B-B14F-4D97-AF65-F5344CB8AC3E}">
+        <p14:creationId xmlns:p14="http://schemas.microsoft.com/office/powerpoint/2010/main" val="1505253019"/>
+      </p:ext>
+    </p:extLst>
+  </p:cSld>
+  <p:clrMapOvr>
+    <a:masterClrMapping/>
+  </p:clrMapOvr>
+</p:sld>
+</file>
+
 <file path=ppt/slides/slide25.xml><?xml version="1.0" encoding="utf-8"?>
 <p:sld xmlns:a="http://schemas.openxmlformats.org/drawingml/2006/main" xmlns:r="http://schemas.openxmlformats.org/officeDocument/2006/relationships" xmlns:p="http://schemas.openxmlformats.org/presentationml/2006/main">
   <p:cSld>
@@ -6911,6 +6526,597 @@
           <a:lstStyle/>
           <a:p>
             <a:r>
+              <a:rPr lang="en-US" dirty="0" smtClean="0"/>
+              <a:t>Better Off-site Access Capabilities</a:t>
+            </a:r>
+            <a:endParaRPr lang="en-US" dirty="0"/>
+          </a:p>
+        </p:txBody>
+      </p:sp>
+      <p:sp>
+        <p:nvSpPr>
+          <p:cNvPr id="3" name="Content Placeholder 2"/>
+          <p:cNvSpPr>
+            <a:spLocks noGrp="1"/>
+          </p:cNvSpPr>
+          <p:nvPr>
+            <p:ph idx="1"/>
+          </p:nvPr>
+        </p:nvSpPr>
+        <p:spPr/>
+        <p:txBody>
+          <a:bodyPr>
+            <a:normAutofit fontScale="85000" lnSpcReduction="20000"/>
+          </a:bodyPr>
+          <a:lstStyle/>
+          <a:p>
+            <a:pPr marL="0" indent="0">
+              <a:buNone/>
+            </a:pPr>
+            <a:r>
+              <a:rPr lang="en-US" dirty="0" smtClean="0"/>
+              <a:t>Demand is growing fast</a:t>
+            </a:r>
+          </a:p>
+          <a:p>
+            <a:pPr marL="0" indent="0">
+              <a:buNone/>
+            </a:pPr>
+            <a:endParaRPr lang="en-US" dirty="0" smtClean="0"/>
+          </a:p>
+          <a:p>
+            <a:pPr marL="0" indent="0">
+              <a:buNone/>
+            </a:pPr>
+            <a:r>
+              <a:rPr lang="en-US" dirty="0" smtClean="0"/>
+              <a:t>Recent large requests, e.g., PEM CRC </a:t>
+            </a:r>
+            <a:r>
+              <a:rPr lang="en-US" dirty="0"/>
+              <a:t>multi-site trial </a:t>
+            </a:r>
+            <a:r>
+              <a:rPr lang="en-US" sz="2000" dirty="0"/>
+              <a:t>(</a:t>
+            </a:r>
+            <a:r>
+              <a:rPr lang="en-US" sz="2000" dirty="0">
+                <a:hlinkClick r:id="rId2"/>
+              </a:rPr>
+              <a:t>http://</a:t>
+            </a:r>
+            <a:r>
+              <a:rPr lang="en-US" sz="2000" dirty="0" smtClean="0">
+                <a:hlinkClick r:id="rId2"/>
+              </a:rPr>
+              <a:t>www2.aap.org/sections/pem/PEM-pemcrc.htm</a:t>
+            </a:r>
+            <a:r>
+              <a:rPr lang="en-US" sz="2000" dirty="0" smtClean="0"/>
+              <a:t>)</a:t>
+            </a:r>
+          </a:p>
+          <a:p>
+            <a:pPr marL="0" indent="0">
+              <a:buNone/>
+            </a:pPr>
+            <a:endParaRPr lang="en-US" dirty="0" smtClean="0"/>
+          </a:p>
+          <a:p>
+            <a:pPr marL="0" indent="0">
+              <a:buNone/>
+            </a:pPr>
+            <a:r>
+              <a:rPr lang="en-US" dirty="0" smtClean="0"/>
+              <a:t>Resolutions</a:t>
+            </a:r>
+          </a:p>
+          <a:p>
+            <a:pPr lvl="1"/>
+            <a:r>
+              <a:rPr lang="en-US" dirty="0" smtClean="0"/>
+              <a:t> </a:t>
+            </a:r>
+            <a:r>
+              <a:rPr lang="en-US" strike="sngStrike" dirty="0" smtClean="0"/>
+              <a:t> </a:t>
+            </a:r>
+            <a:r>
+              <a:rPr lang="en-US" strike="sngStrike" dirty="0"/>
+              <a:t>Status quo</a:t>
+            </a:r>
+            <a:r>
+              <a:rPr lang="en-US" dirty="0" smtClean="0"/>
+              <a:t> (affiliate accounts untenable)</a:t>
+            </a:r>
+            <a:endParaRPr lang="en-US" strike="sngStrike" dirty="0"/>
+          </a:p>
+          <a:p>
+            <a:pPr lvl="1"/>
+            <a:r>
+              <a:rPr lang="en-US" dirty="0" err="1" smtClean="0"/>
+              <a:t>InCommon</a:t>
+            </a:r>
+            <a:r>
+              <a:rPr lang="en-US" dirty="0"/>
+              <a:t> </a:t>
+            </a:r>
+            <a:r>
+              <a:rPr lang="en-US" dirty="0" smtClean="0"/>
+              <a:t>Federation </a:t>
+            </a:r>
+            <a:r>
+              <a:rPr lang="en-US" sz="2000" dirty="0"/>
+              <a:t>(</a:t>
+            </a:r>
+            <a:r>
+              <a:rPr lang="en-US" sz="2000" dirty="0">
+                <a:hlinkClick r:id="rId3"/>
+              </a:rPr>
+              <a:t>https://www.incommon.org</a:t>
+            </a:r>
+            <a:r>
+              <a:rPr lang="en-US" sz="2000" dirty="0" smtClean="0">
+                <a:hlinkClick r:id="rId3"/>
+              </a:rPr>
+              <a:t>/</a:t>
+            </a:r>
+            <a:r>
+              <a:rPr lang="en-US" sz="2000" dirty="0" smtClean="0"/>
+              <a:t>) </a:t>
+            </a:r>
+          </a:p>
+          <a:p>
+            <a:pPr lvl="1"/>
+            <a:r>
+              <a:rPr lang="en-US" dirty="0" smtClean="0"/>
+              <a:t>Table-based authentication</a:t>
+            </a:r>
+          </a:p>
+          <a:p>
+            <a:pPr marL="0" indent="0">
+              <a:buNone/>
+            </a:pPr>
+            <a:endParaRPr lang="en-US" dirty="0" smtClean="0"/>
+          </a:p>
+          <a:p>
+            <a:pPr marL="0" indent="0">
+              <a:buNone/>
+            </a:pPr>
+            <a:r>
+              <a:rPr lang="en-US" dirty="0" smtClean="0"/>
+              <a:t>Encryption </a:t>
+            </a:r>
+            <a:r>
+              <a:rPr lang="en-US" dirty="0"/>
+              <a:t>policy for off-site access???</a:t>
+            </a:r>
+          </a:p>
+          <a:p>
+            <a:endParaRPr lang="en-US" dirty="0"/>
+          </a:p>
+        </p:txBody>
+      </p:sp>
+    </p:spTree>
+    <p:extLst>
+      <p:ext uri="{BB962C8B-B14F-4D97-AF65-F5344CB8AC3E}">
+        <p14:creationId xmlns:p14="http://schemas.microsoft.com/office/powerpoint/2010/main" val="3468358338"/>
+      </p:ext>
+    </p:extLst>
+  </p:cSld>
+  <p:clrMapOvr>
+    <a:masterClrMapping/>
+  </p:clrMapOvr>
+</p:sld>
+</file>
+
+<file path=ppt/slides/slide26.xml><?xml version="1.0" encoding="utf-8"?>
+<p:sld xmlns:a="http://schemas.openxmlformats.org/drawingml/2006/main" xmlns:r="http://schemas.openxmlformats.org/officeDocument/2006/relationships" xmlns:p="http://schemas.openxmlformats.org/presentationml/2006/main">
+  <p:cSld>
+    <p:spTree>
+      <p:nvGrpSpPr>
+        <p:cNvPr id="1" name=""/>
+        <p:cNvGrpSpPr/>
+        <p:nvPr/>
+      </p:nvGrpSpPr>
+      <p:grpSpPr>
+        <a:xfrm>
+          <a:off x="0" y="0"/>
+          <a:ext cx="0" cy="0"/>
+          <a:chOff x="0" y="0"/>
+          <a:chExt cx="0" cy="0"/>
+        </a:xfrm>
+      </p:grpSpPr>
+      <p:sp>
+        <p:nvSpPr>
+          <p:cNvPr id="2" name="Title 1"/>
+          <p:cNvSpPr>
+            <a:spLocks noGrp="1"/>
+          </p:cNvSpPr>
+          <p:nvPr>
+            <p:ph type="title"/>
+          </p:nvPr>
+        </p:nvSpPr>
+        <p:spPr/>
+        <p:txBody>
+          <a:bodyPr>
+            <a:normAutofit/>
+          </a:bodyPr>
+          <a:lstStyle/>
+          <a:p>
+            <a:r>
+              <a:rPr lang="en-US" dirty="0" smtClean="0"/>
+              <a:t>Marketing </a:t>
+            </a:r>
+            <a:r>
+              <a:rPr lang="en-US" dirty="0" err="1" smtClean="0"/>
+              <a:t>REDCap</a:t>
+            </a:r>
+            <a:endParaRPr lang="en-US" dirty="0"/>
+          </a:p>
+        </p:txBody>
+      </p:sp>
+      <p:sp>
+        <p:nvSpPr>
+          <p:cNvPr id="3" name="Content Placeholder 2"/>
+          <p:cNvSpPr>
+            <a:spLocks noGrp="1"/>
+          </p:cNvSpPr>
+          <p:nvPr>
+            <p:ph idx="1"/>
+          </p:nvPr>
+        </p:nvSpPr>
+        <p:spPr/>
+        <p:txBody>
+          <a:bodyPr>
+            <a:normAutofit fontScale="92500" lnSpcReduction="10000"/>
+          </a:bodyPr>
+          <a:lstStyle/>
+          <a:p>
+            <a:pPr marL="0" indent="0">
+              <a:buNone/>
+            </a:pPr>
+            <a:r>
+              <a:rPr lang="en-US" dirty="0" smtClean="0"/>
+              <a:t>Advantages</a:t>
+            </a:r>
+          </a:p>
+          <a:p>
+            <a:pPr lvl="1"/>
+            <a:r>
+              <a:rPr lang="en-US" dirty="0" smtClean="0"/>
+              <a:t>More efficient project coordination</a:t>
+            </a:r>
+          </a:p>
+          <a:p>
+            <a:pPr lvl="1"/>
+            <a:r>
+              <a:rPr lang="en-US" dirty="0" smtClean="0"/>
+              <a:t>Enhanced regulatory compliance</a:t>
+            </a:r>
+          </a:p>
+          <a:p>
+            <a:pPr lvl="1"/>
+            <a:r>
+              <a:rPr lang="en-US" dirty="0" smtClean="0"/>
+              <a:t>Infrastructure capacity for grant proposals</a:t>
+            </a:r>
+          </a:p>
+          <a:p>
+            <a:pPr lvl="1"/>
+            <a:r>
+              <a:rPr lang="en-US" dirty="0" smtClean="0"/>
+              <a:t>Higher quality research</a:t>
+            </a:r>
+          </a:p>
+          <a:p>
+            <a:pPr lvl="1"/>
+            <a:endParaRPr lang="en-US" dirty="0" smtClean="0"/>
+          </a:p>
+          <a:p>
+            <a:pPr marL="0" indent="0">
+              <a:buNone/>
+            </a:pPr>
+            <a:r>
+              <a:rPr lang="en-US" dirty="0" smtClean="0"/>
+              <a:t>Marketing outreach</a:t>
+            </a:r>
+          </a:p>
+          <a:p>
+            <a:pPr lvl="1"/>
+            <a:r>
+              <a:rPr lang="en-US" dirty="0" smtClean="0"/>
+              <a:t>Campus email</a:t>
+            </a:r>
+          </a:p>
+          <a:p>
+            <a:pPr lvl="1"/>
+            <a:r>
+              <a:rPr lang="en-US" dirty="0" smtClean="0"/>
+              <a:t>Local </a:t>
+            </a:r>
+            <a:r>
+              <a:rPr lang="en-US" dirty="0" err="1" smtClean="0"/>
+              <a:t>REDCap</a:t>
+            </a:r>
+            <a:r>
+              <a:rPr lang="en-US" dirty="0" smtClean="0"/>
+              <a:t> research </a:t>
+            </a:r>
+            <a:r>
+              <a:rPr lang="en-US" dirty="0" smtClean="0"/>
+              <a:t>symposium</a:t>
+            </a:r>
+          </a:p>
+          <a:p>
+            <a:pPr lvl="1"/>
+            <a:r>
+              <a:rPr lang="en-US" dirty="0" smtClean="0"/>
+              <a:t>Routine campus Q&amp;A sessions</a:t>
+            </a:r>
+            <a:endParaRPr lang="en-US" dirty="0" smtClean="0"/>
+          </a:p>
+          <a:p>
+            <a:pPr lvl="1"/>
+            <a:endParaRPr lang="en-US" dirty="0" smtClean="0"/>
+          </a:p>
+          <a:p>
+            <a:pPr lvl="1"/>
+            <a:endParaRPr lang="en-US" dirty="0"/>
+          </a:p>
+        </p:txBody>
+      </p:sp>
+    </p:spTree>
+    <p:extLst>
+      <p:ext uri="{BB962C8B-B14F-4D97-AF65-F5344CB8AC3E}">
+        <p14:creationId xmlns:p14="http://schemas.microsoft.com/office/powerpoint/2010/main" val="4291205497"/>
+      </p:ext>
+    </p:extLst>
+  </p:cSld>
+  <p:clrMapOvr>
+    <a:masterClrMapping/>
+  </p:clrMapOvr>
+</p:sld>
+</file>
+
+<file path=ppt/slides/slide27.xml><?xml version="1.0" encoding="utf-8"?>
+<p:sld xmlns:a="http://schemas.openxmlformats.org/drawingml/2006/main" xmlns:r="http://schemas.openxmlformats.org/officeDocument/2006/relationships" xmlns:p="http://schemas.openxmlformats.org/presentationml/2006/main">
+  <p:cSld>
+    <p:spTree>
+      <p:nvGrpSpPr>
+        <p:cNvPr id="1" name=""/>
+        <p:cNvGrpSpPr/>
+        <p:nvPr/>
+      </p:nvGrpSpPr>
+      <p:grpSpPr>
+        <a:xfrm>
+          <a:off x="0" y="0"/>
+          <a:ext cx="0" cy="0"/>
+          <a:chOff x="0" y="0"/>
+          <a:chExt cx="0" cy="0"/>
+        </a:xfrm>
+      </p:grpSpPr>
+      <p:sp>
+        <p:nvSpPr>
+          <p:cNvPr id="2" name="Title 1"/>
+          <p:cNvSpPr>
+            <a:spLocks noGrp="1"/>
+          </p:cNvSpPr>
+          <p:nvPr>
+            <p:ph type="title"/>
+          </p:nvPr>
+        </p:nvSpPr>
+        <p:spPr>
+          <a:xfrm>
+            <a:off x="722313" y="2743200"/>
+            <a:ext cx="7772400" cy="1362075"/>
+          </a:xfrm>
+        </p:spPr>
+        <p:txBody>
+          <a:bodyPr/>
+          <a:lstStyle/>
+          <a:p>
+            <a:r>
+              <a:rPr lang="en-US" dirty="0" smtClean="0"/>
+              <a:t>Thank you for your time and support!</a:t>
+            </a:r>
+            <a:endParaRPr lang="en-US" dirty="0"/>
+          </a:p>
+        </p:txBody>
+      </p:sp>
+      <p:sp>
+        <p:nvSpPr>
+          <p:cNvPr id="3" name="Text Placeholder 2"/>
+          <p:cNvSpPr>
+            <a:spLocks noGrp="1"/>
+          </p:cNvSpPr>
+          <p:nvPr>
+            <p:ph type="body" idx="1"/>
+          </p:nvPr>
+        </p:nvSpPr>
+        <p:spPr/>
+        <p:txBody>
+          <a:bodyPr/>
+          <a:lstStyle/>
+          <a:p>
+            <a:r>
+              <a:rPr lang="en-US" dirty="0" smtClean="0"/>
+              <a:t>Please direct correspondence to David-Bard@ouhsc.edu</a:t>
+            </a:r>
+            <a:endParaRPr lang="en-US" dirty="0"/>
+          </a:p>
+        </p:txBody>
+      </p:sp>
+      <p:pic>
+        <p:nvPicPr>
+          <p:cNvPr id="4" name="Picture 2" descr="BBMC"/>
+          <p:cNvPicPr>
+            <a:picLocks noChangeAspect="1" noChangeArrowheads="1"/>
+          </p:cNvPicPr>
+          <p:nvPr/>
+        </p:nvPicPr>
+        <p:blipFill>
+          <a:blip r:embed="rId2" cstate="print">
+            <a:extLst>
+              <a:ext uri="{28A0092B-C50C-407E-A947-70E740481C1C}">
+                <a14:useLocalDpi xmlns:a14="http://schemas.microsoft.com/office/drawing/2010/main" val="0"/>
+              </a:ext>
+            </a:extLst>
+          </a:blip>
+          <a:srcRect/>
+          <a:stretch>
+            <a:fillRect/>
+          </a:stretch>
+        </p:blipFill>
+        <p:spPr bwMode="auto">
+          <a:xfrm>
+            <a:off x="1" y="12575"/>
+            <a:ext cx="1282826" cy="1282826"/>
+          </a:xfrm>
+          <a:prstGeom prst="rect">
+            <a:avLst/>
+          </a:prstGeom>
+          <a:noFill/>
+          <a:extLst>
+            <a:ext uri="{909E8E84-426E-40DD-AFC4-6F175D3DCCD1}">
+              <a14:hiddenFill xmlns:a14="http://schemas.microsoft.com/office/drawing/2010/main">
+                <a:solidFill>
+                  <a:srgbClr val="FFFFFF"/>
+                </a:solidFill>
+              </a14:hiddenFill>
+            </a:ext>
+          </a:extLst>
+        </p:spPr>
+      </p:pic>
+      <p:pic>
+        <p:nvPicPr>
+          <p:cNvPr id="5" name="Picture 4" descr="OSCTR"/>
+          <p:cNvPicPr>
+            <a:picLocks noChangeAspect="1" noChangeArrowheads="1"/>
+          </p:cNvPicPr>
+          <p:nvPr/>
+        </p:nvPicPr>
+        <p:blipFill>
+          <a:blip r:embed="rId3" cstate="print">
+            <a:extLst>
+              <a:ext uri="{28A0092B-C50C-407E-A947-70E740481C1C}">
+                <a14:useLocalDpi xmlns:a14="http://schemas.microsoft.com/office/drawing/2010/main" val="0"/>
+              </a:ext>
+            </a:extLst>
+          </a:blip>
+          <a:srcRect/>
+          <a:stretch>
+            <a:fillRect/>
+          </a:stretch>
+        </p:blipFill>
+        <p:spPr bwMode="auto">
+          <a:xfrm>
+            <a:off x="5976653" y="1"/>
+            <a:ext cx="3169250" cy="1295400"/>
+          </a:xfrm>
+          <a:prstGeom prst="rect">
+            <a:avLst/>
+          </a:prstGeom>
+          <a:noFill/>
+          <a:extLst>
+            <a:ext uri="{909E8E84-426E-40DD-AFC4-6F175D3DCCD1}">
+              <a14:hiddenFill xmlns:a14="http://schemas.microsoft.com/office/drawing/2010/main">
+                <a:solidFill>
+                  <a:srgbClr val="FFFFFF"/>
+                </a:solidFill>
+              </a14:hiddenFill>
+            </a:ext>
+          </a:extLst>
+        </p:spPr>
+      </p:pic>
+      <p:pic>
+        <p:nvPicPr>
+          <p:cNvPr id="2054" name="Picture 6" descr="https://ouitservices.service-now.com/ess_portal/ou-it-logo.png"/>
+          <p:cNvPicPr>
+            <a:picLocks noChangeAspect="1" noChangeArrowheads="1"/>
+          </p:cNvPicPr>
+          <p:nvPr/>
+        </p:nvPicPr>
+        <p:blipFill>
+          <a:blip r:embed="rId4">
+            <a:extLst>
+              <a:ext uri="{28A0092B-C50C-407E-A947-70E740481C1C}">
+                <a14:useLocalDpi xmlns:a14="http://schemas.microsoft.com/office/drawing/2010/main" val="0"/>
+              </a:ext>
+            </a:extLst>
+          </a:blip>
+          <a:srcRect/>
+          <a:stretch>
+            <a:fillRect/>
+          </a:stretch>
+        </p:blipFill>
+        <p:spPr bwMode="auto">
+          <a:xfrm>
+            <a:off x="1504950" y="390525"/>
+            <a:ext cx="4514850" cy="523875"/>
+          </a:xfrm>
+          <a:prstGeom prst="rect">
+            <a:avLst/>
+          </a:prstGeom>
+          <a:noFill/>
+          <a:extLst>
+            <a:ext uri="{909E8E84-426E-40DD-AFC4-6F175D3DCCD1}">
+              <a14:hiddenFill xmlns:a14="http://schemas.microsoft.com/office/drawing/2010/main">
+                <a:solidFill>
+                  <a:srgbClr val="FFFFFF"/>
+                </a:solidFill>
+              </a14:hiddenFill>
+            </a:ext>
+          </a:extLst>
+        </p:spPr>
+      </p:pic>
+    </p:spTree>
+    <p:extLst>
+      <p:ext uri="{BB962C8B-B14F-4D97-AF65-F5344CB8AC3E}">
+        <p14:creationId xmlns:p14="http://schemas.microsoft.com/office/powerpoint/2010/main" val="3809532938"/>
+      </p:ext>
+    </p:extLst>
+  </p:cSld>
+  <p:clrMapOvr>
+    <a:masterClrMapping/>
+  </p:clrMapOvr>
+</p:sld>
+</file>
+
+<file path=ppt/slides/slide28.xml><?xml version="1.0" encoding="utf-8"?>
+<p:sld xmlns:a="http://schemas.openxmlformats.org/drawingml/2006/main" xmlns:r="http://schemas.openxmlformats.org/officeDocument/2006/relationships" xmlns:p="http://schemas.openxmlformats.org/presentationml/2006/main">
+  <p:cSld>
+    <p:spTree>
+      <p:nvGrpSpPr>
+        <p:cNvPr id="1" name=""/>
+        <p:cNvGrpSpPr/>
+        <p:nvPr/>
+      </p:nvGrpSpPr>
+      <p:grpSpPr>
+        <a:xfrm>
+          <a:off x="0" y="0"/>
+          <a:ext cx="0" cy="0"/>
+          <a:chOff x="0" y="0"/>
+          <a:chExt cx="0" cy="0"/>
+        </a:xfrm>
+      </p:grpSpPr>
+      <p:sp>
+        <p:nvSpPr>
+          <p:cNvPr id="2" name="Title 1"/>
+          <p:cNvSpPr>
+            <a:spLocks noGrp="1"/>
+          </p:cNvSpPr>
+          <p:nvPr>
+            <p:ph type="title"/>
+          </p:nvPr>
+        </p:nvSpPr>
+        <p:spPr/>
+        <p:txBody>
+          <a:bodyPr/>
+          <a:lstStyle/>
+          <a:p>
+            <a:r>
               <a:rPr lang="en-US" smtClean="0"/>
               <a:t>REDCap 2014 Consortium Survey</a:t>
             </a:r>
@@ -6926,11 +7132,7 @@
           </p:cNvGraphicFramePr>
           <p:nvPr>
             <p:ph idx="1"/>
-            <p:extLst>
-              <p:ext uri="{D42A27DB-BD31-4B8C-83A1-F6EECF244321}">
-                <p14:modId xmlns:p14="http://schemas.microsoft.com/office/powerpoint/2010/main" val="1004678425"/>
-              </p:ext>
-            </p:extLst>
+            <p:extLst/>
           </p:nvPr>
         </p:nvGraphicFramePr>
         <p:xfrm>
@@ -7529,7 +7731,7 @@
     </p:spTree>
     <p:extLst>
       <p:ext uri="{BB962C8B-B14F-4D97-AF65-F5344CB8AC3E}">
-        <p14:creationId xmlns:p14="http://schemas.microsoft.com/office/powerpoint/2010/main" val="2636788266"/>
+        <p14:creationId xmlns:p14="http://schemas.microsoft.com/office/powerpoint/2010/main" val="1733861364"/>
       </p:ext>
     </p:extLst>
   </p:cSld>
@@ -7554,7 +7756,7 @@
 </p:sld>
 </file>
 
-<file path=ppt/slides/slide26.xml><?xml version="1.0" encoding="utf-8"?>
+<file path=ppt/slides/slide29.xml><?xml version="1.0" encoding="utf-8"?>
 <p:sld xmlns:a="http://schemas.openxmlformats.org/drawingml/2006/main" xmlns:r="http://schemas.openxmlformats.org/officeDocument/2006/relationships" xmlns:p="http://schemas.openxmlformats.org/presentationml/2006/main">
   <p:cSld>
     <p:spTree>
@@ -7620,11 +7822,7 @@
             <a:graphicFrameLocks noGrp="1"/>
           </p:cNvGraphicFramePr>
           <p:nvPr>
-            <p:extLst>
-              <p:ext uri="{D42A27DB-BD31-4B8C-83A1-F6EECF244321}">
-                <p14:modId xmlns:p14="http://schemas.microsoft.com/office/powerpoint/2010/main" val="4265619765"/>
-              </p:ext>
-            </p:extLst>
+            <p:extLst/>
           </p:nvPr>
         </p:nvGraphicFramePr>
         <p:xfrm>
@@ -7881,7 +8079,7 @@
     </p:spTree>
     <p:extLst>
       <p:ext uri="{BB962C8B-B14F-4D97-AF65-F5344CB8AC3E}">
-        <p14:creationId xmlns:p14="http://schemas.microsoft.com/office/powerpoint/2010/main" val="2949868323"/>
+        <p14:creationId xmlns:p14="http://schemas.microsoft.com/office/powerpoint/2010/main" val="1071745467"/>
       </p:ext>
     </p:extLst>
   </p:cSld>
@@ -7906,321 +8104,6 @@
 </p:sld>
 </file>
 
-<file path=ppt/slides/slide27.xml><?xml version="1.0" encoding="utf-8"?>
-<p:sld xmlns:a="http://schemas.openxmlformats.org/drawingml/2006/main" xmlns:r="http://schemas.openxmlformats.org/officeDocument/2006/relationships" xmlns:p="http://schemas.openxmlformats.org/presentationml/2006/main">
-  <p:cSld>
-    <p:spTree>
-      <p:nvGrpSpPr>
-        <p:cNvPr id="1" name=""/>
-        <p:cNvGrpSpPr/>
-        <p:nvPr/>
-      </p:nvGrpSpPr>
-      <p:grpSpPr>
-        <a:xfrm>
-          <a:off x="0" y="0"/>
-          <a:ext cx="0" cy="0"/>
-          <a:chOff x="0" y="0"/>
-          <a:chExt cx="0" cy="0"/>
-        </a:xfrm>
-      </p:grpSpPr>
-      <p:sp>
-        <p:nvSpPr>
-          <p:cNvPr id="2" name="Title 1"/>
-          <p:cNvSpPr>
-            <a:spLocks noGrp="1"/>
-          </p:cNvSpPr>
-          <p:nvPr>
-            <p:ph type="title"/>
-          </p:nvPr>
-        </p:nvSpPr>
-        <p:spPr/>
-        <p:txBody>
-          <a:bodyPr/>
-          <a:lstStyle/>
-          <a:p>
-            <a:endParaRPr lang="en-US"/>
-          </a:p>
-        </p:txBody>
-      </p:sp>
-      <p:sp>
-        <p:nvSpPr>
-          <p:cNvPr id="3" name="Content Placeholder 2"/>
-          <p:cNvSpPr>
-            <a:spLocks noGrp="1"/>
-          </p:cNvSpPr>
-          <p:nvPr>
-            <p:ph idx="1"/>
-          </p:nvPr>
-        </p:nvSpPr>
-        <p:spPr/>
-        <p:txBody>
-          <a:bodyPr>
-            <a:normAutofit fontScale="77500" lnSpcReduction="20000"/>
-          </a:bodyPr>
-          <a:lstStyle/>
-          <a:p>
-            <a:r>
-              <a:rPr lang="en-US" dirty="0"/>
-              <a:t>REDCap Charge per use fee</a:t>
-            </a:r>
-          </a:p>
-          <a:p>
-            <a:r>
-              <a:rPr lang="en-US" dirty="0"/>
-              <a:t>Alex </a:t>
-            </a:r>
-            <a:r>
-              <a:rPr lang="en-US" dirty="0" err="1"/>
-              <a:t>Peshansky</a:t>
-            </a:r>
-            <a:r>
-              <a:rPr lang="en-US" dirty="0"/>
-              <a:t>- $4000 per REDCap project and $150/hour if they develop the project or do any extra programming</a:t>
-            </a:r>
-          </a:p>
-          <a:p>
-            <a:r>
-              <a:rPr lang="en-US" dirty="0"/>
-              <a:t>Susan C Guerrero-$500 for groups who want to build their own project.  Large projects or those who don’t want to build it themselves $100/programmers $125 project management.  With 10%-15% increase per year</a:t>
-            </a:r>
-          </a:p>
-          <a:p>
-            <a:r>
-              <a:rPr lang="en-US" dirty="0"/>
-              <a:t>University of Minnesota: Sue Lowry $100/hour to help people setup project or develop</a:t>
-            </a:r>
-          </a:p>
-          <a:p>
-            <a:r>
-              <a:rPr lang="en-US" dirty="0"/>
-              <a:t> </a:t>
-            </a:r>
-          </a:p>
-          <a:p>
-            <a:r>
-              <a:rPr lang="en-US" dirty="0"/>
-              <a:t>Georgetown: Clinton Finch $70/hour</a:t>
-            </a:r>
-          </a:p>
-          <a:p>
-            <a:r>
-              <a:rPr lang="en-US" dirty="0"/>
-              <a:t>Andy Martin: No charge for REDCap with 3-4 </a:t>
-            </a:r>
-            <a:r>
-              <a:rPr lang="en-US" dirty="0" smtClean="0"/>
-              <a:t>hours of assistance</a:t>
-            </a:r>
-            <a:r>
-              <a:rPr lang="en-US" dirty="0"/>
-              <a:t>.</a:t>
-            </a:r>
-          </a:p>
-          <a:p>
-            <a:endParaRPr lang="en-US" dirty="0"/>
-          </a:p>
-        </p:txBody>
-      </p:sp>
-    </p:spTree>
-    <p:extLst>
-      <p:ext uri="{BB962C8B-B14F-4D97-AF65-F5344CB8AC3E}">
-        <p14:creationId xmlns:p14="http://schemas.microsoft.com/office/powerpoint/2010/main" val="2268518704"/>
-      </p:ext>
-    </p:extLst>
-  </p:cSld>
-  <p:clrMapOvr>
-    <a:masterClrMapping/>
-  </p:clrMapOvr>
-</p:sld>
-</file>
-
-<file path=ppt/slides/slide28.xml><?xml version="1.0" encoding="utf-8"?>
-<p:sld xmlns:a="http://schemas.openxmlformats.org/drawingml/2006/main" xmlns:r="http://schemas.openxmlformats.org/officeDocument/2006/relationships" xmlns:p="http://schemas.openxmlformats.org/presentationml/2006/main">
-  <p:cSld>
-    <p:spTree>
-      <p:nvGrpSpPr>
-        <p:cNvPr id="1" name=""/>
-        <p:cNvGrpSpPr/>
-        <p:nvPr/>
-      </p:nvGrpSpPr>
-      <p:grpSpPr>
-        <a:xfrm>
-          <a:off x="0" y="0"/>
-          <a:ext cx="0" cy="0"/>
-          <a:chOff x="0" y="0"/>
-          <a:chExt cx="0" cy="0"/>
-        </a:xfrm>
-      </p:grpSpPr>
-      <p:sp>
-        <p:nvSpPr>
-          <p:cNvPr id="2" name="Title 1"/>
-          <p:cNvSpPr>
-            <a:spLocks noGrp="1"/>
-          </p:cNvSpPr>
-          <p:nvPr>
-            <p:ph type="title"/>
-          </p:nvPr>
-        </p:nvSpPr>
-        <p:spPr/>
-        <p:txBody>
-          <a:bodyPr>
-            <a:normAutofit/>
-          </a:bodyPr>
-          <a:lstStyle/>
-          <a:p>
-            <a:r>
-              <a:rPr lang="en-US" dirty="0"/>
-              <a:t>REDCap avoiding HIPAA </a:t>
-            </a:r>
-            <a:r>
-              <a:rPr lang="en-US" dirty="0" smtClean="0"/>
-              <a:t>violations</a:t>
-            </a:r>
-            <a:endParaRPr lang="en-US" dirty="0"/>
-          </a:p>
-        </p:txBody>
-      </p:sp>
-      <p:sp>
-        <p:nvSpPr>
-          <p:cNvPr id="3" name="Content Placeholder 2"/>
-          <p:cNvSpPr>
-            <a:spLocks noGrp="1"/>
-          </p:cNvSpPr>
-          <p:nvPr>
-            <p:ph idx="1"/>
-          </p:nvPr>
-        </p:nvSpPr>
-        <p:spPr/>
-        <p:txBody>
-          <a:bodyPr/>
-          <a:lstStyle/>
-          <a:p>
-            <a:endParaRPr lang="en-US" dirty="0"/>
-          </a:p>
-        </p:txBody>
-      </p:sp>
-    </p:spTree>
-    <p:extLst>
-      <p:ext uri="{BB962C8B-B14F-4D97-AF65-F5344CB8AC3E}">
-        <p14:creationId xmlns:p14="http://schemas.microsoft.com/office/powerpoint/2010/main" val="4291205497"/>
-      </p:ext>
-    </p:extLst>
-  </p:cSld>
-  <p:clrMapOvr>
-    <a:masterClrMapping/>
-  </p:clrMapOvr>
-</p:sld>
-</file>
-
-<file path=ppt/slides/slide29.xml><?xml version="1.0" encoding="utf-8"?>
-<p:sld xmlns:a="http://schemas.openxmlformats.org/drawingml/2006/main" xmlns:r="http://schemas.openxmlformats.org/officeDocument/2006/relationships" xmlns:p="http://schemas.openxmlformats.org/presentationml/2006/main">
-  <p:cSld>
-    <p:spTree>
-      <p:nvGrpSpPr>
-        <p:cNvPr id="1" name=""/>
-        <p:cNvGrpSpPr/>
-        <p:nvPr/>
-      </p:nvGrpSpPr>
-      <p:grpSpPr>
-        <a:xfrm>
-          <a:off x="0" y="0"/>
-          <a:ext cx="0" cy="0"/>
-          <a:chOff x="0" y="0"/>
-          <a:chExt cx="0" cy="0"/>
-        </a:xfrm>
-      </p:grpSpPr>
-      <p:sp>
-        <p:nvSpPr>
-          <p:cNvPr id="2" name="Title 1"/>
-          <p:cNvSpPr>
-            <a:spLocks noGrp="1"/>
-          </p:cNvSpPr>
-          <p:nvPr>
-            <p:ph type="title"/>
-          </p:nvPr>
-        </p:nvSpPr>
-        <p:spPr/>
-        <p:txBody>
-          <a:bodyPr>
-            <a:normAutofit/>
-          </a:bodyPr>
-          <a:lstStyle/>
-          <a:p>
-            <a:r>
-              <a:rPr lang="en-US" dirty="0" smtClean="0"/>
-              <a:t>OUHSC IT FTE request questions</a:t>
-            </a:r>
-            <a:endParaRPr lang="en-US" dirty="0"/>
-          </a:p>
-        </p:txBody>
-      </p:sp>
-      <p:sp>
-        <p:nvSpPr>
-          <p:cNvPr id="3" name="Content Placeholder 2"/>
-          <p:cNvSpPr>
-            <a:spLocks noGrp="1"/>
-          </p:cNvSpPr>
-          <p:nvPr>
-            <p:ph idx="1"/>
-          </p:nvPr>
-        </p:nvSpPr>
-        <p:spPr/>
-        <p:txBody>
-          <a:bodyPr/>
-          <a:lstStyle/>
-          <a:p>
-            <a:r>
-              <a:rPr lang="en-US" dirty="0"/>
-              <a:t>How will the support add up to the 10% and 5% FTE’s?  This is an estimate</a:t>
-            </a:r>
-          </a:p>
-          <a:p>
-            <a:r>
-              <a:rPr lang="en-US" dirty="0"/>
-              <a:t>How often have you had to submit tickets for these types of requests? 4-5 times</a:t>
-            </a:r>
-          </a:p>
-          <a:p>
-            <a:r>
-              <a:rPr lang="en-US" dirty="0"/>
-              <a:t>Have you been submitting these to </a:t>
-            </a:r>
-            <a:r>
-              <a:rPr lang="en-US" u="sng" dirty="0">
-                <a:hlinkClick r:id="rId2"/>
-              </a:rPr>
-              <a:t>ouitservices@service-now.com</a:t>
-            </a:r>
-            <a:r>
-              <a:rPr lang="en-US" dirty="0"/>
-              <a:t> or to individual contacts at IT? </a:t>
-            </a:r>
-            <a:r>
-              <a:rPr lang="en-US" u="sng" dirty="0">
-                <a:hlinkClick r:id="rId2"/>
-              </a:rPr>
-              <a:t>ouitservices@service-now.com</a:t>
-            </a:r>
-            <a:endParaRPr lang="en-US" dirty="0"/>
-          </a:p>
-          <a:p>
-            <a:endParaRPr lang="en-US" dirty="0"/>
-          </a:p>
-        </p:txBody>
-      </p:sp>
-    </p:spTree>
-    <p:extLst>
-      <p:ext uri="{BB962C8B-B14F-4D97-AF65-F5344CB8AC3E}">
-        <p14:creationId xmlns:p14="http://schemas.microsoft.com/office/powerpoint/2010/main" val="3294766665"/>
-      </p:ext>
-    </p:extLst>
-  </p:cSld>
-  <p:clrMapOvr>
-    <a:masterClrMapping/>
-  </p:clrMapOvr>
-</p:sld>
-</file>
-
 <file path=ppt/slides/slide3.xml><?xml version="1.0" encoding="utf-8"?>
 <p:sld xmlns:a="http://schemas.openxmlformats.org/drawingml/2006/main" xmlns:r="http://schemas.openxmlformats.org/officeDocument/2006/relationships" xmlns:p="http://schemas.openxmlformats.org/presentationml/2006/main">
   <p:cSld>
@@ -8274,130 +8157,120 @@
         <p:spPr/>
         <p:txBody>
           <a:bodyPr>
-            <a:normAutofit fontScale="92500" lnSpcReduction="10000"/>
+            <a:normAutofit fontScale="85000" lnSpcReduction="10000"/>
           </a:bodyPr>
           <a:lstStyle/>
           <a:p>
             <a:r>
-              <a:rPr lang="en-US" dirty="0" smtClean="0">
-                <a:solidFill>
-                  <a:srgbClr val="00B050"/>
-                </a:solidFill>
-              </a:rPr>
+              <a:rPr lang="en-US" dirty="0" smtClean="0"/>
               <a:t>Quick review infrastructure and management</a:t>
             </a:r>
           </a:p>
           <a:p>
             <a:r>
-              <a:rPr lang="en-US" dirty="0" smtClean="0">
-                <a:solidFill>
-                  <a:srgbClr val="00B050"/>
-                </a:solidFill>
-              </a:rPr>
-              <a:t>Quick review of Appropriate Use Policy</a:t>
-            </a:r>
-          </a:p>
-          <a:p>
-            <a:r>
-              <a:rPr lang="en-US" dirty="0" smtClean="0">
-                <a:solidFill>
-                  <a:srgbClr val="00B050"/>
-                </a:solidFill>
-              </a:rPr>
-              <a:t>Reasoning behind a new support contract</a:t>
-            </a:r>
-          </a:p>
-          <a:p>
-            <a:r>
-              <a:rPr lang="en-US" dirty="0" err="1" smtClean="0">
-                <a:solidFill>
-                  <a:srgbClr val="00B050"/>
-                </a:solidFill>
-              </a:rPr>
+              <a:rPr lang="en-US" dirty="0" smtClean="0"/>
+              <a:t>Update on the HSC Clinical </a:t>
+            </a:r>
+            <a:r>
+              <a:rPr lang="en-US" dirty="0"/>
+              <a:t>Data </a:t>
+            </a:r>
+            <a:r>
+              <a:rPr lang="en-US" dirty="0" smtClean="0"/>
+              <a:t>Warehouse</a:t>
+            </a:r>
+          </a:p>
+          <a:p>
+            <a:r>
+              <a:rPr lang="en-US" dirty="0" err="1" smtClean="0"/>
               <a:t>REDCapCon</a:t>
             </a:r>
             <a:r>
-              <a:rPr lang="en-US" dirty="0" smtClean="0">
-                <a:solidFill>
-                  <a:srgbClr val="00B050"/>
-                </a:solidFill>
-              </a:rPr>
-              <a:t> 2014 review</a:t>
-            </a:r>
-          </a:p>
-          <a:p>
-            <a:r>
-              <a:rPr lang="en-US" dirty="0" smtClean="0">
-                <a:solidFill>
-                  <a:srgbClr val="00B050"/>
-                </a:solidFill>
-              </a:rPr>
+              <a:rPr lang="en-US" dirty="0" smtClean="0"/>
+              <a:t> 2015 review</a:t>
+            </a:r>
+          </a:p>
+          <a:p>
+            <a:r>
+              <a:rPr lang="en-US" dirty="0" smtClean="0"/>
+              <a:t>2015-16 </a:t>
+            </a:r>
+            <a:r>
+              <a:rPr lang="en-US" dirty="0" err="1" smtClean="0"/>
+              <a:t>REDCap</a:t>
+            </a:r>
+            <a:r>
+              <a:rPr lang="en-US" dirty="0" smtClean="0"/>
+              <a:t> training schedule and use statistics</a:t>
+            </a:r>
+          </a:p>
+          <a:p>
+            <a:r>
+              <a:rPr lang="en-US" dirty="0"/>
+              <a:t>Quick review of the current support </a:t>
+            </a:r>
+            <a:r>
+              <a:rPr lang="en-US" dirty="0" smtClean="0"/>
+              <a:t>contract</a:t>
+            </a:r>
+          </a:p>
+          <a:p>
+            <a:r>
+              <a:rPr lang="en-US" dirty="0" smtClean="0"/>
               <a:t>New business</a:t>
             </a:r>
           </a:p>
           <a:p>
             <a:pPr lvl="1"/>
             <a:r>
-              <a:rPr lang="en-US" dirty="0" smtClean="0">
-                <a:solidFill>
-                  <a:srgbClr val="00B050"/>
-                </a:solidFill>
-              </a:rPr>
+              <a:rPr lang="en-US" dirty="0" smtClean="0"/>
               <a:t>Sustaining </a:t>
             </a:r>
             <a:r>
-              <a:rPr lang="en-US" dirty="0" err="1" smtClean="0">
-                <a:solidFill>
-                  <a:srgbClr val="00B050"/>
-                </a:solidFill>
-              </a:rPr>
+              <a:rPr lang="en-US" dirty="0" err="1" smtClean="0"/>
               <a:t>REDCap</a:t>
             </a:r>
             <a:r>
-              <a:rPr lang="en-US" dirty="0" smtClean="0">
-                <a:solidFill>
-                  <a:srgbClr val="00B050"/>
-                </a:solidFill>
-              </a:rPr>
-              <a:t> long-term</a:t>
-            </a:r>
-          </a:p>
-          <a:p>
-            <a:pPr lvl="1"/>
-            <a:r>
-              <a:rPr lang="en-US" dirty="0" smtClean="0">
-                <a:solidFill>
-                  <a:srgbClr val="00B050"/>
-                </a:solidFill>
-              </a:rPr>
+              <a:rPr lang="en-US" dirty="0" smtClean="0"/>
+              <a:t> </a:t>
+            </a:r>
+          </a:p>
+          <a:p>
+            <a:pPr lvl="1"/>
+            <a:r>
+              <a:rPr lang="en-US" dirty="0" smtClean="0"/>
+              <a:t>Protocols for development and use of Plug-ins and Hooks</a:t>
+            </a:r>
+          </a:p>
+          <a:p>
+            <a:pPr lvl="1"/>
+            <a:r>
+              <a:rPr lang="en-US" dirty="0" smtClean="0"/>
+              <a:t>Offsite access capabilities</a:t>
+            </a:r>
+          </a:p>
+          <a:p>
+            <a:pPr lvl="1"/>
+            <a:r>
+              <a:rPr lang="en-US" dirty="0"/>
               <a:t>Opening </a:t>
             </a:r>
             <a:r>
-              <a:rPr lang="en-US" dirty="0" err="1" smtClean="0">
-                <a:solidFill>
-                  <a:srgbClr val="00B050"/>
-                </a:solidFill>
-              </a:rPr>
+              <a:rPr lang="en-US" dirty="0" err="1"/>
               <a:t>REDCap</a:t>
             </a:r>
             <a:r>
-              <a:rPr lang="en-US" dirty="0" smtClean="0">
-                <a:solidFill>
-                  <a:srgbClr val="00B050"/>
-                </a:solidFill>
-              </a:rPr>
+              <a:rPr lang="en-US" dirty="0"/>
               <a:t> to wider community of users</a:t>
             </a:r>
           </a:p>
           <a:p>
-            <a:r>
-              <a:rPr lang="en-US" dirty="0" smtClean="0">
-                <a:solidFill>
-                  <a:srgbClr val="00B050"/>
-                </a:solidFill>
-              </a:rPr>
-              <a:t>Unveil blueprints to new OU Clinical Data Warehouse</a:t>
-            </a:r>
+            <a:pPr lvl="1"/>
+            <a:endParaRPr lang="en-US" dirty="0" smtClean="0">
+              <a:solidFill>
+                <a:srgbClr val="00B050"/>
+              </a:solidFill>
+            </a:endParaRPr>
           </a:p>
           <a:p>
             <a:pPr lvl="1"/>
@@ -8451,10 +8324,9 @@
           <a:lstStyle/>
           <a:p>
             <a:r>
-              <a:rPr lang="en-US" dirty="0" smtClean="0"/>
+              <a:rPr lang="en-US" dirty="0"/>
               <a:t>Infrastructure and Management</a:t>
             </a:r>
-            <a:endParaRPr lang="en-US" dirty="0"/>
           </a:p>
         </p:txBody>
       </p:sp>
@@ -8471,108 +8343,132 @@
         <p:spPr/>
         <p:txBody>
           <a:bodyPr>
-            <a:normAutofit/>
+            <a:normAutofit fontScale="85000" lnSpcReduction="20000"/>
           </a:bodyPr>
           <a:lstStyle/>
           <a:p>
-            <a:r>
-              <a:rPr lang="en-US" sz="1800" dirty="0"/>
+            <a:pPr marL="0" indent="0">
+              <a:buNone/>
+            </a:pPr>
+            <a:r>
+              <a:rPr lang="en-US" sz="2800" dirty="0"/>
               <a:t>Three </a:t>
             </a:r>
             <a:r>
-              <a:rPr lang="en-US" sz="1800" dirty="0" err="1"/>
+              <a:rPr lang="en-US" sz="2800" dirty="0" err="1"/>
               <a:t>REDCap</a:t>
             </a:r>
             <a:r>
-              <a:rPr lang="en-US" sz="1800" dirty="0"/>
-              <a:t> instances:</a:t>
-            </a:r>
-          </a:p>
-          <a:p>
-            <a:pPr lvl="1"/>
-            <a:r>
-              <a:rPr lang="en-US" sz="1500" dirty="0"/>
+              <a:rPr lang="en-US" sz="2800" dirty="0"/>
+              <a:t> instances</a:t>
+            </a:r>
+            <a:r>
+              <a:rPr lang="en-US" sz="2800" dirty="0" smtClean="0"/>
+              <a:t>:</a:t>
+            </a:r>
+            <a:endParaRPr lang="en-US" sz="2800" dirty="0"/>
+          </a:p>
+          <a:p>
+            <a:pPr lvl="1"/>
+            <a:r>
+              <a:rPr lang="en-US" sz="2400" dirty="0"/>
+              <a:t>Development Box- testing and development instance jointly managed by BBMC &amp; BERD</a:t>
+            </a:r>
+          </a:p>
+          <a:p>
+            <a:pPr lvl="1"/>
+            <a:r>
+              <a:rPr lang="en-US" sz="2400" dirty="0" smtClean="0"/>
+              <a:t>Enterprise </a:t>
+            </a:r>
+            <a:r>
+              <a:rPr lang="en-US" sz="2400" dirty="0"/>
+              <a:t>Box- a production instance managed by the OSCTR BERD Core and available to </a:t>
+            </a:r>
+            <a:r>
+              <a:rPr lang="en-US" sz="2400" dirty="0" smtClean="0"/>
+              <a:t>all</a:t>
+            </a:r>
+          </a:p>
+          <a:p>
+            <a:pPr lvl="1"/>
+            <a:r>
+              <a:rPr lang="en-US" sz="2400" dirty="0"/>
               <a:t>BBMC Box- production instance managed by BBMC and primarily used by </a:t>
             </a:r>
             <a:r>
-              <a:rPr lang="en-US" sz="1500" dirty="0" err="1"/>
+              <a:rPr lang="en-US" sz="2400" dirty="0" err="1"/>
               <a:t>Peds</a:t>
             </a:r>
             <a:r>
-              <a:rPr lang="en-US" sz="1500" dirty="0"/>
-              <a:t> colleagues</a:t>
-            </a:r>
-          </a:p>
-          <a:p>
-            <a:pPr lvl="1"/>
-            <a:r>
-              <a:rPr lang="en-US" sz="1500" dirty="0"/>
-              <a:t>Enterprise Box- a production instance managed by the OSCTR BERD Core and available to all</a:t>
-            </a:r>
-          </a:p>
-          <a:p>
-            <a:pPr lvl="1"/>
-            <a:r>
-              <a:rPr lang="en-US" sz="1500" dirty="0"/>
-              <a:t>Development Box- testing and development instance jointly managed by BBMC &amp; BERD</a:t>
-            </a:r>
-          </a:p>
-          <a:p>
-            <a:pPr lvl="1"/>
-            <a:endParaRPr lang="en-US" sz="1500" dirty="0"/>
-          </a:p>
-          <a:p>
-            <a:pPr marL="171450" lvl="2">
-              <a:spcBef>
-                <a:spcPts val="750"/>
-              </a:spcBef>
+              <a:rPr lang="en-US" sz="2400" dirty="0"/>
+              <a:t> </a:t>
+            </a:r>
+            <a:r>
+              <a:rPr lang="en-US" sz="2400" dirty="0" smtClean="0"/>
+              <a:t>colleagues</a:t>
+            </a:r>
+          </a:p>
+          <a:p>
+            <a:pPr lvl="1"/>
+            <a:endParaRPr lang="en-US" sz="2400" dirty="0" smtClean="0"/>
+          </a:p>
+          <a:p>
+            <a:pPr marL="0" indent="0">
+              <a:buNone/>
             </a:pPr>
             <a:r>
-              <a:rPr lang="en-US" sz="1800" dirty="0"/>
+              <a:rPr lang="en-US" sz="2800" dirty="0" smtClean="0"/>
+              <a:t>Enterprise </a:t>
+            </a:r>
+            <a:r>
+              <a:rPr lang="en-US" sz="2800" dirty="0"/>
+              <a:t>and Dev Boxes funded through OSCTR </a:t>
+            </a:r>
+            <a:r>
+              <a:rPr lang="en-US" sz="2800" dirty="0" smtClean="0"/>
+              <a:t>funds; </a:t>
+            </a:r>
+            <a:r>
+              <a:rPr lang="en-US" sz="2800" dirty="0"/>
               <a:t>BBMC box funded through </a:t>
             </a:r>
             <a:r>
-              <a:rPr lang="en-US" sz="1800" dirty="0" err="1"/>
+              <a:rPr lang="en-US" sz="2800" dirty="0" err="1"/>
               <a:t>Peds</a:t>
             </a:r>
             <a:r>
-              <a:rPr lang="en-US" sz="1800" dirty="0"/>
-              <a:t> grant and contracts monies; Enterprise and Dev Boxes funded through OSCTR funds</a:t>
-            </a:r>
-          </a:p>
-          <a:p>
-            <a:pPr marL="171450" lvl="2">
-              <a:spcBef>
-                <a:spcPts val="750"/>
-              </a:spcBef>
+              <a:rPr lang="en-US" sz="2800" dirty="0"/>
+              <a:t> grant and contracts </a:t>
+            </a:r>
+            <a:r>
+              <a:rPr lang="en-US" sz="2800" dirty="0" smtClean="0"/>
+              <a:t>monies</a:t>
+            </a:r>
+          </a:p>
+          <a:p>
+            <a:endParaRPr lang="en-US" sz="2800" dirty="0" smtClean="0"/>
+          </a:p>
+          <a:p>
+            <a:pPr marL="0" indent="0">
+              <a:buNone/>
             </a:pPr>
-            <a:endParaRPr lang="en-US" sz="1800" dirty="0"/>
-          </a:p>
-          <a:p>
-            <a:pPr marL="171450" lvl="2">
-              <a:spcBef>
-                <a:spcPts val="750"/>
-              </a:spcBef>
-            </a:pPr>
-            <a:r>
-              <a:rPr lang="en-US" sz="1800" dirty="0"/>
+            <a:r>
+              <a:rPr lang="en-US" sz="2800" dirty="0"/>
               <a:t>BBMC and BERD management teams collaborate and coordinate on high level issues (e.g., upgrading </a:t>
             </a:r>
             <a:r>
-              <a:rPr lang="en-US" sz="1800" dirty="0" err="1"/>
+              <a:rPr lang="en-US" sz="2800" dirty="0" err="1"/>
               <a:t>reqs</a:t>
             </a:r>
             <a:r>
-              <a:rPr lang="en-US" sz="1800" dirty="0"/>
+              <a:rPr lang="en-US" sz="2800" dirty="0"/>
               <a:t>) but production boxes operate somewhat independently</a:t>
             </a:r>
           </a:p>
           <a:p>
-            <a:pPr lvl="2"/>
-            <a:endParaRPr lang="en-US" dirty="0" smtClean="0"/>
-          </a:p>
-          <a:p>
-            <a:endParaRPr lang="en-US" dirty="0" smtClean="0"/>
+            <a:pPr lvl="1"/>
+            <a:endParaRPr lang="en-US" dirty="0"/>
           </a:p>
           <a:p>
             <a:pPr lvl="1"/>
@@ -8583,7 +8479,7 @@
     </p:spTree>
     <p:extLst>
       <p:ext uri="{BB962C8B-B14F-4D97-AF65-F5344CB8AC3E}">
-        <p14:creationId xmlns:p14="http://schemas.microsoft.com/office/powerpoint/2010/main" val="2746963966"/>
+        <p14:creationId xmlns:p14="http://schemas.microsoft.com/office/powerpoint/2010/main" val="4174916235"/>
       </p:ext>
     </p:extLst>
   </p:cSld>
@@ -8622,140 +8518,59 @@
         </p:nvSpPr>
         <p:spPr/>
         <p:txBody>
-          <a:bodyPr/>
+          <a:bodyPr>
+            <a:normAutofit fontScale="90000"/>
+          </a:bodyPr>
           <a:lstStyle/>
           <a:p>
             <a:r>
-              <a:rPr lang="en-US" dirty="0" err="1" smtClean="0"/>
-              <a:t>REDCapCon</a:t>
-            </a:r>
-            <a:r>
-              <a:rPr lang="en-US" dirty="0" smtClean="0"/>
-              <a:t> 2015 in Portland OR</a:t>
+              <a:rPr lang="en-US" dirty="0" smtClean="0"/>
+              <a:t>The Prairie Outpost </a:t>
+            </a:r>
+            <a:br>
+              <a:rPr lang="en-US" dirty="0" smtClean="0"/>
+            </a:br>
+            <a:r>
+              <a:rPr lang="en-US" dirty="0" smtClean="0"/>
+              <a:t>A CDW Ecosystem</a:t>
             </a:r>
             <a:endParaRPr lang="en-US" dirty="0"/>
           </a:p>
         </p:txBody>
       </p:sp>
-      <p:sp>
-        <p:nvSpPr>
-          <p:cNvPr id="3" name="Content Placeholder 2"/>
-          <p:cNvSpPr>
-            <a:spLocks noGrp="1"/>
-          </p:cNvSpPr>
+      <p:pic>
+        <p:nvPicPr>
+          <p:cNvPr id="4" name="Content Placeholder 3"/>
+          <p:cNvPicPr>
+            <a:picLocks noGrp="1" noChangeAspect="1"/>
+          </p:cNvPicPr>
           <p:nvPr>
             <p:ph idx="1"/>
           </p:nvPr>
-        </p:nvSpPr>
+        </p:nvPicPr>
+        <p:blipFill>
+          <a:blip r:embed="rId2" cstate="print">
+            <a:extLst>
+              <a:ext uri="{28A0092B-C50C-407E-A947-70E740481C1C}">
+                <a14:useLocalDpi xmlns:a14="http://schemas.microsoft.com/office/drawing/2010/main" val="0"/>
+              </a:ext>
+            </a:extLst>
+          </a:blip>
+          <a:stretch>
+            <a:fillRect/>
+          </a:stretch>
+        </p:blipFill>
         <p:spPr>
           <a:xfrm>
-            <a:off x="457200" y="1600200"/>
-            <a:ext cx="8229600" cy="5029200"/>
+            <a:off x="1513326" y="2357459"/>
+            <a:ext cx="6117349" cy="3001524"/>
           </a:xfrm>
         </p:spPr>
-        <p:txBody>
-          <a:bodyPr>
-            <a:normAutofit/>
-          </a:bodyPr>
-          <a:lstStyle/>
-          <a:p>
-            <a:r>
-              <a:rPr lang="en-US" dirty="0" smtClean="0">
-                <a:solidFill>
-                  <a:srgbClr val="00B050"/>
-                </a:solidFill>
-              </a:rPr>
-              <a:t>Three OU attendees last year </a:t>
-            </a:r>
-          </a:p>
-          <a:p>
-            <a:pPr lvl="1"/>
-            <a:r>
-              <a:rPr lang="en-US" dirty="0" smtClean="0">
-                <a:solidFill>
-                  <a:srgbClr val="00B050"/>
-                </a:solidFill>
-              </a:rPr>
-              <a:t>(Wilson, Kota, &amp; Beasley)</a:t>
-            </a:r>
-          </a:p>
-          <a:p>
-            <a:r>
-              <a:rPr lang="en-US" dirty="0"/>
-              <a:t>Need titles &amp; awards</a:t>
-            </a:r>
-          </a:p>
-          <a:p>
-            <a:r>
-              <a:rPr lang="en-US" dirty="0" smtClean="0">
-                <a:solidFill>
-                  <a:srgbClr val="00B050"/>
-                </a:solidFill>
-              </a:rPr>
-              <a:t>New Offline REDCap technology mature</a:t>
-            </a:r>
-          </a:p>
-          <a:p>
-            <a:r>
-              <a:rPr lang="en-US" dirty="0" smtClean="0">
-                <a:solidFill>
-                  <a:srgbClr val="00B050"/>
-                </a:solidFill>
-              </a:rPr>
-              <a:t>Launch national repository for training material</a:t>
-            </a:r>
-          </a:p>
-          <a:p>
-            <a:r>
-              <a:rPr lang="en-US" dirty="0" smtClean="0">
-                <a:solidFill>
-                  <a:srgbClr val="00B050"/>
-                </a:solidFill>
-              </a:rPr>
-              <a:t>Committee Memberships </a:t>
-            </a:r>
-            <a:br>
-              <a:rPr lang="en-US" dirty="0" smtClean="0">
-                <a:solidFill>
-                  <a:srgbClr val="00B050"/>
-                </a:solidFill>
-              </a:rPr>
-            </a:br>
-            <a:r>
-              <a:rPr lang="en-US" dirty="0" smtClean="0">
-                <a:solidFill>
-                  <a:srgbClr val="00B050"/>
-                </a:solidFill>
-              </a:rPr>
-              <a:t>(Wilson in Training Committee;</a:t>
-            </a:r>
-            <a:br>
-              <a:rPr lang="en-US" dirty="0" smtClean="0">
-                <a:solidFill>
-                  <a:srgbClr val="00B050"/>
-                </a:solidFill>
-              </a:rPr>
-            </a:br>
-            <a:r>
-              <a:rPr lang="en-US" dirty="0" smtClean="0">
-                <a:solidFill>
-                  <a:srgbClr val="00B050"/>
-                </a:solidFill>
-              </a:rPr>
-              <a:t>Beasley in Development Committee)</a:t>
-            </a:r>
-            <a:endParaRPr lang="en-US" dirty="0">
-              <a:solidFill>
-                <a:srgbClr val="00B050"/>
-              </a:solidFill>
-            </a:endParaRPr>
-          </a:p>
-        </p:txBody>
-      </p:sp>
+      </p:pic>
     </p:spTree>
     <p:extLst>
       <p:ext uri="{BB962C8B-B14F-4D97-AF65-F5344CB8AC3E}">
-        <p14:creationId xmlns:p14="http://schemas.microsoft.com/office/powerpoint/2010/main" val="1794142928"/>
+        <p14:creationId xmlns:p14="http://schemas.microsoft.com/office/powerpoint/2010/main" val="1150177428"/>
       </p:ext>
     </p:extLst>
   </p:cSld>
@@ -8794,111 +8609,179 @@
         </p:nvSpPr>
         <p:spPr/>
         <p:txBody>
+          <a:bodyPr/>
+          <a:lstStyle/>
+          <a:p>
+            <a:r>
+              <a:rPr lang="en-US" dirty="0" smtClean="0"/>
+              <a:t>Prairie Outpost Progress Report</a:t>
+            </a:r>
+            <a:endParaRPr lang="en-US" dirty="0"/>
+          </a:p>
+        </p:txBody>
+      </p:sp>
+      <p:sp>
+        <p:nvSpPr>
+          <p:cNvPr id="3" name="Content Placeholder 2"/>
+          <p:cNvSpPr>
+            <a:spLocks noGrp="1"/>
+          </p:cNvSpPr>
+          <p:nvPr>
+            <p:ph idx="1"/>
+          </p:nvPr>
+        </p:nvSpPr>
+        <p:spPr/>
+        <p:txBody>
           <a:bodyPr>
-            <a:normAutofit/>
+            <a:normAutofit fontScale="77500" lnSpcReduction="20000"/>
           </a:bodyPr>
           <a:lstStyle/>
           <a:p>
-            <a:r>
-              <a:rPr lang="en-US" dirty="0" smtClean="0"/>
-              <a:t>REDCap Training Statistics</a:t>
-            </a:r>
+            <a:pPr marL="0" indent="0">
+              <a:buNone/>
+            </a:pPr>
+            <a:r>
+              <a:rPr lang="en-US" dirty="0" smtClean="0"/>
+              <a:t>Fully staffed</a:t>
+            </a:r>
+          </a:p>
+          <a:p>
+            <a:pPr lvl="1"/>
+            <a:r>
+              <a:rPr lang="en-US" dirty="0" smtClean="0"/>
+              <a:t>Project leads: Beasley, Bard, Nagykaldi</a:t>
+            </a:r>
+          </a:p>
+          <a:p>
+            <a:pPr lvl="1"/>
+            <a:r>
+              <a:rPr lang="en-US" dirty="0" smtClean="0"/>
+              <a:t>Database Admin: Sreeharsha Mandem</a:t>
+            </a:r>
+          </a:p>
+          <a:p>
+            <a:pPr lvl="1"/>
+            <a:r>
+              <a:rPr lang="en-US" dirty="0" smtClean="0"/>
+              <a:t>Investigator liaison: Zabrina Antry</a:t>
+            </a:r>
+          </a:p>
+          <a:p>
+            <a:pPr marL="0" indent="0">
+              <a:buNone/>
+            </a:pPr>
+            <a:r>
+              <a:rPr lang="en-US" dirty="0" smtClean="0"/>
+              <a:t>Security reviews complete</a:t>
+            </a:r>
+          </a:p>
+          <a:p>
+            <a:pPr marL="0" indent="0">
+              <a:buNone/>
+            </a:pPr>
+            <a:r>
+              <a:rPr lang="en-US" dirty="0" smtClean="0"/>
+              <a:t>Software infrastructure complete</a:t>
+            </a:r>
+          </a:p>
+          <a:p>
+            <a:pPr marL="0" indent="0">
+              <a:buNone/>
+            </a:pPr>
+            <a:r>
+              <a:rPr lang="en-US" dirty="0" smtClean="0"/>
+              <a:t>Centricity data feeds now accessible</a:t>
+            </a:r>
+          </a:p>
+          <a:p>
+            <a:pPr marL="0" indent="0">
+              <a:buNone/>
+            </a:pPr>
+            <a:r>
+              <a:rPr lang="en-US" dirty="0" smtClean="0"/>
+              <a:t>Three pilot projects underway</a:t>
+            </a:r>
+          </a:p>
+          <a:p>
+            <a:pPr lvl="1"/>
+            <a:r>
+              <a:rPr lang="en-US" dirty="0"/>
+              <a:t>epidemiology of obesity among </a:t>
+            </a:r>
+            <a:r>
+              <a:rPr lang="en-US" dirty="0" smtClean="0"/>
+              <a:t>adolescents</a:t>
+            </a:r>
+          </a:p>
+          <a:p>
+            <a:pPr lvl="1"/>
+            <a:r>
+              <a:rPr lang="en-US" dirty="0" smtClean="0"/>
+              <a:t>Cost-effectiveness of </a:t>
+            </a:r>
+            <a:r>
+              <a:rPr lang="en-US" dirty="0" err="1" smtClean="0"/>
+              <a:t>Dx</a:t>
+            </a:r>
+            <a:r>
+              <a:rPr lang="en-US" dirty="0" smtClean="0"/>
+              <a:t> genetics </a:t>
+            </a:r>
+            <a:r>
+              <a:rPr lang="en-US" dirty="0"/>
+              <a:t>testing </a:t>
+            </a:r>
+            <a:r>
+              <a:rPr lang="en-US" dirty="0" smtClean="0"/>
+              <a:t>protocols</a:t>
+            </a:r>
+          </a:p>
+          <a:p>
+            <a:pPr lvl="1"/>
+            <a:r>
+              <a:rPr lang="en-US" dirty="0"/>
+              <a:t>ADHD </a:t>
+            </a:r>
+            <a:r>
+              <a:rPr lang="en-US" dirty="0" smtClean="0"/>
+              <a:t>Rx management </a:t>
+            </a:r>
+            <a:r>
+              <a:rPr lang="en-US" dirty="0"/>
+              <a:t>and patient compliance</a:t>
+            </a:r>
+            <a:r>
+              <a:rPr lang="en-US" dirty="0" smtClean="0"/>
+              <a:t> </a:t>
+            </a:r>
+          </a:p>
+          <a:p>
+            <a:pPr marL="0" indent="0">
+              <a:buNone/>
+            </a:pPr>
+            <a:r>
+              <a:rPr lang="en-US" dirty="0" err="1" smtClean="0"/>
+              <a:t>Meditech</a:t>
+            </a:r>
+            <a:r>
+              <a:rPr lang="en-US" dirty="0" smtClean="0"/>
+              <a:t> feeds?</a:t>
+            </a:r>
+          </a:p>
+          <a:p>
+            <a:pPr lvl="1"/>
+            <a:endParaRPr lang="en-US" dirty="0" smtClean="0"/>
+          </a:p>
+          <a:p>
+            <a:pPr lvl="1"/>
             <a:endParaRPr lang="en-US" dirty="0"/>
-          </a:p>
-        </p:txBody>
-      </p:sp>
-      <p:sp>
-        <p:nvSpPr>
-          <p:cNvPr id="3" name="Content Placeholder 2"/>
-          <p:cNvSpPr>
-            <a:spLocks noGrp="1"/>
-          </p:cNvSpPr>
-          <p:nvPr>
-            <p:ph idx="1"/>
-          </p:nvPr>
-        </p:nvSpPr>
-        <p:spPr>
-          <a:xfrm>
-            <a:off x="228600" y="1600200"/>
-            <a:ext cx="8763000" cy="5181600"/>
-          </a:xfrm>
-        </p:spPr>
-        <p:txBody>
-          <a:bodyPr>
-            <a:normAutofit/>
-          </a:bodyPr>
-          <a:lstStyle/>
-          <a:p>
-            <a:pPr marL="0" indent="0">
-              <a:buNone/>
-            </a:pPr>
-            <a:r>
-              <a:rPr lang="en-US" dirty="0" smtClean="0"/>
-              <a:t>Training 2015</a:t>
-            </a:r>
-            <a:endParaRPr lang="en-US" dirty="0"/>
-          </a:p>
-          <a:p>
-            <a:pPr lvl="1"/>
-            <a:r>
-              <a:rPr lang="en-US" dirty="0" smtClean="0"/>
-              <a:t>12 Sessions</a:t>
-            </a:r>
-          </a:p>
-          <a:p>
-            <a:pPr lvl="1"/>
-            <a:r>
-              <a:rPr lang="en-US" dirty="0" smtClean="0"/>
-              <a:t>78 Individuals Trained</a:t>
-            </a:r>
-          </a:p>
-          <a:p>
-            <a:pPr lvl="1"/>
-            <a:r>
-              <a:rPr lang="en-US" dirty="0" smtClean="0"/>
-              <a:t>19 Hours of Training</a:t>
-            </a:r>
-          </a:p>
-          <a:p>
-            <a:pPr marL="0" indent="0">
-              <a:buNone/>
-            </a:pPr>
-            <a:r>
-              <a:rPr lang="en-US" dirty="0" smtClean="0"/>
-              <a:t>Training Sessions 2016 </a:t>
-            </a:r>
-            <a:r>
-              <a:rPr lang="en-US" sz="2000" dirty="0" smtClean="0"/>
-              <a:t>(2016-01-01 to 2016-04-22)</a:t>
-            </a:r>
-          </a:p>
-          <a:p>
-            <a:pPr lvl="1"/>
-            <a:r>
-              <a:rPr lang="en-US" dirty="0" smtClean="0"/>
-              <a:t>4 Sessions</a:t>
-            </a:r>
-          </a:p>
-          <a:p>
-            <a:pPr lvl="1"/>
-            <a:r>
-              <a:rPr lang="en-US" dirty="0" smtClean="0"/>
-              <a:t>32 Individuals Trained</a:t>
-            </a:r>
-          </a:p>
-          <a:p>
-            <a:pPr lvl="1"/>
-            <a:r>
-              <a:rPr lang="en-US" dirty="0" smtClean="0"/>
-              <a:t>5 Hours of Training</a:t>
-            </a:r>
           </a:p>
         </p:txBody>
       </p:sp>
     </p:spTree>
     <p:extLst>
       <p:ext uri="{BB962C8B-B14F-4D97-AF65-F5344CB8AC3E}">
-        <p14:creationId xmlns:p14="http://schemas.microsoft.com/office/powerpoint/2010/main" val="272399104"/>
+        <p14:creationId xmlns:p14="http://schemas.microsoft.com/office/powerpoint/2010/main" val="2876929140"/>
       </p:ext>
     </p:extLst>
   </p:cSld>
@@ -8937,14 +8820,16 @@
         </p:nvSpPr>
         <p:spPr/>
         <p:txBody>
-          <a:bodyPr>
-            <a:normAutofit/>
-          </a:bodyPr>
+          <a:bodyPr/>
           <a:lstStyle/>
           <a:p>
             <a:r>
-              <a:rPr lang="en-US" dirty="0" smtClean="0"/>
-              <a:t>BBMC REDCap Use Statistics</a:t>
+              <a:rPr lang="en-US" dirty="0" err="1" smtClean="0"/>
+              <a:t>REDCapCon</a:t>
+            </a:r>
+            <a:r>
+              <a:rPr lang="en-US" dirty="0" smtClean="0"/>
+              <a:t> 2015 in Portland, OR</a:t>
             </a:r>
             <a:endParaRPr lang="en-US" dirty="0"/>
           </a:p>
@@ -8963,102 +8848,136 @@
         <p:spPr>
           <a:xfrm>
             <a:off x="457200" y="1600200"/>
-            <a:ext cx="8229600" cy="5181600"/>
+            <a:ext cx="8229600" cy="5029200"/>
           </a:xfrm>
         </p:spPr>
         <p:txBody>
           <a:bodyPr>
-            <a:normAutofit lnSpcReduction="10000"/>
+            <a:normAutofit fontScale="77500" lnSpcReduction="20000"/>
           </a:bodyPr>
           <a:lstStyle/>
           <a:p>
-            <a:pPr marL="0" lvl="1" indent="0">
+            <a:pPr marL="0" indent="0">
               <a:buNone/>
             </a:pPr>
             <a:r>
               <a:rPr lang="en-US" dirty="0" smtClean="0"/>
-              <a:t>106 Production, 99 Development, 1 Inactive, 1 Archived Projects</a:t>
-            </a:r>
-          </a:p>
-          <a:p>
-            <a:pPr lvl="1"/>
-            <a:r>
-              <a:rPr lang="en-US" dirty="0" smtClean="0"/>
-              <a:t>144 Research</a:t>
-            </a:r>
-          </a:p>
-          <a:p>
-            <a:pPr lvl="2"/>
-            <a:r>
-              <a:rPr lang="en-US" dirty="0" smtClean="0"/>
-              <a:t>7 Basic or Bench Research</a:t>
-            </a:r>
-          </a:p>
-          <a:p>
-            <a:pPr lvl="2"/>
-            <a:r>
-              <a:rPr lang="en-US" dirty="0" smtClean="0"/>
-              <a:t>42 Clinical Research Study or Trial</a:t>
-            </a:r>
+              <a:t>Three OUHSC attendees last year </a:t>
+            </a:r>
+          </a:p>
+          <a:p>
+            <a:pPr lvl="1"/>
+            <a:r>
+              <a:rPr lang="en-US" dirty="0" smtClean="0"/>
+              <a:t>(Wilson, Kota, &amp; Beasley)</a:t>
+            </a:r>
+          </a:p>
+          <a:p>
+            <a:pPr lvl="1"/>
+            <a:r>
+              <a:rPr lang="en-US" dirty="0"/>
+              <a:t>New Features Since Version 6.0, Real </a:t>
+            </a:r>
+            <a:r>
+              <a:rPr lang="en-US" dirty="0" smtClean="0"/>
+              <a:t>Experiences (Wilson moderated)</a:t>
+            </a:r>
+          </a:p>
+          <a:p>
+            <a:pPr lvl="1"/>
+            <a:r>
+              <a:rPr lang="en-US" dirty="0" err="1"/>
+              <a:t>REDCap</a:t>
+            </a:r>
+            <a:r>
+              <a:rPr lang="en-US" dirty="0"/>
+              <a:t> Systems </a:t>
+            </a:r>
+            <a:r>
+              <a:rPr lang="en-US" dirty="0" smtClean="0"/>
+              <a:t>Integration (Beasley moderated)</a:t>
+            </a:r>
+          </a:p>
+          <a:p>
+            <a:pPr lvl="1"/>
+            <a:r>
+              <a:rPr lang="en-US" dirty="0" smtClean="0"/>
+              <a:t>OUHSC placed 2</a:t>
+            </a:r>
+            <a:r>
+              <a:rPr lang="en-US" baseline="30000" dirty="0" smtClean="0"/>
+              <a:t>nd</a:t>
+            </a:r>
+            <a:r>
+              <a:rPr lang="en-US" dirty="0" smtClean="0"/>
+              <a:t> in </a:t>
+            </a:r>
+            <a:r>
+              <a:rPr lang="en-US" dirty="0" err="1" smtClean="0"/>
+              <a:t>natl</a:t>
+            </a:r>
+            <a:r>
+              <a:rPr lang="en-US" dirty="0" smtClean="0"/>
+              <a:t> training website competition</a:t>
+            </a:r>
+          </a:p>
+          <a:p>
+            <a:pPr lvl="1"/>
             <a:endParaRPr lang="en-US" dirty="0"/>
           </a:p>
           <a:p>
-            <a:pPr lvl="2"/>
-            <a:r>
-              <a:rPr lang="en-US" dirty="0" smtClean="0"/>
-              <a:t>6 Translational Research</a:t>
-            </a:r>
-          </a:p>
-          <a:p>
-            <a:pPr lvl="2"/>
+            <a:pPr marL="0" indent="0">
+              <a:buNone/>
+            </a:pPr>
+            <a:r>
+              <a:rPr lang="en-US" dirty="0" smtClean="0"/>
+              <a:t>New Offline REDCap technology maturing</a:t>
+            </a:r>
+          </a:p>
+          <a:p>
+            <a:pPr marL="0" indent="0">
+              <a:buNone/>
+            </a:pPr>
+            <a:endParaRPr lang="en-US" dirty="0" smtClean="0"/>
+          </a:p>
+          <a:p>
+            <a:pPr marL="0" indent="0">
+              <a:buNone/>
+            </a:pPr>
+            <a:r>
+              <a:rPr lang="en-US" dirty="0" smtClean="0"/>
+              <a:t>Launch national repository for training material</a:t>
+            </a:r>
+          </a:p>
+          <a:p>
+            <a:pPr marL="0" indent="0">
+              <a:buNone/>
+            </a:pPr>
+            <a:endParaRPr lang="en-US" dirty="0" smtClean="0"/>
+          </a:p>
+          <a:p>
+            <a:pPr marL="0" indent="0">
+              <a:buNone/>
+            </a:pPr>
+            <a:r>
+              <a:rPr lang="en-US" dirty="0" smtClean="0"/>
+              <a:t>Committee Memberships </a:t>
+            </a:r>
+          </a:p>
+          <a:p>
+            <a:pPr lvl="1"/>
+            <a:r>
+              <a:rPr lang="en-US" dirty="0" smtClean="0"/>
+              <a:t>(Wilson on Training Committee; Beasley </a:t>
+            </a:r>
             <a:r>
               <a:rPr lang="en-US" dirty="0"/>
-              <a:t>8</a:t>
-            </a:r>
-            <a:r>
-              <a:rPr lang="en-US" dirty="0" smtClean="0"/>
-              <a:t>1 Behavioral or Psychosocial Research Studies</a:t>
-            </a:r>
-          </a:p>
-          <a:p>
-            <a:pPr lvl="2"/>
-            <a:r>
-              <a:rPr lang="en-US" dirty="0" smtClean="0"/>
-              <a:t>4 Repository</a:t>
-            </a:r>
-          </a:p>
-          <a:p>
-            <a:pPr lvl="2"/>
-            <a:r>
-              <a:rPr lang="en-US" dirty="0" smtClean="0"/>
-              <a:t>8 Other</a:t>
-            </a:r>
-          </a:p>
-          <a:p>
-            <a:pPr lvl="1"/>
-            <a:r>
-              <a:rPr lang="en-US" dirty="0" smtClean="0"/>
-              <a:t>29 Operational Support</a:t>
-            </a:r>
-          </a:p>
-          <a:p>
-            <a:pPr lvl="1"/>
-            <a:r>
-              <a:rPr lang="en-US" dirty="0" smtClean="0"/>
-              <a:t>19 Quality Improvement</a:t>
-            </a:r>
-          </a:p>
-          <a:p>
-            <a:pPr lvl="1"/>
-            <a:r>
-              <a:rPr lang="en-US" dirty="0" smtClean="0"/>
-              <a:t>14 Other</a:t>
-            </a:r>
-          </a:p>
-          <a:p>
-            <a:pPr marL="1371600" lvl="3" indent="0">
-              <a:buNone/>
-            </a:pPr>
+              <a:t>o</a:t>
+            </a:r>
+            <a:r>
+              <a:rPr lang="en-US" dirty="0" smtClean="0"/>
+              <a:t>n Development Committee)</a:t>
+            </a:r>
             <a:endParaRPr lang="en-US" dirty="0"/>
           </a:p>
         </p:txBody>
@@ -9066,7 +8985,7 @@
     </p:spTree>
     <p:extLst>
       <p:ext uri="{BB962C8B-B14F-4D97-AF65-F5344CB8AC3E}">
-        <p14:creationId xmlns:p14="http://schemas.microsoft.com/office/powerpoint/2010/main" val="4057375540"/>
+        <p14:creationId xmlns:p14="http://schemas.microsoft.com/office/powerpoint/2010/main" val="1794142928"/>
       </p:ext>
     </p:extLst>
   </p:cSld>
@@ -9112,7 +9031,7 @@
           <a:p>
             <a:r>
               <a:rPr lang="en-US" dirty="0" smtClean="0"/>
-              <a:t>BBMC REDCap Use Statistics</a:t>
+              <a:t>REDCap Training Statistics</a:t>
             </a:r>
             <a:endParaRPr lang="en-US" dirty="0"/>
           </a:p>
@@ -9130,8 +9049,8 @@
         </p:nvSpPr>
         <p:spPr>
           <a:xfrm>
-            <a:off x="457200" y="1600200"/>
-            <a:ext cx="8229600" cy="5181600"/>
+            <a:off x="228600" y="1600200"/>
+            <a:ext cx="8763000" cy="5181600"/>
           </a:xfrm>
         </p:spPr>
         <p:txBody>
@@ -9145,49 +9064,71 @@
             </a:pPr>
             <a:r>
               <a:rPr lang="en-US" dirty="0" smtClean="0"/>
-              <a:t>Users</a:t>
-            </a:r>
-          </a:p>
-          <a:p>
-            <a:pPr lvl="1"/>
-            <a:r>
-              <a:rPr lang="en-US" dirty="0" smtClean="0"/>
-              <a:t>300 Active Users</a:t>
-            </a:r>
-          </a:p>
-          <a:p>
-            <a:pPr lvl="1"/>
-            <a:r>
-              <a:rPr lang="en-US" dirty="0" smtClean="0"/>
-              <a:t>2,592,243 Total Logged Events</a:t>
-            </a:r>
-          </a:p>
-          <a:p>
-            <a:pPr lvl="2"/>
-            <a:r>
-              <a:rPr lang="en-US" dirty="0" smtClean="0"/>
-              <a:t>11,031 in the past 7 days</a:t>
-            </a:r>
-          </a:p>
-          <a:p>
-            <a:pPr lvl="2"/>
-            <a:r>
-              <a:rPr lang="en-US" dirty="0" smtClean="0"/>
-              <a:t>65,671 in the past 30 days</a:t>
-            </a:r>
-          </a:p>
-          <a:p>
-            <a:pPr marL="1371600" lvl="3" indent="0">
+              <a:t>Training 2015</a:t>
+            </a:r>
+            <a:endParaRPr lang="en-US" dirty="0"/>
+          </a:p>
+          <a:p>
+            <a:pPr lvl="1"/>
+            <a:r>
+              <a:rPr lang="en-US" dirty="0" smtClean="0"/>
+              <a:t>12 Sessions</a:t>
+            </a:r>
+          </a:p>
+          <a:p>
+            <a:pPr lvl="1"/>
+            <a:r>
+              <a:rPr lang="en-US" dirty="0" smtClean="0"/>
+              <a:t>78 Individuals Trained</a:t>
+            </a:r>
+          </a:p>
+          <a:p>
+            <a:pPr lvl="1"/>
+            <a:r>
+              <a:rPr lang="en-US" dirty="0" smtClean="0"/>
+              <a:t>19 Hours of Training</a:t>
+            </a:r>
+          </a:p>
+          <a:p>
+            <a:pPr marL="0" indent="0">
               <a:buNone/>
             </a:pPr>
-            <a:endParaRPr lang="en-US" dirty="0"/>
+            <a:r>
+              <a:rPr lang="en-US" dirty="0" smtClean="0"/>
+              <a:t>Training Sessions 2016 </a:t>
+            </a:r>
+            <a:r>
+              <a:rPr lang="en-US" sz="2000" dirty="0" smtClean="0"/>
+              <a:t>(2016-01-01 to 2016-04-22)</a:t>
+            </a:r>
+          </a:p>
+          <a:p>
+            <a:pPr lvl="1"/>
+            <a:r>
+              <a:rPr lang="en-US" dirty="0" smtClean="0"/>
+              <a:t>4 Sessions</a:t>
+            </a:r>
+          </a:p>
+          <a:p>
+            <a:pPr lvl="1"/>
+            <a:r>
+              <a:rPr lang="en-US" dirty="0" smtClean="0"/>
+              <a:t>32 Individuals Trained</a:t>
+            </a:r>
+          </a:p>
+          <a:p>
+            <a:pPr lvl="1"/>
+            <a:r>
+              <a:rPr lang="en-US" dirty="0" smtClean="0"/>
+              <a:t>5 Hours of Training</a:t>
+            </a:r>
           </a:p>
         </p:txBody>
       </p:sp>
     </p:spTree>
     <p:extLst>
       <p:ext uri="{BB962C8B-B14F-4D97-AF65-F5344CB8AC3E}">
-        <p14:creationId xmlns:p14="http://schemas.microsoft.com/office/powerpoint/2010/main" val="2363140178"/>
+        <p14:creationId xmlns:p14="http://schemas.microsoft.com/office/powerpoint/2010/main" val="272399104"/>
       </p:ext>
     </p:extLst>
   </p:cSld>
@@ -9214,70 +9155,6 @@
           <a:chExt cx="0" cy="0"/>
         </a:xfrm>
       </p:grpSpPr>
-      <p:pic>
-        <p:nvPicPr>
-          <p:cNvPr id="4" name="Picture 2"/>
-          <p:cNvPicPr>
-            <a:picLocks noChangeAspect="1" noChangeArrowheads="1"/>
-          </p:cNvPicPr>
-          <p:nvPr/>
-        </p:nvPicPr>
-        <p:blipFill>
-          <a:blip r:embed="rId2">
-            <a:extLst>
-              <a:ext uri="{28A0092B-C50C-407E-A947-70E740481C1C}">
-                <a14:useLocalDpi xmlns:a14="http://schemas.microsoft.com/office/drawing/2010/main" val="0"/>
-              </a:ext>
-            </a:extLst>
-          </a:blip>
-          <a:srcRect/>
-          <a:stretch>
-            <a:fillRect/>
-          </a:stretch>
-        </p:blipFill>
-        <p:spPr bwMode="auto">
-          <a:xfrm>
-            <a:off x="228600" y="3505200"/>
-            <a:ext cx="5876191" cy="3209524"/>
-          </a:xfrm>
-          <a:prstGeom prst="rect">
-            <a:avLst/>
-          </a:prstGeom>
-          <a:noFill/>
-          <a:ln>
-            <a:noFill/>
-          </a:ln>
-          <a:effectLst/>
-          <a:extLst>
-            <a:ext uri="{909E8E84-426E-40DD-AFC4-6F175D3DCCD1}">
-              <a14:hiddenFill xmlns:a14="http://schemas.microsoft.com/office/drawing/2010/main">
-                <a:solidFill>
-                  <a:schemeClr val="accent1"/>
-                </a:solidFill>
-              </a14:hiddenFill>
-            </a:ext>
-            <a:ext uri="{91240B29-F687-4F45-9708-019B960494DF}">
-              <a14:hiddenLine xmlns:a14="http://schemas.microsoft.com/office/drawing/2010/main" w="9525">
-                <a:solidFill>
-                  <a:schemeClr val="tx1"/>
-                </a:solidFill>
-                <a:miter lim="800000"/>
-                <a:headEnd/>
-                <a:tailEnd/>
-              </a14:hiddenLine>
-            </a:ext>
-            <a:ext uri="{AF507438-7753-43E0-B8FC-AC1667EBCBE1}">
-              <a14:hiddenEffects xmlns:a14="http://schemas.microsoft.com/office/drawing/2010/main">
-                <a:effectLst>
-                  <a:outerShdw dist="35921" dir="2700000" algn="ctr" rotWithShape="0">
-                    <a:schemeClr val="bg2"/>
-                  </a:outerShdw>
-                </a:effectLst>
-              </a14:hiddenEffects>
-            </a:ext>
-          </a:extLst>
-        </p:spPr>
-      </p:pic>
       <p:sp>
         <p:nvSpPr>
           <p:cNvPr id="2" name="Title 1"/>
@@ -9286,98 +9163,140 @@
           </p:cNvSpPr>
           <p:nvPr>
             <p:ph type="title"/>
+          </p:nvPr>
+        </p:nvSpPr>
+        <p:spPr/>
+        <p:txBody>
+          <a:bodyPr>
+            <a:normAutofit/>
+          </a:bodyPr>
+          <a:lstStyle/>
+          <a:p>
+            <a:r>
+              <a:rPr lang="en-US" dirty="0" smtClean="0"/>
+              <a:t>BBMC REDCap Use Statistics</a:t>
+            </a:r>
+            <a:endParaRPr lang="en-US" dirty="0"/>
+          </a:p>
+        </p:txBody>
+      </p:sp>
+      <p:sp>
+        <p:nvSpPr>
+          <p:cNvPr id="3" name="Content Placeholder 2"/>
+          <p:cNvSpPr>
+            <a:spLocks noGrp="1"/>
+          </p:cNvSpPr>
+          <p:nvPr>
+            <p:ph idx="1"/>
           </p:nvPr>
         </p:nvSpPr>
         <p:spPr>
           <a:xfrm>
-            <a:off x="0" y="116177"/>
-            <a:ext cx="2743200" cy="1905000"/>
+            <a:off x="457200" y="1600200"/>
+            <a:ext cx="8229600" cy="5181600"/>
           </a:xfrm>
         </p:spPr>
         <p:txBody>
           <a:bodyPr>
-            <a:normAutofit fontScale="90000"/>
+            <a:normAutofit lnSpcReduction="10000"/>
           </a:bodyPr>
           <a:lstStyle/>
           <a:p>
-            <a:r>
-              <a:rPr lang="en-US" dirty="0" smtClean="0"/>
-              <a:t>BBMC REDCap Use Statistics</a:t>
+            <a:pPr marL="0" lvl="1" indent="0">
+              <a:buNone/>
+            </a:pPr>
+            <a:r>
+              <a:rPr lang="en-US" dirty="0" smtClean="0"/>
+              <a:t>106 Production, 99 Development, 1 Inactive, 1 Archived Projects</a:t>
+            </a:r>
+          </a:p>
+          <a:p>
+            <a:pPr lvl="1"/>
+            <a:r>
+              <a:rPr lang="en-US" dirty="0" smtClean="0"/>
+              <a:t>144 Research</a:t>
+            </a:r>
+          </a:p>
+          <a:p>
+            <a:pPr lvl="2"/>
+            <a:r>
+              <a:rPr lang="en-US" dirty="0" smtClean="0"/>
+              <a:t>7 Basic or Bench Research</a:t>
+            </a:r>
+          </a:p>
+          <a:p>
+            <a:pPr lvl="2"/>
+            <a:r>
+              <a:rPr lang="en-US" dirty="0" smtClean="0"/>
+              <a:t>42 Clinical Research Study or Trial</a:t>
             </a:r>
             <a:endParaRPr lang="en-US" dirty="0"/>
           </a:p>
-        </p:txBody>
-      </p:sp>
-      <p:pic>
-        <p:nvPicPr>
-          <p:cNvPr id="1026" name="Picture 2"/>
-          <p:cNvPicPr>
-            <a:picLocks noGrp="1" noChangeAspect="1" noChangeArrowheads="1"/>
-          </p:cNvPicPr>
-          <p:nvPr>
-            <p:ph idx="1"/>
-          </p:nvPr>
-        </p:nvPicPr>
-        <p:blipFill>
-          <a:blip r:embed="rId3">
-            <a:extLst>
-              <a:ext uri="{28A0092B-C50C-407E-A947-70E740481C1C}">
-                <a14:useLocalDpi xmlns:a14="http://schemas.microsoft.com/office/drawing/2010/main" val="0"/>
-              </a:ext>
-            </a:extLst>
-          </a:blip>
-          <a:srcRect/>
-          <a:stretch>
-            <a:fillRect/>
-          </a:stretch>
-        </p:blipFill>
-        <p:spPr bwMode="auto">
-          <a:xfrm>
-            <a:off x="3124200" y="116177"/>
-            <a:ext cx="5904762" cy="3276191"/>
-          </a:xfrm>
-          <a:prstGeom prst="rect">
-            <a:avLst/>
-          </a:prstGeom>
-          <a:noFill/>
-          <a:ln>
-            <a:noFill/>
-          </a:ln>
-          <a:effectLst/>
-          <a:extLst>
-            <a:ext uri="{909E8E84-426E-40DD-AFC4-6F175D3DCCD1}">
-              <a14:hiddenFill xmlns:a14="http://schemas.microsoft.com/office/drawing/2010/main">
-                <a:solidFill>
-                  <a:schemeClr val="accent1"/>
-                </a:solidFill>
-              </a14:hiddenFill>
-            </a:ext>
-            <a:ext uri="{91240B29-F687-4F45-9708-019B960494DF}">
-              <a14:hiddenLine xmlns:a14="http://schemas.microsoft.com/office/drawing/2010/main" w="9525">
-                <a:solidFill>
-                  <a:schemeClr val="tx1"/>
-                </a:solidFill>
-                <a:miter lim="800000"/>
-                <a:headEnd/>
-                <a:tailEnd/>
-              </a14:hiddenLine>
-            </a:ext>
-            <a:ext uri="{AF507438-7753-43E0-B8FC-AC1667EBCBE1}">
-              <a14:hiddenEffects xmlns:a14="http://schemas.microsoft.com/office/drawing/2010/main">
-                <a:effectLst>
-                  <a:outerShdw dist="35921" dir="2700000" algn="ctr" rotWithShape="0">
-                    <a:schemeClr val="bg2"/>
-                  </a:outerShdw>
-                </a:effectLst>
-              </a14:hiddenEffects>
-            </a:ext>
-          </a:extLst>
-        </p:spPr>
-      </p:pic>
+          <a:p>
+            <a:pPr lvl="2"/>
+            <a:r>
+              <a:rPr lang="en-US" dirty="0" smtClean="0"/>
+              <a:t>6 Translational Research</a:t>
+            </a:r>
+          </a:p>
+          <a:p>
+            <a:pPr lvl="2"/>
+            <a:r>
+              <a:rPr lang="en-US" dirty="0"/>
+              <a:t>8</a:t>
+            </a:r>
+            <a:r>
+              <a:rPr lang="en-US" dirty="0" smtClean="0"/>
+              <a:t>1 Behavioral or Psychosocial Research Studies</a:t>
+            </a:r>
+          </a:p>
+          <a:p>
+            <a:pPr lvl="2"/>
+            <a:r>
+              <a:rPr lang="en-US" dirty="0" smtClean="0"/>
+              <a:t>4 Repository</a:t>
+            </a:r>
+          </a:p>
+          <a:p>
+            <a:pPr lvl="2"/>
+            <a:r>
+              <a:rPr lang="en-US" dirty="0" smtClean="0"/>
+              <a:t>8 Other</a:t>
+            </a:r>
+          </a:p>
+          <a:p>
+            <a:pPr lvl="1"/>
+            <a:r>
+              <a:rPr lang="en-US" dirty="0" smtClean="0"/>
+              <a:t>29 Operational Support</a:t>
+            </a:r>
+          </a:p>
+          <a:p>
+            <a:pPr lvl="1"/>
+            <a:r>
+              <a:rPr lang="en-US" dirty="0" smtClean="0"/>
+              <a:t>19 Quality Improvement</a:t>
+            </a:r>
+          </a:p>
+          <a:p>
+            <a:pPr lvl="1"/>
+            <a:r>
+              <a:rPr lang="en-US" dirty="0" smtClean="0"/>
+              <a:t>14 Other</a:t>
+            </a:r>
+          </a:p>
+          <a:p>
+            <a:pPr marL="1371600" lvl="3" indent="0">
+              <a:buNone/>
+            </a:pPr>
+            <a:endParaRPr lang="en-US" dirty="0"/>
+          </a:p>
+        </p:txBody>
+      </p:sp>
     </p:spTree>
     <p:extLst>
       <p:ext uri="{BB962C8B-B14F-4D97-AF65-F5344CB8AC3E}">
-        <p14:creationId xmlns:p14="http://schemas.microsoft.com/office/powerpoint/2010/main" val="1398375086"/>
+        <p14:creationId xmlns:p14="http://schemas.microsoft.com/office/powerpoint/2010/main" val="4057375540"/>
       </p:ext>
     </p:extLst>
   </p:cSld>
@@ -9670,285 +9589,4 @@
   <a:objectDefaults/>
   <a:extraClrSchemeLst/>
 </a:theme>
-</file>
-
-<file path=ppt/theme/themeOverride1.xml><?xml version="1.0" encoding="utf-8"?>
-<a:themeOverride xmlns:a="http://schemas.openxmlformats.org/drawingml/2006/main">
-  <a:clrScheme name="Office">
-    <a:dk1>
-      <a:sysClr val="windowText" lastClr="000000"/>
-    </a:dk1>
-    <a:lt1>
-      <a:sysClr val="window" lastClr="FFFFFF"/>
-    </a:lt1>
-    <a:dk2>
-      <a:srgbClr val="1F497D"/>
-    </a:dk2>
-    <a:lt2>
-      <a:srgbClr val="EEECE1"/>
-    </a:lt2>
-    <a:accent1>
-      <a:srgbClr val="4F81BD"/>
-    </a:accent1>
-    <a:accent2>
-      <a:srgbClr val="C0504D"/>
-    </a:accent2>
-    <a:accent3>
-      <a:srgbClr val="9BBB59"/>
-    </a:accent3>
-    <a:accent4>
-      <a:srgbClr val="8064A2"/>
-    </a:accent4>
-    <a:accent5>
-      <a:srgbClr val="4BACC6"/>
-    </a:accent5>
-    <a:accent6>
-      <a:srgbClr val="F79646"/>
-    </a:accent6>
-    <a:hlink>
-      <a:srgbClr val="0000FF"/>
-    </a:hlink>
-    <a:folHlink>
-      <a:srgbClr val="800080"/>
-    </a:folHlink>
-  </a:clrScheme>
-  <a:fontScheme name="Office">
-    <a:majorFont>
-      <a:latin typeface="Cambria"/>
-      <a:ea typeface=""/>
-      <a:cs typeface=""/>
-      <a:font script="Jpan" typeface="ＭＳ Ｐゴシック"/>
-      <a:font script="Hang" typeface="맑은 고딕"/>
-      <a:font script="Hans" typeface="宋体"/>
-      <a:font script="Hant" typeface="新細明體"/>
-      <a:font script="Arab" typeface="Times New Roman"/>
-      <a:font script="Hebr" typeface="Times New Roman"/>
-      <a:font script="Thai" typeface="Tahoma"/>
-      <a:font script="Ethi" typeface="Nyala"/>
-      <a:font script="Beng" typeface="Vrinda"/>
-      <a:font script="Gujr" typeface="Shruti"/>
-      <a:font script="Khmr" typeface="MoolBoran"/>
-      <a:font script="Knda" typeface="Tunga"/>
-      <a:font script="Guru" typeface="Raavi"/>
-      <a:font script="Cans" typeface="Euphemia"/>
-      <a:font script="Cher" typeface="Plantagenet Cherokee"/>
-      <a:font script="Yiii" typeface="Microsoft Yi Baiti"/>
-      <a:font script="Tibt" typeface="Microsoft Himalaya"/>
-      <a:font script="Thaa" typeface="MV Boli"/>
-      <a:font script="Deva" typeface="Mangal"/>
-      <a:font script="Telu" typeface="Gautami"/>
-      <a:font script="Taml" typeface="Latha"/>
-      <a:font script="Syrc" typeface="Estrangelo Edessa"/>
-      <a:font script="Orya" typeface="Kalinga"/>
-      <a:font script="Mlym" typeface="Kartika"/>
-      <a:font script="Laoo" typeface="DokChampa"/>
-      <a:font script="Sinh" typeface="Iskoola Pota"/>
-      <a:font script="Mong" typeface="Mongolian Baiti"/>
-      <a:font script="Viet" typeface="Times New Roman"/>
-      <a:font script="Uigh" typeface="Microsoft Uighur"/>
-      <a:font script="Geor" typeface="Sylfaen"/>
-    </a:majorFont>
-    <a:minorFont>
-      <a:latin typeface="Calibri"/>
-      <a:ea typeface=""/>
-      <a:cs typeface=""/>
-      <a:font script="Jpan" typeface="ＭＳ Ｐゴシック"/>
-      <a:font script="Hang" typeface="맑은 고딕"/>
-      <a:font script="Hans" typeface="宋体"/>
-      <a:font script="Hant" typeface="新細明體"/>
-      <a:font script="Arab" typeface="Arial"/>
-      <a:font script="Hebr" typeface="Arial"/>
-      <a:font script="Thai" typeface="Tahoma"/>
-      <a:font script="Ethi" typeface="Nyala"/>
-      <a:font script="Beng" typeface="Vrinda"/>
-      <a:font script="Gujr" typeface="Shruti"/>
-      <a:font script="Khmr" typeface="DaunPenh"/>
-      <a:font script="Knda" typeface="Tunga"/>
-      <a:font script="Guru" typeface="Raavi"/>
-      <a:font script="Cans" typeface="Euphemia"/>
-      <a:font script="Cher" typeface="Plantagenet Cherokee"/>
-      <a:font script="Yiii" typeface="Microsoft Yi Baiti"/>
-      <a:font script="Tibt" typeface="Microsoft Himalaya"/>
-      <a:font script="Thaa" typeface="MV Boli"/>
-      <a:font script="Deva" typeface="Mangal"/>
-      <a:font script="Telu" typeface="Gautami"/>
-      <a:font script="Taml" typeface="Latha"/>
-      <a:font script="Syrc" typeface="Estrangelo Edessa"/>
-      <a:font script="Orya" typeface="Kalinga"/>
-      <a:font script="Mlym" typeface="Kartika"/>
-      <a:font script="Laoo" typeface="DokChampa"/>
-      <a:font script="Sinh" typeface="Iskoola Pota"/>
-      <a:font script="Mong" typeface="Mongolian Baiti"/>
-      <a:font script="Viet" typeface="Arial"/>
-      <a:font script="Uigh" typeface="Microsoft Uighur"/>
-      <a:font script="Geor" typeface="Sylfaen"/>
-    </a:minorFont>
-  </a:fontScheme>
-  <a:fmtScheme name="Office">
-    <a:fillStyleLst>
-      <a:solidFill>
-        <a:schemeClr val="phClr"/>
-      </a:solidFill>
-      <a:gradFill rotWithShape="1">
-        <a:gsLst>
-          <a:gs pos="0">
-            <a:schemeClr val="phClr">
-              <a:tint val="50000"/>
-              <a:satMod val="300000"/>
-            </a:schemeClr>
-          </a:gs>
-          <a:gs pos="35000">
-            <a:schemeClr val="phClr">
-              <a:tint val="37000"/>
-              <a:satMod val="300000"/>
-            </a:schemeClr>
-          </a:gs>
-          <a:gs pos="100000">
-            <a:schemeClr val="phClr">
-              <a:tint val="15000"/>
-              <a:satMod val="350000"/>
-            </a:schemeClr>
-          </a:gs>
-        </a:gsLst>
-        <a:lin ang="16200000" scaled="1"/>
-      </a:gradFill>
-      <a:gradFill rotWithShape="1">
-        <a:gsLst>
-          <a:gs pos="0">
-            <a:schemeClr val="phClr">
-              <a:shade val="51000"/>
-              <a:satMod val="130000"/>
-            </a:schemeClr>
-          </a:gs>
-          <a:gs pos="80000">
-            <a:schemeClr val="phClr">
-              <a:shade val="93000"/>
-              <a:satMod val="130000"/>
-            </a:schemeClr>
-          </a:gs>
-          <a:gs pos="100000">
-            <a:schemeClr val="phClr">
-              <a:shade val="94000"/>
-              <a:satMod val="135000"/>
-            </a:schemeClr>
-          </a:gs>
-        </a:gsLst>
-        <a:lin ang="16200000" scaled="0"/>
-      </a:gradFill>
-    </a:fillStyleLst>
-    <a:lnStyleLst>
-      <a:ln w="9525" cap="flat" cmpd="sng" algn="ctr">
-        <a:solidFill>
-          <a:schemeClr val="phClr">
-            <a:shade val="95000"/>
-            <a:satMod val="105000"/>
-          </a:schemeClr>
-        </a:solidFill>
-        <a:prstDash val="solid"/>
-      </a:ln>
-      <a:ln w="25400" cap="flat" cmpd="sng" algn="ctr">
-        <a:solidFill>
-          <a:schemeClr val="phClr"/>
-        </a:solidFill>
-        <a:prstDash val="solid"/>
-      </a:ln>
-      <a:ln w="38100" cap="flat" cmpd="sng" algn="ctr">
-        <a:solidFill>
-          <a:schemeClr val="phClr"/>
-        </a:solidFill>
-        <a:prstDash val="solid"/>
-      </a:ln>
-    </a:lnStyleLst>
-    <a:effectStyleLst>
-      <a:effectStyle>
-        <a:effectLst>
-          <a:outerShdw blurRad="40000" dist="20000" dir="5400000" rotWithShape="0">
-            <a:srgbClr val="000000">
-              <a:alpha val="38000"/>
-            </a:srgbClr>
-          </a:outerShdw>
-        </a:effectLst>
-      </a:effectStyle>
-      <a:effectStyle>
-        <a:effectLst>
-          <a:outerShdw blurRad="40000" dist="23000" dir="5400000" rotWithShape="0">
-            <a:srgbClr val="000000">
-              <a:alpha val="35000"/>
-            </a:srgbClr>
-          </a:outerShdw>
-        </a:effectLst>
-      </a:effectStyle>
-      <a:effectStyle>
-        <a:effectLst>
-          <a:outerShdw blurRad="40000" dist="23000" dir="5400000" rotWithShape="0">
-            <a:srgbClr val="000000">
-              <a:alpha val="35000"/>
-            </a:srgbClr>
-          </a:outerShdw>
-        </a:effectLst>
-        <a:scene3d>
-          <a:camera prst="orthographicFront">
-            <a:rot lat="0" lon="0" rev="0"/>
-          </a:camera>
-          <a:lightRig rig="threePt" dir="t">
-            <a:rot lat="0" lon="0" rev="1200000"/>
-          </a:lightRig>
-        </a:scene3d>
-        <a:sp3d>
-          <a:bevelT w="63500" h="25400"/>
-        </a:sp3d>
-      </a:effectStyle>
-    </a:effectStyleLst>
-    <a:bgFillStyleLst>
-      <a:solidFill>
-        <a:schemeClr val="phClr"/>
-      </a:solidFill>
-      <a:gradFill rotWithShape="1">
-        <a:gsLst>
-          <a:gs pos="0">
-            <a:schemeClr val="phClr">
-              <a:tint val="40000"/>
-              <a:satMod val="350000"/>
-            </a:schemeClr>
-          </a:gs>
-          <a:gs pos="40000">
-            <a:schemeClr val="phClr">
-              <a:tint val="45000"/>
-              <a:shade val="99000"/>
-              <a:satMod val="350000"/>
-            </a:schemeClr>
-          </a:gs>
-          <a:gs pos="100000">
-            <a:schemeClr val="phClr">
-              <a:shade val="20000"/>
-              <a:satMod val="255000"/>
-            </a:schemeClr>
-          </a:gs>
-        </a:gsLst>
-        <a:path path="circle">
-          <a:fillToRect l="50000" t="-80000" r="50000" b="180000"/>
-        </a:path>
-      </a:gradFill>
-      <a:gradFill rotWithShape="1">
-        <a:gsLst>
-          <a:gs pos="0">
-            <a:schemeClr val="phClr">
-              <a:tint val="80000"/>
-              <a:satMod val="300000"/>
-            </a:schemeClr>
-          </a:gs>
-          <a:gs pos="100000">
-            <a:schemeClr val="phClr">
-              <a:shade val="30000"/>
-              <a:satMod val="200000"/>
-            </a:schemeClr>
-          </a:gs>
-        </a:gsLst>
-        <a:path path="circle">
-          <a:fillToRect l="50000" t="50000" r="50000" b="50000"/>
-        </a:path>
-      </a:gradFill>
-    </a:bgFillStyleLst>
-  </a:fmtScheme>
-</a:themeOverride>
 </file>